--- a/unroteed_tree_created_by_figure_5.pptx
+++ b/unroteed_tree_created_by_figure_5.pptx
@@ -7,6 +7,13 @@
   <p:sldIdLst>
     <p:sldId id="256" r:id="rId2"/>
     <p:sldId id="257" r:id="rId3"/>
+    <p:sldId id="259" r:id="rId4"/>
+    <p:sldId id="260" r:id="rId5"/>
+    <p:sldId id="261" r:id="rId6"/>
+    <p:sldId id="262" r:id="rId7"/>
+    <p:sldId id="263" r:id="rId8"/>
+    <p:sldId id="264" r:id="rId9"/>
+    <p:sldId id="265" r:id="rId10"/>
   </p:sldIdLst>
   <p:sldSz cx="12192000" cy="6858000"/>
   <p:notesSz cx="7102475" cy="10233025"/>
@@ -260,7 +267,7 @@
           <a:p>
             <a:fld id="{CCE3BD62-2273-467C-9F39-ACC154E35B4E}" type="datetimeFigureOut">
               <a:rPr lang="it-IT" smtClean="0"/>
-              <a:t>11/06/2019</a:t>
+              <a:t>12/06/2019</a:t>
             </a:fld>
             <a:endParaRPr lang="it-IT"/>
           </a:p>
@@ -458,7 +465,7 @@
           <a:p>
             <a:fld id="{CCE3BD62-2273-467C-9F39-ACC154E35B4E}" type="datetimeFigureOut">
               <a:rPr lang="it-IT" smtClean="0"/>
-              <a:t>11/06/2019</a:t>
+              <a:t>12/06/2019</a:t>
             </a:fld>
             <a:endParaRPr lang="it-IT"/>
           </a:p>
@@ -666,7 +673,7 @@
           <a:p>
             <a:fld id="{CCE3BD62-2273-467C-9F39-ACC154E35B4E}" type="datetimeFigureOut">
               <a:rPr lang="it-IT" smtClean="0"/>
-              <a:t>11/06/2019</a:t>
+              <a:t>12/06/2019</a:t>
             </a:fld>
             <a:endParaRPr lang="it-IT"/>
           </a:p>
@@ -864,7 +871,7 @@
           <a:p>
             <a:fld id="{CCE3BD62-2273-467C-9F39-ACC154E35B4E}" type="datetimeFigureOut">
               <a:rPr lang="it-IT" smtClean="0"/>
-              <a:t>11/06/2019</a:t>
+              <a:t>12/06/2019</a:t>
             </a:fld>
             <a:endParaRPr lang="it-IT"/>
           </a:p>
@@ -1139,7 +1146,7 @@
           <a:p>
             <a:fld id="{CCE3BD62-2273-467C-9F39-ACC154E35B4E}" type="datetimeFigureOut">
               <a:rPr lang="it-IT" smtClean="0"/>
-              <a:t>11/06/2019</a:t>
+              <a:t>12/06/2019</a:t>
             </a:fld>
             <a:endParaRPr lang="it-IT"/>
           </a:p>
@@ -1404,7 +1411,7 @@
           <a:p>
             <a:fld id="{CCE3BD62-2273-467C-9F39-ACC154E35B4E}" type="datetimeFigureOut">
               <a:rPr lang="it-IT" smtClean="0"/>
-              <a:t>11/06/2019</a:t>
+              <a:t>12/06/2019</a:t>
             </a:fld>
             <a:endParaRPr lang="it-IT"/>
           </a:p>
@@ -1816,7 +1823,7 @@
           <a:p>
             <a:fld id="{CCE3BD62-2273-467C-9F39-ACC154E35B4E}" type="datetimeFigureOut">
               <a:rPr lang="it-IT" smtClean="0"/>
-              <a:t>11/06/2019</a:t>
+              <a:t>12/06/2019</a:t>
             </a:fld>
             <a:endParaRPr lang="it-IT"/>
           </a:p>
@@ -1957,7 +1964,7 @@
           <a:p>
             <a:fld id="{CCE3BD62-2273-467C-9F39-ACC154E35B4E}" type="datetimeFigureOut">
               <a:rPr lang="it-IT" smtClean="0"/>
-              <a:t>11/06/2019</a:t>
+              <a:t>12/06/2019</a:t>
             </a:fld>
             <a:endParaRPr lang="it-IT"/>
           </a:p>
@@ -2070,7 +2077,7 @@
           <a:p>
             <a:fld id="{CCE3BD62-2273-467C-9F39-ACC154E35B4E}" type="datetimeFigureOut">
               <a:rPr lang="it-IT" smtClean="0"/>
-              <a:t>11/06/2019</a:t>
+              <a:t>12/06/2019</a:t>
             </a:fld>
             <a:endParaRPr lang="it-IT"/>
           </a:p>
@@ -2381,7 +2388,7 @@
           <a:p>
             <a:fld id="{CCE3BD62-2273-467C-9F39-ACC154E35B4E}" type="datetimeFigureOut">
               <a:rPr lang="it-IT" smtClean="0"/>
-              <a:t>11/06/2019</a:t>
+              <a:t>12/06/2019</a:t>
             </a:fld>
             <a:endParaRPr lang="it-IT"/>
           </a:p>
@@ -2669,7 +2676,7 @@
           <a:p>
             <a:fld id="{CCE3BD62-2273-467C-9F39-ACC154E35B4E}" type="datetimeFigureOut">
               <a:rPr lang="it-IT" smtClean="0"/>
-              <a:t>11/06/2019</a:t>
+              <a:t>12/06/2019</a:t>
             </a:fld>
             <a:endParaRPr lang="it-IT"/>
           </a:p>
@@ -2910,7 +2917,7 @@
           <a:p>
             <a:fld id="{CCE3BD62-2273-467C-9F39-ACC154E35B4E}" type="datetimeFigureOut">
               <a:rPr lang="it-IT" smtClean="0"/>
-              <a:t>11/06/2019</a:t>
+              <a:t>12/06/2019</a:t>
             </a:fld>
             <a:endParaRPr lang="it-IT"/>
           </a:p>
@@ -5180,6 +5187,7217 @@
 </p:sld>
 </file>
 
+<file path=ppt/slides/slide3.xml><?xml version="1.0" encoding="utf-8"?>
+<p:sld xmlns:a="http://schemas.openxmlformats.org/drawingml/2006/main" xmlns:r="http://schemas.openxmlformats.org/officeDocument/2006/relationships" xmlns:p="http://schemas.openxmlformats.org/presentationml/2006/main">
+  <p:cSld>
+    <p:spTree>
+      <p:nvGrpSpPr>
+        <p:cNvPr id="1" name=""/>
+        <p:cNvGrpSpPr/>
+        <p:nvPr/>
+      </p:nvGrpSpPr>
+      <p:grpSpPr>
+        <a:xfrm>
+          <a:off x="0" y="0"/>
+          <a:ext cx="0" cy="0"/>
+          <a:chOff x="0" y="0"/>
+          <a:chExt cx="0" cy="0"/>
+        </a:xfrm>
+      </p:grpSpPr>
+      <p:cxnSp>
+        <p:nvCxnSpPr>
+          <p:cNvPr id="25" name="Connettore diritto 24">
+            <a:extLst>
+              <a:ext uri="{FF2B5EF4-FFF2-40B4-BE49-F238E27FC236}">
+                <a16:creationId xmlns:a16="http://schemas.microsoft.com/office/drawing/2014/main" id="{77F49E93-79D8-476D-B5F7-01377E381AA1}"/>
+              </a:ext>
+            </a:extLst>
+          </p:cNvPr>
+          <p:cNvCxnSpPr>
+            <a:cxnSpLocks/>
+          </p:cNvCxnSpPr>
+          <p:nvPr/>
+        </p:nvCxnSpPr>
+        <p:spPr>
+          <a:xfrm>
+            <a:off x="7069121" y="3428998"/>
+            <a:ext cx="1297497" cy="1080076"/>
+          </a:xfrm>
+          <a:prstGeom prst="line">
+            <a:avLst/>
+          </a:prstGeom>
+          <a:ln/>
+        </p:spPr>
+        <p:style>
+          <a:lnRef idx="3">
+            <a:schemeClr val="dk1"/>
+          </a:lnRef>
+          <a:fillRef idx="0">
+            <a:schemeClr val="dk1"/>
+          </a:fillRef>
+          <a:effectRef idx="2">
+            <a:schemeClr val="dk1"/>
+          </a:effectRef>
+          <a:fontRef idx="minor">
+            <a:schemeClr val="tx1"/>
+          </a:fontRef>
+        </p:style>
+      </p:cxnSp>
+      <p:cxnSp>
+        <p:nvCxnSpPr>
+          <p:cNvPr id="23" name="Connettore diritto 22">
+            <a:extLst>
+              <a:ext uri="{FF2B5EF4-FFF2-40B4-BE49-F238E27FC236}">
+                <a16:creationId xmlns:a16="http://schemas.microsoft.com/office/drawing/2014/main" id="{FDA6CBB9-9AF0-4020-9652-FBEA53DB49A8}"/>
+              </a:ext>
+            </a:extLst>
+          </p:cNvPr>
+          <p:cNvCxnSpPr>
+            <a:cxnSpLocks/>
+          </p:cNvCxnSpPr>
+          <p:nvPr/>
+        </p:nvCxnSpPr>
+        <p:spPr>
+          <a:xfrm flipH="1">
+            <a:off x="7069122" y="2366526"/>
+            <a:ext cx="1266577" cy="1062472"/>
+          </a:xfrm>
+          <a:prstGeom prst="line">
+            <a:avLst/>
+          </a:prstGeom>
+          <a:ln/>
+        </p:spPr>
+        <p:style>
+          <a:lnRef idx="3">
+            <a:schemeClr val="dk1"/>
+          </a:lnRef>
+          <a:fillRef idx="0">
+            <a:schemeClr val="dk1"/>
+          </a:fillRef>
+          <a:effectRef idx="2">
+            <a:schemeClr val="dk1"/>
+          </a:effectRef>
+          <a:fontRef idx="minor">
+            <a:schemeClr val="tx1"/>
+          </a:fontRef>
+        </p:style>
+      </p:cxnSp>
+      <p:sp>
+        <p:nvSpPr>
+          <p:cNvPr id="9" name="Ovale 8">
+            <a:extLst>
+              <a:ext uri="{FF2B5EF4-FFF2-40B4-BE49-F238E27FC236}">
+                <a16:creationId xmlns:a16="http://schemas.microsoft.com/office/drawing/2014/main" id="{E1CD858E-A9AC-498F-B0ED-9337B0DBAC7D}"/>
+              </a:ext>
+            </a:extLst>
+          </p:cNvPr>
+          <p:cNvSpPr/>
+          <p:nvPr/>
+        </p:nvSpPr>
+        <p:spPr>
+          <a:xfrm>
+            <a:off x="6796479" y="3173134"/>
+            <a:ext cx="545285" cy="511729"/>
+          </a:xfrm>
+          <a:prstGeom prst="ellipse">
+            <a:avLst/>
+          </a:prstGeom>
+          <a:solidFill>
+            <a:schemeClr val="bg2">
+              <a:lumMod val="50000"/>
+            </a:schemeClr>
+          </a:solidFill>
+          <a:ln>
+            <a:solidFill>
+              <a:schemeClr val="tx1">
+                <a:lumMod val="85000"/>
+                <a:lumOff val="15000"/>
+              </a:schemeClr>
+            </a:solidFill>
+          </a:ln>
+        </p:spPr>
+        <p:style>
+          <a:lnRef idx="2">
+            <a:schemeClr val="accent1">
+              <a:shade val="50000"/>
+            </a:schemeClr>
+          </a:lnRef>
+          <a:fillRef idx="1">
+            <a:schemeClr val="accent1"/>
+          </a:fillRef>
+          <a:effectRef idx="0">
+            <a:schemeClr val="accent1"/>
+          </a:effectRef>
+          <a:fontRef idx="minor">
+            <a:schemeClr val="lt1"/>
+          </a:fontRef>
+        </p:style>
+        <p:txBody>
+          <a:bodyPr rtlCol="0" anchor="ctr"/>
+          <a:lstStyle/>
+          <a:p>
+            <a:pPr algn="ctr"/>
+            <a:r>
+              <a:rPr lang="it-IT" sz="2400" dirty="0"/>
+              <a:t>p</a:t>
+            </a:r>
+          </a:p>
+        </p:txBody>
+      </p:sp>
+      <p:sp>
+        <p:nvSpPr>
+          <p:cNvPr id="10" name="Ovale 9">
+            <a:extLst>
+              <a:ext uri="{FF2B5EF4-FFF2-40B4-BE49-F238E27FC236}">
+                <a16:creationId xmlns:a16="http://schemas.microsoft.com/office/drawing/2014/main" id="{87F835B7-821B-4C37-9ABF-E05F9D123497}"/>
+              </a:ext>
+            </a:extLst>
+          </p:cNvPr>
+          <p:cNvSpPr/>
+          <p:nvPr/>
+        </p:nvSpPr>
+        <p:spPr>
+          <a:xfrm>
+            <a:off x="8093976" y="4253210"/>
+            <a:ext cx="545285" cy="511729"/>
+          </a:xfrm>
+          <a:prstGeom prst="ellipse">
+            <a:avLst/>
+          </a:prstGeom>
+          <a:solidFill>
+            <a:schemeClr val="bg2">
+              <a:lumMod val="50000"/>
+            </a:schemeClr>
+          </a:solidFill>
+          <a:ln>
+            <a:solidFill>
+              <a:schemeClr val="tx1">
+                <a:lumMod val="85000"/>
+                <a:lumOff val="15000"/>
+              </a:schemeClr>
+            </a:solidFill>
+          </a:ln>
+        </p:spPr>
+        <p:style>
+          <a:lnRef idx="2">
+            <a:schemeClr val="accent1">
+              <a:shade val="50000"/>
+            </a:schemeClr>
+          </a:lnRef>
+          <a:fillRef idx="1">
+            <a:schemeClr val="accent1"/>
+          </a:fillRef>
+          <a:effectRef idx="0">
+            <a:schemeClr val="accent1"/>
+          </a:effectRef>
+          <a:fontRef idx="minor">
+            <a:schemeClr val="lt1"/>
+          </a:fontRef>
+        </p:style>
+        <p:txBody>
+          <a:bodyPr rtlCol="0" anchor="ctr"/>
+          <a:lstStyle/>
+          <a:p>
+            <a:pPr algn="ctr"/>
+            <a:r>
+              <a:rPr lang="it-IT" sz="2400" dirty="0"/>
+              <a:t>b</a:t>
+            </a:r>
+          </a:p>
+        </p:txBody>
+      </p:sp>
+      <p:sp>
+        <p:nvSpPr>
+          <p:cNvPr id="11" name="Ovale 10">
+            <a:extLst>
+              <a:ext uri="{FF2B5EF4-FFF2-40B4-BE49-F238E27FC236}">
+                <a16:creationId xmlns:a16="http://schemas.microsoft.com/office/drawing/2014/main" id="{D5EFBF8E-3097-4D14-871D-D0818153B3B1}"/>
+              </a:ext>
+            </a:extLst>
+          </p:cNvPr>
+          <p:cNvSpPr/>
+          <p:nvPr/>
+        </p:nvSpPr>
+        <p:spPr>
+          <a:xfrm>
+            <a:off x="8093976" y="2110662"/>
+            <a:ext cx="545285" cy="511729"/>
+          </a:xfrm>
+          <a:prstGeom prst="ellipse">
+            <a:avLst/>
+          </a:prstGeom>
+          <a:solidFill>
+            <a:schemeClr val="bg2">
+              <a:lumMod val="50000"/>
+            </a:schemeClr>
+          </a:solidFill>
+          <a:ln>
+            <a:solidFill>
+              <a:schemeClr val="tx1">
+                <a:lumMod val="85000"/>
+                <a:lumOff val="15000"/>
+              </a:schemeClr>
+            </a:solidFill>
+          </a:ln>
+        </p:spPr>
+        <p:style>
+          <a:lnRef idx="2">
+            <a:schemeClr val="accent1">
+              <a:shade val="50000"/>
+            </a:schemeClr>
+          </a:lnRef>
+          <a:fillRef idx="1">
+            <a:schemeClr val="accent1"/>
+          </a:fillRef>
+          <a:effectRef idx="0">
+            <a:schemeClr val="accent1"/>
+          </a:effectRef>
+          <a:fontRef idx="minor">
+            <a:schemeClr val="lt1"/>
+          </a:fontRef>
+        </p:style>
+        <p:txBody>
+          <a:bodyPr rtlCol="0" anchor="ctr"/>
+          <a:lstStyle/>
+          <a:p>
+            <a:pPr algn="ctr"/>
+            <a:r>
+              <a:rPr lang="it-IT" sz="2400" dirty="0"/>
+              <a:t>f</a:t>
+            </a:r>
+          </a:p>
+        </p:txBody>
+      </p:sp>
+      <p:sp>
+        <p:nvSpPr>
+          <p:cNvPr id="34" name="CasellaDiTesto 33">
+            <a:extLst>
+              <a:ext uri="{FF2B5EF4-FFF2-40B4-BE49-F238E27FC236}">
+                <a16:creationId xmlns:a16="http://schemas.microsoft.com/office/drawing/2014/main" id="{3043EDF5-0856-4F39-8192-5232679663C3}"/>
+              </a:ext>
+            </a:extLst>
+          </p:cNvPr>
+          <p:cNvSpPr txBox="1"/>
+          <p:nvPr/>
+        </p:nvSpPr>
+        <p:spPr>
+          <a:xfrm>
+            <a:off x="7519647" y="2436097"/>
+            <a:ext cx="327334" cy="461665"/>
+          </a:xfrm>
+          <a:prstGeom prst="rect">
+            <a:avLst/>
+          </a:prstGeom>
+          <a:noFill/>
+        </p:spPr>
+        <p:txBody>
+          <a:bodyPr wrap="none" rtlCol="0">
+            <a:spAutoFit/>
+          </a:bodyPr>
+          <a:lstStyle/>
+          <a:p>
+            <a:r>
+              <a:rPr lang="it-IT" sz="2400" dirty="0"/>
+              <a:t>?</a:t>
+            </a:r>
+          </a:p>
+        </p:txBody>
+      </p:sp>
+      <p:sp>
+        <p:nvSpPr>
+          <p:cNvPr id="35" name="CasellaDiTesto 34">
+            <a:extLst>
+              <a:ext uri="{FF2B5EF4-FFF2-40B4-BE49-F238E27FC236}">
+                <a16:creationId xmlns:a16="http://schemas.microsoft.com/office/drawing/2014/main" id="{170E2DCA-09CD-4E89-AD35-9768BF204014}"/>
+              </a:ext>
+            </a:extLst>
+          </p:cNvPr>
+          <p:cNvSpPr txBox="1"/>
+          <p:nvPr/>
+        </p:nvSpPr>
+        <p:spPr>
+          <a:xfrm>
+            <a:off x="7519647" y="3883878"/>
+            <a:ext cx="327334" cy="461665"/>
+          </a:xfrm>
+          <a:prstGeom prst="rect">
+            <a:avLst/>
+          </a:prstGeom>
+          <a:noFill/>
+        </p:spPr>
+        <p:txBody>
+          <a:bodyPr wrap="none" rtlCol="0">
+            <a:spAutoFit/>
+          </a:bodyPr>
+          <a:lstStyle/>
+          <a:p>
+            <a:r>
+              <a:rPr lang="it-IT" sz="2400" dirty="0"/>
+              <a:t>?</a:t>
+            </a:r>
+          </a:p>
+        </p:txBody>
+      </p:sp>
+    </p:spTree>
+    <p:extLst>
+      <p:ext uri="{BB962C8B-B14F-4D97-AF65-F5344CB8AC3E}">
+        <p14:creationId xmlns:p14="http://schemas.microsoft.com/office/powerpoint/2010/main" val="3646252428"/>
+      </p:ext>
+    </p:extLst>
+  </p:cSld>
+  <p:clrMapOvr>
+    <a:masterClrMapping/>
+  </p:clrMapOvr>
+</p:sld>
+</file>
+
+<file path=ppt/slides/slide4.xml><?xml version="1.0" encoding="utf-8"?>
+<p:sld xmlns:a="http://schemas.openxmlformats.org/drawingml/2006/main" xmlns:r="http://schemas.openxmlformats.org/officeDocument/2006/relationships" xmlns:p="http://schemas.openxmlformats.org/presentationml/2006/main">
+  <p:cSld>
+    <p:spTree>
+      <p:nvGrpSpPr>
+        <p:cNvPr id="1" name=""/>
+        <p:cNvGrpSpPr/>
+        <p:nvPr/>
+      </p:nvGrpSpPr>
+      <p:grpSpPr>
+        <a:xfrm>
+          <a:off x="0" y="0"/>
+          <a:ext cx="0" cy="0"/>
+          <a:chOff x="0" y="0"/>
+          <a:chExt cx="0" cy="0"/>
+        </a:xfrm>
+      </p:grpSpPr>
+      <p:cxnSp>
+        <p:nvCxnSpPr>
+          <p:cNvPr id="28" name="Connettore diritto 27">
+            <a:extLst>
+              <a:ext uri="{FF2B5EF4-FFF2-40B4-BE49-F238E27FC236}">
+                <a16:creationId xmlns:a16="http://schemas.microsoft.com/office/drawing/2014/main" id="{A1376592-4F22-421E-90D4-70499545155C}"/>
+              </a:ext>
+            </a:extLst>
+          </p:cNvPr>
+          <p:cNvCxnSpPr>
+            <a:cxnSpLocks/>
+          </p:cNvCxnSpPr>
+          <p:nvPr/>
+        </p:nvCxnSpPr>
+        <p:spPr>
+          <a:xfrm>
+            <a:off x="5368950" y="1952858"/>
+            <a:ext cx="1697205" cy="1351764"/>
+          </a:xfrm>
+          <a:prstGeom prst="line">
+            <a:avLst/>
+          </a:prstGeom>
+          <a:ln w="9525" cap="flat" cmpd="sng" algn="ctr">
+            <a:solidFill>
+              <a:schemeClr val="dk1"/>
+            </a:solidFill>
+            <a:prstDash val="dash"/>
+            <a:round/>
+            <a:headEnd type="none" w="med" len="med"/>
+            <a:tailEnd type="none" w="med" len="med"/>
+          </a:ln>
+        </p:spPr>
+        <p:style>
+          <a:lnRef idx="0">
+            <a:scrgbClr r="0" g="0" b="0"/>
+          </a:lnRef>
+          <a:fillRef idx="0">
+            <a:scrgbClr r="0" g="0" b="0"/>
+          </a:fillRef>
+          <a:effectRef idx="0">
+            <a:scrgbClr r="0" g="0" b="0"/>
+          </a:effectRef>
+          <a:fontRef idx="minor">
+            <a:schemeClr val="tx1"/>
+          </a:fontRef>
+        </p:style>
+      </p:cxnSp>
+      <p:cxnSp>
+        <p:nvCxnSpPr>
+          <p:cNvPr id="26" name="Connettore diritto 25">
+            <a:extLst>
+              <a:ext uri="{FF2B5EF4-FFF2-40B4-BE49-F238E27FC236}">
+                <a16:creationId xmlns:a16="http://schemas.microsoft.com/office/drawing/2014/main" id="{E37A84F6-B55A-4468-B75F-679898CB2FC0}"/>
+              </a:ext>
+            </a:extLst>
+          </p:cNvPr>
+          <p:cNvCxnSpPr>
+            <a:cxnSpLocks/>
+          </p:cNvCxnSpPr>
+          <p:nvPr/>
+        </p:nvCxnSpPr>
+        <p:spPr>
+          <a:xfrm flipV="1">
+            <a:off x="5368950" y="3334743"/>
+            <a:ext cx="1652431" cy="1344655"/>
+          </a:xfrm>
+          <a:prstGeom prst="line">
+            <a:avLst/>
+          </a:prstGeom>
+          <a:ln w="9525" cap="flat" cmpd="sng" algn="ctr">
+            <a:solidFill>
+              <a:schemeClr val="dk1"/>
+            </a:solidFill>
+            <a:prstDash val="dash"/>
+            <a:round/>
+            <a:headEnd type="none" w="med" len="med"/>
+            <a:tailEnd type="none" w="med" len="med"/>
+          </a:ln>
+        </p:spPr>
+        <p:style>
+          <a:lnRef idx="0">
+            <a:scrgbClr r="0" g="0" b="0"/>
+          </a:lnRef>
+          <a:fillRef idx="0">
+            <a:scrgbClr r="0" g="0" b="0"/>
+          </a:fillRef>
+          <a:effectRef idx="0">
+            <a:scrgbClr r="0" g="0" b="0"/>
+          </a:effectRef>
+          <a:fontRef idx="minor">
+            <a:schemeClr val="tx1"/>
+          </a:fontRef>
+        </p:style>
+      </p:cxnSp>
+      <p:cxnSp>
+        <p:nvCxnSpPr>
+          <p:cNvPr id="25" name="Connettore diritto 24">
+            <a:extLst>
+              <a:ext uri="{FF2B5EF4-FFF2-40B4-BE49-F238E27FC236}">
+                <a16:creationId xmlns:a16="http://schemas.microsoft.com/office/drawing/2014/main" id="{77F49E93-79D8-476D-B5F7-01377E381AA1}"/>
+              </a:ext>
+            </a:extLst>
+          </p:cNvPr>
+          <p:cNvCxnSpPr>
+            <a:cxnSpLocks/>
+          </p:cNvCxnSpPr>
+          <p:nvPr/>
+        </p:nvCxnSpPr>
+        <p:spPr>
+          <a:xfrm>
+            <a:off x="7069116" y="3320572"/>
+            <a:ext cx="1700170" cy="1381886"/>
+          </a:xfrm>
+          <a:prstGeom prst="line">
+            <a:avLst/>
+          </a:prstGeom>
+          <a:ln/>
+        </p:spPr>
+        <p:style>
+          <a:lnRef idx="3">
+            <a:schemeClr val="dk1"/>
+          </a:lnRef>
+          <a:fillRef idx="0">
+            <a:schemeClr val="dk1"/>
+          </a:fillRef>
+          <a:effectRef idx="2">
+            <a:schemeClr val="dk1"/>
+          </a:effectRef>
+          <a:fontRef idx="minor">
+            <a:schemeClr val="tx1"/>
+          </a:fontRef>
+        </p:style>
+      </p:cxnSp>
+      <p:cxnSp>
+        <p:nvCxnSpPr>
+          <p:cNvPr id="23" name="Connettore diritto 22">
+            <a:extLst>
+              <a:ext uri="{FF2B5EF4-FFF2-40B4-BE49-F238E27FC236}">
+                <a16:creationId xmlns:a16="http://schemas.microsoft.com/office/drawing/2014/main" id="{FDA6CBB9-9AF0-4020-9652-FBEA53DB49A8}"/>
+              </a:ext>
+            </a:extLst>
+          </p:cNvPr>
+          <p:cNvCxnSpPr>
+            <a:cxnSpLocks/>
+          </p:cNvCxnSpPr>
+          <p:nvPr/>
+        </p:nvCxnSpPr>
+        <p:spPr>
+          <a:xfrm flipH="1">
+            <a:off x="7066155" y="1938687"/>
+            <a:ext cx="1703134" cy="1381885"/>
+          </a:xfrm>
+          <a:prstGeom prst="line">
+            <a:avLst/>
+          </a:prstGeom>
+          <a:ln/>
+        </p:spPr>
+        <p:style>
+          <a:lnRef idx="3">
+            <a:schemeClr val="dk1"/>
+          </a:lnRef>
+          <a:fillRef idx="0">
+            <a:schemeClr val="dk1"/>
+          </a:fillRef>
+          <a:effectRef idx="2">
+            <a:schemeClr val="dk1"/>
+          </a:effectRef>
+          <a:fontRef idx="minor">
+            <a:schemeClr val="tx1"/>
+          </a:fontRef>
+        </p:style>
+      </p:cxnSp>
+      <p:sp>
+        <p:nvSpPr>
+          <p:cNvPr id="9" name="Ovale 8">
+            <a:extLst>
+              <a:ext uri="{FF2B5EF4-FFF2-40B4-BE49-F238E27FC236}">
+                <a16:creationId xmlns:a16="http://schemas.microsoft.com/office/drawing/2014/main" id="{E1CD858E-A9AC-498F-B0ED-9337B0DBAC7D}"/>
+              </a:ext>
+            </a:extLst>
+          </p:cNvPr>
+          <p:cNvSpPr/>
+          <p:nvPr/>
+        </p:nvSpPr>
+        <p:spPr>
+          <a:xfrm>
+            <a:off x="6796477" y="3064708"/>
+            <a:ext cx="545285" cy="511729"/>
+          </a:xfrm>
+          <a:prstGeom prst="ellipse">
+            <a:avLst/>
+          </a:prstGeom>
+          <a:solidFill>
+            <a:schemeClr val="bg2">
+              <a:lumMod val="50000"/>
+            </a:schemeClr>
+          </a:solidFill>
+          <a:ln>
+            <a:solidFill>
+              <a:schemeClr val="tx1">
+                <a:lumMod val="85000"/>
+                <a:lumOff val="15000"/>
+              </a:schemeClr>
+            </a:solidFill>
+          </a:ln>
+        </p:spPr>
+        <p:style>
+          <a:lnRef idx="2">
+            <a:schemeClr val="accent1">
+              <a:shade val="50000"/>
+            </a:schemeClr>
+          </a:lnRef>
+          <a:fillRef idx="1">
+            <a:schemeClr val="accent1"/>
+          </a:fillRef>
+          <a:effectRef idx="0">
+            <a:schemeClr val="accent1"/>
+          </a:effectRef>
+          <a:fontRef idx="minor">
+            <a:schemeClr val="lt1"/>
+          </a:fontRef>
+        </p:style>
+        <p:txBody>
+          <a:bodyPr rtlCol="0" anchor="ctr"/>
+          <a:lstStyle/>
+          <a:p>
+            <a:pPr algn="ctr"/>
+            <a:r>
+              <a:rPr lang="it-IT" sz="2400" i="1" dirty="0"/>
+              <a:t>p</a:t>
+            </a:r>
+          </a:p>
+        </p:txBody>
+      </p:sp>
+      <p:sp>
+        <p:nvSpPr>
+          <p:cNvPr id="10" name="Ovale 9">
+            <a:extLst>
+              <a:ext uri="{FF2B5EF4-FFF2-40B4-BE49-F238E27FC236}">
+                <a16:creationId xmlns:a16="http://schemas.microsoft.com/office/drawing/2014/main" id="{87F835B7-821B-4C37-9ABF-E05F9D123497}"/>
+              </a:ext>
+            </a:extLst>
+          </p:cNvPr>
+          <p:cNvSpPr/>
+          <p:nvPr/>
+        </p:nvSpPr>
+        <p:spPr>
+          <a:xfrm>
+            <a:off x="8496647" y="4407584"/>
+            <a:ext cx="545285" cy="511729"/>
+          </a:xfrm>
+          <a:prstGeom prst="ellipse">
+            <a:avLst/>
+          </a:prstGeom>
+          <a:solidFill>
+            <a:schemeClr val="bg2">
+              <a:lumMod val="50000"/>
+            </a:schemeClr>
+          </a:solidFill>
+          <a:ln>
+            <a:solidFill>
+              <a:schemeClr val="tx1">
+                <a:lumMod val="85000"/>
+                <a:lumOff val="15000"/>
+              </a:schemeClr>
+            </a:solidFill>
+          </a:ln>
+        </p:spPr>
+        <p:style>
+          <a:lnRef idx="2">
+            <a:schemeClr val="accent1">
+              <a:shade val="50000"/>
+            </a:schemeClr>
+          </a:lnRef>
+          <a:fillRef idx="1">
+            <a:schemeClr val="accent1"/>
+          </a:fillRef>
+          <a:effectRef idx="0">
+            <a:schemeClr val="accent1"/>
+          </a:effectRef>
+          <a:fontRef idx="minor">
+            <a:schemeClr val="lt1"/>
+          </a:fontRef>
+        </p:style>
+        <p:txBody>
+          <a:bodyPr rtlCol="0" anchor="ctr"/>
+          <a:lstStyle/>
+          <a:p>
+            <a:pPr algn="ctr"/>
+            <a:r>
+              <a:rPr lang="it-IT" sz="2400" dirty="0"/>
+              <a:t>b</a:t>
+            </a:r>
+          </a:p>
+        </p:txBody>
+      </p:sp>
+      <p:sp>
+        <p:nvSpPr>
+          <p:cNvPr id="11" name="Ovale 10">
+            <a:extLst>
+              <a:ext uri="{FF2B5EF4-FFF2-40B4-BE49-F238E27FC236}">
+                <a16:creationId xmlns:a16="http://schemas.microsoft.com/office/drawing/2014/main" id="{D5EFBF8E-3097-4D14-871D-D0818153B3B1}"/>
+              </a:ext>
+            </a:extLst>
+          </p:cNvPr>
+          <p:cNvSpPr/>
+          <p:nvPr/>
+        </p:nvSpPr>
+        <p:spPr>
+          <a:xfrm>
+            <a:off x="8496647" y="1682823"/>
+            <a:ext cx="545285" cy="511729"/>
+          </a:xfrm>
+          <a:prstGeom prst="ellipse">
+            <a:avLst/>
+          </a:prstGeom>
+          <a:solidFill>
+            <a:schemeClr val="bg2">
+              <a:lumMod val="50000"/>
+            </a:schemeClr>
+          </a:solidFill>
+          <a:ln>
+            <a:solidFill>
+              <a:schemeClr val="tx1">
+                <a:lumMod val="85000"/>
+                <a:lumOff val="15000"/>
+              </a:schemeClr>
+            </a:solidFill>
+          </a:ln>
+        </p:spPr>
+        <p:style>
+          <a:lnRef idx="2">
+            <a:schemeClr val="accent1">
+              <a:shade val="50000"/>
+            </a:schemeClr>
+          </a:lnRef>
+          <a:fillRef idx="1">
+            <a:schemeClr val="accent1"/>
+          </a:fillRef>
+          <a:effectRef idx="0">
+            <a:schemeClr val="accent1"/>
+          </a:effectRef>
+          <a:fontRef idx="minor">
+            <a:schemeClr val="lt1"/>
+          </a:fontRef>
+        </p:style>
+        <p:txBody>
+          <a:bodyPr rtlCol="0" anchor="ctr"/>
+          <a:lstStyle/>
+          <a:p>
+            <a:pPr algn="ctr"/>
+            <a:r>
+              <a:rPr lang="it-IT" sz="2400" dirty="0"/>
+              <a:t>f</a:t>
+            </a:r>
+          </a:p>
+        </p:txBody>
+      </p:sp>
+      <mc:AlternateContent xmlns:mc="http://schemas.openxmlformats.org/markup-compatibility/2006" xmlns:a14="http://schemas.microsoft.com/office/drawing/2010/main">
+        <mc:Choice Requires="a14">
+          <p:sp>
+            <p:nvSpPr>
+              <p:cNvPr id="34" name="CasellaDiTesto 33">
+                <a:extLst>
+                  <a:ext uri="{FF2B5EF4-FFF2-40B4-BE49-F238E27FC236}">
+                    <a16:creationId xmlns:a16="http://schemas.microsoft.com/office/drawing/2014/main" id="{3043EDF5-0856-4F39-8192-5232679663C3}"/>
+                  </a:ext>
+                </a:extLst>
+              </p:cNvPr>
+              <p:cNvSpPr txBox="1"/>
+              <p:nvPr/>
+            </p:nvSpPr>
+            <p:spPr>
+              <a:xfrm rot="19256206">
+                <a:off x="7382285" y="2196807"/>
+                <a:ext cx="1008724" cy="391582"/>
+              </a:xfrm>
+              <a:prstGeom prst="rect">
+                <a:avLst/>
+              </a:prstGeom>
+              <a:noFill/>
+            </p:spPr>
+            <p:txBody>
+              <a:bodyPr wrap="square" rtlCol="0">
+                <a:spAutoFit/>
+              </a:bodyPr>
+              <a:lstStyle/>
+              <a:p>
+                <a:pPr/>
+                <a14:m>
+                  <m:oMathPara xmlns:m="http://schemas.openxmlformats.org/officeDocument/2006/math">
+                    <m:oMathParaPr>
+                      <m:jc m:val="centerGroup"/>
+                    </m:oMathParaPr>
+                    <m:oMath xmlns:m="http://schemas.openxmlformats.org/officeDocument/2006/math">
+                      <m:sSub>
+                        <m:sSubPr>
+                          <m:ctrlPr>
+                            <a:rPr lang="it-IT" i="1" smtClean="0">
+                              <a:latin typeface="Cambria Math" panose="02040503050406030204" pitchFamily="18" charset="0"/>
+                            </a:rPr>
+                          </m:ctrlPr>
+                        </m:sSubPr>
+                        <m:e>
+                          <m:r>
+                            <a:rPr lang="it-IT" i="1">
+                              <a:latin typeface="Cambria Math" panose="02040503050406030204" pitchFamily="18" charset="0"/>
+                            </a:rPr>
+                            <m:t>𝑑</m:t>
+                          </m:r>
+                        </m:e>
+                        <m:sub>
+                          <m:r>
+                            <a:rPr lang="it-IT" i="1">
+                              <a:latin typeface="Cambria Math" panose="02040503050406030204" pitchFamily="18" charset="0"/>
+                            </a:rPr>
+                            <m:t>𝑓</m:t>
+                          </m:r>
+                          <m:r>
+                            <a:rPr lang="it-IT" b="0" i="1" smtClean="0">
+                              <a:latin typeface="Cambria Math" panose="02040503050406030204" pitchFamily="18" charset="0"/>
+                            </a:rPr>
+                            <m:t>𝑝</m:t>
+                          </m:r>
+                        </m:sub>
+                      </m:sSub>
+                      <m:r>
+                        <a:rPr lang="it-IT" b="0" i="0" smtClean="0">
+                          <a:latin typeface="Cambria Math" panose="02040503050406030204" pitchFamily="18" charset="0"/>
+                        </a:rPr>
+                        <m:t>=?</m:t>
+                      </m:r>
+                    </m:oMath>
+                  </m:oMathPara>
+                </a14:m>
+                <a:endParaRPr lang="it-IT" dirty="0"/>
+              </a:p>
+            </p:txBody>
+          </p:sp>
+        </mc:Choice>
+        <mc:Fallback xmlns="">
+          <p:sp>
+            <p:nvSpPr>
+              <p:cNvPr id="34" name="CasellaDiTesto 33">
+                <a:extLst>
+                  <a:ext uri="{FF2B5EF4-FFF2-40B4-BE49-F238E27FC236}">
+                    <a16:creationId xmlns:a16="http://schemas.microsoft.com/office/drawing/2014/main" id="{3043EDF5-0856-4F39-8192-5232679663C3}"/>
+                  </a:ext>
+                </a:extLst>
+              </p:cNvPr>
+              <p:cNvSpPr txBox="1">
+                <a:spLocks noRot="1" noChangeAspect="1" noMove="1" noResize="1" noEditPoints="1" noAdjustHandles="1" noChangeArrowheads="1" noChangeShapeType="1" noTextEdit="1"/>
+              </p:cNvSpPr>
+              <p:nvPr/>
+            </p:nvSpPr>
+            <p:spPr>
+              <a:xfrm rot="19256206">
+                <a:off x="7382285" y="2196807"/>
+                <a:ext cx="1008724" cy="391582"/>
+              </a:xfrm>
+              <a:prstGeom prst="rect">
+                <a:avLst/>
+              </a:prstGeom>
+              <a:blipFill>
+                <a:blip r:embed="rId2"/>
+                <a:stretch>
+                  <a:fillRect/>
+                </a:stretch>
+              </a:blipFill>
+            </p:spPr>
+            <p:txBody>
+              <a:bodyPr/>
+              <a:lstStyle/>
+              <a:p>
+                <a:r>
+                  <a:rPr lang="it-IT">
+                    <a:noFill/>
+                  </a:rPr>
+                  <a:t> </a:t>
+                </a:r>
+              </a:p>
+            </p:txBody>
+          </p:sp>
+        </mc:Fallback>
+      </mc:AlternateContent>
+      <p:sp>
+        <p:nvSpPr>
+          <p:cNvPr id="21" name="Ovale 20">
+            <a:extLst>
+              <a:ext uri="{FF2B5EF4-FFF2-40B4-BE49-F238E27FC236}">
+                <a16:creationId xmlns:a16="http://schemas.microsoft.com/office/drawing/2014/main" id="{DBFB74D1-6E3E-4A26-8043-72ACF18E20E5}"/>
+              </a:ext>
+            </a:extLst>
+          </p:cNvPr>
+          <p:cNvSpPr/>
+          <p:nvPr/>
+        </p:nvSpPr>
+        <p:spPr>
+          <a:xfrm>
+            <a:off x="5051411" y="1666873"/>
+            <a:ext cx="545285" cy="511729"/>
+          </a:xfrm>
+          <a:prstGeom prst="ellipse">
+            <a:avLst/>
+          </a:prstGeom>
+          <a:solidFill>
+            <a:schemeClr val="bg2">
+              <a:lumMod val="50000"/>
+            </a:schemeClr>
+          </a:solidFill>
+          <a:ln>
+            <a:solidFill>
+              <a:schemeClr val="tx1">
+                <a:lumMod val="85000"/>
+                <a:lumOff val="15000"/>
+              </a:schemeClr>
+            </a:solidFill>
+          </a:ln>
+        </p:spPr>
+        <p:style>
+          <a:lnRef idx="2">
+            <a:schemeClr val="accent1">
+              <a:shade val="50000"/>
+            </a:schemeClr>
+          </a:lnRef>
+          <a:fillRef idx="1">
+            <a:schemeClr val="accent1"/>
+          </a:fillRef>
+          <a:effectRef idx="0">
+            <a:schemeClr val="accent1"/>
+          </a:effectRef>
+          <a:fontRef idx="minor">
+            <a:schemeClr val="lt1"/>
+          </a:fontRef>
+        </p:style>
+        <p:txBody>
+          <a:bodyPr rtlCol="0" anchor="ctr"/>
+          <a:lstStyle/>
+          <a:p>
+            <a:pPr algn="ctr"/>
+            <a:r>
+              <a:rPr lang="it-IT" sz="2400" dirty="0"/>
+              <a:t>u</a:t>
+            </a:r>
+          </a:p>
+        </p:txBody>
+      </p:sp>
+      <p:sp>
+        <p:nvSpPr>
+          <p:cNvPr id="22" name="Ovale 21">
+            <a:extLst>
+              <a:ext uri="{FF2B5EF4-FFF2-40B4-BE49-F238E27FC236}">
+                <a16:creationId xmlns:a16="http://schemas.microsoft.com/office/drawing/2014/main" id="{FC5B5791-4100-46D0-8B8B-DCCDC0EC40EC}"/>
+              </a:ext>
+            </a:extLst>
+          </p:cNvPr>
+          <p:cNvSpPr/>
+          <p:nvPr/>
+        </p:nvSpPr>
+        <p:spPr>
+          <a:xfrm>
+            <a:off x="5051412" y="4407583"/>
+            <a:ext cx="545285" cy="511729"/>
+          </a:xfrm>
+          <a:prstGeom prst="ellipse">
+            <a:avLst/>
+          </a:prstGeom>
+          <a:solidFill>
+            <a:schemeClr val="bg2">
+              <a:lumMod val="50000"/>
+            </a:schemeClr>
+          </a:solidFill>
+          <a:ln>
+            <a:solidFill>
+              <a:schemeClr val="tx1">
+                <a:lumMod val="85000"/>
+                <a:lumOff val="15000"/>
+              </a:schemeClr>
+            </a:solidFill>
+          </a:ln>
+        </p:spPr>
+        <p:style>
+          <a:lnRef idx="2">
+            <a:schemeClr val="accent1">
+              <a:shade val="50000"/>
+            </a:schemeClr>
+          </a:lnRef>
+          <a:fillRef idx="1">
+            <a:schemeClr val="accent1"/>
+          </a:fillRef>
+          <a:effectRef idx="0">
+            <a:schemeClr val="accent1"/>
+          </a:effectRef>
+          <a:fontRef idx="minor">
+            <a:schemeClr val="lt1"/>
+          </a:fontRef>
+        </p:style>
+        <p:txBody>
+          <a:bodyPr rtlCol="0" anchor="ctr"/>
+          <a:lstStyle/>
+          <a:p>
+            <a:pPr algn="ctr"/>
+            <a:r>
+              <a:rPr lang="it-IT" sz="2400" dirty="0"/>
+              <a:t>s</a:t>
+            </a:r>
+          </a:p>
+        </p:txBody>
+      </p:sp>
+      <mc:AlternateContent xmlns:mc="http://schemas.openxmlformats.org/markup-compatibility/2006" xmlns:a14="http://schemas.microsoft.com/office/drawing/2010/main">
+        <mc:Choice Requires="a14">
+          <p:sp>
+            <p:nvSpPr>
+              <p:cNvPr id="20" name="CasellaDiTesto 19">
+                <a:extLst>
+                  <a:ext uri="{FF2B5EF4-FFF2-40B4-BE49-F238E27FC236}">
+                    <a16:creationId xmlns:a16="http://schemas.microsoft.com/office/drawing/2014/main" id="{AEC37D64-B461-4739-B615-49B84BD77AC6}"/>
+                  </a:ext>
+                </a:extLst>
+              </p:cNvPr>
+              <p:cNvSpPr txBox="1"/>
+              <p:nvPr/>
+            </p:nvSpPr>
+            <p:spPr>
+              <a:xfrm rot="2308727">
+                <a:off x="7254652" y="3919337"/>
+                <a:ext cx="1008724" cy="390748"/>
+              </a:xfrm>
+              <a:prstGeom prst="rect">
+                <a:avLst/>
+              </a:prstGeom>
+              <a:noFill/>
+            </p:spPr>
+            <p:txBody>
+              <a:bodyPr wrap="square" rtlCol="0">
+                <a:spAutoFit/>
+              </a:bodyPr>
+              <a:lstStyle/>
+              <a:p>
+                <a:pPr/>
+                <a14:m>
+                  <m:oMathPara xmlns:m="http://schemas.openxmlformats.org/officeDocument/2006/math">
+                    <m:oMathParaPr>
+                      <m:jc m:val="centerGroup"/>
+                    </m:oMathParaPr>
+                    <m:oMath xmlns:m="http://schemas.openxmlformats.org/officeDocument/2006/math">
+                      <m:sSub>
+                        <m:sSubPr>
+                          <m:ctrlPr>
+                            <a:rPr lang="it-IT" i="1" smtClean="0">
+                              <a:latin typeface="Cambria Math" panose="02040503050406030204" pitchFamily="18" charset="0"/>
+                            </a:rPr>
+                          </m:ctrlPr>
+                        </m:sSubPr>
+                        <m:e>
+                          <m:r>
+                            <a:rPr lang="it-IT" i="1">
+                              <a:latin typeface="Cambria Math" panose="02040503050406030204" pitchFamily="18" charset="0"/>
+                            </a:rPr>
+                            <m:t>𝑑</m:t>
+                          </m:r>
+                        </m:e>
+                        <m:sub>
+                          <m:r>
+                            <a:rPr lang="it-IT" i="1" smtClean="0">
+                              <a:latin typeface="Cambria Math" panose="02040503050406030204" pitchFamily="18" charset="0"/>
+                            </a:rPr>
+                            <m:t>𝑏</m:t>
+                          </m:r>
+                          <m:r>
+                            <a:rPr lang="it-IT" b="0" i="1" smtClean="0">
+                              <a:latin typeface="Cambria Math" panose="02040503050406030204" pitchFamily="18" charset="0"/>
+                            </a:rPr>
+                            <m:t>𝑝</m:t>
+                          </m:r>
+                        </m:sub>
+                      </m:sSub>
+                      <m:r>
+                        <a:rPr lang="it-IT" b="0" i="0" smtClean="0">
+                          <a:latin typeface="Cambria Math" panose="02040503050406030204" pitchFamily="18" charset="0"/>
+                        </a:rPr>
+                        <m:t>=?</m:t>
+                      </m:r>
+                    </m:oMath>
+                  </m:oMathPara>
+                </a14:m>
+                <a:endParaRPr lang="it-IT" dirty="0"/>
+              </a:p>
+            </p:txBody>
+          </p:sp>
+        </mc:Choice>
+        <mc:Fallback xmlns="">
+          <p:sp>
+            <p:nvSpPr>
+              <p:cNvPr id="20" name="CasellaDiTesto 19">
+                <a:extLst>
+                  <a:ext uri="{FF2B5EF4-FFF2-40B4-BE49-F238E27FC236}">
+                    <a16:creationId xmlns:a16="http://schemas.microsoft.com/office/drawing/2014/main" id="{AEC37D64-B461-4739-B615-49B84BD77AC6}"/>
+                  </a:ext>
+                </a:extLst>
+              </p:cNvPr>
+              <p:cNvSpPr txBox="1">
+                <a:spLocks noRot="1" noChangeAspect="1" noMove="1" noResize="1" noEditPoints="1" noAdjustHandles="1" noChangeArrowheads="1" noChangeShapeType="1" noTextEdit="1"/>
+              </p:cNvSpPr>
+              <p:nvPr/>
+            </p:nvSpPr>
+            <p:spPr>
+              <a:xfrm rot="2308727">
+                <a:off x="7254652" y="3919337"/>
+                <a:ext cx="1008724" cy="390748"/>
+              </a:xfrm>
+              <a:prstGeom prst="rect">
+                <a:avLst/>
+              </a:prstGeom>
+              <a:blipFill>
+                <a:blip r:embed="rId3"/>
+                <a:stretch>
+                  <a:fillRect/>
+                </a:stretch>
+              </a:blipFill>
+            </p:spPr>
+            <p:txBody>
+              <a:bodyPr/>
+              <a:lstStyle/>
+              <a:p>
+                <a:r>
+                  <a:rPr lang="it-IT">
+                    <a:noFill/>
+                  </a:rPr>
+                  <a:t> </a:t>
+                </a:r>
+              </a:p>
+            </p:txBody>
+          </p:sp>
+        </mc:Fallback>
+      </mc:AlternateContent>
+      <mc:AlternateContent xmlns:mc="http://schemas.openxmlformats.org/markup-compatibility/2006" xmlns:a14="http://schemas.microsoft.com/office/drawing/2010/main">
+        <mc:Choice Requires="a14">
+          <p:sp>
+            <p:nvSpPr>
+              <p:cNvPr id="29" name="CasellaDiTesto 28">
+                <a:extLst>
+                  <a:ext uri="{FF2B5EF4-FFF2-40B4-BE49-F238E27FC236}">
+                    <a16:creationId xmlns:a16="http://schemas.microsoft.com/office/drawing/2014/main" id="{26FB9E63-3C7F-4DFC-89B8-1BCB92421E64}"/>
+                  </a:ext>
+                </a:extLst>
+              </p:cNvPr>
+              <p:cNvSpPr txBox="1"/>
+              <p:nvPr/>
+            </p:nvSpPr>
+            <p:spPr>
+              <a:xfrm rot="19256206">
+                <a:off x="5939142" y="3916250"/>
+                <a:ext cx="1008724" cy="390748"/>
+              </a:xfrm>
+              <a:prstGeom prst="rect">
+                <a:avLst/>
+              </a:prstGeom>
+              <a:noFill/>
+            </p:spPr>
+            <p:txBody>
+              <a:bodyPr wrap="square" rtlCol="0">
+                <a:spAutoFit/>
+              </a:bodyPr>
+              <a:lstStyle/>
+              <a:p>
+                <a:pPr/>
+                <a14:m>
+                  <m:oMathPara xmlns:m="http://schemas.openxmlformats.org/officeDocument/2006/math">
+                    <m:oMathParaPr>
+                      <m:jc m:val="centerGroup"/>
+                    </m:oMathParaPr>
+                    <m:oMath xmlns:m="http://schemas.openxmlformats.org/officeDocument/2006/math">
+                      <m:sSub>
+                        <m:sSubPr>
+                          <m:ctrlPr>
+                            <a:rPr lang="it-IT" i="1" smtClean="0">
+                              <a:latin typeface="Cambria Math" panose="02040503050406030204" pitchFamily="18" charset="0"/>
+                            </a:rPr>
+                          </m:ctrlPr>
+                        </m:sSubPr>
+                        <m:e>
+                          <m:r>
+                            <a:rPr lang="it-IT" i="1">
+                              <a:latin typeface="Cambria Math" panose="02040503050406030204" pitchFamily="18" charset="0"/>
+                            </a:rPr>
+                            <m:t>𝑑</m:t>
+                          </m:r>
+                        </m:e>
+                        <m:sub>
+                          <m:r>
+                            <a:rPr lang="it-IT" i="1" smtClean="0">
+                              <a:latin typeface="Cambria Math" panose="02040503050406030204" pitchFamily="18" charset="0"/>
+                            </a:rPr>
+                            <m:t>𝑠</m:t>
+                          </m:r>
+                          <m:r>
+                            <a:rPr lang="it-IT" b="0" i="1" smtClean="0">
+                              <a:latin typeface="Cambria Math" panose="02040503050406030204" pitchFamily="18" charset="0"/>
+                            </a:rPr>
+                            <m:t>𝑝</m:t>
+                          </m:r>
+                        </m:sub>
+                      </m:sSub>
+                      <m:r>
+                        <a:rPr lang="it-IT" b="0" i="0" smtClean="0">
+                          <a:latin typeface="Cambria Math" panose="02040503050406030204" pitchFamily="18" charset="0"/>
+                        </a:rPr>
+                        <m:t>=?</m:t>
+                      </m:r>
+                    </m:oMath>
+                  </m:oMathPara>
+                </a14:m>
+                <a:endParaRPr lang="it-IT" dirty="0"/>
+              </a:p>
+            </p:txBody>
+          </p:sp>
+        </mc:Choice>
+        <mc:Fallback xmlns="">
+          <p:sp>
+            <p:nvSpPr>
+              <p:cNvPr id="29" name="CasellaDiTesto 28">
+                <a:extLst>
+                  <a:ext uri="{FF2B5EF4-FFF2-40B4-BE49-F238E27FC236}">
+                    <a16:creationId xmlns:a16="http://schemas.microsoft.com/office/drawing/2014/main" id="{26FB9E63-3C7F-4DFC-89B8-1BCB92421E64}"/>
+                  </a:ext>
+                </a:extLst>
+              </p:cNvPr>
+              <p:cNvSpPr txBox="1">
+                <a:spLocks noRot="1" noChangeAspect="1" noMove="1" noResize="1" noEditPoints="1" noAdjustHandles="1" noChangeArrowheads="1" noChangeShapeType="1" noTextEdit="1"/>
+              </p:cNvSpPr>
+              <p:nvPr/>
+            </p:nvSpPr>
+            <p:spPr>
+              <a:xfrm rot="19256206">
+                <a:off x="5939142" y="3916250"/>
+                <a:ext cx="1008724" cy="390748"/>
+              </a:xfrm>
+              <a:prstGeom prst="rect">
+                <a:avLst/>
+              </a:prstGeom>
+              <a:blipFill>
+                <a:blip r:embed="rId4"/>
+                <a:stretch>
+                  <a:fillRect/>
+                </a:stretch>
+              </a:blipFill>
+            </p:spPr>
+            <p:txBody>
+              <a:bodyPr/>
+              <a:lstStyle/>
+              <a:p>
+                <a:r>
+                  <a:rPr lang="it-IT">
+                    <a:noFill/>
+                  </a:rPr>
+                  <a:t> </a:t>
+                </a:r>
+              </a:p>
+            </p:txBody>
+          </p:sp>
+        </mc:Fallback>
+      </mc:AlternateContent>
+      <mc:AlternateContent xmlns:mc="http://schemas.openxmlformats.org/markup-compatibility/2006" xmlns:a14="http://schemas.microsoft.com/office/drawing/2010/main">
+        <mc:Choice Requires="a14">
+          <p:sp>
+            <p:nvSpPr>
+              <p:cNvPr id="30" name="CasellaDiTesto 29">
+                <a:extLst>
+                  <a:ext uri="{FF2B5EF4-FFF2-40B4-BE49-F238E27FC236}">
+                    <a16:creationId xmlns:a16="http://schemas.microsoft.com/office/drawing/2014/main" id="{06F43F6E-0131-4A91-B0C7-9E49F1C1C82A}"/>
+                  </a:ext>
+                </a:extLst>
+              </p:cNvPr>
+              <p:cNvSpPr txBox="1"/>
+              <p:nvPr/>
+            </p:nvSpPr>
+            <p:spPr>
+              <a:xfrm rot="2308727">
+                <a:off x="5772749" y="2200311"/>
+                <a:ext cx="1008724" cy="390748"/>
+              </a:xfrm>
+              <a:prstGeom prst="rect">
+                <a:avLst/>
+              </a:prstGeom>
+              <a:noFill/>
+            </p:spPr>
+            <p:txBody>
+              <a:bodyPr wrap="square" rtlCol="0">
+                <a:spAutoFit/>
+              </a:bodyPr>
+              <a:lstStyle/>
+              <a:p>
+                <a:pPr/>
+                <a14:m>
+                  <m:oMathPara xmlns:m="http://schemas.openxmlformats.org/officeDocument/2006/math">
+                    <m:oMathParaPr>
+                      <m:jc m:val="centerGroup"/>
+                    </m:oMathParaPr>
+                    <m:oMath xmlns:m="http://schemas.openxmlformats.org/officeDocument/2006/math">
+                      <m:sSub>
+                        <m:sSubPr>
+                          <m:ctrlPr>
+                            <a:rPr lang="it-IT" i="1" smtClean="0">
+                              <a:latin typeface="Cambria Math" panose="02040503050406030204" pitchFamily="18" charset="0"/>
+                            </a:rPr>
+                          </m:ctrlPr>
+                        </m:sSubPr>
+                        <m:e>
+                          <m:r>
+                            <a:rPr lang="it-IT" i="1">
+                              <a:latin typeface="Cambria Math" panose="02040503050406030204" pitchFamily="18" charset="0"/>
+                            </a:rPr>
+                            <m:t>𝑑</m:t>
+                          </m:r>
+                        </m:e>
+                        <m:sub>
+                          <m:r>
+                            <a:rPr lang="it-IT" i="1" smtClean="0">
+                              <a:latin typeface="Cambria Math" panose="02040503050406030204" pitchFamily="18" charset="0"/>
+                            </a:rPr>
+                            <m:t>𝑢</m:t>
+                          </m:r>
+                          <m:r>
+                            <a:rPr lang="it-IT" b="0" i="1" smtClean="0">
+                              <a:latin typeface="Cambria Math" panose="02040503050406030204" pitchFamily="18" charset="0"/>
+                            </a:rPr>
+                            <m:t>𝑝</m:t>
+                          </m:r>
+                        </m:sub>
+                      </m:sSub>
+                      <m:r>
+                        <a:rPr lang="it-IT" b="0" i="0" smtClean="0">
+                          <a:latin typeface="Cambria Math" panose="02040503050406030204" pitchFamily="18" charset="0"/>
+                        </a:rPr>
+                        <m:t>=?</m:t>
+                      </m:r>
+                    </m:oMath>
+                  </m:oMathPara>
+                </a14:m>
+                <a:endParaRPr lang="it-IT" dirty="0"/>
+              </a:p>
+            </p:txBody>
+          </p:sp>
+        </mc:Choice>
+        <mc:Fallback xmlns="">
+          <p:sp>
+            <p:nvSpPr>
+              <p:cNvPr id="30" name="CasellaDiTesto 29">
+                <a:extLst>
+                  <a:ext uri="{FF2B5EF4-FFF2-40B4-BE49-F238E27FC236}">
+                    <a16:creationId xmlns:a16="http://schemas.microsoft.com/office/drawing/2014/main" id="{06F43F6E-0131-4A91-B0C7-9E49F1C1C82A}"/>
+                  </a:ext>
+                </a:extLst>
+              </p:cNvPr>
+              <p:cNvSpPr txBox="1">
+                <a:spLocks noRot="1" noChangeAspect="1" noMove="1" noResize="1" noEditPoints="1" noAdjustHandles="1" noChangeArrowheads="1" noChangeShapeType="1" noTextEdit="1"/>
+              </p:cNvSpPr>
+              <p:nvPr/>
+            </p:nvSpPr>
+            <p:spPr>
+              <a:xfrm rot="2308727">
+                <a:off x="5772749" y="2200311"/>
+                <a:ext cx="1008724" cy="390748"/>
+              </a:xfrm>
+              <a:prstGeom prst="rect">
+                <a:avLst/>
+              </a:prstGeom>
+              <a:blipFill>
+                <a:blip r:embed="rId5"/>
+                <a:stretch>
+                  <a:fillRect/>
+                </a:stretch>
+              </a:blipFill>
+            </p:spPr>
+            <p:txBody>
+              <a:bodyPr/>
+              <a:lstStyle/>
+              <a:p>
+                <a:r>
+                  <a:rPr lang="it-IT">
+                    <a:noFill/>
+                  </a:rPr>
+                  <a:t> </a:t>
+                </a:r>
+              </a:p>
+            </p:txBody>
+          </p:sp>
+        </mc:Fallback>
+      </mc:AlternateContent>
+    </p:spTree>
+    <p:extLst>
+      <p:ext uri="{BB962C8B-B14F-4D97-AF65-F5344CB8AC3E}">
+        <p14:creationId xmlns:p14="http://schemas.microsoft.com/office/powerpoint/2010/main" val="916235888"/>
+      </p:ext>
+    </p:extLst>
+  </p:cSld>
+  <p:clrMapOvr>
+    <a:masterClrMapping/>
+  </p:clrMapOvr>
+</p:sld>
+</file>
+
+<file path=ppt/slides/slide5.xml><?xml version="1.0" encoding="utf-8"?>
+<p:sld xmlns:a="http://schemas.openxmlformats.org/drawingml/2006/main" xmlns:r="http://schemas.openxmlformats.org/officeDocument/2006/relationships" xmlns:p="http://schemas.openxmlformats.org/presentationml/2006/main">
+  <p:cSld>
+    <p:spTree>
+      <p:nvGrpSpPr>
+        <p:cNvPr id="1" name=""/>
+        <p:cNvGrpSpPr/>
+        <p:nvPr/>
+      </p:nvGrpSpPr>
+      <p:grpSpPr>
+        <a:xfrm>
+          <a:off x="0" y="0"/>
+          <a:ext cx="0" cy="0"/>
+          <a:chOff x="0" y="0"/>
+          <a:chExt cx="0" cy="0"/>
+        </a:xfrm>
+      </p:grpSpPr>
+      <p:cxnSp>
+        <p:nvCxnSpPr>
+          <p:cNvPr id="28" name="Connettore diritto 27">
+            <a:extLst>
+              <a:ext uri="{FF2B5EF4-FFF2-40B4-BE49-F238E27FC236}">
+                <a16:creationId xmlns:a16="http://schemas.microsoft.com/office/drawing/2014/main" id="{A1376592-4F22-421E-90D4-70499545155C}"/>
+              </a:ext>
+            </a:extLst>
+          </p:cNvPr>
+          <p:cNvCxnSpPr>
+            <a:cxnSpLocks/>
+          </p:cNvCxnSpPr>
+          <p:nvPr/>
+        </p:nvCxnSpPr>
+        <p:spPr>
+          <a:xfrm>
+            <a:off x="5368950" y="1952858"/>
+            <a:ext cx="1697205" cy="1351764"/>
+          </a:xfrm>
+          <a:prstGeom prst="line">
+            <a:avLst/>
+          </a:prstGeom>
+          <a:ln w="9525" cap="flat" cmpd="sng" algn="ctr">
+            <a:solidFill>
+              <a:schemeClr val="dk1"/>
+            </a:solidFill>
+            <a:prstDash val="dash"/>
+            <a:round/>
+            <a:headEnd type="none" w="med" len="med"/>
+            <a:tailEnd type="none" w="med" len="med"/>
+          </a:ln>
+        </p:spPr>
+        <p:style>
+          <a:lnRef idx="0">
+            <a:scrgbClr r="0" g="0" b="0"/>
+          </a:lnRef>
+          <a:fillRef idx="0">
+            <a:scrgbClr r="0" g="0" b="0"/>
+          </a:fillRef>
+          <a:effectRef idx="0">
+            <a:scrgbClr r="0" g="0" b="0"/>
+          </a:effectRef>
+          <a:fontRef idx="minor">
+            <a:schemeClr val="tx1"/>
+          </a:fontRef>
+        </p:style>
+      </p:cxnSp>
+      <p:cxnSp>
+        <p:nvCxnSpPr>
+          <p:cNvPr id="26" name="Connettore diritto 25">
+            <a:extLst>
+              <a:ext uri="{FF2B5EF4-FFF2-40B4-BE49-F238E27FC236}">
+                <a16:creationId xmlns:a16="http://schemas.microsoft.com/office/drawing/2014/main" id="{E37A84F6-B55A-4468-B75F-679898CB2FC0}"/>
+              </a:ext>
+            </a:extLst>
+          </p:cNvPr>
+          <p:cNvCxnSpPr>
+            <a:cxnSpLocks/>
+          </p:cNvCxnSpPr>
+          <p:nvPr/>
+        </p:nvCxnSpPr>
+        <p:spPr>
+          <a:xfrm flipV="1">
+            <a:off x="5368950" y="3334743"/>
+            <a:ext cx="1652431" cy="1344655"/>
+          </a:xfrm>
+          <a:prstGeom prst="line">
+            <a:avLst/>
+          </a:prstGeom>
+          <a:ln w="9525" cap="flat" cmpd="sng" algn="ctr">
+            <a:solidFill>
+              <a:schemeClr val="dk1"/>
+            </a:solidFill>
+            <a:prstDash val="dash"/>
+            <a:round/>
+            <a:headEnd type="none" w="med" len="med"/>
+            <a:tailEnd type="none" w="med" len="med"/>
+          </a:ln>
+        </p:spPr>
+        <p:style>
+          <a:lnRef idx="0">
+            <a:scrgbClr r="0" g="0" b="0"/>
+          </a:lnRef>
+          <a:fillRef idx="0">
+            <a:scrgbClr r="0" g="0" b="0"/>
+          </a:fillRef>
+          <a:effectRef idx="0">
+            <a:scrgbClr r="0" g="0" b="0"/>
+          </a:effectRef>
+          <a:fontRef idx="minor">
+            <a:schemeClr val="tx1"/>
+          </a:fontRef>
+        </p:style>
+      </p:cxnSp>
+      <p:cxnSp>
+        <p:nvCxnSpPr>
+          <p:cNvPr id="25" name="Connettore diritto 24">
+            <a:extLst>
+              <a:ext uri="{FF2B5EF4-FFF2-40B4-BE49-F238E27FC236}">
+                <a16:creationId xmlns:a16="http://schemas.microsoft.com/office/drawing/2014/main" id="{77F49E93-79D8-476D-B5F7-01377E381AA1}"/>
+              </a:ext>
+            </a:extLst>
+          </p:cNvPr>
+          <p:cNvCxnSpPr>
+            <a:cxnSpLocks/>
+          </p:cNvCxnSpPr>
+          <p:nvPr/>
+        </p:nvCxnSpPr>
+        <p:spPr>
+          <a:xfrm>
+            <a:off x="7069116" y="3320572"/>
+            <a:ext cx="1700170" cy="1381886"/>
+          </a:xfrm>
+          <a:prstGeom prst="line">
+            <a:avLst/>
+          </a:prstGeom>
+          <a:ln/>
+        </p:spPr>
+        <p:style>
+          <a:lnRef idx="3">
+            <a:schemeClr val="dk1"/>
+          </a:lnRef>
+          <a:fillRef idx="0">
+            <a:schemeClr val="dk1"/>
+          </a:fillRef>
+          <a:effectRef idx="2">
+            <a:schemeClr val="dk1"/>
+          </a:effectRef>
+          <a:fontRef idx="minor">
+            <a:schemeClr val="tx1"/>
+          </a:fontRef>
+        </p:style>
+      </p:cxnSp>
+      <p:cxnSp>
+        <p:nvCxnSpPr>
+          <p:cNvPr id="23" name="Connettore diritto 22">
+            <a:extLst>
+              <a:ext uri="{FF2B5EF4-FFF2-40B4-BE49-F238E27FC236}">
+                <a16:creationId xmlns:a16="http://schemas.microsoft.com/office/drawing/2014/main" id="{FDA6CBB9-9AF0-4020-9652-FBEA53DB49A8}"/>
+              </a:ext>
+            </a:extLst>
+          </p:cNvPr>
+          <p:cNvCxnSpPr>
+            <a:cxnSpLocks/>
+          </p:cNvCxnSpPr>
+          <p:nvPr/>
+        </p:nvCxnSpPr>
+        <p:spPr>
+          <a:xfrm flipH="1">
+            <a:off x="7066155" y="1938687"/>
+            <a:ext cx="1703134" cy="1381885"/>
+          </a:xfrm>
+          <a:prstGeom prst="line">
+            <a:avLst/>
+          </a:prstGeom>
+          <a:ln/>
+        </p:spPr>
+        <p:style>
+          <a:lnRef idx="3">
+            <a:schemeClr val="dk1"/>
+          </a:lnRef>
+          <a:fillRef idx="0">
+            <a:schemeClr val="dk1"/>
+          </a:fillRef>
+          <a:effectRef idx="2">
+            <a:schemeClr val="dk1"/>
+          </a:effectRef>
+          <a:fontRef idx="minor">
+            <a:schemeClr val="tx1"/>
+          </a:fontRef>
+        </p:style>
+      </p:cxnSp>
+      <p:sp>
+        <p:nvSpPr>
+          <p:cNvPr id="9" name="Ovale 8">
+            <a:extLst>
+              <a:ext uri="{FF2B5EF4-FFF2-40B4-BE49-F238E27FC236}">
+                <a16:creationId xmlns:a16="http://schemas.microsoft.com/office/drawing/2014/main" id="{E1CD858E-A9AC-498F-B0ED-9337B0DBAC7D}"/>
+              </a:ext>
+            </a:extLst>
+          </p:cNvPr>
+          <p:cNvSpPr/>
+          <p:nvPr/>
+        </p:nvSpPr>
+        <p:spPr>
+          <a:xfrm>
+            <a:off x="6796477" y="3064708"/>
+            <a:ext cx="545285" cy="511729"/>
+          </a:xfrm>
+          <a:prstGeom prst="ellipse">
+            <a:avLst/>
+          </a:prstGeom>
+          <a:solidFill>
+            <a:schemeClr val="bg2">
+              <a:lumMod val="50000"/>
+            </a:schemeClr>
+          </a:solidFill>
+          <a:ln>
+            <a:solidFill>
+              <a:schemeClr val="tx1">
+                <a:lumMod val="85000"/>
+                <a:lumOff val="15000"/>
+              </a:schemeClr>
+            </a:solidFill>
+          </a:ln>
+        </p:spPr>
+        <p:style>
+          <a:lnRef idx="2">
+            <a:schemeClr val="accent1">
+              <a:shade val="50000"/>
+            </a:schemeClr>
+          </a:lnRef>
+          <a:fillRef idx="1">
+            <a:schemeClr val="accent1"/>
+          </a:fillRef>
+          <a:effectRef idx="0">
+            <a:schemeClr val="accent1"/>
+          </a:effectRef>
+          <a:fontRef idx="minor">
+            <a:schemeClr val="lt1"/>
+          </a:fontRef>
+        </p:style>
+        <p:txBody>
+          <a:bodyPr rtlCol="0" anchor="ctr"/>
+          <a:lstStyle/>
+          <a:p>
+            <a:pPr algn="ctr"/>
+            <a:r>
+              <a:rPr lang="it-IT" sz="2400" i="1" dirty="0"/>
+              <a:t>p</a:t>
+            </a:r>
+          </a:p>
+        </p:txBody>
+      </p:sp>
+      <p:sp>
+        <p:nvSpPr>
+          <p:cNvPr id="10" name="Ovale 9">
+            <a:extLst>
+              <a:ext uri="{FF2B5EF4-FFF2-40B4-BE49-F238E27FC236}">
+                <a16:creationId xmlns:a16="http://schemas.microsoft.com/office/drawing/2014/main" id="{87F835B7-821B-4C37-9ABF-E05F9D123497}"/>
+              </a:ext>
+            </a:extLst>
+          </p:cNvPr>
+          <p:cNvSpPr/>
+          <p:nvPr/>
+        </p:nvSpPr>
+        <p:spPr>
+          <a:xfrm>
+            <a:off x="8496647" y="4407584"/>
+            <a:ext cx="545285" cy="511729"/>
+          </a:xfrm>
+          <a:prstGeom prst="ellipse">
+            <a:avLst/>
+          </a:prstGeom>
+          <a:solidFill>
+            <a:schemeClr val="bg2">
+              <a:lumMod val="50000"/>
+            </a:schemeClr>
+          </a:solidFill>
+          <a:ln>
+            <a:solidFill>
+              <a:schemeClr val="tx1">
+                <a:lumMod val="85000"/>
+                <a:lumOff val="15000"/>
+              </a:schemeClr>
+            </a:solidFill>
+          </a:ln>
+        </p:spPr>
+        <p:style>
+          <a:lnRef idx="2">
+            <a:schemeClr val="accent1">
+              <a:shade val="50000"/>
+            </a:schemeClr>
+          </a:lnRef>
+          <a:fillRef idx="1">
+            <a:schemeClr val="accent1"/>
+          </a:fillRef>
+          <a:effectRef idx="0">
+            <a:schemeClr val="accent1"/>
+          </a:effectRef>
+          <a:fontRef idx="minor">
+            <a:schemeClr val="lt1"/>
+          </a:fontRef>
+        </p:style>
+        <p:txBody>
+          <a:bodyPr rtlCol="0" anchor="ctr"/>
+          <a:lstStyle/>
+          <a:p>
+            <a:pPr algn="ctr"/>
+            <a:r>
+              <a:rPr lang="it-IT" sz="2400" dirty="0"/>
+              <a:t>b</a:t>
+            </a:r>
+          </a:p>
+        </p:txBody>
+      </p:sp>
+      <p:sp>
+        <p:nvSpPr>
+          <p:cNvPr id="11" name="Ovale 10">
+            <a:extLst>
+              <a:ext uri="{FF2B5EF4-FFF2-40B4-BE49-F238E27FC236}">
+                <a16:creationId xmlns:a16="http://schemas.microsoft.com/office/drawing/2014/main" id="{D5EFBF8E-3097-4D14-871D-D0818153B3B1}"/>
+              </a:ext>
+            </a:extLst>
+          </p:cNvPr>
+          <p:cNvSpPr/>
+          <p:nvPr/>
+        </p:nvSpPr>
+        <p:spPr>
+          <a:xfrm>
+            <a:off x="8496647" y="1682823"/>
+            <a:ext cx="545285" cy="511729"/>
+          </a:xfrm>
+          <a:prstGeom prst="ellipse">
+            <a:avLst/>
+          </a:prstGeom>
+          <a:solidFill>
+            <a:schemeClr val="bg2">
+              <a:lumMod val="50000"/>
+            </a:schemeClr>
+          </a:solidFill>
+          <a:ln>
+            <a:solidFill>
+              <a:schemeClr val="tx1">
+                <a:lumMod val="85000"/>
+                <a:lumOff val="15000"/>
+              </a:schemeClr>
+            </a:solidFill>
+          </a:ln>
+        </p:spPr>
+        <p:style>
+          <a:lnRef idx="2">
+            <a:schemeClr val="accent1">
+              <a:shade val="50000"/>
+            </a:schemeClr>
+          </a:lnRef>
+          <a:fillRef idx="1">
+            <a:schemeClr val="accent1"/>
+          </a:fillRef>
+          <a:effectRef idx="0">
+            <a:schemeClr val="accent1"/>
+          </a:effectRef>
+          <a:fontRef idx="minor">
+            <a:schemeClr val="lt1"/>
+          </a:fontRef>
+        </p:style>
+        <p:txBody>
+          <a:bodyPr rtlCol="0" anchor="ctr"/>
+          <a:lstStyle/>
+          <a:p>
+            <a:pPr algn="ctr"/>
+            <a:r>
+              <a:rPr lang="it-IT" sz="2400" dirty="0"/>
+              <a:t>f</a:t>
+            </a:r>
+          </a:p>
+        </p:txBody>
+      </p:sp>
+      <mc:AlternateContent xmlns:mc="http://schemas.openxmlformats.org/markup-compatibility/2006" xmlns:a14="http://schemas.microsoft.com/office/drawing/2010/main">
+        <mc:Choice Requires="a14">
+          <p:sp>
+            <p:nvSpPr>
+              <p:cNvPr id="34" name="CasellaDiTesto 33">
+                <a:extLst>
+                  <a:ext uri="{FF2B5EF4-FFF2-40B4-BE49-F238E27FC236}">
+                    <a16:creationId xmlns:a16="http://schemas.microsoft.com/office/drawing/2014/main" id="{3043EDF5-0856-4F39-8192-5232679663C3}"/>
+                  </a:ext>
+                </a:extLst>
+              </p:cNvPr>
+              <p:cNvSpPr txBox="1"/>
+              <p:nvPr/>
+            </p:nvSpPr>
+            <p:spPr>
+              <a:xfrm rot="19256206">
+                <a:off x="7382285" y="2196807"/>
+                <a:ext cx="1008724" cy="391582"/>
+              </a:xfrm>
+              <a:prstGeom prst="rect">
+                <a:avLst/>
+              </a:prstGeom>
+              <a:noFill/>
+            </p:spPr>
+            <p:txBody>
+              <a:bodyPr wrap="square" rtlCol="0">
+                <a:spAutoFit/>
+              </a:bodyPr>
+              <a:lstStyle/>
+              <a:p>
+                <a:pPr/>
+                <a14:m>
+                  <m:oMathPara xmlns:m="http://schemas.openxmlformats.org/officeDocument/2006/math">
+                    <m:oMathParaPr>
+                      <m:jc m:val="centerGroup"/>
+                    </m:oMathParaPr>
+                    <m:oMath xmlns:m="http://schemas.openxmlformats.org/officeDocument/2006/math">
+                      <m:sSub>
+                        <m:sSubPr>
+                          <m:ctrlPr>
+                            <a:rPr lang="it-IT" i="1" smtClean="0">
+                              <a:latin typeface="Cambria Math" panose="02040503050406030204" pitchFamily="18" charset="0"/>
+                            </a:rPr>
+                          </m:ctrlPr>
+                        </m:sSubPr>
+                        <m:e>
+                          <m:r>
+                            <a:rPr lang="it-IT" i="1">
+                              <a:latin typeface="Cambria Math" panose="02040503050406030204" pitchFamily="18" charset="0"/>
+                            </a:rPr>
+                            <m:t>𝑑</m:t>
+                          </m:r>
+                        </m:e>
+                        <m:sub>
+                          <m:r>
+                            <a:rPr lang="it-IT" i="1">
+                              <a:latin typeface="Cambria Math" panose="02040503050406030204" pitchFamily="18" charset="0"/>
+                            </a:rPr>
+                            <m:t>𝑓</m:t>
+                          </m:r>
+                          <m:r>
+                            <a:rPr lang="it-IT" b="0" i="1" smtClean="0">
+                              <a:latin typeface="Cambria Math" panose="02040503050406030204" pitchFamily="18" charset="0"/>
+                            </a:rPr>
+                            <m:t>𝑝</m:t>
+                          </m:r>
+                        </m:sub>
+                      </m:sSub>
+                      <m:r>
+                        <a:rPr lang="it-IT" b="0" i="0" smtClean="0">
+                          <a:latin typeface="Cambria Math" panose="02040503050406030204" pitchFamily="18" charset="0"/>
+                        </a:rPr>
+                        <m:t>=2</m:t>
+                      </m:r>
+                    </m:oMath>
+                  </m:oMathPara>
+                </a14:m>
+                <a:endParaRPr lang="it-IT" dirty="0"/>
+              </a:p>
+            </p:txBody>
+          </p:sp>
+        </mc:Choice>
+        <mc:Fallback xmlns="">
+          <p:sp>
+            <p:nvSpPr>
+              <p:cNvPr id="34" name="CasellaDiTesto 33">
+                <a:extLst>
+                  <a:ext uri="{FF2B5EF4-FFF2-40B4-BE49-F238E27FC236}">
+                    <a16:creationId xmlns:a16="http://schemas.microsoft.com/office/drawing/2014/main" id="{3043EDF5-0856-4F39-8192-5232679663C3}"/>
+                  </a:ext>
+                </a:extLst>
+              </p:cNvPr>
+              <p:cNvSpPr txBox="1">
+                <a:spLocks noRot="1" noChangeAspect="1" noMove="1" noResize="1" noEditPoints="1" noAdjustHandles="1" noChangeArrowheads="1" noChangeShapeType="1" noTextEdit="1"/>
+              </p:cNvSpPr>
+              <p:nvPr/>
+            </p:nvSpPr>
+            <p:spPr>
+              <a:xfrm rot="19256206">
+                <a:off x="7382285" y="2196807"/>
+                <a:ext cx="1008724" cy="391582"/>
+              </a:xfrm>
+              <a:prstGeom prst="rect">
+                <a:avLst/>
+              </a:prstGeom>
+              <a:blipFill>
+                <a:blip r:embed="rId2"/>
+                <a:stretch>
+                  <a:fillRect/>
+                </a:stretch>
+              </a:blipFill>
+            </p:spPr>
+            <p:txBody>
+              <a:bodyPr/>
+              <a:lstStyle/>
+              <a:p>
+                <a:r>
+                  <a:rPr lang="it-IT">
+                    <a:noFill/>
+                  </a:rPr>
+                  <a:t> </a:t>
+                </a:r>
+              </a:p>
+            </p:txBody>
+          </p:sp>
+        </mc:Fallback>
+      </mc:AlternateContent>
+      <p:sp>
+        <p:nvSpPr>
+          <p:cNvPr id="21" name="Ovale 20">
+            <a:extLst>
+              <a:ext uri="{FF2B5EF4-FFF2-40B4-BE49-F238E27FC236}">
+                <a16:creationId xmlns:a16="http://schemas.microsoft.com/office/drawing/2014/main" id="{DBFB74D1-6E3E-4A26-8043-72ACF18E20E5}"/>
+              </a:ext>
+            </a:extLst>
+          </p:cNvPr>
+          <p:cNvSpPr/>
+          <p:nvPr/>
+        </p:nvSpPr>
+        <p:spPr>
+          <a:xfrm>
+            <a:off x="5051411" y="1666873"/>
+            <a:ext cx="545285" cy="511729"/>
+          </a:xfrm>
+          <a:prstGeom prst="ellipse">
+            <a:avLst/>
+          </a:prstGeom>
+          <a:solidFill>
+            <a:schemeClr val="bg2">
+              <a:lumMod val="50000"/>
+            </a:schemeClr>
+          </a:solidFill>
+          <a:ln>
+            <a:solidFill>
+              <a:schemeClr val="tx1">
+                <a:lumMod val="85000"/>
+                <a:lumOff val="15000"/>
+              </a:schemeClr>
+            </a:solidFill>
+          </a:ln>
+        </p:spPr>
+        <p:style>
+          <a:lnRef idx="2">
+            <a:schemeClr val="accent1">
+              <a:shade val="50000"/>
+            </a:schemeClr>
+          </a:lnRef>
+          <a:fillRef idx="1">
+            <a:schemeClr val="accent1"/>
+          </a:fillRef>
+          <a:effectRef idx="0">
+            <a:schemeClr val="accent1"/>
+          </a:effectRef>
+          <a:fontRef idx="minor">
+            <a:schemeClr val="lt1"/>
+          </a:fontRef>
+        </p:style>
+        <p:txBody>
+          <a:bodyPr rtlCol="0" anchor="ctr"/>
+          <a:lstStyle/>
+          <a:p>
+            <a:pPr algn="ctr"/>
+            <a:r>
+              <a:rPr lang="it-IT" sz="2400" dirty="0"/>
+              <a:t>u</a:t>
+            </a:r>
+          </a:p>
+        </p:txBody>
+      </p:sp>
+      <p:sp>
+        <p:nvSpPr>
+          <p:cNvPr id="22" name="Ovale 21">
+            <a:extLst>
+              <a:ext uri="{FF2B5EF4-FFF2-40B4-BE49-F238E27FC236}">
+                <a16:creationId xmlns:a16="http://schemas.microsoft.com/office/drawing/2014/main" id="{FC5B5791-4100-46D0-8B8B-DCCDC0EC40EC}"/>
+              </a:ext>
+            </a:extLst>
+          </p:cNvPr>
+          <p:cNvSpPr/>
+          <p:nvPr/>
+        </p:nvSpPr>
+        <p:spPr>
+          <a:xfrm>
+            <a:off x="5051412" y="4407583"/>
+            <a:ext cx="545285" cy="511729"/>
+          </a:xfrm>
+          <a:prstGeom prst="ellipse">
+            <a:avLst/>
+          </a:prstGeom>
+          <a:solidFill>
+            <a:schemeClr val="bg2">
+              <a:lumMod val="50000"/>
+            </a:schemeClr>
+          </a:solidFill>
+          <a:ln>
+            <a:solidFill>
+              <a:schemeClr val="tx1">
+                <a:lumMod val="85000"/>
+                <a:lumOff val="15000"/>
+              </a:schemeClr>
+            </a:solidFill>
+          </a:ln>
+        </p:spPr>
+        <p:style>
+          <a:lnRef idx="2">
+            <a:schemeClr val="accent1">
+              <a:shade val="50000"/>
+            </a:schemeClr>
+          </a:lnRef>
+          <a:fillRef idx="1">
+            <a:schemeClr val="accent1"/>
+          </a:fillRef>
+          <a:effectRef idx="0">
+            <a:schemeClr val="accent1"/>
+          </a:effectRef>
+          <a:fontRef idx="minor">
+            <a:schemeClr val="lt1"/>
+          </a:fontRef>
+        </p:style>
+        <p:txBody>
+          <a:bodyPr rtlCol="0" anchor="ctr"/>
+          <a:lstStyle/>
+          <a:p>
+            <a:pPr algn="ctr"/>
+            <a:r>
+              <a:rPr lang="it-IT" sz="2400" dirty="0"/>
+              <a:t>s</a:t>
+            </a:r>
+          </a:p>
+        </p:txBody>
+      </p:sp>
+      <mc:AlternateContent xmlns:mc="http://schemas.openxmlformats.org/markup-compatibility/2006" xmlns:a14="http://schemas.microsoft.com/office/drawing/2010/main">
+        <mc:Choice Requires="a14">
+          <p:sp>
+            <p:nvSpPr>
+              <p:cNvPr id="20" name="CasellaDiTesto 19">
+                <a:extLst>
+                  <a:ext uri="{FF2B5EF4-FFF2-40B4-BE49-F238E27FC236}">
+                    <a16:creationId xmlns:a16="http://schemas.microsoft.com/office/drawing/2014/main" id="{AEC37D64-B461-4739-B615-49B84BD77AC6}"/>
+                  </a:ext>
+                </a:extLst>
+              </p:cNvPr>
+              <p:cNvSpPr txBox="1"/>
+              <p:nvPr/>
+            </p:nvSpPr>
+            <p:spPr>
+              <a:xfrm rot="2308727">
+                <a:off x="7254652" y="3919337"/>
+                <a:ext cx="1008724" cy="390748"/>
+              </a:xfrm>
+              <a:prstGeom prst="rect">
+                <a:avLst/>
+              </a:prstGeom>
+              <a:noFill/>
+            </p:spPr>
+            <p:txBody>
+              <a:bodyPr wrap="square" rtlCol="0">
+                <a:spAutoFit/>
+              </a:bodyPr>
+              <a:lstStyle/>
+              <a:p>
+                <a:pPr/>
+                <a14:m>
+                  <m:oMathPara xmlns:m="http://schemas.openxmlformats.org/officeDocument/2006/math">
+                    <m:oMathParaPr>
+                      <m:jc m:val="centerGroup"/>
+                    </m:oMathParaPr>
+                    <m:oMath xmlns:m="http://schemas.openxmlformats.org/officeDocument/2006/math">
+                      <m:sSub>
+                        <m:sSubPr>
+                          <m:ctrlPr>
+                            <a:rPr lang="it-IT" i="1" smtClean="0">
+                              <a:latin typeface="Cambria Math" panose="02040503050406030204" pitchFamily="18" charset="0"/>
+                            </a:rPr>
+                          </m:ctrlPr>
+                        </m:sSubPr>
+                        <m:e>
+                          <m:r>
+                            <a:rPr lang="it-IT" i="1">
+                              <a:latin typeface="Cambria Math" panose="02040503050406030204" pitchFamily="18" charset="0"/>
+                            </a:rPr>
+                            <m:t>𝑑</m:t>
+                          </m:r>
+                        </m:e>
+                        <m:sub>
+                          <m:r>
+                            <a:rPr lang="it-IT" i="1" smtClean="0">
+                              <a:latin typeface="Cambria Math" panose="02040503050406030204" pitchFamily="18" charset="0"/>
+                            </a:rPr>
+                            <m:t>𝑏</m:t>
+                          </m:r>
+                          <m:r>
+                            <a:rPr lang="it-IT" b="0" i="1" smtClean="0">
+                              <a:latin typeface="Cambria Math" panose="02040503050406030204" pitchFamily="18" charset="0"/>
+                            </a:rPr>
+                            <m:t>𝑝</m:t>
+                          </m:r>
+                        </m:sub>
+                      </m:sSub>
+                      <m:r>
+                        <a:rPr lang="it-IT" b="0" i="0" smtClean="0">
+                          <a:latin typeface="Cambria Math" panose="02040503050406030204" pitchFamily="18" charset="0"/>
+                        </a:rPr>
+                        <m:t>=0</m:t>
+                      </m:r>
+                    </m:oMath>
+                  </m:oMathPara>
+                </a14:m>
+                <a:endParaRPr lang="it-IT" dirty="0"/>
+              </a:p>
+            </p:txBody>
+          </p:sp>
+        </mc:Choice>
+        <mc:Fallback xmlns="">
+          <p:sp>
+            <p:nvSpPr>
+              <p:cNvPr id="20" name="CasellaDiTesto 19">
+                <a:extLst>
+                  <a:ext uri="{FF2B5EF4-FFF2-40B4-BE49-F238E27FC236}">
+                    <a16:creationId xmlns:a16="http://schemas.microsoft.com/office/drawing/2014/main" id="{AEC37D64-B461-4739-B615-49B84BD77AC6}"/>
+                  </a:ext>
+                </a:extLst>
+              </p:cNvPr>
+              <p:cNvSpPr txBox="1">
+                <a:spLocks noRot="1" noChangeAspect="1" noMove="1" noResize="1" noEditPoints="1" noAdjustHandles="1" noChangeArrowheads="1" noChangeShapeType="1" noTextEdit="1"/>
+              </p:cNvSpPr>
+              <p:nvPr/>
+            </p:nvSpPr>
+            <p:spPr>
+              <a:xfrm rot="2308727">
+                <a:off x="7254652" y="3919337"/>
+                <a:ext cx="1008724" cy="390748"/>
+              </a:xfrm>
+              <a:prstGeom prst="rect">
+                <a:avLst/>
+              </a:prstGeom>
+              <a:blipFill>
+                <a:blip r:embed="rId3"/>
+                <a:stretch>
+                  <a:fillRect/>
+                </a:stretch>
+              </a:blipFill>
+            </p:spPr>
+            <p:txBody>
+              <a:bodyPr/>
+              <a:lstStyle/>
+              <a:p>
+                <a:r>
+                  <a:rPr lang="it-IT">
+                    <a:noFill/>
+                  </a:rPr>
+                  <a:t> </a:t>
+                </a:r>
+              </a:p>
+            </p:txBody>
+          </p:sp>
+        </mc:Fallback>
+      </mc:AlternateContent>
+      <mc:AlternateContent xmlns:mc="http://schemas.openxmlformats.org/markup-compatibility/2006" xmlns:a14="http://schemas.microsoft.com/office/drawing/2010/main">
+        <mc:Choice Requires="a14">
+          <p:sp>
+            <p:nvSpPr>
+              <p:cNvPr id="29" name="CasellaDiTesto 28">
+                <a:extLst>
+                  <a:ext uri="{FF2B5EF4-FFF2-40B4-BE49-F238E27FC236}">
+                    <a16:creationId xmlns:a16="http://schemas.microsoft.com/office/drawing/2014/main" id="{26FB9E63-3C7F-4DFC-89B8-1BCB92421E64}"/>
+                  </a:ext>
+                </a:extLst>
+              </p:cNvPr>
+              <p:cNvSpPr txBox="1"/>
+              <p:nvPr/>
+            </p:nvSpPr>
+            <p:spPr>
+              <a:xfrm rot="19256206">
+                <a:off x="5939142" y="3916250"/>
+                <a:ext cx="1008724" cy="390748"/>
+              </a:xfrm>
+              <a:prstGeom prst="rect">
+                <a:avLst/>
+              </a:prstGeom>
+              <a:noFill/>
+            </p:spPr>
+            <p:txBody>
+              <a:bodyPr wrap="square" rtlCol="0">
+                <a:spAutoFit/>
+              </a:bodyPr>
+              <a:lstStyle/>
+              <a:p>
+                <a:pPr/>
+                <a14:m>
+                  <m:oMathPara xmlns:m="http://schemas.openxmlformats.org/officeDocument/2006/math">
+                    <m:oMathParaPr>
+                      <m:jc m:val="centerGroup"/>
+                    </m:oMathParaPr>
+                    <m:oMath xmlns:m="http://schemas.openxmlformats.org/officeDocument/2006/math">
+                      <m:sSub>
+                        <m:sSubPr>
+                          <m:ctrlPr>
+                            <a:rPr lang="it-IT" i="1" smtClean="0">
+                              <a:latin typeface="Cambria Math" panose="02040503050406030204" pitchFamily="18" charset="0"/>
+                            </a:rPr>
+                          </m:ctrlPr>
+                        </m:sSubPr>
+                        <m:e>
+                          <m:r>
+                            <a:rPr lang="it-IT" i="1">
+                              <a:latin typeface="Cambria Math" panose="02040503050406030204" pitchFamily="18" charset="0"/>
+                            </a:rPr>
+                            <m:t>𝑑</m:t>
+                          </m:r>
+                        </m:e>
+                        <m:sub>
+                          <m:r>
+                            <a:rPr lang="it-IT" i="1" smtClean="0">
+                              <a:latin typeface="Cambria Math" panose="02040503050406030204" pitchFamily="18" charset="0"/>
+                            </a:rPr>
+                            <m:t>𝑠</m:t>
+                          </m:r>
+                          <m:r>
+                            <a:rPr lang="it-IT" b="0" i="1" smtClean="0">
+                              <a:latin typeface="Cambria Math" panose="02040503050406030204" pitchFamily="18" charset="0"/>
+                            </a:rPr>
+                            <m:t>𝑝</m:t>
+                          </m:r>
+                        </m:sub>
+                      </m:sSub>
+                      <m:r>
+                        <a:rPr lang="it-IT" b="0" i="0" smtClean="0">
+                          <a:latin typeface="Cambria Math" panose="02040503050406030204" pitchFamily="18" charset="0"/>
+                        </a:rPr>
+                        <m:t>=?</m:t>
+                      </m:r>
+                    </m:oMath>
+                  </m:oMathPara>
+                </a14:m>
+                <a:endParaRPr lang="it-IT" dirty="0"/>
+              </a:p>
+            </p:txBody>
+          </p:sp>
+        </mc:Choice>
+        <mc:Fallback xmlns="">
+          <p:sp>
+            <p:nvSpPr>
+              <p:cNvPr id="29" name="CasellaDiTesto 28">
+                <a:extLst>
+                  <a:ext uri="{FF2B5EF4-FFF2-40B4-BE49-F238E27FC236}">
+                    <a16:creationId xmlns:a16="http://schemas.microsoft.com/office/drawing/2014/main" id="{26FB9E63-3C7F-4DFC-89B8-1BCB92421E64}"/>
+                  </a:ext>
+                </a:extLst>
+              </p:cNvPr>
+              <p:cNvSpPr txBox="1">
+                <a:spLocks noRot="1" noChangeAspect="1" noMove="1" noResize="1" noEditPoints="1" noAdjustHandles="1" noChangeArrowheads="1" noChangeShapeType="1" noTextEdit="1"/>
+              </p:cNvSpPr>
+              <p:nvPr/>
+            </p:nvSpPr>
+            <p:spPr>
+              <a:xfrm rot="19256206">
+                <a:off x="5939142" y="3916250"/>
+                <a:ext cx="1008724" cy="390748"/>
+              </a:xfrm>
+              <a:prstGeom prst="rect">
+                <a:avLst/>
+              </a:prstGeom>
+              <a:blipFill>
+                <a:blip r:embed="rId4"/>
+                <a:stretch>
+                  <a:fillRect/>
+                </a:stretch>
+              </a:blipFill>
+            </p:spPr>
+            <p:txBody>
+              <a:bodyPr/>
+              <a:lstStyle/>
+              <a:p>
+                <a:r>
+                  <a:rPr lang="it-IT">
+                    <a:noFill/>
+                  </a:rPr>
+                  <a:t> </a:t>
+                </a:r>
+              </a:p>
+            </p:txBody>
+          </p:sp>
+        </mc:Fallback>
+      </mc:AlternateContent>
+      <mc:AlternateContent xmlns:mc="http://schemas.openxmlformats.org/markup-compatibility/2006" xmlns:a14="http://schemas.microsoft.com/office/drawing/2010/main">
+        <mc:Choice Requires="a14">
+          <p:sp>
+            <p:nvSpPr>
+              <p:cNvPr id="30" name="CasellaDiTesto 29">
+                <a:extLst>
+                  <a:ext uri="{FF2B5EF4-FFF2-40B4-BE49-F238E27FC236}">
+                    <a16:creationId xmlns:a16="http://schemas.microsoft.com/office/drawing/2014/main" id="{06F43F6E-0131-4A91-B0C7-9E49F1C1C82A}"/>
+                  </a:ext>
+                </a:extLst>
+              </p:cNvPr>
+              <p:cNvSpPr txBox="1"/>
+              <p:nvPr/>
+            </p:nvSpPr>
+            <p:spPr>
+              <a:xfrm rot="2308727">
+                <a:off x="5772749" y="2200311"/>
+                <a:ext cx="1008724" cy="390748"/>
+              </a:xfrm>
+              <a:prstGeom prst="rect">
+                <a:avLst/>
+              </a:prstGeom>
+              <a:noFill/>
+            </p:spPr>
+            <p:txBody>
+              <a:bodyPr wrap="square" rtlCol="0">
+                <a:spAutoFit/>
+              </a:bodyPr>
+              <a:lstStyle/>
+              <a:p>
+                <a:pPr/>
+                <a14:m>
+                  <m:oMathPara xmlns:m="http://schemas.openxmlformats.org/officeDocument/2006/math">
+                    <m:oMathParaPr>
+                      <m:jc m:val="centerGroup"/>
+                    </m:oMathParaPr>
+                    <m:oMath xmlns:m="http://schemas.openxmlformats.org/officeDocument/2006/math">
+                      <m:sSub>
+                        <m:sSubPr>
+                          <m:ctrlPr>
+                            <a:rPr lang="it-IT" i="1" smtClean="0">
+                              <a:latin typeface="Cambria Math" panose="02040503050406030204" pitchFamily="18" charset="0"/>
+                            </a:rPr>
+                          </m:ctrlPr>
+                        </m:sSubPr>
+                        <m:e>
+                          <m:r>
+                            <a:rPr lang="it-IT" i="1">
+                              <a:latin typeface="Cambria Math" panose="02040503050406030204" pitchFamily="18" charset="0"/>
+                            </a:rPr>
+                            <m:t>𝑑</m:t>
+                          </m:r>
+                        </m:e>
+                        <m:sub>
+                          <m:r>
+                            <a:rPr lang="it-IT" i="1" smtClean="0">
+                              <a:latin typeface="Cambria Math" panose="02040503050406030204" pitchFamily="18" charset="0"/>
+                            </a:rPr>
+                            <m:t>𝑢</m:t>
+                          </m:r>
+                          <m:r>
+                            <a:rPr lang="it-IT" b="0" i="1" smtClean="0">
+                              <a:latin typeface="Cambria Math" panose="02040503050406030204" pitchFamily="18" charset="0"/>
+                            </a:rPr>
+                            <m:t>𝑝</m:t>
+                          </m:r>
+                        </m:sub>
+                      </m:sSub>
+                      <m:r>
+                        <a:rPr lang="it-IT" b="0" i="0" smtClean="0">
+                          <a:latin typeface="Cambria Math" panose="02040503050406030204" pitchFamily="18" charset="0"/>
+                        </a:rPr>
+                        <m:t>=?</m:t>
+                      </m:r>
+                    </m:oMath>
+                  </m:oMathPara>
+                </a14:m>
+                <a:endParaRPr lang="it-IT" dirty="0"/>
+              </a:p>
+            </p:txBody>
+          </p:sp>
+        </mc:Choice>
+        <mc:Fallback xmlns="">
+          <p:sp>
+            <p:nvSpPr>
+              <p:cNvPr id="30" name="CasellaDiTesto 29">
+                <a:extLst>
+                  <a:ext uri="{FF2B5EF4-FFF2-40B4-BE49-F238E27FC236}">
+                    <a16:creationId xmlns:a16="http://schemas.microsoft.com/office/drawing/2014/main" id="{06F43F6E-0131-4A91-B0C7-9E49F1C1C82A}"/>
+                  </a:ext>
+                </a:extLst>
+              </p:cNvPr>
+              <p:cNvSpPr txBox="1">
+                <a:spLocks noRot="1" noChangeAspect="1" noMove="1" noResize="1" noEditPoints="1" noAdjustHandles="1" noChangeArrowheads="1" noChangeShapeType="1" noTextEdit="1"/>
+              </p:cNvSpPr>
+              <p:nvPr/>
+            </p:nvSpPr>
+            <p:spPr>
+              <a:xfrm rot="2308727">
+                <a:off x="5772749" y="2200311"/>
+                <a:ext cx="1008724" cy="390748"/>
+              </a:xfrm>
+              <a:prstGeom prst="rect">
+                <a:avLst/>
+              </a:prstGeom>
+              <a:blipFill>
+                <a:blip r:embed="rId5"/>
+                <a:stretch>
+                  <a:fillRect/>
+                </a:stretch>
+              </a:blipFill>
+            </p:spPr>
+            <p:txBody>
+              <a:bodyPr/>
+              <a:lstStyle/>
+              <a:p>
+                <a:r>
+                  <a:rPr lang="it-IT">
+                    <a:noFill/>
+                  </a:rPr>
+                  <a:t> </a:t>
+                </a:r>
+              </a:p>
+            </p:txBody>
+          </p:sp>
+        </mc:Fallback>
+      </mc:AlternateContent>
+    </p:spTree>
+    <p:extLst>
+      <p:ext uri="{BB962C8B-B14F-4D97-AF65-F5344CB8AC3E}">
+        <p14:creationId xmlns:p14="http://schemas.microsoft.com/office/powerpoint/2010/main" val="3943678242"/>
+      </p:ext>
+    </p:extLst>
+  </p:cSld>
+  <p:clrMapOvr>
+    <a:masterClrMapping/>
+  </p:clrMapOvr>
+</p:sld>
+</file>
+
+<file path=ppt/slides/slide6.xml><?xml version="1.0" encoding="utf-8"?>
+<p:sld xmlns:a="http://schemas.openxmlformats.org/drawingml/2006/main" xmlns:r="http://schemas.openxmlformats.org/officeDocument/2006/relationships" xmlns:p="http://schemas.openxmlformats.org/presentationml/2006/main">
+  <p:cSld>
+    <p:spTree>
+      <p:nvGrpSpPr>
+        <p:cNvPr id="1" name=""/>
+        <p:cNvGrpSpPr/>
+        <p:nvPr/>
+      </p:nvGrpSpPr>
+      <p:grpSpPr>
+        <a:xfrm>
+          <a:off x="0" y="0"/>
+          <a:ext cx="0" cy="0"/>
+          <a:chOff x="0" y="0"/>
+          <a:chExt cx="0" cy="0"/>
+        </a:xfrm>
+      </p:grpSpPr>
+      <p:cxnSp>
+        <p:nvCxnSpPr>
+          <p:cNvPr id="28" name="Connettore diritto 27">
+            <a:extLst>
+              <a:ext uri="{FF2B5EF4-FFF2-40B4-BE49-F238E27FC236}">
+                <a16:creationId xmlns:a16="http://schemas.microsoft.com/office/drawing/2014/main" id="{A1376592-4F22-421E-90D4-70499545155C}"/>
+              </a:ext>
+            </a:extLst>
+          </p:cNvPr>
+          <p:cNvCxnSpPr>
+            <a:cxnSpLocks/>
+          </p:cNvCxnSpPr>
+          <p:nvPr/>
+        </p:nvCxnSpPr>
+        <p:spPr>
+          <a:xfrm>
+            <a:off x="5368950" y="1952858"/>
+            <a:ext cx="1697205" cy="1351764"/>
+          </a:xfrm>
+          <a:prstGeom prst="line">
+            <a:avLst/>
+          </a:prstGeom>
+          <a:ln w="9525" cap="flat" cmpd="sng" algn="ctr">
+            <a:solidFill>
+              <a:schemeClr val="dk1"/>
+            </a:solidFill>
+            <a:prstDash val="dash"/>
+            <a:round/>
+            <a:headEnd type="none" w="med" len="med"/>
+            <a:tailEnd type="none" w="med" len="med"/>
+          </a:ln>
+        </p:spPr>
+        <p:style>
+          <a:lnRef idx="0">
+            <a:scrgbClr r="0" g="0" b="0"/>
+          </a:lnRef>
+          <a:fillRef idx="0">
+            <a:scrgbClr r="0" g="0" b="0"/>
+          </a:fillRef>
+          <a:effectRef idx="0">
+            <a:scrgbClr r="0" g="0" b="0"/>
+          </a:effectRef>
+          <a:fontRef idx="minor">
+            <a:schemeClr val="tx1"/>
+          </a:fontRef>
+        </p:style>
+      </p:cxnSp>
+      <p:cxnSp>
+        <p:nvCxnSpPr>
+          <p:cNvPr id="26" name="Connettore diritto 25">
+            <a:extLst>
+              <a:ext uri="{FF2B5EF4-FFF2-40B4-BE49-F238E27FC236}">
+                <a16:creationId xmlns:a16="http://schemas.microsoft.com/office/drawing/2014/main" id="{E37A84F6-B55A-4468-B75F-679898CB2FC0}"/>
+              </a:ext>
+            </a:extLst>
+          </p:cNvPr>
+          <p:cNvCxnSpPr>
+            <a:cxnSpLocks/>
+          </p:cNvCxnSpPr>
+          <p:nvPr/>
+        </p:nvCxnSpPr>
+        <p:spPr>
+          <a:xfrm flipV="1">
+            <a:off x="5368950" y="3334743"/>
+            <a:ext cx="1652431" cy="1344655"/>
+          </a:xfrm>
+          <a:prstGeom prst="line">
+            <a:avLst/>
+          </a:prstGeom>
+          <a:ln w="9525" cap="flat" cmpd="sng" algn="ctr">
+            <a:solidFill>
+              <a:schemeClr val="dk1"/>
+            </a:solidFill>
+            <a:prstDash val="dash"/>
+            <a:round/>
+            <a:headEnd type="none" w="med" len="med"/>
+            <a:tailEnd type="none" w="med" len="med"/>
+          </a:ln>
+        </p:spPr>
+        <p:style>
+          <a:lnRef idx="0">
+            <a:scrgbClr r="0" g="0" b="0"/>
+          </a:lnRef>
+          <a:fillRef idx="0">
+            <a:scrgbClr r="0" g="0" b="0"/>
+          </a:fillRef>
+          <a:effectRef idx="0">
+            <a:scrgbClr r="0" g="0" b="0"/>
+          </a:effectRef>
+          <a:fontRef idx="minor">
+            <a:schemeClr val="tx1"/>
+          </a:fontRef>
+        </p:style>
+      </p:cxnSp>
+      <p:cxnSp>
+        <p:nvCxnSpPr>
+          <p:cNvPr id="25" name="Connettore diritto 24">
+            <a:extLst>
+              <a:ext uri="{FF2B5EF4-FFF2-40B4-BE49-F238E27FC236}">
+                <a16:creationId xmlns:a16="http://schemas.microsoft.com/office/drawing/2014/main" id="{77F49E93-79D8-476D-B5F7-01377E381AA1}"/>
+              </a:ext>
+            </a:extLst>
+          </p:cNvPr>
+          <p:cNvCxnSpPr>
+            <a:cxnSpLocks/>
+          </p:cNvCxnSpPr>
+          <p:nvPr/>
+        </p:nvCxnSpPr>
+        <p:spPr>
+          <a:xfrm>
+            <a:off x="7069116" y="3320572"/>
+            <a:ext cx="1700170" cy="1381886"/>
+          </a:xfrm>
+          <a:prstGeom prst="line">
+            <a:avLst/>
+          </a:prstGeom>
+          <a:ln/>
+        </p:spPr>
+        <p:style>
+          <a:lnRef idx="3">
+            <a:schemeClr val="dk1"/>
+          </a:lnRef>
+          <a:fillRef idx="0">
+            <a:schemeClr val="dk1"/>
+          </a:fillRef>
+          <a:effectRef idx="2">
+            <a:schemeClr val="dk1"/>
+          </a:effectRef>
+          <a:fontRef idx="minor">
+            <a:schemeClr val="tx1"/>
+          </a:fontRef>
+        </p:style>
+      </p:cxnSp>
+      <p:cxnSp>
+        <p:nvCxnSpPr>
+          <p:cNvPr id="23" name="Connettore diritto 22">
+            <a:extLst>
+              <a:ext uri="{FF2B5EF4-FFF2-40B4-BE49-F238E27FC236}">
+                <a16:creationId xmlns:a16="http://schemas.microsoft.com/office/drawing/2014/main" id="{FDA6CBB9-9AF0-4020-9652-FBEA53DB49A8}"/>
+              </a:ext>
+            </a:extLst>
+          </p:cNvPr>
+          <p:cNvCxnSpPr>
+            <a:cxnSpLocks/>
+          </p:cNvCxnSpPr>
+          <p:nvPr/>
+        </p:nvCxnSpPr>
+        <p:spPr>
+          <a:xfrm flipH="1">
+            <a:off x="7066155" y="1938687"/>
+            <a:ext cx="1703134" cy="1381885"/>
+          </a:xfrm>
+          <a:prstGeom prst="line">
+            <a:avLst/>
+          </a:prstGeom>
+          <a:ln/>
+        </p:spPr>
+        <p:style>
+          <a:lnRef idx="3">
+            <a:schemeClr val="dk1"/>
+          </a:lnRef>
+          <a:fillRef idx="0">
+            <a:schemeClr val="dk1"/>
+          </a:fillRef>
+          <a:effectRef idx="2">
+            <a:schemeClr val="dk1"/>
+          </a:effectRef>
+          <a:fontRef idx="minor">
+            <a:schemeClr val="tx1"/>
+          </a:fontRef>
+        </p:style>
+      </p:cxnSp>
+      <p:sp>
+        <p:nvSpPr>
+          <p:cNvPr id="9" name="Ovale 8">
+            <a:extLst>
+              <a:ext uri="{FF2B5EF4-FFF2-40B4-BE49-F238E27FC236}">
+                <a16:creationId xmlns:a16="http://schemas.microsoft.com/office/drawing/2014/main" id="{E1CD858E-A9AC-498F-B0ED-9337B0DBAC7D}"/>
+              </a:ext>
+            </a:extLst>
+          </p:cNvPr>
+          <p:cNvSpPr/>
+          <p:nvPr/>
+        </p:nvSpPr>
+        <p:spPr>
+          <a:xfrm>
+            <a:off x="6796477" y="3064708"/>
+            <a:ext cx="545285" cy="511729"/>
+          </a:xfrm>
+          <a:prstGeom prst="ellipse">
+            <a:avLst/>
+          </a:prstGeom>
+          <a:solidFill>
+            <a:schemeClr val="bg2">
+              <a:lumMod val="50000"/>
+            </a:schemeClr>
+          </a:solidFill>
+          <a:ln>
+            <a:solidFill>
+              <a:schemeClr val="tx1">
+                <a:lumMod val="85000"/>
+                <a:lumOff val="15000"/>
+              </a:schemeClr>
+            </a:solidFill>
+          </a:ln>
+        </p:spPr>
+        <p:style>
+          <a:lnRef idx="2">
+            <a:schemeClr val="accent1">
+              <a:shade val="50000"/>
+            </a:schemeClr>
+          </a:lnRef>
+          <a:fillRef idx="1">
+            <a:schemeClr val="accent1"/>
+          </a:fillRef>
+          <a:effectRef idx="0">
+            <a:schemeClr val="accent1"/>
+          </a:effectRef>
+          <a:fontRef idx="minor">
+            <a:schemeClr val="lt1"/>
+          </a:fontRef>
+        </p:style>
+        <p:txBody>
+          <a:bodyPr rtlCol="0" anchor="ctr"/>
+          <a:lstStyle/>
+          <a:p>
+            <a:pPr algn="ctr"/>
+            <a:r>
+              <a:rPr lang="it-IT" sz="2400" i="1" dirty="0"/>
+              <a:t>p</a:t>
+            </a:r>
+          </a:p>
+        </p:txBody>
+      </p:sp>
+      <p:sp>
+        <p:nvSpPr>
+          <p:cNvPr id="10" name="Ovale 9">
+            <a:extLst>
+              <a:ext uri="{FF2B5EF4-FFF2-40B4-BE49-F238E27FC236}">
+                <a16:creationId xmlns:a16="http://schemas.microsoft.com/office/drawing/2014/main" id="{87F835B7-821B-4C37-9ABF-E05F9D123497}"/>
+              </a:ext>
+            </a:extLst>
+          </p:cNvPr>
+          <p:cNvSpPr/>
+          <p:nvPr/>
+        </p:nvSpPr>
+        <p:spPr>
+          <a:xfrm>
+            <a:off x="8496647" y="4407584"/>
+            <a:ext cx="545285" cy="511729"/>
+          </a:xfrm>
+          <a:prstGeom prst="ellipse">
+            <a:avLst/>
+          </a:prstGeom>
+          <a:solidFill>
+            <a:schemeClr val="bg2">
+              <a:lumMod val="50000"/>
+            </a:schemeClr>
+          </a:solidFill>
+          <a:ln>
+            <a:solidFill>
+              <a:schemeClr val="tx1">
+                <a:lumMod val="85000"/>
+                <a:lumOff val="15000"/>
+              </a:schemeClr>
+            </a:solidFill>
+          </a:ln>
+        </p:spPr>
+        <p:style>
+          <a:lnRef idx="2">
+            <a:schemeClr val="accent1">
+              <a:shade val="50000"/>
+            </a:schemeClr>
+          </a:lnRef>
+          <a:fillRef idx="1">
+            <a:schemeClr val="accent1"/>
+          </a:fillRef>
+          <a:effectRef idx="0">
+            <a:schemeClr val="accent1"/>
+          </a:effectRef>
+          <a:fontRef idx="minor">
+            <a:schemeClr val="lt1"/>
+          </a:fontRef>
+        </p:style>
+        <p:txBody>
+          <a:bodyPr rtlCol="0" anchor="ctr"/>
+          <a:lstStyle/>
+          <a:p>
+            <a:pPr algn="ctr"/>
+            <a:r>
+              <a:rPr lang="it-IT" sz="2400" dirty="0"/>
+              <a:t>b</a:t>
+            </a:r>
+          </a:p>
+        </p:txBody>
+      </p:sp>
+      <p:sp>
+        <p:nvSpPr>
+          <p:cNvPr id="11" name="Ovale 10">
+            <a:extLst>
+              <a:ext uri="{FF2B5EF4-FFF2-40B4-BE49-F238E27FC236}">
+                <a16:creationId xmlns:a16="http://schemas.microsoft.com/office/drawing/2014/main" id="{D5EFBF8E-3097-4D14-871D-D0818153B3B1}"/>
+              </a:ext>
+            </a:extLst>
+          </p:cNvPr>
+          <p:cNvSpPr/>
+          <p:nvPr/>
+        </p:nvSpPr>
+        <p:spPr>
+          <a:xfrm>
+            <a:off x="8496647" y="1682823"/>
+            <a:ext cx="545285" cy="511729"/>
+          </a:xfrm>
+          <a:prstGeom prst="ellipse">
+            <a:avLst/>
+          </a:prstGeom>
+          <a:solidFill>
+            <a:schemeClr val="bg2">
+              <a:lumMod val="50000"/>
+            </a:schemeClr>
+          </a:solidFill>
+          <a:ln>
+            <a:solidFill>
+              <a:schemeClr val="tx1">
+                <a:lumMod val="85000"/>
+                <a:lumOff val="15000"/>
+              </a:schemeClr>
+            </a:solidFill>
+          </a:ln>
+        </p:spPr>
+        <p:style>
+          <a:lnRef idx="2">
+            <a:schemeClr val="accent1">
+              <a:shade val="50000"/>
+            </a:schemeClr>
+          </a:lnRef>
+          <a:fillRef idx="1">
+            <a:schemeClr val="accent1"/>
+          </a:fillRef>
+          <a:effectRef idx="0">
+            <a:schemeClr val="accent1"/>
+          </a:effectRef>
+          <a:fontRef idx="minor">
+            <a:schemeClr val="lt1"/>
+          </a:fontRef>
+        </p:style>
+        <p:txBody>
+          <a:bodyPr rtlCol="0" anchor="ctr"/>
+          <a:lstStyle/>
+          <a:p>
+            <a:pPr algn="ctr"/>
+            <a:r>
+              <a:rPr lang="it-IT" sz="2400" dirty="0"/>
+              <a:t>f</a:t>
+            </a:r>
+          </a:p>
+        </p:txBody>
+      </p:sp>
+      <mc:AlternateContent xmlns:mc="http://schemas.openxmlformats.org/markup-compatibility/2006" xmlns:a14="http://schemas.microsoft.com/office/drawing/2010/main">
+        <mc:Choice Requires="a14">
+          <p:sp>
+            <p:nvSpPr>
+              <p:cNvPr id="34" name="CasellaDiTesto 33">
+                <a:extLst>
+                  <a:ext uri="{FF2B5EF4-FFF2-40B4-BE49-F238E27FC236}">
+                    <a16:creationId xmlns:a16="http://schemas.microsoft.com/office/drawing/2014/main" id="{3043EDF5-0856-4F39-8192-5232679663C3}"/>
+                  </a:ext>
+                </a:extLst>
+              </p:cNvPr>
+              <p:cNvSpPr txBox="1"/>
+              <p:nvPr/>
+            </p:nvSpPr>
+            <p:spPr>
+              <a:xfrm rot="19256206">
+                <a:off x="7382285" y="2196807"/>
+                <a:ext cx="1008724" cy="391582"/>
+              </a:xfrm>
+              <a:prstGeom prst="rect">
+                <a:avLst/>
+              </a:prstGeom>
+              <a:noFill/>
+            </p:spPr>
+            <p:txBody>
+              <a:bodyPr wrap="square" rtlCol="0">
+                <a:spAutoFit/>
+              </a:bodyPr>
+              <a:lstStyle/>
+              <a:p>
+                <a:pPr/>
+                <a14:m>
+                  <m:oMathPara xmlns:m="http://schemas.openxmlformats.org/officeDocument/2006/math">
+                    <m:oMathParaPr>
+                      <m:jc m:val="centerGroup"/>
+                    </m:oMathParaPr>
+                    <m:oMath xmlns:m="http://schemas.openxmlformats.org/officeDocument/2006/math">
+                      <m:sSub>
+                        <m:sSubPr>
+                          <m:ctrlPr>
+                            <a:rPr lang="it-IT" i="1" smtClean="0">
+                              <a:latin typeface="Cambria Math" panose="02040503050406030204" pitchFamily="18" charset="0"/>
+                            </a:rPr>
+                          </m:ctrlPr>
+                        </m:sSubPr>
+                        <m:e>
+                          <m:r>
+                            <a:rPr lang="it-IT" i="1">
+                              <a:latin typeface="Cambria Math" panose="02040503050406030204" pitchFamily="18" charset="0"/>
+                            </a:rPr>
+                            <m:t>𝑑</m:t>
+                          </m:r>
+                        </m:e>
+                        <m:sub>
+                          <m:r>
+                            <a:rPr lang="it-IT" i="1">
+                              <a:latin typeface="Cambria Math" panose="02040503050406030204" pitchFamily="18" charset="0"/>
+                            </a:rPr>
+                            <m:t>𝑓</m:t>
+                          </m:r>
+                          <m:r>
+                            <a:rPr lang="it-IT" b="0" i="1" smtClean="0">
+                              <a:latin typeface="Cambria Math" panose="02040503050406030204" pitchFamily="18" charset="0"/>
+                            </a:rPr>
+                            <m:t>𝑝</m:t>
+                          </m:r>
+                        </m:sub>
+                      </m:sSub>
+                      <m:r>
+                        <a:rPr lang="it-IT" b="0" i="0" smtClean="0">
+                          <a:latin typeface="Cambria Math" panose="02040503050406030204" pitchFamily="18" charset="0"/>
+                        </a:rPr>
+                        <m:t>=2</m:t>
+                      </m:r>
+                    </m:oMath>
+                  </m:oMathPara>
+                </a14:m>
+                <a:endParaRPr lang="it-IT" dirty="0"/>
+              </a:p>
+            </p:txBody>
+          </p:sp>
+        </mc:Choice>
+        <mc:Fallback xmlns="">
+          <p:sp>
+            <p:nvSpPr>
+              <p:cNvPr id="34" name="CasellaDiTesto 33">
+                <a:extLst>
+                  <a:ext uri="{FF2B5EF4-FFF2-40B4-BE49-F238E27FC236}">
+                    <a16:creationId xmlns:a16="http://schemas.microsoft.com/office/drawing/2014/main" id="{3043EDF5-0856-4F39-8192-5232679663C3}"/>
+                  </a:ext>
+                </a:extLst>
+              </p:cNvPr>
+              <p:cNvSpPr txBox="1">
+                <a:spLocks noRot="1" noChangeAspect="1" noMove="1" noResize="1" noEditPoints="1" noAdjustHandles="1" noChangeArrowheads="1" noChangeShapeType="1" noTextEdit="1"/>
+              </p:cNvSpPr>
+              <p:nvPr/>
+            </p:nvSpPr>
+            <p:spPr>
+              <a:xfrm rot="19256206">
+                <a:off x="7382285" y="2196807"/>
+                <a:ext cx="1008724" cy="391582"/>
+              </a:xfrm>
+              <a:prstGeom prst="rect">
+                <a:avLst/>
+              </a:prstGeom>
+              <a:blipFill>
+                <a:blip r:embed="rId2"/>
+                <a:stretch>
+                  <a:fillRect/>
+                </a:stretch>
+              </a:blipFill>
+            </p:spPr>
+            <p:txBody>
+              <a:bodyPr/>
+              <a:lstStyle/>
+              <a:p>
+                <a:r>
+                  <a:rPr lang="it-IT">
+                    <a:noFill/>
+                  </a:rPr>
+                  <a:t> </a:t>
+                </a:r>
+              </a:p>
+            </p:txBody>
+          </p:sp>
+        </mc:Fallback>
+      </mc:AlternateContent>
+      <p:sp>
+        <p:nvSpPr>
+          <p:cNvPr id="21" name="Ovale 20">
+            <a:extLst>
+              <a:ext uri="{FF2B5EF4-FFF2-40B4-BE49-F238E27FC236}">
+                <a16:creationId xmlns:a16="http://schemas.microsoft.com/office/drawing/2014/main" id="{DBFB74D1-6E3E-4A26-8043-72ACF18E20E5}"/>
+              </a:ext>
+            </a:extLst>
+          </p:cNvPr>
+          <p:cNvSpPr/>
+          <p:nvPr/>
+        </p:nvSpPr>
+        <p:spPr>
+          <a:xfrm>
+            <a:off x="5051411" y="1666873"/>
+            <a:ext cx="545285" cy="511729"/>
+          </a:xfrm>
+          <a:prstGeom prst="ellipse">
+            <a:avLst/>
+          </a:prstGeom>
+          <a:solidFill>
+            <a:schemeClr val="bg2">
+              <a:lumMod val="50000"/>
+            </a:schemeClr>
+          </a:solidFill>
+          <a:ln>
+            <a:solidFill>
+              <a:schemeClr val="tx1">
+                <a:lumMod val="85000"/>
+                <a:lumOff val="15000"/>
+              </a:schemeClr>
+            </a:solidFill>
+          </a:ln>
+        </p:spPr>
+        <p:style>
+          <a:lnRef idx="2">
+            <a:schemeClr val="accent1">
+              <a:shade val="50000"/>
+            </a:schemeClr>
+          </a:lnRef>
+          <a:fillRef idx="1">
+            <a:schemeClr val="accent1"/>
+          </a:fillRef>
+          <a:effectRef idx="0">
+            <a:schemeClr val="accent1"/>
+          </a:effectRef>
+          <a:fontRef idx="minor">
+            <a:schemeClr val="lt1"/>
+          </a:fontRef>
+        </p:style>
+        <p:txBody>
+          <a:bodyPr rtlCol="0" anchor="ctr"/>
+          <a:lstStyle/>
+          <a:p>
+            <a:pPr algn="ctr"/>
+            <a:r>
+              <a:rPr lang="it-IT" sz="2400" dirty="0"/>
+              <a:t>u</a:t>
+            </a:r>
+          </a:p>
+        </p:txBody>
+      </p:sp>
+      <p:sp>
+        <p:nvSpPr>
+          <p:cNvPr id="22" name="Ovale 21">
+            <a:extLst>
+              <a:ext uri="{FF2B5EF4-FFF2-40B4-BE49-F238E27FC236}">
+                <a16:creationId xmlns:a16="http://schemas.microsoft.com/office/drawing/2014/main" id="{FC5B5791-4100-46D0-8B8B-DCCDC0EC40EC}"/>
+              </a:ext>
+            </a:extLst>
+          </p:cNvPr>
+          <p:cNvSpPr/>
+          <p:nvPr/>
+        </p:nvSpPr>
+        <p:spPr>
+          <a:xfrm>
+            <a:off x="5051412" y="4407583"/>
+            <a:ext cx="545285" cy="511729"/>
+          </a:xfrm>
+          <a:prstGeom prst="ellipse">
+            <a:avLst/>
+          </a:prstGeom>
+          <a:solidFill>
+            <a:schemeClr val="bg2">
+              <a:lumMod val="50000"/>
+            </a:schemeClr>
+          </a:solidFill>
+          <a:ln>
+            <a:solidFill>
+              <a:schemeClr val="tx1">
+                <a:lumMod val="85000"/>
+                <a:lumOff val="15000"/>
+              </a:schemeClr>
+            </a:solidFill>
+          </a:ln>
+        </p:spPr>
+        <p:style>
+          <a:lnRef idx="2">
+            <a:schemeClr val="accent1">
+              <a:shade val="50000"/>
+            </a:schemeClr>
+          </a:lnRef>
+          <a:fillRef idx="1">
+            <a:schemeClr val="accent1"/>
+          </a:fillRef>
+          <a:effectRef idx="0">
+            <a:schemeClr val="accent1"/>
+          </a:effectRef>
+          <a:fontRef idx="minor">
+            <a:schemeClr val="lt1"/>
+          </a:fontRef>
+        </p:style>
+        <p:txBody>
+          <a:bodyPr rtlCol="0" anchor="ctr"/>
+          <a:lstStyle/>
+          <a:p>
+            <a:pPr algn="ctr"/>
+            <a:r>
+              <a:rPr lang="it-IT" sz="2400" dirty="0"/>
+              <a:t>s</a:t>
+            </a:r>
+          </a:p>
+        </p:txBody>
+      </p:sp>
+      <mc:AlternateContent xmlns:mc="http://schemas.openxmlformats.org/markup-compatibility/2006" xmlns:a14="http://schemas.microsoft.com/office/drawing/2010/main">
+        <mc:Choice Requires="a14">
+          <p:sp>
+            <p:nvSpPr>
+              <p:cNvPr id="20" name="CasellaDiTesto 19">
+                <a:extLst>
+                  <a:ext uri="{FF2B5EF4-FFF2-40B4-BE49-F238E27FC236}">
+                    <a16:creationId xmlns:a16="http://schemas.microsoft.com/office/drawing/2014/main" id="{AEC37D64-B461-4739-B615-49B84BD77AC6}"/>
+                  </a:ext>
+                </a:extLst>
+              </p:cNvPr>
+              <p:cNvSpPr txBox="1"/>
+              <p:nvPr/>
+            </p:nvSpPr>
+            <p:spPr>
+              <a:xfrm rot="2308727">
+                <a:off x="7254652" y="3919337"/>
+                <a:ext cx="1008724" cy="390748"/>
+              </a:xfrm>
+              <a:prstGeom prst="rect">
+                <a:avLst/>
+              </a:prstGeom>
+              <a:noFill/>
+            </p:spPr>
+            <p:txBody>
+              <a:bodyPr wrap="square" rtlCol="0">
+                <a:spAutoFit/>
+              </a:bodyPr>
+              <a:lstStyle/>
+              <a:p>
+                <a:pPr/>
+                <a14:m>
+                  <m:oMathPara xmlns:m="http://schemas.openxmlformats.org/officeDocument/2006/math">
+                    <m:oMathParaPr>
+                      <m:jc m:val="centerGroup"/>
+                    </m:oMathParaPr>
+                    <m:oMath xmlns:m="http://schemas.openxmlformats.org/officeDocument/2006/math">
+                      <m:sSub>
+                        <m:sSubPr>
+                          <m:ctrlPr>
+                            <a:rPr lang="it-IT" i="1" smtClean="0">
+                              <a:latin typeface="Cambria Math" panose="02040503050406030204" pitchFamily="18" charset="0"/>
+                            </a:rPr>
+                          </m:ctrlPr>
+                        </m:sSubPr>
+                        <m:e>
+                          <m:r>
+                            <a:rPr lang="it-IT" i="1">
+                              <a:latin typeface="Cambria Math" panose="02040503050406030204" pitchFamily="18" charset="0"/>
+                            </a:rPr>
+                            <m:t>𝑑</m:t>
+                          </m:r>
+                        </m:e>
+                        <m:sub>
+                          <m:r>
+                            <a:rPr lang="it-IT" i="1" smtClean="0">
+                              <a:latin typeface="Cambria Math" panose="02040503050406030204" pitchFamily="18" charset="0"/>
+                            </a:rPr>
+                            <m:t>𝑏</m:t>
+                          </m:r>
+                          <m:r>
+                            <a:rPr lang="it-IT" b="0" i="1" smtClean="0">
+                              <a:latin typeface="Cambria Math" panose="02040503050406030204" pitchFamily="18" charset="0"/>
+                            </a:rPr>
+                            <m:t>𝑝</m:t>
+                          </m:r>
+                        </m:sub>
+                      </m:sSub>
+                      <m:r>
+                        <a:rPr lang="it-IT" b="0" i="0" smtClean="0">
+                          <a:latin typeface="Cambria Math" panose="02040503050406030204" pitchFamily="18" charset="0"/>
+                        </a:rPr>
+                        <m:t>=0</m:t>
+                      </m:r>
+                    </m:oMath>
+                  </m:oMathPara>
+                </a14:m>
+                <a:endParaRPr lang="it-IT" dirty="0"/>
+              </a:p>
+            </p:txBody>
+          </p:sp>
+        </mc:Choice>
+        <mc:Fallback xmlns="">
+          <p:sp>
+            <p:nvSpPr>
+              <p:cNvPr id="20" name="CasellaDiTesto 19">
+                <a:extLst>
+                  <a:ext uri="{FF2B5EF4-FFF2-40B4-BE49-F238E27FC236}">
+                    <a16:creationId xmlns:a16="http://schemas.microsoft.com/office/drawing/2014/main" id="{AEC37D64-B461-4739-B615-49B84BD77AC6}"/>
+                  </a:ext>
+                </a:extLst>
+              </p:cNvPr>
+              <p:cNvSpPr txBox="1">
+                <a:spLocks noRot="1" noChangeAspect="1" noMove="1" noResize="1" noEditPoints="1" noAdjustHandles="1" noChangeArrowheads="1" noChangeShapeType="1" noTextEdit="1"/>
+              </p:cNvSpPr>
+              <p:nvPr/>
+            </p:nvSpPr>
+            <p:spPr>
+              <a:xfrm rot="2308727">
+                <a:off x="7254652" y="3919337"/>
+                <a:ext cx="1008724" cy="390748"/>
+              </a:xfrm>
+              <a:prstGeom prst="rect">
+                <a:avLst/>
+              </a:prstGeom>
+              <a:blipFill>
+                <a:blip r:embed="rId3"/>
+                <a:stretch>
+                  <a:fillRect/>
+                </a:stretch>
+              </a:blipFill>
+            </p:spPr>
+            <p:txBody>
+              <a:bodyPr/>
+              <a:lstStyle/>
+              <a:p>
+                <a:r>
+                  <a:rPr lang="it-IT">
+                    <a:noFill/>
+                  </a:rPr>
+                  <a:t> </a:t>
+                </a:r>
+              </a:p>
+            </p:txBody>
+          </p:sp>
+        </mc:Fallback>
+      </mc:AlternateContent>
+      <mc:AlternateContent xmlns:mc="http://schemas.openxmlformats.org/markup-compatibility/2006">
+        <mc:Choice xmlns:a14="http://schemas.microsoft.com/office/drawing/2010/main" Requires="a14">
+          <p:sp>
+            <p:nvSpPr>
+              <p:cNvPr id="29" name="CasellaDiTesto 28">
+                <a:extLst>
+                  <a:ext uri="{FF2B5EF4-FFF2-40B4-BE49-F238E27FC236}">
+                    <a16:creationId xmlns:a16="http://schemas.microsoft.com/office/drawing/2014/main" id="{26FB9E63-3C7F-4DFC-89B8-1BCB92421E64}"/>
+                  </a:ext>
+                </a:extLst>
+              </p:cNvPr>
+              <p:cNvSpPr txBox="1"/>
+              <p:nvPr/>
+            </p:nvSpPr>
+            <p:spPr>
+              <a:xfrm rot="19256206">
+                <a:off x="5939142" y="3916250"/>
+                <a:ext cx="1008724" cy="390748"/>
+              </a:xfrm>
+              <a:prstGeom prst="rect">
+                <a:avLst/>
+              </a:prstGeom>
+              <a:noFill/>
+            </p:spPr>
+            <p:txBody>
+              <a:bodyPr wrap="square" rtlCol="0">
+                <a:spAutoFit/>
+              </a:bodyPr>
+              <a:lstStyle/>
+              <a:p>
+                <a:pPr/>
+                <a14:m>
+                  <m:oMathPara xmlns:m="http://schemas.openxmlformats.org/officeDocument/2006/math">
+                    <m:oMathParaPr>
+                      <m:jc m:val="centerGroup"/>
+                    </m:oMathParaPr>
+                    <m:oMath xmlns:m="http://schemas.openxmlformats.org/officeDocument/2006/math">
+                      <m:sSub>
+                        <m:sSubPr>
+                          <m:ctrlPr>
+                            <a:rPr lang="it-IT" i="1" smtClean="0">
+                              <a:latin typeface="Cambria Math" panose="02040503050406030204" pitchFamily="18" charset="0"/>
+                            </a:rPr>
+                          </m:ctrlPr>
+                        </m:sSubPr>
+                        <m:e>
+                          <m:r>
+                            <a:rPr lang="it-IT" i="1">
+                              <a:latin typeface="Cambria Math" panose="02040503050406030204" pitchFamily="18" charset="0"/>
+                            </a:rPr>
+                            <m:t>𝑑</m:t>
+                          </m:r>
+                        </m:e>
+                        <m:sub>
+                          <m:r>
+                            <a:rPr lang="it-IT" i="1" smtClean="0">
+                              <a:latin typeface="Cambria Math" panose="02040503050406030204" pitchFamily="18" charset="0"/>
+                            </a:rPr>
+                            <m:t>𝑠</m:t>
+                          </m:r>
+                          <m:r>
+                            <a:rPr lang="it-IT" b="0" i="1" smtClean="0">
+                              <a:latin typeface="Cambria Math" panose="02040503050406030204" pitchFamily="18" charset="0"/>
+                            </a:rPr>
+                            <m:t>𝑝</m:t>
+                          </m:r>
+                        </m:sub>
+                      </m:sSub>
+                      <m:r>
+                        <a:rPr lang="it-IT" b="0" i="0" smtClean="0">
+                          <a:latin typeface="Cambria Math" panose="02040503050406030204" pitchFamily="18" charset="0"/>
+                        </a:rPr>
+                        <m:t>=</m:t>
+                      </m:r>
+                      <m:r>
+                        <a:rPr lang="it-IT" b="0" i="0" smtClean="0">
+                          <a:latin typeface="Cambria Math" panose="02040503050406030204" pitchFamily="18" charset="0"/>
+                        </a:rPr>
+                        <m:t>4</m:t>
+                      </m:r>
+                    </m:oMath>
+                  </m:oMathPara>
+                </a14:m>
+                <a:endParaRPr lang="it-IT" dirty="0"/>
+              </a:p>
+            </p:txBody>
+          </p:sp>
+        </mc:Choice>
+        <mc:Fallback>
+          <p:sp>
+            <p:nvSpPr>
+              <p:cNvPr id="29" name="CasellaDiTesto 28">
+                <a:extLst>
+                  <a:ext uri="{FF2B5EF4-FFF2-40B4-BE49-F238E27FC236}">
+                    <a16:creationId xmlns:a16="http://schemas.microsoft.com/office/drawing/2014/main" id="{26FB9E63-3C7F-4DFC-89B8-1BCB92421E64}"/>
+                  </a:ext>
+                </a:extLst>
+              </p:cNvPr>
+              <p:cNvSpPr txBox="1">
+                <a:spLocks noRot="1" noChangeAspect="1" noMove="1" noResize="1" noEditPoints="1" noAdjustHandles="1" noChangeArrowheads="1" noChangeShapeType="1" noTextEdit="1"/>
+              </p:cNvSpPr>
+              <p:nvPr/>
+            </p:nvSpPr>
+            <p:spPr>
+              <a:xfrm rot="19256206">
+                <a:off x="5939142" y="3916250"/>
+                <a:ext cx="1008724" cy="390748"/>
+              </a:xfrm>
+              <a:prstGeom prst="rect">
+                <a:avLst/>
+              </a:prstGeom>
+              <a:blipFill>
+                <a:blip r:embed="rId4"/>
+                <a:stretch>
+                  <a:fillRect/>
+                </a:stretch>
+              </a:blipFill>
+            </p:spPr>
+            <p:txBody>
+              <a:bodyPr/>
+              <a:lstStyle/>
+              <a:p>
+                <a:r>
+                  <a:rPr lang="it-IT">
+                    <a:noFill/>
+                  </a:rPr>
+                  <a:t> </a:t>
+                </a:r>
+              </a:p>
+            </p:txBody>
+          </p:sp>
+        </mc:Fallback>
+      </mc:AlternateContent>
+      <mc:AlternateContent xmlns:mc="http://schemas.openxmlformats.org/markup-compatibility/2006">
+        <mc:Choice xmlns:a14="http://schemas.microsoft.com/office/drawing/2010/main" Requires="a14">
+          <p:sp>
+            <p:nvSpPr>
+              <p:cNvPr id="30" name="CasellaDiTesto 29">
+                <a:extLst>
+                  <a:ext uri="{FF2B5EF4-FFF2-40B4-BE49-F238E27FC236}">
+                    <a16:creationId xmlns:a16="http://schemas.microsoft.com/office/drawing/2014/main" id="{06F43F6E-0131-4A91-B0C7-9E49F1C1C82A}"/>
+                  </a:ext>
+                </a:extLst>
+              </p:cNvPr>
+              <p:cNvSpPr txBox="1"/>
+              <p:nvPr/>
+            </p:nvSpPr>
+            <p:spPr>
+              <a:xfrm rot="2308727">
+                <a:off x="5772749" y="2200311"/>
+                <a:ext cx="1008724" cy="390748"/>
+              </a:xfrm>
+              <a:prstGeom prst="rect">
+                <a:avLst/>
+              </a:prstGeom>
+              <a:noFill/>
+            </p:spPr>
+            <p:txBody>
+              <a:bodyPr wrap="square" rtlCol="0">
+                <a:spAutoFit/>
+              </a:bodyPr>
+              <a:lstStyle/>
+              <a:p>
+                <a:pPr/>
+                <a14:m>
+                  <m:oMathPara xmlns:m="http://schemas.openxmlformats.org/officeDocument/2006/math">
+                    <m:oMathParaPr>
+                      <m:jc m:val="centerGroup"/>
+                    </m:oMathParaPr>
+                    <m:oMath xmlns:m="http://schemas.openxmlformats.org/officeDocument/2006/math">
+                      <m:sSub>
+                        <m:sSubPr>
+                          <m:ctrlPr>
+                            <a:rPr lang="it-IT" i="1" smtClean="0">
+                              <a:latin typeface="Cambria Math" panose="02040503050406030204" pitchFamily="18" charset="0"/>
+                            </a:rPr>
+                          </m:ctrlPr>
+                        </m:sSubPr>
+                        <m:e>
+                          <m:r>
+                            <a:rPr lang="it-IT" i="1">
+                              <a:latin typeface="Cambria Math" panose="02040503050406030204" pitchFamily="18" charset="0"/>
+                            </a:rPr>
+                            <m:t>𝑑</m:t>
+                          </m:r>
+                        </m:e>
+                        <m:sub>
+                          <m:r>
+                            <a:rPr lang="it-IT" i="1" smtClean="0">
+                              <a:latin typeface="Cambria Math" panose="02040503050406030204" pitchFamily="18" charset="0"/>
+                            </a:rPr>
+                            <m:t>𝑢</m:t>
+                          </m:r>
+                          <m:r>
+                            <a:rPr lang="it-IT" b="0" i="1" smtClean="0">
+                              <a:latin typeface="Cambria Math" panose="02040503050406030204" pitchFamily="18" charset="0"/>
+                            </a:rPr>
+                            <m:t>𝑝</m:t>
+                          </m:r>
+                        </m:sub>
+                      </m:sSub>
+                      <m:r>
+                        <a:rPr lang="it-IT" b="0" i="0" smtClean="0">
+                          <a:latin typeface="Cambria Math" panose="02040503050406030204" pitchFamily="18" charset="0"/>
+                        </a:rPr>
+                        <m:t>=</m:t>
+                      </m:r>
+                      <m:r>
+                        <a:rPr lang="it-IT" b="0" i="0" smtClean="0">
+                          <a:latin typeface="Cambria Math" panose="02040503050406030204" pitchFamily="18" charset="0"/>
+                        </a:rPr>
+                        <m:t>5</m:t>
+                      </m:r>
+                    </m:oMath>
+                  </m:oMathPara>
+                </a14:m>
+                <a:endParaRPr lang="it-IT" dirty="0"/>
+              </a:p>
+            </p:txBody>
+          </p:sp>
+        </mc:Choice>
+        <mc:Fallback>
+          <p:sp>
+            <p:nvSpPr>
+              <p:cNvPr id="30" name="CasellaDiTesto 29">
+                <a:extLst>
+                  <a:ext uri="{FF2B5EF4-FFF2-40B4-BE49-F238E27FC236}">
+                    <a16:creationId xmlns:a16="http://schemas.microsoft.com/office/drawing/2014/main" id="{06F43F6E-0131-4A91-B0C7-9E49F1C1C82A}"/>
+                  </a:ext>
+                </a:extLst>
+              </p:cNvPr>
+              <p:cNvSpPr txBox="1">
+                <a:spLocks noRot="1" noChangeAspect="1" noMove="1" noResize="1" noEditPoints="1" noAdjustHandles="1" noChangeArrowheads="1" noChangeShapeType="1" noTextEdit="1"/>
+              </p:cNvSpPr>
+              <p:nvPr/>
+            </p:nvSpPr>
+            <p:spPr>
+              <a:xfrm rot="2308727">
+                <a:off x="5772749" y="2200311"/>
+                <a:ext cx="1008724" cy="390748"/>
+              </a:xfrm>
+              <a:prstGeom prst="rect">
+                <a:avLst/>
+              </a:prstGeom>
+              <a:blipFill>
+                <a:blip r:embed="rId5"/>
+                <a:stretch>
+                  <a:fillRect/>
+                </a:stretch>
+              </a:blipFill>
+            </p:spPr>
+            <p:txBody>
+              <a:bodyPr/>
+              <a:lstStyle/>
+              <a:p>
+                <a:r>
+                  <a:rPr lang="it-IT">
+                    <a:noFill/>
+                  </a:rPr>
+                  <a:t> </a:t>
+                </a:r>
+              </a:p>
+            </p:txBody>
+          </p:sp>
+        </mc:Fallback>
+      </mc:AlternateContent>
+    </p:spTree>
+    <p:extLst>
+      <p:ext uri="{BB962C8B-B14F-4D97-AF65-F5344CB8AC3E}">
+        <p14:creationId xmlns:p14="http://schemas.microsoft.com/office/powerpoint/2010/main" val="3474820484"/>
+      </p:ext>
+    </p:extLst>
+  </p:cSld>
+  <p:clrMapOvr>
+    <a:masterClrMapping/>
+  </p:clrMapOvr>
+</p:sld>
+</file>
+
+<file path=ppt/slides/slide7.xml><?xml version="1.0" encoding="utf-8"?>
+<p:sld xmlns:a="http://schemas.openxmlformats.org/drawingml/2006/main" xmlns:r="http://schemas.openxmlformats.org/officeDocument/2006/relationships" xmlns:p="http://schemas.openxmlformats.org/presentationml/2006/main">
+  <p:cSld>
+    <p:spTree>
+      <p:nvGrpSpPr>
+        <p:cNvPr id="1" name=""/>
+        <p:cNvGrpSpPr/>
+        <p:nvPr/>
+      </p:nvGrpSpPr>
+      <p:grpSpPr>
+        <a:xfrm>
+          <a:off x="0" y="0"/>
+          <a:ext cx="0" cy="0"/>
+          <a:chOff x="0" y="0"/>
+          <a:chExt cx="0" cy="0"/>
+        </a:xfrm>
+      </p:grpSpPr>
+      <p:cxnSp>
+        <p:nvCxnSpPr>
+          <p:cNvPr id="16" name="Connettore diritto 15">
+            <a:extLst>
+              <a:ext uri="{FF2B5EF4-FFF2-40B4-BE49-F238E27FC236}">
+                <a16:creationId xmlns:a16="http://schemas.microsoft.com/office/drawing/2014/main" id="{8268FD8E-4824-404F-A1F5-D6DA2BBBD26C}"/>
+              </a:ext>
+            </a:extLst>
+          </p:cNvPr>
+          <p:cNvCxnSpPr>
+            <a:cxnSpLocks/>
+          </p:cNvCxnSpPr>
+          <p:nvPr/>
+        </p:nvCxnSpPr>
+        <p:spPr>
+          <a:xfrm flipV="1">
+            <a:off x="5044261" y="3333601"/>
+            <a:ext cx="2069629" cy="14558"/>
+          </a:xfrm>
+          <a:prstGeom prst="line">
+            <a:avLst/>
+          </a:prstGeom>
+          <a:ln w="9525" cap="flat" cmpd="sng" algn="ctr">
+            <a:solidFill>
+              <a:schemeClr val="dk1"/>
+            </a:solidFill>
+            <a:prstDash val="dash"/>
+            <a:round/>
+            <a:headEnd type="none" w="med" len="med"/>
+            <a:tailEnd type="none" w="med" len="med"/>
+          </a:ln>
+        </p:spPr>
+        <p:style>
+          <a:lnRef idx="0">
+            <a:scrgbClr r="0" g="0" b="0"/>
+          </a:lnRef>
+          <a:fillRef idx="0">
+            <a:scrgbClr r="0" g="0" b="0"/>
+          </a:fillRef>
+          <a:effectRef idx="0">
+            <a:scrgbClr r="0" g="0" b="0"/>
+          </a:effectRef>
+          <a:fontRef idx="minor">
+            <a:schemeClr val="tx1"/>
+          </a:fontRef>
+        </p:style>
+      </p:cxnSp>
+      <p:cxnSp>
+        <p:nvCxnSpPr>
+          <p:cNvPr id="28" name="Connettore diritto 27">
+            <a:extLst>
+              <a:ext uri="{FF2B5EF4-FFF2-40B4-BE49-F238E27FC236}">
+                <a16:creationId xmlns:a16="http://schemas.microsoft.com/office/drawing/2014/main" id="{A1376592-4F22-421E-90D4-70499545155C}"/>
+              </a:ext>
+            </a:extLst>
+          </p:cNvPr>
+          <p:cNvCxnSpPr>
+            <a:cxnSpLocks/>
+          </p:cNvCxnSpPr>
+          <p:nvPr/>
+        </p:nvCxnSpPr>
+        <p:spPr>
+          <a:xfrm>
+            <a:off x="3379048" y="1966273"/>
+            <a:ext cx="1697205" cy="1351764"/>
+          </a:xfrm>
+          <a:prstGeom prst="line">
+            <a:avLst/>
+          </a:prstGeom>
+          <a:ln>
+            <a:headEnd type="none" w="med" len="med"/>
+            <a:tailEnd type="none" w="med" len="med"/>
+          </a:ln>
+        </p:spPr>
+        <p:style>
+          <a:lnRef idx="3">
+            <a:schemeClr val="dk1"/>
+          </a:lnRef>
+          <a:fillRef idx="0">
+            <a:schemeClr val="dk1"/>
+          </a:fillRef>
+          <a:effectRef idx="2">
+            <a:schemeClr val="dk1"/>
+          </a:effectRef>
+          <a:fontRef idx="minor">
+            <a:schemeClr val="tx1"/>
+          </a:fontRef>
+        </p:style>
+      </p:cxnSp>
+      <p:cxnSp>
+        <p:nvCxnSpPr>
+          <p:cNvPr id="26" name="Connettore diritto 25">
+            <a:extLst>
+              <a:ext uri="{FF2B5EF4-FFF2-40B4-BE49-F238E27FC236}">
+                <a16:creationId xmlns:a16="http://schemas.microsoft.com/office/drawing/2014/main" id="{E37A84F6-B55A-4468-B75F-679898CB2FC0}"/>
+              </a:ext>
+            </a:extLst>
+          </p:cNvPr>
+          <p:cNvCxnSpPr>
+            <a:cxnSpLocks/>
+          </p:cNvCxnSpPr>
+          <p:nvPr/>
+        </p:nvCxnSpPr>
+        <p:spPr>
+          <a:xfrm flipV="1">
+            <a:off x="3379048" y="3348158"/>
+            <a:ext cx="1652431" cy="1344655"/>
+          </a:xfrm>
+          <a:prstGeom prst="line">
+            <a:avLst/>
+          </a:prstGeom>
+          <a:ln>
+            <a:headEnd type="none" w="med" len="med"/>
+            <a:tailEnd type="none" w="med" len="med"/>
+          </a:ln>
+        </p:spPr>
+        <p:style>
+          <a:lnRef idx="3">
+            <a:schemeClr val="dk1"/>
+          </a:lnRef>
+          <a:fillRef idx="0">
+            <a:schemeClr val="dk1"/>
+          </a:fillRef>
+          <a:effectRef idx="2">
+            <a:schemeClr val="dk1"/>
+          </a:effectRef>
+          <a:fontRef idx="minor">
+            <a:schemeClr val="tx1"/>
+          </a:fontRef>
+        </p:style>
+      </p:cxnSp>
+      <p:cxnSp>
+        <p:nvCxnSpPr>
+          <p:cNvPr id="25" name="Connettore diritto 24">
+            <a:extLst>
+              <a:ext uri="{FF2B5EF4-FFF2-40B4-BE49-F238E27FC236}">
+                <a16:creationId xmlns:a16="http://schemas.microsoft.com/office/drawing/2014/main" id="{77F49E93-79D8-476D-B5F7-01377E381AA1}"/>
+              </a:ext>
+            </a:extLst>
+          </p:cNvPr>
+          <p:cNvCxnSpPr>
+            <a:cxnSpLocks/>
+          </p:cNvCxnSpPr>
+          <p:nvPr/>
+        </p:nvCxnSpPr>
+        <p:spPr>
+          <a:xfrm>
+            <a:off x="7069116" y="3320572"/>
+            <a:ext cx="1700170" cy="1381886"/>
+          </a:xfrm>
+          <a:prstGeom prst="line">
+            <a:avLst/>
+          </a:prstGeom>
+          <a:ln/>
+        </p:spPr>
+        <p:style>
+          <a:lnRef idx="3">
+            <a:schemeClr val="dk1"/>
+          </a:lnRef>
+          <a:fillRef idx="0">
+            <a:schemeClr val="dk1"/>
+          </a:fillRef>
+          <a:effectRef idx="2">
+            <a:schemeClr val="dk1"/>
+          </a:effectRef>
+          <a:fontRef idx="minor">
+            <a:schemeClr val="tx1"/>
+          </a:fontRef>
+        </p:style>
+      </p:cxnSp>
+      <p:cxnSp>
+        <p:nvCxnSpPr>
+          <p:cNvPr id="23" name="Connettore diritto 22">
+            <a:extLst>
+              <a:ext uri="{FF2B5EF4-FFF2-40B4-BE49-F238E27FC236}">
+                <a16:creationId xmlns:a16="http://schemas.microsoft.com/office/drawing/2014/main" id="{FDA6CBB9-9AF0-4020-9652-FBEA53DB49A8}"/>
+              </a:ext>
+            </a:extLst>
+          </p:cNvPr>
+          <p:cNvCxnSpPr>
+            <a:cxnSpLocks/>
+          </p:cNvCxnSpPr>
+          <p:nvPr/>
+        </p:nvCxnSpPr>
+        <p:spPr>
+          <a:xfrm flipH="1">
+            <a:off x="7066155" y="1938687"/>
+            <a:ext cx="1703134" cy="1381885"/>
+          </a:xfrm>
+          <a:prstGeom prst="line">
+            <a:avLst/>
+          </a:prstGeom>
+          <a:ln/>
+        </p:spPr>
+        <p:style>
+          <a:lnRef idx="3">
+            <a:schemeClr val="dk1"/>
+          </a:lnRef>
+          <a:fillRef idx="0">
+            <a:schemeClr val="dk1"/>
+          </a:fillRef>
+          <a:effectRef idx="2">
+            <a:schemeClr val="dk1"/>
+          </a:effectRef>
+          <a:fontRef idx="minor">
+            <a:schemeClr val="tx1"/>
+          </a:fontRef>
+        </p:style>
+      </p:cxnSp>
+      <p:sp>
+        <p:nvSpPr>
+          <p:cNvPr id="9" name="Ovale 8">
+            <a:extLst>
+              <a:ext uri="{FF2B5EF4-FFF2-40B4-BE49-F238E27FC236}">
+                <a16:creationId xmlns:a16="http://schemas.microsoft.com/office/drawing/2014/main" id="{E1CD858E-A9AC-498F-B0ED-9337B0DBAC7D}"/>
+              </a:ext>
+            </a:extLst>
+          </p:cNvPr>
+          <p:cNvSpPr/>
+          <p:nvPr/>
+        </p:nvSpPr>
+        <p:spPr>
+          <a:xfrm>
+            <a:off x="6796477" y="3064708"/>
+            <a:ext cx="545285" cy="511729"/>
+          </a:xfrm>
+          <a:prstGeom prst="ellipse">
+            <a:avLst/>
+          </a:prstGeom>
+          <a:solidFill>
+            <a:schemeClr val="bg2">
+              <a:lumMod val="50000"/>
+            </a:schemeClr>
+          </a:solidFill>
+          <a:ln>
+            <a:solidFill>
+              <a:schemeClr val="tx1">
+                <a:lumMod val="85000"/>
+                <a:lumOff val="15000"/>
+              </a:schemeClr>
+            </a:solidFill>
+          </a:ln>
+        </p:spPr>
+        <p:style>
+          <a:lnRef idx="2">
+            <a:schemeClr val="accent1">
+              <a:shade val="50000"/>
+            </a:schemeClr>
+          </a:lnRef>
+          <a:fillRef idx="1">
+            <a:schemeClr val="accent1"/>
+          </a:fillRef>
+          <a:effectRef idx="0">
+            <a:schemeClr val="accent1"/>
+          </a:effectRef>
+          <a:fontRef idx="minor">
+            <a:schemeClr val="lt1"/>
+          </a:fontRef>
+        </p:style>
+        <p:txBody>
+          <a:bodyPr rtlCol="0" anchor="ctr"/>
+          <a:lstStyle/>
+          <a:p>
+            <a:pPr algn="ctr"/>
+            <a:r>
+              <a:rPr lang="it-IT" sz="2400" i="1" dirty="0"/>
+              <a:t>p</a:t>
+            </a:r>
+          </a:p>
+        </p:txBody>
+      </p:sp>
+      <p:sp>
+        <p:nvSpPr>
+          <p:cNvPr id="10" name="Ovale 9">
+            <a:extLst>
+              <a:ext uri="{FF2B5EF4-FFF2-40B4-BE49-F238E27FC236}">
+                <a16:creationId xmlns:a16="http://schemas.microsoft.com/office/drawing/2014/main" id="{87F835B7-821B-4C37-9ABF-E05F9D123497}"/>
+              </a:ext>
+            </a:extLst>
+          </p:cNvPr>
+          <p:cNvSpPr/>
+          <p:nvPr/>
+        </p:nvSpPr>
+        <p:spPr>
+          <a:xfrm>
+            <a:off x="8496647" y="4407584"/>
+            <a:ext cx="545285" cy="511729"/>
+          </a:xfrm>
+          <a:prstGeom prst="ellipse">
+            <a:avLst/>
+          </a:prstGeom>
+          <a:solidFill>
+            <a:schemeClr val="bg2">
+              <a:lumMod val="50000"/>
+            </a:schemeClr>
+          </a:solidFill>
+          <a:ln>
+            <a:solidFill>
+              <a:schemeClr val="tx1">
+                <a:lumMod val="85000"/>
+                <a:lumOff val="15000"/>
+              </a:schemeClr>
+            </a:solidFill>
+          </a:ln>
+        </p:spPr>
+        <p:style>
+          <a:lnRef idx="2">
+            <a:schemeClr val="accent1">
+              <a:shade val="50000"/>
+            </a:schemeClr>
+          </a:lnRef>
+          <a:fillRef idx="1">
+            <a:schemeClr val="accent1"/>
+          </a:fillRef>
+          <a:effectRef idx="0">
+            <a:schemeClr val="accent1"/>
+          </a:effectRef>
+          <a:fontRef idx="minor">
+            <a:schemeClr val="lt1"/>
+          </a:fontRef>
+        </p:style>
+        <p:txBody>
+          <a:bodyPr rtlCol="0" anchor="ctr"/>
+          <a:lstStyle/>
+          <a:p>
+            <a:pPr algn="ctr"/>
+            <a:r>
+              <a:rPr lang="it-IT" sz="2400" dirty="0"/>
+              <a:t>b</a:t>
+            </a:r>
+          </a:p>
+        </p:txBody>
+      </p:sp>
+      <p:sp>
+        <p:nvSpPr>
+          <p:cNvPr id="11" name="Ovale 10">
+            <a:extLst>
+              <a:ext uri="{FF2B5EF4-FFF2-40B4-BE49-F238E27FC236}">
+                <a16:creationId xmlns:a16="http://schemas.microsoft.com/office/drawing/2014/main" id="{D5EFBF8E-3097-4D14-871D-D0818153B3B1}"/>
+              </a:ext>
+            </a:extLst>
+          </p:cNvPr>
+          <p:cNvSpPr/>
+          <p:nvPr/>
+        </p:nvSpPr>
+        <p:spPr>
+          <a:xfrm>
+            <a:off x="8496647" y="1682823"/>
+            <a:ext cx="545285" cy="511729"/>
+          </a:xfrm>
+          <a:prstGeom prst="ellipse">
+            <a:avLst/>
+          </a:prstGeom>
+          <a:solidFill>
+            <a:schemeClr val="bg2">
+              <a:lumMod val="50000"/>
+            </a:schemeClr>
+          </a:solidFill>
+          <a:ln>
+            <a:solidFill>
+              <a:schemeClr val="tx1">
+                <a:lumMod val="85000"/>
+                <a:lumOff val="15000"/>
+              </a:schemeClr>
+            </a:solidFill>
+          </a:ln>
+        </p:spPr>
+        <p:style>
+          <a:lnRef idx="2">
+            <a:schemeClr val="accent1">
+              <a:shade val="50000"/>
+            </a:schemeClr>
+          </a:lnRef>
+          <a:fillRef idx="1">
+            <a:schemeClr val="accent1"/>
+          </a:fillRef>
+          <a:effectRef idx="0">
+            <a:schemeClr val="accent1"/>
+          </a:effectRef>
+          <a:fontRef idx="minor">
+            <a:schemeClr val="lt1"/>
+          </a:fontRef>
+        </p:style>
+        <p:txBody>
+          <a:bodyPr rtlCol="0" anchor="ctr"/>
+          <a:lstStyle/>
+          <a:p>
+            <a:pPr algn="ctr"/>
+            <a:r>
+              <a:rPr lang="it-IT" sz="2400" dirty="0"/>
+              <a:t>f</a:t>
+            </a:r>
+          </a:p>
+        </p:txBody>
+      </p:sp>
+      <mc:AlternateContent xmlns:mc="http://schemas.openxmlformats.org/markup-compatibility/2006" xmlns:a14="http://schemas.microsoft.com/office/drawing/2010/main">
+        <mc:Choice Requires="a14">
+          <p:sp>
+            <p:nvSpPr>
+              <p:cNvPr id="34" name="CasellaDiTesto 33">
+                <a:extLst>
+                  <a:ext uri="{FF2B5EF4-FFF2-40B4-BE49-F238E27FC236}">
+                    <a16:creationId xmlns:a16="http://schemas.microsoft.com/office/drawing/2014/main" id="{3043EDF5-0856-4F39-8192-5232679663C3}"/>
+                  </a:ext>
+                </a:extLst>
+              </p:cNvPr>
+              <p:cNvSpPr txBox="1"/>
+              <p:nvPr/>
+            </p:nvSpPr>
+            <p:spPr>
+              <a:xfrm rot="19256206">
+                <a:off x="7382285" y="2196807"/>
+                <a:ext cx="1008724" cy="391582"/>
+              </a:xfrm>
+              <a:prstGeom prst="rect">
+                <a:avLst/>
+              </a:prstGeom>
+              <a:noFill/>
+            </p:spPr>
+            <p:txBody>
+              <a:bodyPr wrap="square" rtlCol="0">
+                <a:spAutoFit/>
+              </a:bodyPr>
+              <a:lstStyle/>
+              <a:p>
+                <a:pPr/>
+                <a14:m>
+                  <m:oMathPara xmlns:m="http://schemas.openxmlformats.org/officeDocument/2006/math">
+                    <m:oMathParaPr>
+                      <m:jc m:val="centerGroup"/>
+                    </m:oMathParaPr>
+                    <m:oMath xmlns:m="http://schemas.openxmlformats.org/officeDocument/2006/math">
+                      <m:sSub>
+                        <m:sSubPr>
+                          <m:ctrlPr>
+                            <a:rPr lang="it-IT" i="1" smtClean="0">
+                              <a:latin typeface="Cambria Math" panose="02040503050406030204" pitchFamily="18" charset="0"/>
+                            </a:rPr>
+                          </m:ctrlPr>
+                        </m:sSubPr>
+                        <m:e>
+                          <m:r>
+                            <a:rPr lang="it-IT" i="1">
+                              <a:latin typeface="Cambria Math" panose="02040503050406030204" pitchFamily="18" charset="0"/>
+                            </a:rPr>
+                            <m:t>𝑑</m:t>
+                          </m:r>
+                        </m:e>
+                        <m:sub>
+                          <m:r>
+                            <a:rPr lang="it-IT" i="1">
+                              <a:latin typeface="Cambria Math" panose="02040503050406030204" pitchFamily="18" charset="0"/>
+                            </a:rPr>
+                            <m:t>𝑓</m:t>
+                          </m:r>
+                          <m:r>
+                            <a:rPr lang="it-IT" b="0" i="1" smtClean="0">
+                              <a:latin typeface="Cambria Math" panose="02040503050406030204" pitchFamily="18" charset="0"/>
+                            </a:rPr>
+                            <m:t>𝑝</m:t>
+                          </m:r>
+                        </m:sub>
+                      </m:sSub>
+                      <m:r>
+                        <a:rPr lang="it-IT" b="0" i="0" smtClean="0">
+                          <a:latin typeface="Cambria Math" panose="02040503050406030204" pitchFamily="18" charset="0"/>
+                        </a:rPr>
+                        <m:t>=2</m:t>
+                      </m:r>
+                    </m:oMath>
+                  </m:oMathPara>
+                </a14:m>
+                <a:endParaRPr lang="it-IT" dirty="0"/>
+              </a:p>
+            </p:txBody>
+          </p:sp>
+        </mc:Choice>
+        <mc:Fallback xmlns="">
+          <p:sp>
+            <p:nvSpPr>
+              <p:cNvPr id="34" name="CasellaDiTesto 33">
+                <a:extLst>
+                  <a:ext uri="{FF2B5EF4-FFF2-40B4-BE49-F238E27FC236}">
+                    <a16:creationId xmlns:a16="http://schemas.microsoft.com/office/drawing/2014/main" id="{3043EDF5-0856-4F39-8192-5232679663C3}"/>
+                  </a:ext>
+                </a:extLst>
+              </p:cNvPr>
+              <p:cNvSpPr txBox="1">
+                <a:spLocks noRot="1" noChangeAspect="1" noMove="1" noResize="1" noEditPoints="1" noAdjustHandles="1" noChangeArrowheads="1" noChangeShapeType="1" noTextEdit="1"/>
+              </p:cNvSpPr>
+              <p:nvPr/>
+            </p:nvSpPr>
+            <p:spPr>
+              <a:xfrm rot="19256206">
+                <a:off x="7382285" y="2196807"/>
+                <a:ext cx="1008724" cy="391582"/>
+              </a:xfrm>
+              <a:prstGeom prst="rect">
+                <a:avLst/>
+              </a:prstGeom>
+              <a:blipFill>
+                <a:blip r:embed="rId2"/>
+                <a:stretch>
+                  <a:fillRect/>
+                </a:stretch>
+              </a:blipFill>
+            </p:spPr>
+            <p:txBody>
+              <a:bodyPr/>
+              <a:lstStyle/>
+              <a:p>
+                <a:r>
+                  <a:rPr lang="it-IT">
+                    <a:noFill/>
+                  </a:rPr>
+                  <a:t> </a:t>
+                </a:r>
+              </a:p>
+            </p:txBody>
+          </p:sp>
+        </mc:Fallback>
+      </mc:AlternateContent>
+      <p:sp>
+        <p:nvSpPr>
+          <p:cNvPr id="21" name="Ovale 20">
+            <a:extLst>
+              <a:ext uri="{FF2B5EF4-FFF2-40B4-BE49-F238E27FC236}">
+                <a16:creationId xmlns:a16="http://schemas.microsoft.com/office/drawing/2014/main" id="{DBFB74D1-6E3E-4A26-8043-72ACF18E20E5}"/>
+              </a:ext>
+            </a:extLst>
+          </p:cNvPr>
+          <p:cNvSpPr/>
+          <p:nvPr/>
+        </p:nvSpPr>
+        <p:spPr>
+          <a:xfrm>
+            <a:off x="3061509" y="1680288"/>
+            <a:ext cx="545285" cy="511729"/>
+          </a:xfrm>
+          <a:prstGeom prst="ellipse">
+            <a:avLst/>
+          </a:prstGeom>
+          <a:solidFill>
+            <a:schemeClr val="bg2">
+              <a:lumMod val="50000"/>
+            </a:schemeClr>
+          </a:solidFill>
+          <a:ln>
+            <a:solidFill>
+              <a:schemeClr val="tx1">
+                <a:lumMod val="85000"/>
+                <a:lumOff val="15000"/>
+              </a:schemeClr>
+            </a:solidFill>
+          </a:ln>
+        </p:spPr>
+        <p:style>
+          <a:lnRef idx="2">
+            <a:schemeClr val="accent1">
+              <a:shade val="50000"/>
+            </a:schemeClr>
+          </a:lnRef>
+          <a:fillRef idx="1">
+            <a:schemeClr val="accent1"/>
+          </a:fillRef>
+          <a:effectRef idx="0">
+            <a:schemeClr val="accent1"/>
+          </a:effectRef>
+          <a:fontRef idx="minor">
+            <a:schemeClr val="lt1"/>
+          </a:fontRef>
+        </p:style>
+        <p:txBody>
+          <a:bodyPr rtlCol="0" anchor="ctr"/>
+          <a:lstStyle/>
+          <a:p>
+            <a:pPr algn="ctr"/>
+            <a:r>
+              <a:rPr lang="it-IT" sz="2400" dirty="0"/>
+              <a:t>u</a:t>
+            </a:r>
+          </a:p>
+        </p:txBody>
+      </p:sp>
+      <p:sp>
+        <p:nvSpPr>
+          <p:cNvPr id="22" name="Ovale 21">
+            <a:extLst>
+              <a:ext uri="{FF2B5EF4-FFF2-40B4-BE49-F238E27FC236}">
+                <a16:creationId xmlns:a16="http://schemas.microsoft.com/office/drawing/2014/main" id="{FC5B5791-4100-46D0-8B8B-DCCDC0EC40EC}"/>
+              </a:ext>
+            </a:extLst>
+          </p:cNvPr>
+          <p:cNvSpPr/>
+          <p:nvPr/>
+        </p:nvSpPr>
+        <p:spPr>
+          <a:xfrm>
+            <a:off x="3061510" y="4420998"/>
+            <a:ext cx="545285" cy="511729"/>
+          </a:xfrm>
+          <a:prstGeom prst="ellipse">
+            <a:avLst/>
+          </a:prstGeom>
+          <a:solidFill>
+            <a:schemeClr val="bg2">
+              <a:lumMod val="50000"/>
+            </a:schemeClr>
+          </a:solidFill>
+          <a:ln>
+            <a:solidFill>
+              <a:schemeClr val="tx1">
+                <a:lumMod val="85000"/>
+                <a:lumOff val="15000"/>
+              </a:schemeClr>
+            </a:solidFill>
+          </a:ln>
+        </p:spPr>
+        <p:style>
+          <a:lnRef idx="2">
+            <a:schemeClr val="accent1">
+              <a:shade val="50000"/>
+            </a:schemeClr>
+          </a:lnRef>
+          <a:fillRef idx="1">
+            <a:schemeClr val="accent1"/>
+          </a:fillRef>
+          <a:effectRef idx="0">
+            <a:schemeClr val="accent1"/>
+          </a:effectRef>
+          <a:fontRef idx="minor">
+            <a:schemeClr val="lt1"/>
+          </a:fontRef>
+        </p:style>
+        <p:txBody>
+          <a:bodyPr rtlCol="0" anchor="ctr"/>
+          <a:lstStyle/>
+          <a:p>
+            <a:pPr algn="ctr"/>
+            <a:r>
+              <a:rPr lang="it-IT" sz="2400" dirty="0"/>
+              <a:t>s</a:t>
+            </a:r>
+          </a:p>
+        </p:txBody>
+      </p:sp>
+      <mc:AlternateContent xmlns:mc="http://schemas.openxmlformats.org/markup-compatibility/2006" xmlns:a14="http://schemas.microsoft.com/office/drawing/2010/main">
+        <mc:Choice Requires="a14">
+          <p:sp>
+            <p:nvSpPr>
+              <p:cNvPr id="20" name="CasellaDiTesto 19">
+                <a:extLst>
+                  <a:ext uri="{FF2B5EF4-FFF2-40B4-BE49-F238E27FC236}">
+                    <a16:creationId xmlns:a16="http://schemas.microsoft.com/office/drawing/2014/main" id="{AEC37D64-B461-4739-B615-49B84BD77AC6}"/>
+                  </a:ext>
+                </a:extLst>
+              </p:cNvPr>
+              <p:cNvSpPr txBox="1"/>
+              <p:nvPr/>
+            </p:nvSpPr>
+            <p:spPr>
+              <a:xfrm rot="2308727">
+                <a:off x="7254652" y="3919337"/>
+                <a:ext cx="1008724" cy="390748"/>
+              </a:xfrm>
+              <a:prstGeom prst="rect">
+                <a:avLst/>
+              </a:prstGeom>
+              <a:noFill/>
+            </p:spPr>
+            <p:txBody>
+              <a:bodyPr wrap="square" rtlCol="0">
+                <a:spAutoFit/>
+              </a:bodyPr>
+              <a:lstStyle/>
+              <a:p>
+                <a:pPr/>
+                <a14:m>
+                  <m:oMathPara xmlns:m="http://schemas.openxmlformats.org/officeDocument/2006/math">
+                    <m:oMathParaPr>
+                      <m:jc m:val="centerGroup"/>
+                    </m:oMathParaPr>
+                    <m:oMath xmlns:m="http://schemas.openxmlformats.org/officeDocument/2006/math">
+                      <m:sSub>
+                        <m:sSubPr>
+                          <m:ctrlPr>
+                            <a:rPr lang="it-IT" i="1" smtClean="0">
+                              <a:latin typeface="Cambria Math" panose="02040503050406030204" pitchFamily="18" charset="0"/>
+                            </a:rPr>
+                          </m:ctrlPr>
+                        </m:sSubPr>
+                        <m:e>
+                          <m:r>
+                            <a:rPr lang="it-IT" i="1">
+                              <a:latin typeface="Cambria Math" panose="02040503050406030204" pitchFamily="18" charset="0"/>
+                            </a:rPr>
+                            <m:t>𝑑</m:t>
+                          </m:r>
+                        </m:e>
+                        <m:sub>
+                          <m:r>
+                            <a:rPr lang="it-IT" i="1" smtClean="0">
+                              <a:latin typeface="Cambria Math" panose="02040503050406030204" pitchFamily="18" charset="0"/>
+                            </a:rPr>
+                            <m:t>𝑏</m:t>
+                          </m:r>
+                          <m:r>
+                            <a:rPr lang="it-IT" b="0" i="1" smtClean="0">
+                              <a:latin typeface="Cambria Math" panose="02040503050406030204" pitchFamily="18" charset="0"/>
+                            </a:rPr>
+                            <m:t>𝑝</m:t>
+                          </m:r>
+                        </m:sub>
+                      </m:sSub>
+                      <m:r>
+                        <a:rPr lang="it-IT" b="0" i="0" smtClean="0">
+                          <a:latin typeface="Cambria Math" panose="02040503050406030204" pitchFamily="18" charset="0"/>
+                        </a:rPr>
+                        <m:t>=0</m:t>
+                      </m:r>
+                    </m:oMath>
+                  </m:oMathPara>
+                </a14:m>
+                <a:endParaRPr lang="it-IT" dirty="0"/>
+              </a:p>
+            </p:txBody>
+          </p:sp>
+        </mc:Choice>
+        <mc:Fallback xmlns="">
+          <p:sp>
+            <p:nvSpPr>
+              <p:cNvPr id="20" name="CasellaDiTesto 19">
+                <a:extLst>
+                  <a:ext uri="{FF2B5EF4-FFF2-40B4-BE49-F238E27FC236}">
+                    <a16:creationId xmlns:a16="http://schemas.microsoft.com/office/drawing/2014/main" id="{AEC37D64-B461-4739-B615-49B84BD77AC6}"/>
+                  </a:ext>
+                </a:extLst>
+              </p:cNvPr>
+              <p:cNvSpPr txBox="1">
+                <a:spLocks noRot="1" noChangeAspect="1" noMove="1" noResize="1" noEditPoints="1" noAdjustHandles="1" noChangeArrowheads="1" noChangeShapeType="1" noTextEdit="1"/>
+              </p:cNvSpPr>
+              <p:nvPr/>
+            </p:nvSpPr>
+            <p:spPr>
+              <a:xfrm rot="2308727">
+                <a:off x="7254652" y="3919337"/>
+                <a:ext cx="1008724" cy="390748"/>
+              </a:xfrm>
+              <a:prstGeom prst="rect">
+                <a:avLst/>
+              </a:prstGeom>
+              <a:blipFill>
+                <a:blip r:embed="rId3"/>
+                <a:stretch>
+                  <a:fillRect/>
+                </a:stretch>
+              </a:blipFill>
+            </p:spPr>
+            <p:txBody>
+              <a:bodyPr/>
+              <a:lstStyle/>
+              <a:p>
+                <a:r>
+                  <a:rPr lang="it-IT">
+                    <a:noFill/>
+                  </a:rPr>
+                  <a:t> </a:t>
+                </a:r>
+              </a:p>
+            </p:txBody>
+          </p:sp>
+        </mc:Fallback>
+      </mc:AlternateContent>
+      <mc:AlternateContent xmlns:mc="http://schemas.openxmlformats.org/markup-compatibility/2006">
+        <mc:Choice xmlns:a14="http://schemas.microsoft.com/office/drawing/2010/main" Requires="a14">
+          <p:sp>
+            <p:nvSpPr>
+              <p:cNvPr id="29" name="CasellaDiTesto 28">
+                <a:extLst>
+                  <a:ext uri="{FF2B5EF4-FFF2-40B4-BE49-F238E27FC236}">
+                    <a16:creationId xmlns:a16="http://schemas.microsoft.com/office/drawing/2014/main" id="{26FB9E63-3C7F-4DFC-89B8-1BCB92421E64}"/>
+                  </a:ext>
+                </a:extLst>
+              </p:cNvPr>
+              <p:cNvSpPr txBox="1"/>
+              <p:nvPr/>
+            </p:nvSpPr>
+            <p:spPr>
+              <a:xfrm rot="19256206">
+                <a:off x="3949240" y="3940373"/>
+                <a:ext cx="1008724" cy="369332"/>
+              </a:xfrm>
+              <a:prstGeom prst="rect">
+                <a:avLst/>
+              </a:prstGeom>
+              <a:noFill/>
+            </p:spPr>
+            <p:txBody>
+              <a:bodyPr wrap="square" rtlCol="0">
+                <a:spAutoFit/>
+              </a:bodyPr>
+              <a:lstStyle/>
+              <a:p>
+                <a:pPr/>
+                <a14:m>
+                  <m:oMathPara xmlns:m="http://schemas.openxmlformats.org/officeDocument/2006/math">
+                    <m:oMathParaPr>
+                      <m:jc m:val="centerGroup"/>
+                    </m:oMathParaPr>
+                    <m:oMath xmlns:m="http://schemas.openxmlformats.org/officeDocument/2006/math">
+                      <m:sSub>
+                        <m:sSubPr>
+                          <m:ctrlPr>
+                            <a:rPr lang="it-IT" i="1" smtClean="0">
+                              <a:latin typeface="Cambria Math" panose="02040503050406030204" pitchFamily="18" charset="0"/>
+                            </a:rPr>
+                          </m:ctrlPr>
+                        </m:sSubPr>
+                        <m:e>
+                          <m:r>
+                            <a:rPr lang="it-IT" i="1">
+                              <a:latin typeface="Cambria Math" panose="02040503050406030204" pitchFamily="18" charset="0"/>
+                            </a:rPr>
+                            <m:t>𝑑</m:t>
+                          </m:r>
+                        </m:e>
+                        <m:sub>
+                          <m:r>
+                            <a:rPr lang="it-IT" i="1" smtClean="0">
+                              <a:latin typeface="Cambria Math" panose="02040503050406030204" pitchFamily="18" charset="0"/>
+                            </a:rPr>
+                            <m:t>𝑠</m:t>
+                          </m:r>
+                          <m:r>
+                            <a:rPr lang="it-IT" b="0" i="1" smtClean="0">
+                              <a:latin typeface="Cambria Math" panose="02040503050406030204" pitchFamily="18" charset="0"/>
+                            </a:rPr>
+                            <m:t>𝑘</m:t>
+                          </m:r>
+                        </m:sub>
+                      </m:sSub>
+                      <m:r>
+                        <a:rPr lang="it-IT" b="0" i="0" smtClean="0">
+                          <a:latin typeface="Cambria Math" panose="02040503050406030204" pitchFamily="18" charset="0"/>
+                        </a:rPr>
+                        <m:t>=</m:t>
+                      </m:r>
+                      <m:r>
+                        <a:rPr lang="it-IT" b="0" i="0" smtClean="0">
+                          <a:latin typeface="Cambria Math" panose="02040503050406030204" pitchFamily="18" charset="0"/>
+                        </a:rPr>
+                        <m:t>?</m:t>
+                      </m:r>
+                    </m:oMath>
+                  </m:oMathPara>
+                </a14:m>
+                <a:endParaRPr lang="it-IT" dirty="0"/>
+              </a:p>
+            </p:txBody>
+          </p:sp>
+        </mc:Choice>
+        <mc:Fallback>
+          <p:sp>
+            <p:nvSpPr>
+              <p:cNvPr id="29" name="CasellaDiTesto 28">
+                <a:extLst>
+                  <a:ext uri="{FF2B5EF4-FFF2-40B4-BE49-F238E27FC236}">
+                    <a16:creationId xmlns:a16="http://schemas.microsoft.com/office/drawing/2014/main" id="{26FB9E63-3C7F-4DFC-89B8-1BCB92421E64}"/>
+                  </a:ext>
+                </a:extLst>
+              </p:cNvPr>
+              <p:cNvSpPr txBox="1">
+                <a:spLocks noRot="1" noChangeAspect="1" noMove="1" noResize="1" noEditPoints="1" noAdjustHandles="1" noChangeArrowheads="1" noChangeShapeType="1" noTextEdit="1"/>
+              </p:cNvSpPr>
+              <p:nvPr/>
+            </p:nvSpPr>
+            <p:spPr>
+              <a:xfrm rot="19256206">
+                <a:off x="3949240" y="3940373"/>
+                <a:ext cx="1008724" cy="369332"/>
+              </a:xfrm>
+              <a:prstGeom prst="rect">
+                <a:avLst/>
+              </a:prstGeom>
+              <a:blipFill>
+                <a:blip r:embed="rId4"/>
+                <a:stretch>
+                  <a:fillRect/>
+                </a:stretch>
+              </a:blipFill>
+            </p:spPr>
+            <p:txBody>
+              <a:bodyPr/>
+              <a:lstStyle/>
+              <a:p>
+                <a:r>
+                  <a:rPr lang="it-IT">
+                    <a:noFill/>
+                  </a:rPr>
+                  <a:t> </a:t>
+                </a:r>
+              </a:p>
+            </p:txBody>
+          </p:sp>
+        </mc:Fallback>
+      </mc:AlternateContent>
+      <mc:AlternateContent xmlns:mc="http://schemas.openxmlformats.org/markup-compatibility/2006">
+        <mc:Choice xmlns:a14="http://schemas.microsoft.com/office/drawing/2010/main" Requires="a14">
+          <p:sp>
+            <p:nvSpPr>
+              <p:cNvPr id="30" name="CasellaDiTesto 29">
+                <a:extLst>
+                  <a:ext uri="{FF2B5EF4-FFF2-40B4-BE49-F238E27FC236}">
+                    <a16:creationId xmlns:a16="http://schemas.microsoft.com/office/drawing/2014/main" id="{06F43F6E-0131-4A91-B0C7-9E49F1C1C82A}"/>
+                  </a:ext>
+                </a:extLst>
+              </p:cNvPr>
+              <p:cNvSpPr txBox="1"/>
+              <p:nvPr/>
+            </p:nvSpPr>
+            <p:spPr>
+              <a:xfrm rot="2308727">
+                <a:off x="3782847" y="2224434"/>
+                <a:ext cx="1008724" cy="369332"/>
+              </a:xfrm>
+              <a:prstGeom prst="rect">
+                <a:avLst/>
+              </a:prstGeom>
+              <a:noFill/>
+            </p:spPr>
+            <p:txBody>
+              <a:bodyPr wrap="square" rtlCol="0">
+                <a:spAutoFit/>
+              </a:bodyPr>
+              <a:lstStyle/>
+              <a:p>
+                <a:pPr/>
+                <a14:m>
+                  <m:oMathPara xmlns:m="http://schemas.openxmlformats.org/officeDocument/2006/math">
+                    <m:oMathParaPr>
+                      <m:jc m:val="centerGroup"/>
+                    </m:oMathParaPr>
+                    <m:oMath xmlns:m="http://schemas.openxmlformats.org/officeDocument/2006/math">
+                      <m:sSub>
+                        <m:sSubPr>
+                          <m:ctrlPr>
+                            <a:rPr lang="it-IT" i="1" smtClean="0">
+                              <a:latin typeface="Cambria Math" panose="02040503050406030204" pitchFamily="18" charset="0"/>
+                            </a:rPr>
+                          </m:ctrlPr>
+                        </m:sSubPr>
+                        <m:e>
+                          <m:r>
+                            <a:rPr lang="it-IT" i="1">
+                              <a:latin typeface="Cambria Math" panose="02040503050406030204" pitchFamily="18" charset="0"/>
+                            </a:rPr>
+                            <m:t>𝑑</m:t>
+                          </m:r>
+                        </m:e>
+                        <m:sub>
+                          <m:r>
+                            <a:rPr lang="it-IT" i="1" smtClean="0">
+                              <a:latin typeface="Cambria Math" panose="02040503050406030204" pitchFamily="18" charset="0"/>
+                            </a:rPr>
+                            <m:t>𝑢</m:t>
+                          </m:r>
+                          <m:r>
+                            <a:rPr lang="it-IT" b="0" i="1" smtClean="0">
+                              <a:latin typeface="Cambria Math" panose="02040503050406030204" pitchFamily="18" charset="0"/>
+                            </a:rPr>
+                            <m:t>𝑘</m:t>
+                          </m:r>
+                        </m:sub>
+                      </m:sSub>
+                      <m:r>
+                        <a:rPr lang="it-IT" b="0" i="0" smtClean="0">
+                          <a:latin typeface="Cambria Math" panose="02040503050406030204" pitchFamily="18" charset="0"/>
+                        </a:rPr>
+                        <m:t>=</m:t>
+                      </m:r>
+                      <m:r>
+                        <a:rPr lang="it-IT" b="0" i="0" smtClean="0">
+                          <a:latin typeface="Cambria Math" panose="02040503050406030204" pitchFamily="18" charset="0"/>
+                        </a:rPr>
+                        <m:t>?</m:t>
+                      </m:r>
+                    </m:oMath>
+                  </m:oMathPara>
+                </a14:m>
+                <a:endParaRPr lang="it-IT" dirty="0"/>
+              </a:p>
+            </p:txBody>
+          </p:sp>
+        </mc:Choice>
+        <mc:Fallback>
+          <p:sp>
+            <p:nvSpPr>
+              <p:cNvPr id="30" name="CasellaDiTesto 29">
+                <a:extLst>
+                  <a:ext uri="{FF2B5EF4-FFF2-40B4-BE49-F238E27FC236}">
+                    <a16:creationId xmlns:a16="http://schemas.microsoft.com/office/drawing/2014/main" id="{06F43F6E-0131-4A91-B0C7-9E49F1C1C82A}"/>
+                  </a:ext>
+                </a:extLst>
+              </p:cNvPr>
+              <p:cNvSpPr txBox="1">
+                <a:spLocks noRot="1" noChangeAspect="1" noMove="1" noResize="1" noEditPoints="1" noAdjustHandles="1" noChangeArrowheads="1" noChangeShapeType="1" noTextEdit="1"/>
+              </p:cNvSpPr>
+              <p:nvPr/>
+            </p:nvSpPr>
+            <p:spPr>
+              <a:xfrm rot="2308727">
+                <a:off x="3782847" y="2224434"/>
+                <a:ext cx="1008724" cy="369332"/>
+              </a:xfrm>
+              <a:prstGeom prst="rect">
+                <a:avLst/>
+              </a:prstGeom>
+              <a:blipFill>
+                <a:blip r:embed="rId5"/>
+                <a:stretch>
+                  <a:fillRect/>
+                </a:stretch>
+              </a:blipFill>
+            </p:spPr>
+            <p:txBody>
+              <a:bodyPr/>
+              <a:lstStyle/>
+              <a:p>
+                <a:r>
+                  <a:rPr lang="it-IT">
+                    <a:noFill/>
+                  </a:rPr>
+                  <a:t> </a:t>
+                </a:r>
+              </a:p>
+            </p:txBody>
+          </p:sp>
+        </mc:Fallback>
+      </mc:AlternateContent>
+      <p:sp>
+        <p:nvSpPr>
+          <p:cNvPr id="15" name="Ovale 14">
+            <a:extLst>
+              <a:ext uri="{FF2B5EF4-FFF2-40B4-BE49-F238E27FC236}">
+                <a16:creationId xmlns:a16="http://schemas.microsoft.com/office/drawing/2014/main" id="{8D5BD6A8-4A8D-4BFF-8C89-28AAD2DD2E07}"/>
+              </a:ext>
+            </a:extLst>
+          </p:cNvPr>
+          <p:cNvSpPr/>
+          <p:nvPr/>
+        </p:nvSpPr>
+        <p:spPr>
+          <a:xfrm>
+            <a:off x="4688944" y="3064708"/>
+            <a:ext cx="545285" cy="511729"/>
+          </a:xfrm>
+          <a:prstGeom prst="ellipse">
+            <a:avLst/>
+          </a:prstGeom>
+          <a:solidFill>
+            <a:schemeClr val="bg2">
+              <a:lumMod val="50000"/>
+            </a:schemeClr>
+          </a:solidFill>
+          <a:ln>
+            <a:solidFill>
+              <a:schemeClr val="tx1">
+                <a:lumMod val="85000"/>
+                <a:lumOff val="15000"/>
+              </a:schemeClr>
+            </a:solidFill>
+          </a:ln>
+        </p:spPr>
+        <p:style>
+          <a:lnRef idx="2">
+            <a:schemeClr val="accent1">
+              <a:shade val="50000"/>
+            </a:schemeClr>
+          </a:lnRef>
+          <a:fillRef idx="1">
+            <a:schemeClr val="accent1"/>
+          </a:fillRef>
+          <a:effectRef idx="0">
+            <a:schemeClr val="accent1"/>
+          </a:effectRef>
+          <a:fontRef idx="minor">
+            <a:schemeClr val="lt1"/>
+          </a:fontRef>
+        </p:style>
+        <p:txBody>
+          <a:bodyPr rtlCol="0" anchor="ctr"/>
+          <a:lstStyle/>
+          <a:p>
+            <a:pPr algn="ctr"/>
+            <a:r>
+              <a:rPr lang="it-IT" sz="2400" i="1" dirty="0"/>
+              <a:t>k</a:t>
+            </a:r>
+          </a:p>
+        </p:txBody>
+      </p:sp>
+      <mc:AlternateContent xmlns:mc="http://schemas.openxmlformats.org/markup-compatibility/2006">
+        <mc:Choice xmlns:a14="http://schemas.microsoft.com/office/drawing/2010/main" Requires="a14">
+          <p:sp>
+            <p:nvSpPr>
+              <p:cNvPr id="19" name="CasellaDiTesto 18">
+                <a:extLst>
+                  <a:ext uri="{FF2B5EF4-FFF2-40B4-BE49-F238E27FC236}">
+                    <a16:creationId xmlns:a16="http://schemas.microsoft.com/office/drawing/2014/main" id="{8EBC1935-0AEC-4487-AF17-F984F8DAA849}"/>
+                  </a:ext>
+                </a:extLst>
+              </p:cNvPr>
+              <p:cNvSpPr txBox="1"/>
+              <p:nvPr/>
+            </p:nvSpPr>
+            <p:spPr>
+              <a:xfrm>
+                <a:off x="5503907" y="2948705"/>
+                <a:ext cx="1008724" cy="390748"/>
+              </a:xfrm>
+              <a:prstGeom prst="rect">
+                <a:avLst/>
+              </a:prstGeom>
+              <a:noFill/>
+            </p:spPr>
+            <p:txBody>
+              <a:bodyPr wrap="square" rtlCol="0">
+                <a:spAutoFit/>
+              </a:bodyPr>
+              <a:lstStyle/>
+              <a:p>
+                <a:pPr/>
+                <a14:m>
+                  <m:oMathPara xmlns:m="http://schemas.openxmlformats.org/officeDocument/2006/math">
+                    <m:oMathParaPr>
+                      <m:jc m:val="centerGroup"/>
+                    </m:oMathParaPr>
+                    <m:oMath xmlns:m="http://schemas.openxmlformats.org/officeDocument/2006/math">
+                      <m:sSub>
+                        <m:sSubPr>
+                          <m:ctrlPr>
+                            <a:rPr lang="it-IT" i="1" smtClean="0">
+                              <a:latin typeface="Cambria Math" panose="02040503050406030204" pitchFamily="18" charset="0"/>
+                            </a:rPr>
+                          </m:ctrlPr>
+                        </m:sSubPr>
+                        <m:e>
+                          <m:r>
+                            <a:rPr lang="it-IT" i="1">
+                              <a:latin typeface="Cambria Math" panose="02040503050406030204" pitchFamily="18" charset="0"/>
+                            </a:rPr>
+                            <m:t>𝑑</m:t>
+                          </m:r>
+                        </m:e>
+                        <m:sub>
+                          <m:r>
+                            <a:rPr lang="it-IT" i="1" smtClean="0">
+                              <a:latin typeface="Cambria Math" panose="02040503050406030204" pitchFamily="18" charset="0"/>
+                            </a:rPr>
+                            <m:t>𝑘</m:t>
+                          </m:r>
+                          <m:r>
+                            <a:rPr lang="it-IT" b="0" i="1" smtClean="0">
+                              <a:latin typeface="Cambria Math" panose="02040503050406030204" pitchFamily="18" charset="0"/>
+                            </a:rPr>
+                            <m:t>𝑝</m:t>
+                          </m:r>
+                        </m:sub>
+                      </m:sSub>
+                      <m:r>
+                        <a:rPr lang="it-IT" b="0" i="0" smtClean="0">
+                          <a:latin typeface="Cambria Math" panose="02040503050406030204" pitchFamily="18" charset="0"/>
+                        </a:rPr>
+                        <m:t>=</m:t>
+                      </m:r>
+                      <m:r>
+                        <a:rPr lang="it-IT" b="0" i="0" smtClean="0">
+                          <a:latin typeface="Cambria Math" panose="02040503050406030204" pitchFamily="18" charset="0"/>
+                        </a:rPr>
+                        <m:t>?</m:t>
+                      </m:r>
+                    </m:oMath>
+                  </m:oMathPara>
+                </a14:m>
+                <a:endParaRPr lang="it-IT" dirty="0"/>
+              </a:p>
+            </p:txBody>
+          </p:sp>
+        </mc:Choice>
+        <mc:Fallback>
+          <p:sp>
+            <p:nvSpPr>
+              <p:cNvPr id="19" name="CasellaDiTesto 18">
+                <a:extLst>
+                  <a:ext uri="{FF2B5EF4-FFF2-40B4-BE49-F238E27FC236}">
+                    <a16:creationId xmlns:a16="http://schemas.microsoft.com/office/drawing/2014/main" id="{8EBC1935-0AEC-4487-AF17-F984F8DAA849}"/>
+                  </a:ext>
+                </a:extLst>
+              </p:cNvPr>
+              <p:cNvSpPr txBox="1">
+                <a:spLocks noRot="1" noChangeAspect="1" noMove="1" noResize="1" noEditPoints="1" noAdjustHandles="1" noChangeArrowheads="1" noChangeShapeType="1" noTextEdit="1"/>
+              </p:cNvSpPr>
+              <p:nvPr/>
+            </p:nvSpPr>
+            <p:spPr>
+              <a:xfrm>
+                <a:off x="5503907" y="2948705"/>
+                <a:ext cx="1008724" cy="390748"/>
+              </a:xfrm>
+              <a:prstGeom prst="rect">
+                <a:avLst/>
+              </a:prstGeom>
+              <a:blipFill>
+                <a:blip r:embed="rId6"/>
+                <a:stretch>
+                  <a:fillRect b="-3125"/>
+                </a:stretch>
+              </a:blipFill>
+            </p:spPr>
+            <p:txBody>
+              <a:bodyPr/>
+              <a:lstStyle/>
+              <a:p>
+                <a:r>
+                  <a:rPr lang="it-IT">
+                    <a:noFill/>
+                  </a:rPr>
+                  <a:t> </a:t>
+                </a:r>
+              </a:p>
+            </p:txBody>
+          </p:sp>
+        </mc:Fallback>
+      </mc:AlternateContent>
+    </p:spTree>
+    <p:extLst>
+      <p:ext uri="{BB962C8B-B14F-4D97-AF65-F5344CB8AC3E}">
+        <p14:creationId xmlns:p14="http://schemas.microsoft.com/office/powerpoint/2010/main" val="2526493449"/>
+      </p:ext>
+    </p:extLst>
+  </p:cSld>
+  <p:clrMapOvr>
+    <a:masterClrMapping/>
+  </p:clrMapOvr>
+</p:sld>
+</file>
+
+<file path=ppt/slides/slide8.xml><?xml version="1.0" encoding="utf-8"?>
+<p:sld xmlns:a="http://schemas.openxmlformats.org/drawingml/2006/main" xmlns:r="http://schemas.openxmlformats.org/officeDocument/2006/relationships" xmlns:p="http://schemas.openxmlformats.org/presentationml/2006/main">
+  <p:cSld>
+    <p:spTree>
+      <p:nvGrpSpPr>
+        <p:cNvPr id="1" name=""/>
+        <p:cNvGrpSpPr/>
+        <p:nvPr/>
+      </p:nvGrpSpPr>
+      <p:grpSpPr>
+        <a:xfrm>
+          <a:off x="0" y="0"/>
+          <a:ext cx="0" cy="0"/>
+          <a:chOff x="0" y="0"/>
+          <a:chExt cx="0" cy="0"/>
+        </a:xfrm>
+      </p:grpSpPr>
+      <p:cxnSp>
+        <p:nvCxnSpPr>
+          <p:cNvPr id="16" name="Connettore diritto 15">
+            <a:extLst>
+              <a:ext uri="{FF2B5EF4-FFF2-40B4-BE49-F238E27FC236}">
+                <a16:creationId xmlns:a16="http://schemas.microsoft.com/office/drawing/2014/main" id="{8268FD8E-4824-404F-A1F5-D6DA2BBBD26C}"/>
+              </a:ext>
+            </a:extLst>
+          </p:cNvPr>
+          <p:cNvCxnSpPr>
+            <a:cxnSpLocks/>
+          </p:cNvCxnSpPr>
+          <p:nvPr/>
+        </p:nvCxnSpPr>
+        <p:spPr>
+          <a:xfrm flipV="1">
+            <a:off x="5044261" y="3333601"/>
+            <a:ext cx="2069629" cy="14558"/>
+          </a:xfrm>
+          <a:prstGeom prst="line">
+            <a:avLst/>
+          </a:prstGeom>
+          <a:ln w="9525" cap="flat" cmpd="sng" algn="ctr">
+            <a:solidFill>
+              <a:schemeClr val="dk1"/>
+            </a:solidFill>
+            <a:prstDash val="dash"/>
+            <a:round/>
+            <a:headEnd type="none" w="med" len="med"/>
+            <a:tailEnd type="none" w="med" len="med"/>
+          </a:ln>
+        </p:spPr>
+        <p:style>
+          <a:lnRef idx="0">
+            <a:scrgbClr r="0" g="0" b="0"/>
+          </a:lnRef>
+          <a:fillRef idx="0">
+            <a:scrgbClr r="0" g="0" b="0"/>
+          </a:fillRef>
+          <a:effectRef idx="0">
+            <a:scrgbClr r="0" g="0" b="0"/>
+          </a:effectRef>
+          <a:fontRef idx="minor">
+            <a:schemeClr val="tx1"/>
+          </a:fontRef>
+        </p:style>
+      </p:cxnSp>
+      <p:cxnSp>
+        <p:nvCxnSpPr>
+          <p:cNvPr id="28" name="Connettore diritto 27">
+            <a:extLst>
+              <a:ext uri="{FF2B5EF4-FFF2-40B4-BE49-F238E27FC236}">
+                <a16:creationId xmlns:a16="http://schemas.microsoft.com/office/drawing/2014/main" id="{A1376592-4F22-421E-90D4-70499545155C}"/>
+              </a:ext>
+            </a:extLst>
+          </p:cNvPr>
+          <p:cNvCxnSpPr>
+            <a:cxnSpLocks/>
+          </p:cNvCxnSpPr>
+          <p:nvPr/>
+        </p:nvCxnSpPr>
+        <p:spPr>
+          <a:xfrm>
+            <a:off x="3379048" y="1966273"/>
+            <a:ext cx="1697205" cy="1351764"/>
+          </a:xfrm>
+          <a:prstGeom prst="line">
+            <a:avLst/>
+          </a:prstGeom>
+          <a:ln>
+            <a:headEnd type="none" w="med" len="med"/>
+            <a:tailEnd type="none" w="med" len="med"/>
+          </a:ln>
+        </p:spPr>
+        <p:style>
+          <a:lnRef idx="3">
+            <a:schemeClr val="dk1"/>
+          </a:lnRef>
+          <a:fillRef idx="0">
+            <a:schemeClr val="dk1"/>
+          </a:fillRef>
+          <a:effectRef idx="2">
+            <a:schemeClr val="dk1"/>
+          </a:effectRef>
+          <a:fontRef idx="minor">
+            <a:schemeClr val="tx1"/>
+          </a:fontRef>
+        </p:style>
+      </p:cxnSp>
+      <p:cxnSp>
+        <p:nvCxnSpPr>
+          <p:cNvPr id="26" name="Connettore diritto 25">
+            <a:extLst>
+              <a:ext uri="{FF2B5EF4-FFF2-40B4-BE49-F238E27FC236}">
+                <a16:creationId xmlns:a16="http://schemas.microsoft.com/office/drawing/2014/main" id="{E37A84F6-B55A-4468-B75F-679898CB2FC0}"/>
+              </a:ext>
+            </a:extLst>
+          </p:cNvPr>
+          <p:cNvCxnSpPr>
+            <a:cxnSpLocks/>
+          </p:cNvCxnSpPr>
+          <p:nvPr/>
+        </p:nvCxnSpPr>
+        <p:spPr>
+          <a:xfrm flipV="1">
+            <a:off x="3379048" y="3348158"/>
+            <a:ext cx="1652431" cy="1344655"/>
+          </a:xfrm>
+          <a:prstGeom prst="line">
+            <a:avLst/>
+          </a:prstGeom>
+          <a:ln>
+            <a:headEnd type="none" w="med" len="med"/>
+            <a:tailEnd type="none" w="med" len="med"/>
+          </a:ln>
+        </p:spPr>
+        <p:style>
+          <a:lnRef idx="3">
+            <a:schemeClr val="dk1"/>
+          </a:lnRef>
+          <a:fillRef idx="0">
+            <a:schemeClr val="dk1"/>
+          </a:fillRef>
+          <a:effectRef idx="2">
+            <a:schemeClr val="dk1"/>
+          </a:effectRef>
+          <a:fontRef idx="minor">
+            <a:schemeClr val="tx1"/>
+          </a:fontRef>
+        </p:style>
+      </p:cxnSp>
+      <p:cxnSp>
+        <p:nvCxnSpPr>
+          <p:cNvPr id="25" name="Connettore diritto 24">
+            <a:extLst>
+              <a:ext uri="{FF2B5EF4-FFF2-40B4-BE49-F238E27FC236}">
+                <a16:creationId xmlns:a16="http://schemas.microsoft.com/office/drawing/2014/main" id="{77F49E93-79D8-476D-B5F7-01377E381AA1}"/>
+              </a:ext>
+            </a:extLst>
+          </p:cNvPr>
+          <p:cNvCxnSpPr>
+            <a:cxnSpLocks/>
+          </p:cNvCxnSpPr>
+          <p:nvPr/>
+        </p:nvCxnSpPr>
+        <p:spPr>
+          <a:xfrm>
+            <a:off x="7069116" y="3320572"/>
+            <a:ext cx="1700170" cy="1381886"/>
+          </a:xfrm>
+          <a:prstGeom prst="line">
+            <a:avLst/>
+          </a:prstGeom>
+          <a:ln/>
+        </p:spPr>
+        <p:style>
+          <a:lnRef idx="3">
+            <a:schemeClr val="dk1"/>
+          </a:lnRef>
+          <a:fillRef idx="0">
+            <a:schemeClr val="dk1"/>
+          </a:fillRef>
+          <a:effectRef idx="2">
+            <a:schemeClr val="dk1"/>
+          </a:effectRef>
+          <a:fontRef idx="minor">
+            <a:schemeClr val="tx1"/>
+          </a:fontRef>
+        </p:style>
+      </p:cxnSp>
+      <p:cxnSp>
+        <p:nvCxnSpPr>
+          <p:cNvPr id="23" name="Connettore diritto 22">
+            <a:extLst>
+              <a:ext uri="{FF2B5EF4-FFF2-40B4-BE49-F238E27FC236}">
+                <a16:creationId xmlns:a16="http://schemas.microsoft.com/office/drawing/2014/main" id="{FDA6CBB9-9AF0-4020-9652-FBEA53DB49A8}"/>
+              </a:ext>
+            </a:extLst>
+          </p:cNvPr>
+          <p:cNvCxnSpPr>
+            <a:cxnSpLocks/>
+          </p:cNvCxnSpPr>
+          <p:nvPr/>
+        </p:nvCxnSpPr>
+        <p:spPr>
+          <a:xfrm flipH="1">
+            <a:off x="7066155" y="1938687"/>
+            <a:ext cx="1703134" cy="1381885"/>
+          </a:xfrm>
+          <a:prstGeom prst="line">
+            <a:avLst/>
+          </a:prstGeom>
+          <a:ln/>
+        </p:spPr>
+        <p:style>
+          <a:lnRef idx="3">
+            <a:schemeClr val="dk1"/>
+          </a:lnRef>
+          <a:fillRef idx="0">
+            <a:schemeClr val="dk1"/>
+          </a:fillRef>
+          <a:effectRef idx="2">
+            <a:schemeClr val="dk1"/>
+          </a:effectRef>
+          <a:fontRef idx="minor">
+            <a:schemeClr val="tx1"/>
+          </a:fontRef>
+        </p:style>
+      </p:cxnSp>
+      <p:sp>
+        <p:nvSpPr>
+          <p:cNvPr id="9" name="Ovale 8">
+            <a:extLst>
+              <a:ext uri="{FF2B5EF4-FFF2-40B4-BE49-F238E27FC236}">
+                <a16:creationId xmlns:a16="http://schemas.microsoft.com/office/drawing/2014/main" id="{E1CD858E-A9AC-498F-B0ED-9337B0DBAC7D}"/>
+              </a:ext>
+            </a:extLst>
+          </p:cNvPr>
+          <p:cNvSpPr/>
+          <p:nvPr/>
+        </p:nvSpPr>
+        <p:spPr>
+          <a:xfrm>
+            <a:off x="6796477" y="3064708"/>
+            <a:ext cx="545285" cy="511729"/>
+          </a:xfrm>
+          <a:prstGeom prst="ellipse">
+            <a:avLst/>
+          </a:prstGeom>
+          <a:solidFill>
+            <a:schemeClr val="bg2">
+              <a:lumMod val="50000"/>
+            </a:schemeClr>
+          </a:solidFill>
+          <a:ln>
+            <a:solidFill>
+              <a:schemeClr val="tx1">
+                <a:lumMod val="85000"/>
+                <a:lumOff val="15000"/>
+              </a:schemeClr>
+            </a:solidFill>
+          </a:ln>
+        </p:spPr>
+        <p:style>
+          <a:lnRef idx="2">
+            <a:schemeClr val="accent1">
+              <a:shade val="50000"/>
+            </a:schemeClr>
+          </a:lnRef>
+          <a:fillRef idx="1">
+            <a:schemeClr val="accent1"/>
+          </a:fillRef>
+          <a:effectRef idx="0">
+            <a:schemeClr val="accent1"/>
+          </a:effectRef>
+          <a:fontRef idx="minor">
+            <a:schemeClr val="lt1"/>
+          </a:fontRef>
+        </p:style>
+        <p:txBody>
+          <a:bodyPr rtlCol="0" anchor="ctr"/>
+          <a:lstStyle/>
+          <a:p>
+            <a:pPr algn="ctr"/>
+            <a:r>
+              <a:rPr lang="it-IT" sz="2400" i="1" dirty="0"/>
+              <a:t>p</a:t>
+            </a:r>
+          </a:p>
+        </p:txBody>
+      </p:sp>
+      <p:sp>
+        <p:nvSpPr>
+          <p:cNvPr id="10" name="Ovale 9">
+            <a:extLst>
+              <a:ext uri="{FF2B5EF4-FFF2-40B4-BE49-F238E27FC236}">
+                <a16:creationId xmlns:a16="http://schemas.microsoft.com/office/drawing/2014/main" id="{87F835B7-821B-4C37-9ABF-E05F9D123497}"/>
+              </a:ext>
+            </a:extLst>
+          </p:cNvPr>
+          <p:cNvSpPr/>
+          <p:nvPr/>
+        </p:nvSpPr>
+        <p:spPr>
+          <a:xfrm>
+            <a:off x="8496647" y="4407584"/>
+            <a:ext cx="545285" cy="511729"/>
+          </a:xfrm>
+          <a:prstGeom prst="ellipse">
+            <a:avLst/>
+          </a:prstGeom>
+          <a:solidFill>
+            <a:schemeClr val="bg2">
+              <a:lumMod val="50000"/>
+            </a:schemeClr>
+          </a:solidFill>
+          <a:ln>
+            <a:solidFill>
+              <a:schemeClr val="tx1">
+                <a:lumMod val="85000"/>
+                <a:lumOff val="15000"/>
+              </a:schemeClr>
+            </a:solidFill>
+          </a:ln>
+        </p:spPr>
+        <p:style>
+          <a:lnRef idx="2">
+            <a:schemeClr val="accent1">
+              <a:shade val="50000"/>
+            </a:schemeClr>
+          </a:lnRef>
+          <a:fillRef idx="1">
+            <a:schemeClr val="accent1"/>
+          </a:fillRef>
+          <a:effectRef idx="0">
+            <a:schemeClr val="accent1"/>
+          </a:effectRef>
+          <a:fontRef idx="minor">
+            <a:schemeClr val="lt1"/>
+          </a:fontRef>
+        </p:style>
+        <p:txBody>
+          <a:bodyPr rtlCol="0" anchor="ctr"/>
+          <a:lstStyle/>
+          <a:p>
+            <a:pPr algn="ctr"/>
+            <a:r>
+              <a:rPr lang="it-IT" sz="2400" dirty="0"/>
+              <a:t>b</a:t>
+            </a:r>
+          </a:p>
+        </p:txBody>
+      </p:sp>
+      <p:sp>
+        <p:nvSpPr>
+          <p:cNvPr id="11" name="Ovale 10">
+            <a:extLst>
+              <a:ext uri="{FF2B5EF4-FFF2-40B4-BE49-F238E27FC236}">
+                <a16:creationId xmlns:a16="http://schemas.microsoft.com/office/drawing/2014/main" id="{D5EFBF8E-3097-4D14-871D-D0818153B3B1}"/>
+              </a:ext>
+            </a:extLst>
+          </p:cNvPr>
+          <p:cNvSpPr/>
+          <p:nvPr/>
+        </p:nvSpPr>
+        <p:spPr>
+          <a:xfrm>
+            <a:off x="8496647" y="1682823"/>
+            <a:ext cx="545285" cy="511729"/>
+          </a:xfrm>
+          <a:prstGeom prst="ellipse">
+            <a:avLst/>
+          </a:prstGeom>
+          <a:solidFill>
+            <a:schemeClr val="bg2">
+              <a:lumMod val="50000"/>
+            </a:schemeClr>
+          </a:solidFill>
+          <a:ln>
+            <a:solidFill>
+              <a:schemeClr val="tx1">
+                <a:lumMod val="85000"/>
+                <a:lumOff val="15000"/>
+              </a:schemeClr>
+            </a:solidFill>
+          </a:ln>
+        </p:spPr>
+        <p:style>
+          <a:lnRef idx="2">
+            <a:schemeClr val="accent1">
+              <a:shade val="50000"/>
+            </a:schemeClr>
+          </a:lnRef>
+          <a:fillRef idx="1">
+            <a:schemeClr val="accent1"/>
+          </a:fillRef>
+          <a:effectRef idx="0">
+            <a:schemeClr val="accent1"/>
+          </a:effectRef>
+          <a:fontRef idx="minor">
+            <a:schemeClr val="lt1"/>
+          </a:fontRef>
+        </p:style>
+        <p:txBody>
+          <a:bodyPr rtlCol="0" anchor="ctr"/>
+          <a:lstStyle/>
+          <a:p>
+            <a:pPr algn="ctr"/>
+            <a:r>
+              <a:rPr lang="it-IT" sz="2400" dirty="0"/>
+              <a:t>f</a:t>
+            </a:r>
+          </a:p>
+        </p:txBody>
+      </p:sp>
+      <mc:AlternateContent xmlns:mc="http://schemas.openxmlformats.org/markup-compatibility/2006" xmlns:a14="http://schemas.microsoft.com/office/drawing/2010/main">
+        <mc:Choice Requires="a14">
+          <p:sp>
+            <p:nvSpPr>
+              <p:cNvPr id="34" name="CasellaDiTesto 33">
+                <a:extLst>
+                  <a:ext uri="{FF2B5EF4-FFF2-40B4-BE49-F238E27FC236}">
+                    <a16:creationId xmlns:a16="http://schemas.microsoft.com/office/drawing/2014/main" id="{3043EDF5-0856-4F39-8192-5232679663C3}"/>
+                  </a:ext>
+                </a:extLst>
+              </p:cNvPr>
+              <p:cNvSpPr txBox="1"/>
+              <p:nvPr/>
+            </p:nvSpPr>
+            <p:spPr>
+              <a:xfrm rot="19256206">
+                <a:off x="7382285" y="2196807"/>
+                <a:ext cx="1008724" cy="391582"/>
+              </a:xfrm>
+              <a:prstGeom prst="rect">
+                <a:avLst/>
+              </a:prstGeom>
+              <a:noFill/>
+            </p:spPr>
+            <p:txBody>
+              <a:bodyPr wrap="square" rtlCol="0">
+                <a:spAutoFit/>
+              </a:bodyPr>
+              <a:lstStyle/>
+              <a:p>
+                <a:pPr/>
+                <a14:m>
+                  <m:oMathPara xmlns:m="http://schemas.openxmlformats.org/officeDocument/2006/math">
+                    <m:oMathParaPr>
+                      <m:jc m:val="centerGroup"/>
+                    </m:oMathParaPr>
+                    <m:oMath xmlns:m="http://schemas.openxmlformats.org/officeDocument/2006/math">
+                      <m:sSub>
+                        <m:sSubPr>
+                          <m:ctrlPr>
+                            <a:rPr lang="it-IT" i="1" smtClean="0">
+                              <a:latin typeface="Cambria Math" panose="02040503050406030204" pitchFamily="18" charset="0"/>
+                            </a:rPr>
+                          </m:ctrlPr>
+                        </m:sSubPr>
+                        <m:e>
+                          <m:r>
+                            <a:rPr lang="it-IT" i="1">
+                              <a:latin typeface="Cambria Math" panose="02040503050406030204" pitchFamily="18" charset="0"/>
+                            </a:rPr>
+                            <m:t>𝑑</m:t>
+                          </m:r>
+                        </m:e>
+                        <m:sub>
+                          <m:r>
+                            <a:rPr lang="it-IT" i="1">
+                              <a:latin typeface="Cambria Math" panose="02040503050406030204" pitchFamily="18" charset="0"/>
+                            </a:rPr>
+                            <m:t>𝑓</m:t>
+                          </m:r>
+                          <m:r>
+                            <a:rPr lang="it-IT" b="0" i="1" smtClean="0">
+                              <a:latin typeface="Cambria Math" panose="02040503050406030204" pitchFamily="18" charset="0"/>
+                            </a:rPr>
+                            <m:t>𝑝</m:t>
+                          </m:r>
+                        </m:sub>
+                      </m:sSub>
+                      <m:r>
+                        <a:rPr lang="it-IT" b="0" i="0" smtClean="0">
+                          <a:latin typeface="Cambria Math" panose="02040503050406030204" pitchFamily="18" charset="0"/>
+                        </a:rPr>
+                        <m:t>=2</m:t>
+                      </m:r>
+                    </m:oMath>
+                  </m:oMathPara>
+                </a14:m>
+                <a:endParaRPr lang="it-IT" dirty="0"/>
+              </a:p>
+            </p:txBody>
+          </p:sp>
+        </mc:Choice>
+        <mc:Fallback xmlns="">
+          <p:sp>
+            <p:nvSpPr>
+              <p:cNvPr id="34" name="CasellaDiTesto 33">
+                <a:extLst>
+                  <a:ext uri="{FF2B5EF4-FFF2-40B4-BE49-F238E27FC236}">
+                    <a16:creationId xmlns:a16="http://schemas.microsoft.com/office/drawing/2014/main" id="{3043EDF5-0856-4F39-8192-5232679663C3}"/>
+                  </a:ext>
+                </a:extLst>
+              </p:cNvPr>
+              <p:cNvSpPr txBox="1">
+                <a:spLocks noRot="1" noChangeAspect="1" noMove="1" noResize="1" noEditPoints="1" noAdjustHandles="1" noChangeArrowheads="1" noChangeShapeType="1" noTextEdit="1"/>
+              </p:cNvSpPr>
+              <p:nvPr/>
+            </p:nvSpPr>
+            <p:spPr>
+              <a:xfrm rot="19256206">
+                <a:off x="7382285" y="2196807"/>
+                <a:ext cx="1008724" cy="391582"/>
+              </a:xfrm>
+              <a:prstGeom prst="rect">
+                <a:avLst/>
+              </a:prstGeom>
+              <a:blipFill>
+                <a:blip r:embed="rId2"/>
+                <a:stretch>
+                  <a:fillRect/>
+                </a:stretch>
+              </a:blipFill>
+            </p:spPr>
+            <p:txBody>
+              <a:bodyPr/>
+              <a:lstStyle/>
+              <a:p>
+                <a:r>
+                  <a:rPr lang="it-IT">
+                    <a:noFill/>
+                  </a:rPr>
+                  <a:t> </a:t>
+                </a:r>
+              </a:p>
+            </p:txBody>
+          </p:sp>
+        </mc:Fallback>
+      </mc:AlternateContent>
+      <p:sp>
+        <p:nvSpPr>
+          <p:cNvPr id="21" name="Ovale 20">
+            <a:extLst>
+              <a:ext uri="{FF2B5EF4-FFF2-40B4-BE49-F238E27FC236}">
+                <a16:creationId xmlns:a16="http://schemas.microsoft.com/office/drawing/2014/main" id="{DBFB74D1-6E3E-4A26-8043-72ACF18E20E5}"/>
+              </a:ext>
+            </a:extLst>
+          </p:cNvPr>
+          <p:cNvSpPr/>
+          <p:nvPr/>
+        </p:nvSpPr>
+        <p:spPr>
+          <a:xfrm>
+            <a:off x="3061509" y="1680288"/>
+            <a:ext cx="545285" cy="511729"/>
+          </a:xfrm>
+          <a:prstGeom prst="ellipse">
+            <a:avLst/>
+          </a:prstGeom>
+          <a:solidFill>
+            <a:schemeClr val="bg2">
+              <a:lumMod val="50000"/>
+            </a:schemeClr>
+          </a:solidFill>
+          <a:ln>
+            <a:solidFill>
+              <a:schemeClr val="tx1">
+                <a:lumMod val="85000"/>
+                <a:lumOff val="15000"/>
+              </a:schemeClr>
+            </a:solidFill>
+          </a:ln>
+        </p:spPr>
+        <p:style>
+          <a:lnRef idx="2">
+            <a:schemeClr val="accent1">
+              <a:shade val="50000"/>
+            </a:schemeClr>
+          </a:lnRef>
+          <a:fillRef idx="1">
+            <a:schemeClr val="accent1"/>
+          </a:fillRef>
+          <a:effectRef idx="0">
+            <a:schemeClr val="accent1"/>
+          </a:effectRef>
+          <a:fontRef idx="minor">
+            <a:schemeClr val="lt1"/>
+          </a:fontRef>
+        </p:style>
+        <p:txBody>
+          <a:bodyPr rtlCol="0" anchor="ctr"/>
+          <a:lstStyle/>
+          <a:p>
+            <a:pPr algn="ctr"/>
+            <a:r>
+              <a:rPr lang="it-IT" sz="2400" dirty="0"/>
+              <a:t>u</a:t>
+            </a:r>
+          </a:p>
+        </p:txBody>
+      </p:sp>
+      <p:sp>
+        <p:nvSpPr>
+          <p:cNvPr id="22" name="Ovale 21">
+            <a:extLst>
+              <a:ext uri="{FF2B5EF4-FFF2-40B4-BE49-F238E27FC236}">
+                <a16:creationId xmlns:a16="http://schemas.microsoft.com/office/drawing/2014/main" id="{FC5B5791-4100-46D0-8B8B-DCCDC0EC40EC}"/>
+              </a:ext>
+            </a:extLst>
+          </p:cNvPr>
+          <p:cNvSpPr/>
+          <p:nvPr/>
+        </p:nvSpPr>
+        <p:spPr>
+          <a:xfrm>
+            <a:off x="3061510" y="4420998"/>
+            <a:ext cx="545285" cy="511729"/>
+          </a:xfrm>
+          <a:prstGeom prst="ellipse">
+            <a:avLst/>
+          </a:prstGeom>
+          <a:solidFill>
+            <a:schemeClr val="bg2">
+              <a:lumMod val="50000"/>
+            </a:schemeClr>
+          </a:solidFill>
+          <a:ln>
+            <a:solidFill>
+              <a:schemeClr val="tx1">
+                <a:lumMod val="85000"/>
+                <a:lumOff val="15000"/>
+              </a:schemeClr>
+            </a:solidFill>
+          </a:ln>
+        </p:spPr>
+        <p:style>
+          <a:lnRef idx="2">
+            <a:schemeClr val="accent1">
+              <a:shade val="50000"/>
+            </a:schemeClr>
+          </a:lnRef>
+          <a:fillRef idx="1">
+            <a:schemeClr val="accent1"/>
+          </a:fillRef>
+          <a:effectRef idx="0">
+            <a:schemeClr val="accent1"/>
+          </a:effectRef>
+          <a:fontRef idx="minor">
+            <a:schemeClr val="lt1"/>
+          </a:fontRef>
+        </p:style>
+        <p:txBody>
+          <a:bodyPr rtlCol="0" anchor="ctr"/>
+          <a:lstStyle/>
+          <a:p>
+            <a:pPr algn="ctr"/>
+            <a:r>
+              <a:rPr lang="it-IT" sz="2400" dirty="0"/>
+              <a:t>s</a:t>
+            </a:r>
+          </a:p>
+        </p:txBody>
+      </p:sp>
+      <mc:AlternateContent xmlns:mc="http://schemas.openxmlformats.org/markup-compatibility/2006" xmlns:a14="http://schemas.microsoft.com/office/drawing/2010/main">
+        <mc:Choice Requires="a14">
+          <p:sp>
+            <p:nvSpPr>
+              <p:cNvPr id="20" name="CasellaDiTesto 19">
+                <a:extLst>
+                  <a:ext uri="{FF2B5EF4-FFF2-40B4-BE49-F238E27FC236}">
+                    <a16:creationId xmlns:a16="http://schemas.microsoft.com/office/drawing/2014/main" id="{AEC37D64-B461-4739-B615-49B84BD77AC6}"/>
+                  </a:ext>
+                </a:extLst>
+              </p:cNvPr>
+              <p:cNvSpPr txBox="1"/>
+              <p:nvPr/>
+            </p:nvSpPr>
+            <p:spPr>
+              <a:xfrm rot="2308727">
+                <a:off x="7254652" y="3919337"/>
+                <a:ext cx="1008724" cy="390748"/>
+              </a:xfrm>
+              <a:prstGeom prst="rect">
+                <a:avLst/>
+              </a:prstGeom>
+              <a:noFill/>
+            </p:spPr>
+            <p:txBody>
+              <a:bodyPr wrap="square" rtlCol="0">
+                <a:spAutoFit/>
+              </a:bodyPr>
+              <a:lstStyle/>
+              <a:p>
+                <a:pPr/>
+                <a14:m>
+                  <m:oMathPara xmlns:m="http://schemas.openxmlformats.org/officeDocument/2006/math">
+                    <m:oMathParaPr>
+                      <m:jc m:val="centerGroup"/>
+                    </m:oMathParaPr>
+                    <m:oMath xmlns:m="http://schemas.openxmlformats.org/officeDocument/2006/math">
+                      <m:sSub>
+                        <m:sSubPr>
+                          <m:ctrlPr>
+                            <a:rPr lang="it-IT" i="1" smtClean="0">
+                              <a:latin typeface="Cambria Math" panose="02040503050406030204" pitchFamily="18" charset="0"/>
+                            </a:rPr>
+                          </m:ctrlPr>
+                        </m:sSubPr>
+                        <m:e>
+                          <m:r>
+                            <a:rPr lang="it-IT" i="1">
+                              <a:latin typeface="Cambria Math" panose="02040503050406030204" pitchFamily="18" charset="0"/>
+                            </a:rPr>
+                            <m:t>𝑑</m:t>
+                          </m:r>
+                        </m:e>
+                        <m:sub>
+                          <m:r>
+                            <a:rPr lang="it-IT" i="1" smtClean="0">
+                              <a:latin typeface="Cambria Math" panose="02040503050406030204" pitchFamily="18" charset="0"/>
+                            </a:rPr>
+                            <m:t>𝑏</m:t>
+                          </m:r>
+                          <m:r>
+                            <a:rPr lang="it-IT" b="0" i="1" smtClean="0">
+                              <a:latin typeface="Cambria Math" panose="02040503050406030204" pitchFamily="18" charset="0"/>
+                            </a:rPr>
+                            <m:t>𝑝</m:t>
+                          </m:r>
+                        </m:sub>
+                      </m:sSub>
+                      <m:r>
+                        <a:rPr lang="it-IT" b="0" i="0" smtClean="0">
+                          <a:latin typeface="Cambria Math" panose="02040503050406030204" pitchFamily="18" charset="0"/>
+                        </a:rPr>
+                        <m:t>=0</m:t>
+                      </m:r>
+                    </m:oMath>
+                  </m:oMathPara>
+                </a14:m>
+                <a:endParaRPr lang="it-IT" dirty="0"/>
+              </a:p>
+            </p:txBody>
+          </p:sp>
+        </mc:Choice>
+        <mc:Fallback xmlns="">
+          <p:sp>
+            <p:nvSpPr>
+              <p:cNvPr id="20" name="CasellaDiTesto 19">
+                <a:extLst>
+                  <a:ext uri="{FF2B5EF4-FFF2-40B4-BE49-F238E27FC236}">
+                    <a16:creationId xmlns:a16="http://schemas.microsoft.com/office/drawing/2014/main" id="{AEC37D64-B461-4739-B615-49B84BD77AC6}"/>
+                  </a:ext>
+                </a:extLst>
+              </p:cNvPr>
+              <p:cNvSpPr txBox="1">
+                <a:spLocks noRot="1" noChangeAspect="1" noMove="1" noResize="1" noEditPoints="1" noAdjustHandles="1" noChangeArrowheads="1" noChangeShapeType="1" noTextEdit="1"/>
+              </p:cNvSpPr>
+              <p:nvPr/>
+            </p:nvSpPr>
+            <p:spPr>
+              <a:xfrm rot="2308727">
+                <a:off x="7254652" y="3919337"/>
+                <a:ext cx="1008724" cy="390748"/>
+              </a:xfrm>
+              <a:prstGeom prst="rect">
+                <a:avLst/>
+              </a:prstGeom>
+              <a:blipFill>
+                <a:blip r:embed="rId3"/>
+                <a:stretch>
+                  <a:fillRect/>
+                </a:stretch>
+              </a:blipFill>
+            </p:spPr>
+            <p:txBody>
+              <a:bodyPr/>
+              <a:lstStyle/>
+              <a:p>
+                <a:r>
+                  <a:rPr lang="it-IT">
+                    <a:noFill/>
+                  </a:rPr>
+                  <a:t> </a:t>
+                </a:r>
+              </a:p>
+            </p:txBody>
+          </p:sp>
+        </mc:Fallback>
+      </mc:AlternateContent>
+      <mc:AlternateContent xmlns:mc="http://schemas.openxmlformats.org/markup-compatibility/2006">
+        <mc:Choice xmlns:a14="http://schemas.microsoft.com/office/drawing/2010/main" Requires="a14">
+          <p:sp>
+            <p:nvSpPr>
+              <p:cNvPr id="29" name="CasellaDiTesto 28">
+                <a:extLst>
+                  <a:ext uri="{FF2B5EF4-FFF2-40B4-BE49-F238E27FC236}">
+                    <a16:creationId xmlns:a16="http://schemas.microsoft.com/office/drawing/2014/main" id="{26FB9E63-3C7F-4DFC-89B8-1BCB92421E64}"/>
+                  </a:ext>
+                </a:extLst>
+              </p:cNvPr>
+              <p:cNvSpPr txBox="1"/>
+              <p:nvPr/>
+            </p:nvSpPr>
+            <p:spPr>
+              <a:xfrm rot="19256206">
+                <a:off x="3949240" y="3940373"/>
+                <a:ext cx="1008724" cy="369332"/>
+              </a:xfrm>
+              <a:prstGeom prst="rect">
+                <a:avLst/>
+              </a:prstGeom>
+              <a:noFill/>
+            </p:spPr>
+            <p:txBody>
+              <a:bodyPr wrap="square" rtlCol="0">
+                <a:spAutoFit/>
+              </a:bodyPr>
+              <a:lstStyle/>
+              <a:p>
+                <a:pPr/>
+                <a14:m>
+                  <m:oMathPara xmlns:m="http://schemas.openxmlformats.org/officeDocument/2006/math">
+                    <m:oMathParaPr>
+                      <m:jc m:val="centerGroup"/>
+                    </m:oMathParaPr>
+                    <m:oMath xmlns:m="http://schemas.openxmlformats.org/officeDocument/2006/math">
+                      <m:sSub>
+                        <m:sSubPr>
+                          <m:ctrlPr>
+                            <a:rPr lang="it-IT" i="1" smtClean="0">
+                              <a:latin typeface="Cambria Math" panose="02040503050406030204" pitchFamily="18" charset="0"/>
+                            </a:rPr>
+                          </m:ctrlPr>
+                        </m:sSubPr>
+                        <m:e>
+                          <m:r>
+                            <a:rPr lang="it-IT" i="1">
+                              <a:latin typeface="Cambria Math" panose="02040503050406030204" pitchFamily="18" charset="0"/>
+                            </a:rPr>
+                            <m:t>𝑑</m:t>
+                          </m:r>
+                        </m:e>
+                        <m:sub>
+                          <m:r>
+                            <a:rPr lang="it-IT" i="1" smtClean="0">
+                              <a:latin typeface="Cambria Math" panose="02040503050406030204" pitchFamily="18" charset="0"/>
+                            </a:rPr>
+                            <m:t>𝑠</m:t>
+                          </m:r>
+                          <m:r>
+                            <a:rPr lang="it-IT" b="0" i="1" smtClean="0">
+                              <a:latin typeface="Cambria Math" panose="02040503050406030204" pitchFamily="18" charset="0"/>
+                            </a:rPr>
+                            <m:t>𝑘</m:t>
+                          </m:r>
+                        </m:sub>
+                      </m:sSub>
+                      <m:r>
+                        <a:rPr lang="it-IT" b="0" i="0" smtClean="0">
+                          <a:latin typeface="Cambria Math" panose="02040503050406030204" pitchFamily="18" charset="0"/>
+                        </a:rPr>
+                        <m:t>=</m:t>
+                      </m:r>
+                      <m:r>
+                        <a:rPr lang="it-IT" b="0" i="0" smtClean="0">
+                          <a:latin typeface="Cambria Math" panose="02040503050406030204" pitchFamily="18" charset="0"/>
+                        </a:rPr>
+                        <m:t>1</m:t>
+                      </m:r>
+                    </m:oMath>
+                  </m:oMathPara>
+                </a14:m>
+                <a:endParaRPr lang="it-IT" dirty="0"/>
+              </a:p>
+            </p:txBody>
+          </p:sp>
+        </mc:Choice>
+        <mc:Fallback>
+          <p:sp>
+            <p:nvSpPr>
+              <p:cNvPr id="29" name="CasellaDiTesto 28">
+                <a:extLst>
+                  <a:ext uri="{FF2B5EF4-FFF2-40B4-BE49-F238E27FC236}">
+                    <a16:creationId xmlns:a16="http://schemas.microsoft.com/office/drawing/2014/main" id="{26FB9E63-3C7F-4DFC-89B8-1BCB92421E64}"/>
+                  </a:ext>
+                </a:extLst>
+              </p:cNvPr>
+              <p:cNvSpPr txBox="1">
+                <a:spLocks noRot="1" noChangeAspect="1" noMove="1" noResize="1" noEditPoints="1" noAdjustHandles="1" noChangeArrowheads="1" noChangeShapeType="1" noTextEdit="1"/>
+              </p:cNvSpPr>
+              <p:nvPr/>
+            </p:nvSpPr>
+            <p:spPr>
+              <a:xfrm rot="19256206">
+                <a:off x="3949240" y="3940373"/>
+                <a:ext cx="1008724" cy="369332"/>
+              </a:xfrm>
+              <a:prstGeom prst="rect">
+                <a:avLst/>
+              </a:prstGeom>
+              <a:blipFill>
+                <a:blip r:embed="rId4"/>
+                <a:stretch>
+                  <a:fillRect/>
+                </a:stretch>
+              </a:blipFill>
+            </p:spPr>
+            <p:txBody>
+              <a:bodyPr/>
+              <a:lstStyle/>
+              <a:p>
+                <a:r>
+                  <a:rPr lang="it-IT">
+                    <a:noFill/>
+                  </a:rPr>
+                  <a:t> </a:t>
+                </a:r>
+              </a:p>
+            </p:txBody>
+          </p:sp>
+        </mc:Fallback>
+      </mc:AlternateContent>
+      <mc:AlternateContent xmlns:mc="http://schemas.openxmlformats.org/markup-compatibility/2006">
+        <mc:Choice xmlns:a14="http://schemas.microsoft.com/office/drawing/2010/main" Requires="a14">
+          <p:sp>
+            <p:nvSpPr>
+              <p:cNvPr id="30" name="CasellaDiTesto 29">
+                <a:extLst>
+                  <a:ext uri="{FF2B5EF4-FFF2-40B4-BE49-F238E27FC236}">
+                    <a16:creationId xmlns:a16="http://schemas.microsoft.com/office/drawing/2014/main" id="{06F43F6E-0131-4A91-B0C7-9E49F1C1C82A}"/>
+                  </a:ext>
+                </a:extLst>
+              </p:cNvPr>
+              <p:cNvSpPr txBox="1"/>
+              <p:nvPr/>
+            </p:nvSpPr>
+            <p:spPr>
+              <a:xfrm rot="2308727">
+                <a:off x="3782847" y="2224434"/>
+                <a:ext cx="1008724" cy="369332"/>
+              </a:xfrm>
+              <a:prstGeom prst="rect">
+                <a:avLst/>
+              </a:prstGeom>
+              <a:noFill/>
+            </p:spPr>
+            <p:txBody>
+              <a:bodyPr wrap="square" rtlCol="0">
+                <a:spAutoFit/>
+              </a:bodyPr>
+              <a:lstStyle/>
+              <a:p>
+                <a:pPr/>
+                <a14:m>
+                  <m:oMathPara xmlns:m="http://schemas.openxmlformats.org/officeDocument/2006/math">
+                    <m:oMathParaPr>
+                      <m:jc m:val="centerGroup"/>
+                    </m:oMathParaPr>
+                    <m:oMath xmlns:m="http://schemas.openxmlformats.org/officeDocument/2006/math">
+                      <m:sSub>
+                        <m:sSubPr>
+                          <m:ctrlPr>
+                            <a:rPr lang="it-IT" i="1" smtClean="0">
+                              <a:latin typeface="Cambria Math" panose="02040503050406030204" pitchFamily="18" charset="0"/>
+                            </a:rPr>
+                          </m:ctrlPr>
+                        </m:sSubPr>
+                        <m:e>
+                          <m:r>
+                            <a:rPr lang="it-IT" i="1">
+                              <a:latin typeface="Cambria Math" panose="02040503050406030204" pitchFamily="18" charset="0"/>
+                            </a:rPr>
+                            <m:t>𝑑</m:t>
+                          </m:r>
+                        </m:e>
+                        <m:sub>
+                          <m:r>
+                            <a:rPr lang="it-IT" i="1" smtClean="0">
+                              <a:latin typeface="Cambria Math" panose="02040503050406030204" pitchFamily="18" charset="0"/>
+                            </a:rPr>
+                            <m:t>𝑢</m:t>
+                          </m:r>
+                          <m:r>
+                            <a:rPr lang="it-IT" b="0" i="1" smtClean="0">
+                              <a:latin typeface="Cambria Math" panose="02040503050406030204" pitchFamily="18" charset="0"/>
+                            </a:rPr>
+                            <m:t>𝑘</m:t>
+                          </m:r>
+                        </m:sub>
+                      </m:sSub>
+                      <m:r>
+                        <a:rPr lang="it-IT" b="0" i="0" smtClean="0">
+                          <a:latin typeface="Cambria Math" panose="02040503050406030204" pitchFamily="18" charset="0"/>
+                        </a:rPr>
+                        <m:t>=2</m:t>
+                      </m:r>
+                    </m:oMath>
+                  </m:oMathPara>
+                </a14:m>
+                <a:endParaRPr lang="it-IT" dirty="0"/>
+              </a:p>
+            </p:txBody>
+          </p:sp>
+        </mc:Choice>
+        <mc:Fallback>
+          <p:sp>
+            <p:nvSpPr>
+              <p:cNvPr id="30" name="CasellaDiTesto 29">
+                <a:extLst>
+                  <a:ext uri="{FF2B5EF4-FFF2-40B4-BE49-F238E27FC236}">
+                    <a16:creationId xmlns:a16="http://schemas.microsoft.com/office/drawing/2014/main" id="{06F43F6E-0131-4A91-B0C7-9E49F1C1C82A}"/>
+                  </a:ext>
+                </a:extLst>
+              </p:cNvPr>
+              <p:cNvSpPr txBox="1">
+                <a:spLocks noRot="1" noChangeAspect="1" noMove="1" noResize="1" noEditPoints="1" noAdjustHandles="1" noChangeArrowheads="1" noChangeShapeType="1" noTextEdit="1"/>
+              </p:cNvSpPr>
+              <p:nvPr/>
+            </p:nvSpPr>
+            <p:spPr>
+              <a:xfrm rot="2308727">
+                <a:off x="3782847" y="2224434"/>
+                <a:ext cx="1008724" cy="369332"/>
+              </a:xfrm>
+              <a:prstGeom prst="rect">
+                <a:avLst/>
+              </a:prstGeom>
+              <a:blipFill>
+                <a:blip r:embed="rId5"/>
+                <a:stretch>
+                  <a:fillRect/>
+                </a:stretch>
+              </a:blipFill>
+            </p:spPr>
+            <p:txBody>
+              <a:bodyPr/>
+              <a:lstStyle/>
+              <a:p>
+                <a:r>
+                  <a:rPr lang="it-IT">
+                    <a:noFill/>
+                  </a:rPr>
+                  <a:t> </a:t>
+                </a:r>
+              </a:p>
+            </p:txBody>
+          </p:sp>
+        </mc:Fallback>
+      </mc:AlternateContent>
+      <p:sp>
+        <p:nvSpPr>
+          <p:cNvPr id="15" name="Ovale 14">
+            <a:extLst>
+              <a:ext uri="{FF2B5EF4-FFF2-40B4-BE49-F238E27FC236}">
+                <a16:creationId xmlns:a16="http://schemas.microsoft.com/office/drawing/2014/main" id="{8D5BD6A8-4A8D-4BFF-8C89-28AAD2DD2E07}"/>
+              </a:ext>
+            </a:extLst>
+          </p:cNvPr>
+          <p:cNvSpPr/>
+          <p:nvPr/>
+        </p:nvSpPr>
+        <p:spPr>
+          <a:xfrm>
+            <a:off x="4688944" y="3064708"/>
+            <a:ext cx="545285" cy="511729"/>
+          </a:xfrm>
+          <a:prstGeom prst="ellipse">
+            <a:avLst/>
+          </a:prstGeom>
+          <a:solidFill>
+            <a:schemeClr val="bg2">
+              <a:lumMod val="50000"/>
+            </a:schemeClr>
+          </a:solidFill>
+          <a:ln>
+            <a:solidFill>
+              <a:schemeClr val="tx1">
+                <a:lumMod val="85000"/>
+                <a:lumOff val="15000"/>
+              </a:schemeClr>
+            </a:solidFill>
+          </a:ln>
+        </p:spPr>
+        <p:style>
+          <a:lnRef idx="2">
+            <a:schemeClr val="accent1">
+              <a:shade val="50000"/>
+            </a:schemeClr>
+          </a:lnRef>
+          <a:fillRef idx="1">
+            <a:schemeClr val="accent1"/>
+          </a:fillRef>
+          <a:effectRef idx="0">
+            <a:schemeClr val="accent1"/>
+          </a:effectRef>
+          <a:fontRef idx="minor">
+            <a:schemeClr val="lt1"/>
+          </a:fontRef>
+        </p:style>
+        <p:txBody>
+          <a:bodyPr rtlCol="0" anchor="ctr"/>
+          <a:lstStyle/>
+          <a:p>
+            <a:pPr algn="ctr"/>
+            <a:r>
+              <a:rPr lang="it-IT" sz="2400" i="1" dirty="0"/>
+              <a:t>k</a:t>
+            </a:r>
+          </a:p>
+        </p:txBody>
+      </p:sp>
+      <mc:AlternateContent xmlns:mc="http://schemas.openxmlformats.org/markup-compatibility/2006">
+        <mc:Choice xmlns:a14="http://schemas.microsoft.com/office/drawing/2010/main" Requires="a14">
+          <p:sp>
+            <p:nvSpPr>
+              <p:cNvPr id="19" name="CasellaDiTesto 18">
+                <a:extLst>
+                  <a:ext uri="{FF2B5EF4-FFF2-40B4-BE49-F238E27FC236}">
+                    <a16:creationId xmlns:a16="http://schemas.microsoft.com/office/drawing/2014/main" id="{8EBC1935-0AEC-4487-AF17-F984F8DAA849}"/>
+                  </a:ext>
+                </a:extLst>
+              </p:cNvPr>
+              <p:cNvSpPr txBox="1"/>
+              <p:nvPr/>
+            </p:nvSpPr>
+            <p:spPr>
+              <a:xfrm>
+                <a:off x="5503907" y="2948705"/>
+                <a:ext cx="1008724" cy="390748"/>
+              </a:xfrm>
+              <a:prstGeom prst="rect">
+                <a:avLst/>
+              </a:prstGeom>
+              <a:noFill/>
+            </p:spPr>
+            <p:txBody>
+              <a:bodyPr wrap="square" rtlCol="0">
+                <a:spAutoFit/>
+              </a:bodyPr>
+              <a:lstStyle/>
+              <a:p>
+                <a:pPr/>
+                <a14:m>
+                  <m:oMathPara xmlns:m="http://schemas.openxmlformats.org/officeDocument/2006/math">
+                    <m:oMathParaPr>
+                      <m:jc m:val="centerGroup"/>
+                    </m:oMathParaPr>
+                    <m:oMath xmlns:m="http://schemas.openxmlformats.org/officeDocument/2006/math">
+                      <m:sSub>
+                        <m:sSubPr>
+                          <m:ctrlPr>
+                            <a:rPr lang="it-IT" i="1" smtClean="0">
+                              <a:latin typeface="Cambria Math" panose="02040503050406030204" pitchFamily="18" charset="0"/>
+                            </a:rPr>
+                          </m:ctrlPr>
+                        </m:sSubPr>
+                        <m:e>
+                          <m:r>
+                            <a:rPr lang="it-IT" i="1">
+                              <a:latin typeface="Cambria Math" panose="02040503050406030204" pitchFamily="18" charset="0"/>
+                            </a:rPr>
+                            <m:t>𝑑</m:t>
+                          </m:r>
+                        </m:e>
+                        <m:sub>
+                          <m:r>
+                            <a:rPr lang="it-IT" i="1" smtClean="0">
+                              <a:latin typeface="Cambria Math" panose="02040503050406030204" pitchFamily="18" charset="0"/>
+                            </a:rPr>
+                            <m:t>𝑘</m:t>
+                          </m:r>
+                          <m:r>
+                            <a:rPr lang="it-IT" b="0" i="1" smtClean="0">
+                              <a:latin typeface="Cambria Math" panose="02040503050406030204" pitchFamily="18" charset="0"/>
+                            </a:rPr>
+                            <m:t>𝑝</m:t>
+                          </m:r>
+                        </m:sub>
+                      </m:sSub>
+                      <m:r>
+                        <a:rPr lang="it-IT" b="0" i="0" smtClean="0">
+                          <a:latin typeface="Cambria Math" panose="02040503050406030204" pitchFamily="18" charset="0"/>
+                        </a:rPr>
+                        <m:t>=</m:t>
+                      </m:r>
+                      <m:r>
+                        <a:rPr lang="it-IT" b="0" i="0" smtClean="0">
+                          <a:latin typeface="Cambria Math" panose="02040503050406030204" pitchFamily="18" charset="0"/>
+                        </a:rPr>
+                        <m:t>?</m:t>
+                      </m:r>
+                    </m:oMath>
+                  </m:oMathPara>
+                </a14:m>
+                <a:endParaRPr lang="it-IT" dirty="0"/>
+              </a:p>
+            </p:txBody>
+          </p:sp>
+        </mc:Choice>
+        <mc:Fallback>
+          <p:sp>
+            <p:nvSpPr>
+              <p:cNvPr id="19" name="CasellaDiTesto 18">
+                <a:extLst>
+                  <a:ext uri="{FF2B5EF4-FFF2-40B4-BE49-F238E27FC236}">
+                    <a16:creationId xmlns:a16="http://schemas.microsoft.com/office/drawing/2014/main" id="{8EBC1935-0AEC-4487-AF17-F984F8DAA849}"/>
+                  </a:ext>
+                </a:extLst>
+              </p:cNvPr>
+              <p:cNvSpPr txBox="1">
+                <a:spLocks noRot="1" noChangeAspect="1" noMove="1" noResize="1" noEditPoints="1" noAdjustHandles="1" noChangeArrowheads="1" noChangeShapeType="1" noTextEdit="1"/>
+              </p:cNvSpPr>
+              <p:nvPr/>
+            </p:nvSpPr>
+            <p:spPr>
+              <a:xfrm>
+                <a:off x="5503907" y="2948705"/>
+                <a:ext cx="1008724" cy="390748"/>
+              </a:xfrm>
+              <a:prstGeom prst="rect">
+                <a:avLst/>
+              </a:prstGeom>
+              <a:blipFill>
+                <a:blip r:embed="rId6"/>
+                <a:stretch>
+                  <a:fillRect b="-3125"/>
+                </a:stretch>
+              </a:blipFill>
+            </p:spPr>
+            <p:txBody>
+              <a:bodyPr/>
+              <a:lstStyle/>
+              <a:p>
+                <a:r>
+                  <a:rPr lang="it-IT">
+                    <a:noFill/>
+                  </a:rPr>
+                  <a:t> </a:t>
+                </a:r>
+              </a:p>
+            </p:txBody>
+          </p:sp>
+        </mc:Fallback>
+      </mc:AlternateContent>
+    </p:spTree>
+    <p:extLst>
+      <p:ext uri="{BB962C8B-B14F-4D97-AF65-F5344CB8AC3E}">
+        <p14:creationId xmlns:p14="http://schemas.microsoft.com/office/powerpoint/2010/main" val="826578698"/>
+      </p:ext>
+    </p:extLst>
+  </p:cSld>
+  <p:clrMapOvr>
+    <a:masterClrMapping/>
+  </p:clrMapOvr>
+</p:sld>
+</file>
+
+<file path=ppt/slides/slide9.xml><?xml version="1.0" encoding="utf-8"?>
+<p:sld xmlns:a="http://schemas.openxmlformats.org/drawingml/2006/main" xmlns:r="http://schemas.openxmlformats.org/officeDocument/2006/relationships" xmlns:p="http://schemas.openxmlformats.org/presentationml/2006/main">
+  <p:cSld>
+    <p:spTree>
+      <p:nvGrpSpPr>
+        <p:cNvPr id="1" name=""/>
+        <p:cNvGrpSpPr/>
+        <p:nvPr/>
+      </p:nvGrpSpPr>
+      <p:grpSpPr>
+        <a:xfrm>
+          <a:off x="0" y="0"/>
+          <a:ext cx="0" cy="0"/>
+          <a:chOff x="0" y="0"/>
+          <a:chExt cx="0" cy="0"/>
+        </a:xfrm>
+      </p:grpSpPr>
+      <p:cxnSp>
+        <p:nvCxnSpPr>
+          <p:cNvPr id="16" name="Connettore diritto 15">
+            <a:extLst>
+              <a:ext uri="{FF2B5EF4-FFF2-40B4-BE49-F238E27FC236}">
+                <a16:creationId xmlns:a16="http://schemas.microsoft.com/office/drawing/2014/main" id="{8268FD8E-4824-404F-A1F5-D6DA2BBBD26C}"/>
+              </a:ext>
+            </a:extLst>
+          </p:cNvPr>
+          <p:cNvCxnSpPr>
+            <a:cxnSpLocks/>
+          </p:cNvCxnSpPr>
+          <p:nvPr/>
+        </p:nvCxnSpPr>
+        <p:spPr>
+          <a:xfrm flipV="1">
+            <a:off x="5044261" y="3333601"/>
+            <a:ext cx="2069629" cy="14558"/>
+          </a:xfrm>
+          <a:prstGeom prst="line">
+            <a:avLst/>
+          </a:prstGeom>
+          <a:ln>
+            <a:headEnd type="none" w="med" len="med"/>
+            <a:tailEnd type="none" w="med" len="med"/>
+          </a:ln>
+        </p:spPr>
+        <p:style>
+          <a:lnRef idx="3">
+            <a:schemeClr val="dk1"/>
+          </a:lnRef>
+          <a:fillRef idx="0">
+            <a:schemeClr val="dk1"/>
+          </a:fillRef>
+          <a:effectRef idx="2">
+            <a:schemeClr val="dk1"/>
+          </a:effectRef>
+          <a:fontRef idx="minor">
+            <a:schemeClr val="tx1"/>
+          </a:fontRef>
+        </p:style>
+      </p:cxnSp>
+      <p:cxnSp>
+        <p:nvCxnSpPr>
+          <p:cNvPr id="28" name="Connettore diritto 27">
+            <a:extLst>
+              <a:ext uri="{FF2B5EF4-FFF2-40B4-BE49-F238E27FC236}">
+                <a16:creationId xmlns:a16="http://schemas.microsoft.com/office/drawing/2014/main" id="{A1376592-4F22-421E-90D4-70499545155C}"/>
+              </a:ext>
+            </a:extLst>
+          </p:cNvPr>
+          <p:cNvCxnSpPr>
+            <a:cxnSpLocks/>
+          </p:cNvCxnSpPr>
+          <p:nvPr/>
+        </p:nvCxnSpPr>
+        <p:spPr>
+          <a:xfrm>
+            <a:off x="3379048" y="1966273"/>
+            <a:ext cx="1697205" cy="1351764"/>
+          </a:xfrm>
+          <a:prstGeom prst="line">
+            <a:avLst/>
+          </a:prstGeom>
+          <a:ln>
+            <a:headEnd type="none" w="med" len="med"/>
+            <a:tailEnd type="none" w="med" len="med"/>
+          </a:ln>
+        </p:spPr>
+        <p:style>
+          <a:lnRef idx="3">
+            <a:schemeClr val="dk1"/>
+          </a:lnRef>
+          <a:fillRef idx="0">
+            <a:schemeClr val="dk1"/>
+          </a:fillRef>
+          <a:effectRef idx="2">
+            <a:schemeClr val="dk1"/>
+          </a:effectRef>
+          <a:fontRef idx="minor">
+            <a:schemeClr val="tx1"/>
+          </a:fontRef>
+        </p:style>
+      </p:cxnSp>
+      <p:cxnSp>
+        <p:nvCxnSpPr>
+          <p:cNvPr id="26" name="Connettore diritto 25">
+            <a:extLst>
+              <a:ext uri="{FF2B5EF4-FFF2-40B4-BE49-F238E27FC236}">
+                <a16:creationId xmlns:a16="http://schemas.microsoft.com/office/drawing/2014/main" id="{E37A84F6-B55A-4468-B75F-679898CB2FC0}"/>
+              </a:ext>
+            </a:extLst>
+          </p:cNvPr>
+          <p:cNvCxnSpPr>
+            <a:cxnSpLocks/>
+          </p:cNvCxnSpPr>
+          <p:nvPr/>
+        </p:nvCxnSpPr>
+        <p:spPr>
+          <a:xfrm flipV="1">
+            <a:off x="3379048" y="3348158"/>
+            <a:ext cx="1652431" cy="1344655"/>
+          </a:xfrm>
+          <a:prstGeom prst="line">
+            <a:avLst/>
+          </a:prstGeom>
+          <a:ln>
+            <a:headEnd type="none" w="med" len="med"/>
+            <a:tailEnd type="none" w="med" len="med"/>
+          </a:ln>
+        </p:spPr>
+        <p:style>
+          <a:lnRef idx="3">
+            <a:schemeClr val="dk1"/>
+          </a:lnRef>
+          <a:fillRef idx="0">
+            <a:schemeClr val="dk1"/>
+          </a:fillRef>
+          <a:effectRef idx="2">
+            <a:schemeClr val="dk1"/>
+          </a:effectRef>
+          <a:fontRef idx="minor">
+            <a:schemeClr val="tx1"/>
+          </a:fontRef>
+        </p:style>
+      </p:cxnSp>
+      <p:cxnSp>
+        <p:nvCxnSpPr>
+          <p:cNvPr id="25" name="Connettore diritto 24">
+            <a:extLst>
+              <a:ext uri="{FF2B5EF4-FFF2-40B4-BE49-F238E27FC236}">
+                <a16:creationId xmlns:a16="http://schemas.microsoft.com/office/drawing/2014/main" id="{77F49E93-79D8-476D-B5F7-01377E381AA1}"/>
+              </a:ext>
+            </a:extLst>
+          </p:cNvPr>
+          <p:cNvCxnSpPr>
+            <a:cxnSpLocks/>
+          </p:cNvCxnSpPr>
+          <p:nvPr/>
+        </p:nvCxnSpPr>
+        <p:spPr>
+          <a:xfrm>
+            <a:off x="7069116" y="3320572"/>
+            <a:ext cx="1700170" cy="1381886"/>
+          </a:xfrm>
+          <a:prstGeom prst="line">
+            <a:avLst/>
+          </a:prstGeom>
+          <a:ln/>
+        </p:spPr>
+        <p:style>
+          <a:lnRef idx="3">
+            <a:schemeClr val="dk1"/>
+          </a:lnRef>
+          <a:fillRef idx="0">
+            <a:schemeClr val="dk1"/>
+          </a:fillRef>
+          <a:effectRef idx="2">
+            <a:schemeClr val="dk1"/>
+          </a:effectRef>
+          <a:fontRef idx="minor">
+            <a:schemeClr val="tx1"/>
+          </a:fontRef>
+        </p:style>
+      </p:cxnSp>
+      <p:cxnSp>
+        <p:nvCxnSpPr>
+          <p:cNvPr id="23" name="Connettore diritto 22">
+            <a:extLst>
+              <a:ext uri="{FF2B5EF4-FFF2-40B4-BE49-F238E27FC236}">
+                <a16:creationId xmlns:a16="http://schemas.microsoft.com/office/drawing/2014/main" id="{FDA6CBB9-9AF0-4020-9652-FBEA53DB49A8}"/>
+              </a:ext>
+            </a:extLst>
+          </p:cNvPr>
+          <p:cNvCxnSpPr>
+            <a:cxnSpLocks/>
+          </p:cNvCxnSpPr>
+          <p:nvPr/>
+        </p:nvCxnSpPr>
+        <p:spPr>
+          <a:xfrm flipH="1">
+            <a:off x="7066155" y="1938687"/>
+            <a:ext cx="1703134" cy="1381885"/>
+          </a:xfrm>
+          <a:prstGeom prst="line">
+            <a:avLst/>
+          </a:prstGeom>
+          <a:ln/>
+        </p:spPr>
+        <p:style>
+          <a:lnRef idx="3">
+            <a:schemeClr val="dk1"/>
+          </a:lnRef>
+          <a:fillRef idx="0">
+            <a:schemeClr val="dk1"/>
+          </a:fillRef>
+          <a:effectRef idx="2">
+            <a:schemeClr val="dk1"/>
+          </a:effectRef>
+          <a:fontRef idx="minor">
+            <a:schemeClr val="tx1"/>
+          </a:fontRef>
+        </p:style>
+      </p:cxnSp>
+      <p:sp>
+        <p:nvSpPr>
+          <p:cNvPr id="9" name="Ovale 8">
+            <a:extLst>
+              <a:ext uri="{FF2B5EF4-FFF2-40B4-BE49-F238E27FC236}">
+                <a16:creationId xmlns:a16="http://schemas.microsoft.com/office/drawing/2014/main" id="{E1CD858E-A9AC-498F-B0ED-9337B0DBAC7D}"/>
+              </a:ext>
+            </a:extLst>
+          </p:cNvPr>
+          <p:cNvSpPr/>
+          <p:nvPr/>
+        </p:nvSpPr>
+        <p:spPr>
+          <a:xfrm>
+            <a:off x="6796477" y="3064708"/>
+            <a:ext cx="545285" cy="511729"/>
+          </a:xfrm>
+          <a:prstGeom prst="ellipse">
+            <a:avLst/>
+          </a:prstGeom>
+          <a:solidFill>
+            <a:schemeClr val="bg2">
+              <a:lumMod val="50000"/>
+            </a:schemeClr>
+          </a:solidFill>
+          <a:ln>
+            <a:solidFill>
+              <a:schemeClr val="tx1">
+                <a:lumMod val="85000"/>
+                <a:lumOff val="15000"/>
+              </a:schemeClr>
+            </a:solidFill>
+          </a:ln>
+        </p:spPr>
+        <p:style>
+          <a:lnRef idx="2">
+            <a:schemeClr val="accent1">
+              <a:shade val="50000"/>
+            </a:schemeClr>
+          </a:lnRef>
+          <a:fillRef idx="1">
+            <a:schemeClr val="accent1"/>
+          </a:fillRef>
+          <a:effectRef idx="0">
+            <a:schemeClr val="accent1"/>
+          </a:effectRef>
+          <a:fontRef idx="minor">
+            <a:schemeClr val="lt1"/>
+          </a:fontRef>
+        </p:style>
+        <p:txBody>
+          <a:bodyPr rtlCol="0" anchor="ctr"/>
+          <a:lstStyle/>
+          <a:p>
+            <a:pPr algn="ctr"/>
+            <a:r>
+              <a:rPr lang="it-IT" sz="2400" i="1" dirty="0"/>
+              <a:t>p</a:t>
+            </a:r>
+          </a:p>
+        </p:txBody>
+      </p:sp>
+      <p:sp>
+        <p:nvSpPr>
+          <p:cNvPr id="10" name="Ovale 9">
+            <a:extLst>
+              <a:ext uri="{FF2B5EF4-FFF2-40B4-BE49-F238E27FC236}">
+                <a16:creationId xmlns:a16="http://schemas.microsoft.com/office/drawing/2014/main" id="{87F835B7-821B-4C37-9ABF-E05F9D123497}"/>
+              </a:ext>
+            </a:extLst>
+          </p:cNvPr>
+          <p:cNvSpPr/>
+          <p:nvPr/>
+        </p:nvSpPr>
+        <p:spPr>
+          <a:xfrm>
+            <a:off x="8496647" y="4407584"/>
+            <a:ext cx="545285" cy="511729"/>
+          </a:xfrm>
+          <a:prstGeom prst="ellipse">
+            <a:avLst/>
+          </a:prstGeom>
+          <a:solidFill>
+            <a:schemeClr val="bg2">
+              <a:lumMod val="50000"/>
+            </a:schemeClr>
+          </a:solidFill>
+          <a:ln>
+            <a:solidFill>
+              <a:schemeClr val="tx1">
+                <a:lumMod val="85000"/>
+                <a:lumOff val="15000"/>
+              </a:schemeClr>
+            </a:solidFill>
+          </a:ln>
+        </p:spPr>
+        <p:style>
+          <a:lnRef idx="2">
+            <a:schemeClr val="accent1">
+              <a:shade val="50000"/>
+            </a:schemeClr>
+          </a:lnRef>
+          <a:fillRef idx="1">
+            <a:schemeClr val="accent1"/>
+          </a:fillRef>
+          <a:effectRef idx="0">
+            <a:schemeClr val="accent1"/>
+          </a:effectRef>
+          <a:fontRef idx="minor">
+            <a:schemeClr val="lt1"/>
+          </a:fontRef>
+        </p:style>
+        <p:txBody>
+          <a:bodyPr rtlCol="0" anchor="ctr"/>
+          <a:lstStyle/>
+          <a:p>
+            <a:pPr algn="ctr"/>
+            <a:r>
+              <a:rPr lang="it-IT" sz="2400" dirty="0"/>
+              <a:t>b</a:t>
+            </a:r>
+          </a:p>
+        </p:txBody>
+      </p:sp>
+      <p:sp>
+        <p:nvSpPr>
+          <p:cNvPr id="11" name="Ovale 10">
+            <a:extLst>
+              <a:ext uri="{FF2B5EF4-FFF2-40B4-BE49-F238E27FC236}">
+                <a16:creationId xmlns:a16="http://schemas.microsoft.com/office/drawing/2014/main" id="{D5EFBF8E-3097-4D14-871D-D0818153B3B1}"/>
+              </a:ext>
+            </a:extLst>
+          </p:cNvPr>
+          <p:cNvSpPr/>
+          <p:nvPr/>
+        </p:nvSpPr>
+        <p:spPr>
+          <a:xfrm>
+            <a:off x="8496647" y="1682823"/>
+            <a:ext cx="545285" cy="511729"/>
+          </a:xfrm>
+          <a:prstGeom prst="ellipse">
+            <a:avLst/>
+          </a:prstGeom>
+          <a:solidFill>
+            <a:schemeClr val="bg2">
+              <a:lumMod val="50000"/>
+            </a:schemeClr>
+          </a:solidFill>
+          <a:ln>
+            <a:solidFill>
+              <a:schemeClr val="tx1">
+                <a:lumMod val="85000"/>
+                <a:lumOff val="15000"/>
+              </a:schemeClr>
+            </a:solidFill>
+          </a:ln>
+        </p:spPr>
+        <p:style>
+          <a:lnRef idx="2">
+            <a:schemeClr val="accent1">
+              <a:shade val="50000"/>
+            </a:schemeClr>
+          </a:lnRef>
+          <a:fillRef idx="1">
+            <a:schemeClr val="accent1"/>
+          </a:fillRef>
+          <a:effectRef idx="0">
+            <a:schemeClr val="accent1"/>
+          </a:effectRef>
+          <a:fontRef idx="minor">
+            <a:schemeClr val="lt1"/>
+          </a:fontRef>
+        </p:style>
+        <p:txBody>
+          <a:bodyPr rtlCol="0" anchor="ctr"/>
+          <a:lstStyle/>
+          <a:p>
+            <a:pPr algn="ctr"/>
+            <a:r>
+              <a:rPr lang="it-IT" sz="2400" dirty="0"/>
+              <a:t>f</a:t>
+            </a:r>
+          </a:p>
+        </p:txBody>
+      </p:sp>
+      <mc:AlternateContent xmlns:mc="http://schemas.openxmlformats.org/markup-compatibility/2006" xmlns:a14="http://schemas.microsoft.com/office/drawing/2010/main">
+        <mc:Choice Requires="a14">
+          <p:sp>
+            <p:nvSpPr>
+              <p:cNvPr id="34" name="CasellaDiTesto 33">
+                <a:extLst>
+                  <a:ext uri="{FF2B5EF4-FFF2-40B4-BE49-F238E27FC236}">
+                    <a16:creationId xmlns:a16="http://schemas.microsoft.com/office/drawing/2014/main" id="{3043EDF5-0856-4F39-8192-5232679663C3}"/>
+                  </a:ext>
+                </a:extLst>
+              </p:cNvPr>
+              <p:cNvSpPr txBox="1"/>
+              <p:nvPr/>
+            </p:nvSpPr>
+            <p:spPr>
+              <a:xfrm rot="19256206">
+                <a:off x="7382285" y="2196807"/>
+                <a:ext cx="1008724" cy="391582"/>
+              </a:xfrm>
+              <a:prstGeom prst="rect">
+                <a:avLst/>
+              </a:prstGeom>
+              <a:noFill/>
+            </p:spPr>
+            <p:txBody>
+              <a:bodyPr wrap="square" rtlCol="0">
+                <a:spAutoFit/>
+              </a:bodyPr>
+              <a:lstStyle/>
+              <a:p>
+                <a:pPr/>
+                <a14:m>
+                  <m:oMathPara xmlns:m="http://schemas.openxmlformats.org/officeDocument/2006/math">
+                    <m:oMathParaPr>
+                      <m:jc m:val="centerGroup"/>
+                    </m:oMathParaPr>
+                    <m:oMath xmlns:m="http://schemas.openxmlformats.org/officeDocument/2006/math">
+                      <m:sSub>
+                        <m:sSubPr>
+                          <m:ctrlPr>
+                            <a:rPr lang="it-IT" i="1" smtClean="0">
+                              <a:latin typeface="Cambria Math" panose="02040503050406030204" pitchFamily="18" charset="0"/>
+                            </a:rPr>
+                          </m:ctrlPr>
+                        </m:sSubPr>
+                        <m:e>
+                          <m:r>
+                            <a:rPr lang="it-IT" i="1">
+                              <a:latin typeface="Cambria Math" panose="02040503050406030204" pitchFamily="18" charset="0"/>
+                            </a:rPr>
+                            <m:t>𝑑</m:t>
+                          </m:r>
+                        </m:e>
+                        <m:sub>
+                          <m:r>
+                            <a:rPr lang="it-IT" i="1">
+                              <a:latin typeface="Cambria Math" panose="02040503050406030204" pitchFamily="18" charset="0"/>
+                            </a:rPr>
+                            <m:t>𝑓</m:t>
+                          </m:r>
+                          <m:r>
+                            <a:rPr lang="it-IT" b="0" i="1" smtClean="0">
+                              <a:latin typeface="Cambria Math" panose="02040503050406030204" pitchFamily="18" charset="0"/>
+                            </a:rPr>
+                            <m:t>𝑝</m:t>
+                          </m:r>
+                        </m:sub>
+                      </m:sSub>
+                      <m:r>
+                        <a:rPr lang="it-IT" b="0" i="0" smtClean="0">
+                          <a:latin typeface="Cambria Math" panose="02040503050406030204" pitchFamily="18" charset="0"/>
+                        </a:rPr>
+                        <m:t>=2</m:t>
+                      </m:r>
+                    </m:oMath>
+                  </m:oMathPara>
+                </a14:m>
+                <a:endParaRPr lang="it-IT" dirty="0"/>
+              </a:p>
+            </p:txBody>
+          </p:sp>
+        </mc:Choice>
+        <mc:Fallback xmlns="">
+          <p:sp>
+            <p:nvSpPr>
+              <p:cNvPr id="34" name="CasellaDiTesto 33">
+                <a:extLst>
+                  <a:ext uri="{FF2B5EF4-FFF2-40B4-BE49-F238E27FC236}">
+                    <a16:creationId xmlns:a16="http://schemas.microsoft.com/office/drawing/2014/main" id="{3043EDF5-0856-4F39-8192-5232679663C3}"/>
+                  </a:ext>
+                </a:extLst>
+              </p:cNvPr>
+              <p:cNvSpPr txBox="1">
+                <a:spLocks noRot="1" noChangeAspect="1" noMove="1" noResize="1" noEditPoints="1" noAdjustHandles="1" noChangeArrowheads="1" noChangeShapeType="1" noTextEdit="1"/>
+              </p:cNvSpPr>
+              <p:nvPr/>
+            </p:nvSpPr>
+            <p:spPr>
+              <a:xfrm rot="19256206">
+                <a:off x="7382285" y="2196807"/>
+                <a:ext cx="1008724" cy="391582"/>
+              </a:xfrm>
+              <a:prstGeom prst="rect">
+                <a:avLst/>
+              </a:prstGeom>
+              <a:blipFill>
+                <a:blip r:embed="rId2"/>
+                <a:stretch>
+                  <a:fillRect/>
+                </a:stretch>
+              </a:blipFill>
+            </p:spPr>
+            <p:txBody>
+              <a:bodyPr/>
+              <a:lstStyle/>
+              <a:p>
+                <a:r>
+                  <a:rPr lang="it-IT">
+                    <a:noFill/>
+                  </a:rPr>
+                  <a:t> </a:t>
+                </a:r>
+              </a:p>
+            </p:txBody>
+          </p:sp>
+        </mc:Fallback>
+      </mc:AlternateContent>
+      <p:sp>
+        <p:nvSpPr>
+          <p:cNvPr id="21" name="Ovale 20">
+            <a:extLst>
+              <a:ext uri="{FF2B5EF4-FFF2-40B4-BE49-F238E27FC236}">
+                <a16:creationId xmlns:a16="http://schemas.microsoft.com/office/drawing/2014/main" id="{DBFB74D1-6E3E-4A26-8043-72ACF18E20E5}"/>
+              </a:ext>
+            </a:extLst>
+          </p:cNvPr>
+          <p:cNvSpPr/>
+          <p:nvPr/>
+        </p:nvSpPr>
+        <p:spPr>
+          <a:xfrm>
+            <a:off x="3061509" y="1680288"/>
+            <a:ext cx="545285" cy="511729"/>
+          </a:xfrm>
+          <a:prstGeom prst="ellipse">
+            <a:avLst/>
+          </a:prstGeom>
+          <a:solidFill>
+            <a:schemeClr val="bg2">
+              <a:lumMod val="50000"/>
+            </a:schemeClr>
+          </a:solidFill>
+          <a:ln>
+            <a:solidFill>
+              <a:schemeClr val="tx1">
+                <a:lumMod val="85000"/>
+                <a:lumOff val="15000"/>
+              </a:schemeClr>
+            </a:solidFill>
+          </a:ln>
+        </p:spPr>
+        <p:style>
+          <a:lnRef idx="2">
+            <a:schemeClr val="accent1">
+              <a:shade val="50000"/>
+            </a:schemeClr>
+          </a:lnRef>
+          <a:fillRef idx="1">
+            <a:schemeClr val="accent1"/>
+          </a:fillRef>
+          <a:effectRef idx="0">
+            <a:schemeClr val="accent1"/>
+          </a:effectRef>
+          <a:fontRef idx="minor">
+            <a:schemeClr val="lt1"/>
+          </a:fontRef>
+        </p:style>
+        <p:txBody>
+          <a:bodyPr rtlCol="0" anchor="ctr"/>
+          <a:lstStyle/>
+          <a:p>
+            <a:pPr algn="ctr"/>
+            <a:r>
+              <a:rPr lang="it-IT" sz="2400" dirty="0"/>
+              <a:t>u</a:t>
+            </a:r>
+          </a:p>
+        </p:txBody>
+      </p:sp>
+      <p:sp>
+        <p:nvSpPr>
+          <p:cNvPr id="22" name="Ovale 21">
+            <a:extLst>
+              <a:ext uri="{FF2B5EF4-FFF2-40B4-BE49-F238E27FC236}">
+                <a16:creationId xmlns:a16="http://schemas.microsoft.com/office/drawing/2014/main" id="{FC5B5791-4100-46D0-8B8B-DCCDC0EC40EC}"/>
+              </a:ext>
+            </a:extLst>
+          </p:cNvPr>
+          <p:cNvSpPr/>
+          <p:nvPr/>
+        </p:nvSpPr>
+        <p:spPr>
+          <a:xfrm>
+            <a:off x="3061510" y="4420998"/>
+            <a:ext cx="545285" cy="511729"/>
+          </a:xfrm>
+          <a:prstGeom prst="ellipse">
+            <a:avLst/>
+          </a:prstGeom>
+          <a:solidFill>
+            <a:schemeClr val="bg2">
+              <a:lumMod val="50000"/>
+            </a:schemeClr>
+          </a:solidFill>
+          <a:ln>
+            <a:solidFill>
+              <a:schemeClr val="tx1">
+                <a:lumMod val="85000"/>
+                <a:lumOff val="15000"/>
+              </a:schemeClr>
+            </a:solidFill>
+          </a:ln>
+        </p:spPr>
+        <p:style>
+          <a:lnRef idx="2">
+            <a:schemeClr val="accent1">
+              <a:shade val="50000"/>
+            </a:schemeClr>
+          </a:lnRef>
+          <a:fillRef idx="1">
+            <a:schemeClr val="accent1"/>
+          </a:fillRef>
+          <a:effectRef idx="0">
+            <a:schemeClr val="accent1"/>
+          </a:effectRef>
+          <a:fontRef idx="minor">
+            <a:schemeClr val="lt1"/>
+          </a:fontRef>
+        </p:style>
+        <p:txBody>
+          <a:bodyPr rtlCol="0" anchor="ctr"/>
+          <a:lstStyle/>
+          <a:p>
+            <a:pPr algn="ctr"/>
+            <a:r>
+              <a:rPr lang="it-IT" sz="2400" dirty="0"/>
+              <a:t>s</a:t>
+            </a:r>
+          </a:p>
+        </p:txBody>
+      </p:sp>
+      <mc:AlternateContent xmlns:mc="http://schemas.openxmlformats.org/markup-compatibility/2006" xmlns:a14="http://schemas.microsoft.com/office/drawing/2010/main">
+        <mc:Choice Requires="a14">
+          <p:sp>
+            <p:nvSpPr>
+              <p:cNvPr id="20" name="CasellaDiTesto 19">
+                <a:extLst>
+                  <a:ext uri="{FF2B5EF4-FFF2-40B4-BE49-F238E27FC236}">
+                    <a16:creationId xmlns:a16="http://schemas.microsoft.com/office/drawing/2014/main" id="{AEC37D64-B461-4739-B615-49B84BD77AC6}"/>
+                  </a:ext>
+                </a:extLst>
+              </p:cNvPr>
+              <p:cNvSpPr txBox="1"/>
+              <p:nvPr/>
+            </p:nvSpPr>
+            <p:spPr>
+              <a:xfrm rot="2308727">
+                <a:off x="7254652" y="3919337"/>
+                <a:ext cx="1008724" cy="390748"/>
+              </a:xfrm>
+              <a:prstGeom prst="rect">
+                <a:avLst/>
+              </a:prstGeom>
+              <a:noFill/>
+            </p:spPr>
+            <p:txBody>
+              <a:bodyPr wrap="square" rtlCol="0">
+                <a:spAutoFit/>
+              </a:bodyPr>
+              <a:lstStyle/>
+              <a:p>
+                <a:pPr/>
+                <a14:m>
+                  <m:oMathPara xmlns:m="http://schemas.openxmlformats.org/officeDocument/2006/math">
+                    <m:oMathParaPr>
+                      <m:jc m:val="centerGroup"/>
+                    </m:oMathParaPr>
+                    <m:oMath xmlns:m="http://schemas.openxmlformats.org/officeDocument/2006/math">
+                      <m:sSub>
+                        <m:sSubPr>
+                          <m:ctrlPr>
+                            <a:rPr lang="it-IT" i="1" smtClean="0">
+                              <a:latin typeface="Cambria Math" panose="02040503050406030204" pitchFamily="18" charset="0"/>
+                            </a:rPr>
+                          </m:ctrlPr>
+                        </m:sSubPr>
+                        <m:e>
+                          <m:r>
+                            <a:rPr lang="it-IT" i="1">
+                              <a:latin typeface="Cambria Math" panose="02040503050406030204" pitchFamily="18" charset="0"/>
+                            </a:rPr>
+                            <m:t>𝑑</m:t>
+                          </m:r>
+                        </m:e>
+                        <m:sub>
+                          <m:r>
+                            <a:rPr lang="it-IT" i="1" smtClean="0">
+                              <a:latin typeface="Cambria Math" panose="02040503050406030204" pitchFamily="18" charset="0"/>
+                            </a:rPr>
+                            <m:t>𝑏</m:t>
+                          </m:r>
+                          <m:r>
+                            <a:rPr lang="it-IT" b="0" i="1" smtClean="0">
+                              <a:latin typeface="Cambria Math" panose="02040503050406030204" pitchFamily="18" charset="0"/>
+                            </a:rPr>
+                            <m:t>𝑝</m:t>
+                          </m:r>
+                        </m:sub>
+                      </m:sSub>
+                      <m:r>
+                        <a:rPr lang="it-IT" b="0" i="0" smtClean="0">
+                          <a:latin typeface="Cambria Math" panose="02040503050406030204" pitchFamily="18" charset="0"/>
+                        </a:rPr>
+                        <m:t>=0</m:t>
+                      </m:r>
+                    </m:oMath>
+                  </m:oMathPara>
+                </a14:m>
+                <a:endParaRPr lang="it-IT" dirty="0"/>
+              </a:p>
+            </p:txBody>
+          </p:sp>
+        </mc:Choice>
+        <mc:Fallback xmlns="">
+          <p:sp>
+            <p:nvSpPr>
+              <p:cNvPr id="20" name="CasellaDiTesto 19">
+                <a:extLst>
+                  <a:ext uri="{FF2B5EF4-FFF2-40B4-BE49-F238E27FC236}">
+                    <a16:creationId xmlns:a16="http://schemas.microsoft.com/office/drawing/2014/main" id="{AEC37D64-B461-4739-B615-49B84BD77AC6}"/>
+                  </a:ext>
+                </a:extLst>
+              </p:cNvPr>
+              <p:cNvSpPr txBox="1">
+                <a:spLocks noRot="1" noChangeAspect="1" noMove="1" noResize="1" noEditPoints="1" noAdjustHandles="1" noChangeArrowheads="1" noChangeShapeType="1" noTextEdit="1"/>
+              </p:cNvSpPr>
+              <p:nvPr/>
+            </p:nvSpPr>
+            <p:spPr>
+              <a:xfrm rot="2308727">
+                <a:off x="7254652" y="3919337"/>
+                <a:ext cx="1008724" cy="390748"/>
+              </a:xfrm>
+              <a:prstGeom prst="rect">
+                <a:avLst/>
+              </a:prstGeom>
+              <a:blipFill>
+                <a:blip r:embed="rId3"/>
+                <a:stretch>
+                  <a:fillRect/>
+                </a:stretch>
+              </a:blipFill>
+            </p:spPr>
+            <p:txBody>
+              <a:bodyPr/>
+              <a:lstStyle/>
+              <a:p>
+                <a:r>
+                  <a:rPr lang="it-IT">
+                    <a:noFill/>
+                  </a:rPr>
+                  <a:t> </a:t>
+                </a:r>
+              </a:p>
+            </p:txBody>
+          </p:sp>
+        </mc:Fallback>
+      </mc:AlternateContent>
+      <mc:AlternateContent xmlns:mc="http://schemas.openxmlformats.org/markup-compatibility/2006">
+        <mc:Choice xmlns:a14="http://schemas.microsoft.com/office/drawing/2010/main" Requires="a14">
+          <p:sp>
+            <p:nvSpPr>
+              <p:cNvPr id="29" name="CasellaDiTesto 28">
+                <a:extLst>
+                  <a:ext uri="{FF2B5EF4-FFF2-40B4-BE49-F238E27FC236}">
+                    <a16:creationId xmlns:a16="http://schemas.microsoft.com/office/drawing/2014/main" id="{26FB9E63-3C7F-4DFC-89B8-1BCB92421E64}"/>
+                  </a:ext>
+                </a:extLst>
+              </p:cNvPr>
+              <p:cNvSpPr txBox="1"/>
+              <p:nvPr/>
+            </p:nvSpPr>
+            <p:spPr>
+              <a:xfrm rot="19256206">
+                <a:off x="3949240" y="3940373"/>
+                <a:ext cx="1008724" cy="369332"/>
+              </a:xfrm>
+              <a:prstGeom prst="rect">
+                <a:avLst/>
+              </a:prstGeom>
+              <a:noFill/>
+            </p:spPr>
+            <p:txBody>
+              <a:bodyPr wrap="square" rtlCol="0">
+                <a:spAutoFit/>
+              </a:bodyPr>
+              <a:lstStyle/>
+              <a:p>
+                <a:pPr/>
+                <a14:m>
+                  <m:oMathPara xmlns:m="http://schemas.openxmlformats.org/officeDocument/2006/math">
+                    <m:oMathParaPr>
+                      <m:jc m:val="centerGroup"/>
+                    </m:oMathParaPr>
+                    <m:oMath xmlns:m="http://schemas.openxmlformats.org/officeDocument/2006/math">
+                      <m:sSub>
+                        <m:sSubPr>
+                          <m:ctrlPr>
+                            <a:rPr lang="it-IT" i="1" smtClean="0">
+                              <a:latin typeface="Cambria Math" panose="02040503050406030204" pitchFamily="18" charset="0"/>
+                            </a:rPr>
+                          </m:ctrlPr>
+                        </m:sSubPr>
+                        <m:e>
+                          <m:r>
+                            <a:rPr lang="it-IT" i="1">
+                              <a:latin typeface="Cambria Math" panose="02040503050406030204" pitchFamily="18" charset="0"/>
+                            </a:rPr>
+                            <m:t>𝑑</m:t>
+                          </m:r>
+                        </m:e>
+                        <m:sub>
+                          <m:r>
+                            <a:rPr lang="it-IT" i="1" smtClean="0">
+                              <a:latin typeface="Cambria Math" panose="02040503050406030204" pitchFamily="18" charset="0"/>
+                            </a:rPr>
+                            <m:t>𝑠</m:t>
+                          </m:r>
+                          <m:r>
+                            <a:rPr lang="it-IT" b="0" i="1" smtClean="0">
+                              <a:latin typeface="Cambria Math" panose="02040503050406030204" pitchFamily="18" charset="0"/>
+                            </a:rPr>
+                            <m:t>𝑘</m:t>
+                          </m:r>
+                        </m:sub>
+                      </m:sSub>
+                      <m:r>
+                        <a:rPr lang="it-IT" b="0" i="0" smtClean="0">
+                          <a:latin typeface="Cambria Math" panose="02040503050406030204" pitchFamily="18" charset="0"/>
+                        </a:rPr>
+                        <m:t>=</m:t>
+                      </m:r>
+                      <m:r>
+                        <a:rPr lang="it-IT" b="0" i="0" smtClean="0">
+                          <a:latin typeface="Cambria Math" panose="02040503050406030204" pitchFamily="18" charset="0"/>
+                        </a:rPr>
+                        <m:t>1</m:t>
+                      </m:r>
+                    </m:oMath>
+                  </m:oMathPara>
+                </a14:m>
+                <a:endParaRPr lang="it-IT" dirty="0"/>
+              </a:p>
+            </p:txBody>
+          </p:sp>
+        </mc:Choice>
+        <mc:Fallback>
+          <p:sp>
+            <p:nvSpPr>
+              <p:cNvPr id="29" name="CasellaDiTesto 28">
+                <a:extLst>
+                  <a:ext uri="{FF2B5EF4-FFF2-40B4-BE49-F238E27FC236}">
+                    <a16:creationId xmlns:a16="http://schemas.microsoft.com/office/drawing/2014/main" id="{26FB9E63-3C7F-4DFC-89B8-1BCB92421E64}"/>
+                  </a:ext>
+                </a:extLst>
+              </p:cNvPr>
+              <p:cNvSpPr txBox="1">
+                <a:spLocks noRot="1" noChangeAspect="1" noMove="1" noResize="1" noEditPoints="1" noAdjustHandles="1" noChangeArrowheads="1" noChangeShapeType="1" noTextEdit="1"/>
+              </p:cNvSpPr>
+              <p:nvPr/>
+            </p:nvSpPr>
+            <p:spPr>
+              <a:xfrm rot="19256206">
+                <a:off x="3949240" y="3940373"/>
+                <a:ext cx="1008724" cy="369332"/>
+              </a:xfrm>
+              <a:prstGeom prst="rect">
+                <a:avLst/>
+              </a:prstGeom>
+              <a:blipFill>
+                <a:blip r:embed="rId4"/>
+                <a:stretch>
+                  <a:fillRect/>
+                </a:stretch>
+              </a:blipFill>
+            </p:spPr>
+            <p:txBody>
+              <a:bodyPr/>
+              <a:lstStyle/>
+              <a:p>
+                <a:r>
+                  <a:rPr lang="it-IT">
+                    <a:noFill/>
+                  </a:rPr>
+                  <a:t> </a:t>
+                </a:r>
+              </a:p>
+            </p:txBody>
+          </p:sp>
+        </mc:Fallback>
+      </mc:AlternateContent>
+      <mc:AlternateContent xmlns:mc="http://schemas.openxmlformats.org/markup-compatibility/2006">
+        <mc:Choice xmlns:a14="http://schemas.microsoft.com/office/drawing/2010/main" Requires="a14">
+          <p:sp>
+            <p:nvSpPr>
+              <p:cNvPr id="30" name="CasellaDiTesto 29">
+                <a:extLst>
+                  <a:ext uri="{FF2B5EF4-FFF2-40B4-BE49-F238E27FC236}">
+                    <a16:creationId xmlns:a16="http://schemas.microsoft.com/office/drawing/2014/main" id="{06F43F6E-0131-4A91-B0C7-9E49F1C1C82A}"/>
+                  </a:ext>
+                </a:extLst>
+              </p:cNvPr>
+              <p:cNvSpPr txBox="1"/>
+              <p:nvPr/>
+            </p:nvSpPr>
+            <p:spPr>
+              <a:xfrm rot="2308727">
+                <a:off x="3782847" y="2224434"/>
+                <a:ext cx="1008724" cy="369332"/>
+              </a:xfrm>
+              <a:prstGeom prst="rect">
+                <a:avLst/>
+              </a:prstGeom>
+              <a:noFill/>
+            </p:spPr>
+            <p:txBody>
+              <a:bodyPr wrap="square" rtlCol="0">
+                <a:spAutoFit/>
+              </a:bodyPr>
+              <a:lstStyle/>
+              <a:p>
+                <a:pPr/>
+                <a14:m>
+                  <m:oMathPara xmlns:m="http://schemas.openxmlformats.org/officeDocument/2006/math">
+                    <m:oMathParaPr>
+                      <m:jc m:val="centerGroup"/>
+                    </m:oMathParaPr>
+                    <m:oMath xmlns:m="http://schemas.openxmlformats.org/officeDocument/2006/math">
+                      <m:sSub>
+                        <m:sSubPr>
+                          <m:ctrlPr>
+                            <a:rPr lang="it-IT" i="1" smtClean="0">
+                              <a:latin typeface="Cambria Math" panose="02040503050406030204" pitchFamily="18" charset="0"/>
+                            </a:rPr>
+                          </m:ctrlPr>
+                        </m:sSubPr>
+                        <m:e>
+                          <m:r>
+                            <a:rPr lang="it-IT" i="1">
+                              <a:latin typeface="Cambria Math" panose="02040503050406030204" pitchFamily="18" charset="0"/>
+                            </a:rPr>
+                            <m:t>𝑑</m:t>
+                          </m:r>
+                        </m:e>
+                        <m:sub>
+                          <m:r>
+                            <a:rPr lang="it-IT" i="1" smtClean="0">
+                              <a:latin typeface="Cambria Math" panose="02040503050406030204" pitchFamily="18" charset="0"/>
+                            </a:rPr>
+                            <m:t>𝑢</m:t>
+                          </m:r>
+                          <m:r>
+                            <a:rPr lang="it-IT" b="0" i="1" smtClean="0">
+                              <a:latin typeface="Cambria Math" panose="02040503050406030204" pitchFamily="18" charset="0"/>
+                            </a:rPr>
+                            <m:t>𝑘</m:t>
+                          </m:r>
+                        </m:sub>
+                      </m:sSub>
+                      <m:r>
+                        <a:rPr lang="it-IT" b="0" i="0" smtClean="0">
+                          <a:latin typeface="Cambria Math" panose="02040503050406030204" pitchFamily="18" charset="0"/>
+                        </a:rPr>
+                        <m:t>=2</m:t>
+                      </m:r>
+                    </m:oMath>
+                  </m:oMathPara>
+                </a14:m>
+                <a:endParaRPr lang="it-IT" dirty="0"/>
+              </a:p>
+            </p:txBody>
+          </p:sp>
+        </mc:Choice>
+        <mc:Fallback>
+          <p:sp>
+            <p:nvSpPr>
+              <p:cNvPr id="30" name="CasellaDiTesto 29">
+                <a:extLst>
+                  <a:ext uri="{FF2B5EF4-FFF2-40B4-BE49-F238E27FC236}">
+                    <a16:creationId xmlns:a16="http://schemas.microsoft.com/office/drawing/2014/main" id="{06F43F6E-0131-4A91-B0C7-9E49F1C1C82A}"/>
+                  </a:ext>
+                </a:extLst>
+              </p:cNvPr>
+              <p:cNvSpPr txBox="1">
+                <a:spLocks noRot="1" noChangeAspect="1" noMove="1" noResize="1" noEditPoints="1" noAdjustHandles="1" noChangeArrowheads="1" noChangeShapeType="1" noTextEdit="1"/>
+              </p:cNvSpPr>
+              <p:nvPr/>
+            </p:nvSpPr>
+            <p:spPr>
+              <a:xfrm rot="2308727">
+                <a:off x="3782847" y="2224434"/>
+                <a:ext cx="1008724" cy="369332"/>
+              </a:xfrm>
+              <a:prstGeom prst="rect">
+                <a:avLst/>
+              </a:prstGeom>
+              <a:blipFill>
+                <a:blip r:embed="rId5"/>
+                <a:stretch>
+                  <a:fillRect/>
+                </a:stretch>
+              </a:blipFill>
+            </p:spPr>
+            <p:txBody>
+              <a:bodyPr/>
+              <a:lstStyle/>
+              <a:p>
+                <a:r>
+                  <a:rPr lang="it-IT">
+                    <a:noFill/>
+                  </a:rPr>
+                  <a:t> </a:t>
+                </a:r>
+              </a:p>
+            </p:txBody>
+          </p:sp>
+        </mc:Fallback>
+      </mc:AlternateContent>
+      <p:sp>
+        <p:nvSpPr>
+          <p:cNvPr id="15" name="Ovale 14">
+            <a:extLst>
+              <a:ext uri="{FF2B5EF4-FFF2-40B4-BE49-F238E27FC236}">
+                <a16:creationId xmlns:a16="http://schemas.microsoft.com/office/drawing/2014/main" id="{8D5BD6A8-4A8D-4BFF-8C89-28AAD2DD2E07}"/>
+              </a:ext>
+            </a:extLst>
+          </p:cNvPr>
+          <p:cNvSpPr/>
+          <p:nvPr/>
+        </p:nvSpPr>
+        <p:spPr>
+          <a:xfrm>
+            <a:off x="4688944" y="3064708"/>
+            <a:ext cx="545285" cy="511729"/>
+          </a:xfrm>
+          <a:prstGeom prst="ellipse">
+            <a:avLst/>
+          </a:prstGeom>
+          <a:solidFill>
+            <a:schemeClr val="bg2">
+              <a:lumMod val="50000"/>
+            </a:schemeClr>
+          </a:solidFill>
+          <a:ln>
+            <a:solidFill>
+              <a:schemeClr val="tx1">
+                <a:lumMod val="85000"/>
+                <a:lumOff val="15000"/>
+              </a:schemeClr>
+            </a:solidFill>
+          </a:ln>
+        </p:spPr>
+        <p:style>
+          <a:lnRef idx="2">
+            <a:schemeClr val="accent1">
+              <a:shade val="50000"/>
+            </a:schemeClr>
+          </a:lnRef>
+          <a:fillRef idx="1">
+            <a:schemeClr val="accent1"/>
+          </a:fillRef>
+          <a:effectRef idx="0">
+            <a:schemeClr val="accent1"/>
+          </a:effectRef>
+          <a:fontRef idx="minor">
+            <a:schemeClr val="lt1"/>
+          </a:fontRef>
+        </p:style>
+        <p:txBody>
+          <a:bodyPr rtlCol="0" anchor="ctr"/>
+          <a:lstStyle/>
+          <a:p>
+            <a:pPr algn="ctr"/>
+            <a:r>
+              <a:rPr lang="it-IT" sz="2400" i="1" dirty="0"/>
+              <a:t>k</a:t>
+            </a:r>
+          </a:p>
+        </p:txBody>
+      </p:sp>
+      <mc:AlternateContent xmlns:mc="http://schemas.openxmlformats.org/markup-compatibility/2006">
+        <mc:Choice xmlns:a14="http://schemas.microsoft.com/office/drawing/2010/main" Requires="a14">
+          <p:sp>
+            <p:nvSpPr>
+              <p:cNvPr id="19" name="CasellaDiTesto 18">
+                <a:extLst>
+                  <a:ext uri="{FF2B5EF4-FFF2-40B4-BE49-F238E27FC236}">
+                    <a16:creationId xmlns:a16="http://schemas.microsoft.com/office/drawing/2014/main" id="{8EBC1935-0AEC-4487-AF17-F984F8DAA849}"/>
+                  </a:ext>
+                </a:extLst>
+              </p:cNvPr>
+              <p:cNvSpPr txBox="1"/>
+              <p:nvPr/>
+            </p:nvSpPr>
+            <p:spPr>
+              <a:xfrm>
+                <a:off x="5503907" y="2948705"/>
+                <a:ext cx="1008724" cy="390748"/>
+              </a:xfrm>
+              <a:prstGeom prst="rect">
+                <a:avLst/>
+              </a:prstGeom>
+              <a:noFill/>
+            </p:spPr>
+            <p:txBody>
+              <a:bodyPr wrap="square" rtlCol="0">
+                <a:spAutoFit/>
+              </a:bodyPr>
+              <a:lstStyle/>
+              <a:p>
+                <a:pPr/>
+                <a14:m>
+                  <m:oMathPara xmlns:m="http://schemas.openxmlformats.org/officeDocument/2006/math">
+                    <m:oMathParaPr>
+                      <m:jc m:val="centerGroup"/>
+                    </m:oMathParaPr>
+                    <m:oMath xmlns:m="http://schemas.openxmlformats.org/officeDocument/2006/math">
+                      <m:sSub>
+                        <m:sSubPr>
+                          <m:ctrlPr>
+                            <a:rPr lang="it-IT" i="1" smtClean="0">
+                              <a:latin typeface="Cambria Math" panose="02040503050406030204" pitchFamily="18" charset="0"/>
+                            </a:rPr>
+                          </m:ctrlPr>
+                        </m:sSubPr>
+                        <m:e>
+                          <m:r>
+                            <a:rPr lang="it-IT" i="1">
+                              <a:latin typeface="Cambria Math" panose="02040503050406030204" pitchFamily="18" charset="0"/>
+                            </a:rPr>
+                            <m:t>𝑑</m:t>
+                          </m:r>
+                        </m:e>
+                        <m:sub>
+                          <m:r>
+                            <a:rPr lang="it-IT" i="1" smtClean="0">
+                              <a:latin typeface="Cambria Math" panose="02040503050406030204" pitchFamily="18" charset="0"/>
+                            </a:rPr>
+                            <m:t>𝑘</m:t>
+                          </m:r>
+                          <m:r>
+                            <a:rPr lang="it-IT" b="0" i="1" smtClean="0">
+                              <a:latin typeface="Cambria Math" panose="02040503050406030204" pitchFamily="18" charset="0"/>
+                            </a:rPr>
+                            <m:t>𝑝</m:t>
+                          </m:r>
+                        </m:sub>
+                      </m:sSub>
+                      <m:r>
+                        <a:rPr lang="it-IT" b="0" i="0" smtClean="0">
+                          <a:latin typeface="Cambria Math" panose="02040503050406030204" pitchFamily="18" charset="0"/>
+                        </a:rPr>
+                        <m:t>=</m:t>
+                      </m:r>
+                      <m:r>
+                        <a:rPr lang="it-IT" b="0" i="0" smtClean="0">
+                          <a:latin typeface="Cambria Math" panose="02040503050406030204" pitchFamily="18" charset="0"/>
+                        </a:rPr>
+                        <m:t>3</m:t>
+                      </m:r>
+                    </m:oMath>
+                  </m:oMathPara>
+                </a14:m>
+                <a:endParaRPr lang="it-IT" dirty="0"/>
+              </a:p>
+            </p:txBody>
+          </p:sp>
+        </mc:Choice>
+        <mc:Fallback>
+          <p:sp>
+            <p:nvSpPr>
+              <p:cNvPr id="19" name="CasellaDiTesto 18">
+                <a:extLst>
+                  <a:ext uri="{FF2B5EF4-FFF2-40B4-BE49-F238E27FC236}">
+                    <a16:creationId xmlns:a16="http://schemas.microsoft.com/office/drawing/2014/main" id="{8EBC1935-0AEC-4487-AF17-F984F8DAA849}"/>
+                  </a:ext>
+                </a:extLst>
+              </p:cNvPr>
+              <p:cNvSpPr txBox="1">
+                <a:spLocks noRot="1" noChangeAspect="1" noMove="1" noResize="1" noEditPoints="1" noAdjustHandles="1" noChangeArrowheads="1" noChangeShapeType="1" noTextEdit="1"/>
+              </p:cNvSpPr>
+              <p:nvPr/>
+            </p:nvSpPr>
+            <p:spPr>
+              <a:xfrm>
+                <a:off x="5503907" y="2948705"/>
+                <a:ext cx="1008724" cy="390748"/>
+              </a:xfrm>
+              <a:prstGeom prst="rect">
+                <a:avLst/>
+              </a:prstGeom>
+              <a:blipFill>
+                <a:blip r:embed="rId6"/>
+                <a:stretch>
+                  <a:fillRect b="-3125"/>
+                </a:stretch>
+              </a:blipFill>
+            </p:spPr>
+            <p:txBody>
+              <a:bodyPr/>
+              <a:lstStyle/>
+              <a:p>
+                <a:r>
+                  <a:rPr lang="it-IT">
+                    <a:noFill/>
+                  </a:rPr>
+                  <a:t> </a:t>
+                </a:r>
+              </a:p>
+            </p:txBody>
+          </p:sp>
+        </mc:Fallback>
+      </mc:AlternateContent>
+    </p:spTree>
+    <p:extLst>
+      <p:ext uri="{BB962C8B-B14F-4D97-AF65-F5344CB8AC3E}">
+        <p14:creationId xmlns:p14="http://schemas.microsoft.com/office/powerpoint/2010/main" val="1078173141"/>
+      </p:ext>
+    </p:extLst>
+  </p:cSld>
+  <p:clrMapOvr>
+    <a:masterClrMapping/>
+  </p:clrMapOvr>
+</p:sld>
+</file>
+
 <file path=ppt/theme/theme1.xml><?xml version="1.0" encoding="utf-8"?>
 <a:theme xmlns:a="http://schemas.openxmlformats.org/drawingml/2006/main" name="Tema di Office">
   <a:themeElements>

--- a/unroteed_tree_created_by_figure_5.pptx
+++ b/unroteed_tree_created_by_figure_5.pptx
@@ -14,6 +14,8 @@
     <p:sldId id="263" r:id="rId8"/>
     <p:sldId id="264" r:id="rId9"/>
     <p:sldId id="265" r:id="rId10"/>
+    <p:sldId id="266" r:id="rId11"/>
+    <p:sldId id="267" r:id="rId12"/>
   </p:sldIdLst>
   <p:sldSz cx="12192000" cy="6858000"/>
   <p:notesSz cx="7102475" cy="10233025"/>
@@ -267,7 +269,7 @@
           <a:p>
             <a:fld id="{CCE3BD62-2273-467C-9F39-ACC154E35B4E}" type="datetimeFigureOut">
               <a:rPr lang="it-IT" smtClean="0"/>
-              <a:t>12/06/2019</a:t>
+              <a:t>14/06/2019</a:t>
             </a:fld>
             <a:endParaRPr lang="it-IT"/>
           </a:p>
@@ -465,7 +467,7 @@
           <a:p>
             <a:fld id="{CCE3BD62-2273-467C-9F39-ACC154E35B4E}" type="datetimeFigureOut">
               <a:rPr lang="it-IT" smtClean="0"/>
-              <a:t>12/06/2019</a:t>
+              <a:t>14/06/2019</a:t>
             </a:fld>
             <a:endParaRPr lang="it-IT"/>
           </a:p>
@@ -673,7 +675,7 @@
           <a:p>
             <a:fld id="{CCE3BD62-2273-467C-9F39-ACC154E35B4E}" type="datetimeFigureOut">
               <a:rPr lang="it-IT" smtClean="0"/>
-              <a:t>12/06/2019</a:t>
+              <a:t>14/06/2019</a:t>
             </a:fld>
             <a:endParaRPr lang="it-IT"/>
           </a:p>
@@ -871,7 +873,7 @@
           <a:p>
             <a:fld id="{CCE3BD62-2273-467C-9F39-ACC154E35B4E}" type="datetimeFigureOut">
               <a:rPr lang="it-IT" smtClean="0"/>
-              <a:t>12/06/2019</a:t>
+              <a:t>14/06/2019</a:t>
             </a:fld>
             <a:endParaRPr lang="it-IT"/>
           </a:p>
@@ -1146,7 +1148,7 @@
           <a:p>
             <a:fld id="{CCE3BD62-2273-467C-9F39-ACC154E35B4E}" type="datetimeFigureOut">
               <a:rPr lang="it-IT" smtClean="0"/>
-              <a:t>12/06/2019</a:t>
+              <a:t>14/06/2019</a:t>
             </a:fld>
             <a:endParaRPr lang="it-IT"/>
           </a:p>
@@ -1411,7 +1413,7 @@
           <a:p>
             <a:fld id="{CCE3BD62-2273-467C-9F39-ACC154E35B4E}" type="datetimeFigureOut">
               <a:rPr lang="it-IT" smtClean="0"/>
-              <a:t>12/06/2019</a:t>
+              <a:t>14/06/2019</a:t>
             </a:fld>
             <a:endParaRPr lang="it-IT"/>
           </a:p>
@@ -1823,7 +1825,7 @@
           <a:p>
             <a:fld id="{CCE3BD62-2273-467C-9F39-ACC154E35B4E}" type="datetimeFigureOut">
               <a:rPr lang="it-IT" smtClean="0"/>
-              <a:t>12/06/2019</a:t>
+              <a:t>14/06/2019</a:t>
             </a:fld>
             <a:endParaRPr lang="it-IT"/>
           </a:p>
@@ -1964,7 +1966,7 @@
           <a:p>
             <a:fld id="{CCE3BD62-2273-467C-9F39-ACC154E35B4E}" type="datetimeFigureOut">
               <a:rPr lang="it-IT" smtClean="0"/>
-              <a:t>12/06/2019</a:t>
+              <a:t>14/06/2019</a:t>
             </a:fld>
             <a:endParaRPr lang="it-IT"/>
           </a:p>
@@ -2077,7 +2079,7 @@
           <a:p>
             <a:fld id="{CCE3BD62-2273-467C-9F39-ACC154E35B4E}" type="datetimeFigureOut">
               <a:rPr lang="it-IT" smtClean="0"/>
-              <a:t>12/06/2019</a:t>
+              <a:t>14/06/2019</a:t>
             </a:fld>
             <a:endParaRPr lang="it-IT"/>
           </a:p>
@@ -2388,7 +2390,7 @@
           <a:p>
             <a:fld id="{CCE3BD62-2273-467C-9F39-ACC154E35B4E}" type="datetimeFigureOut">
               <a:rPr lang="it-IT" smtClean="0"/>
-              <a:t>12/06/2019</a:t>
+              <a:t>14/06/2019</a:t>
             </a:fld>
             <a:endParaRPr lang="it-IT"/>
           </a:p>
@@ -2676,7 +2678,7 @@
           <a:p>
             <a:fld id="{CCE3BD62-2273-467C-9F39-ACC154E35B4E}" type="datetimeFigureOut">
               <a:rPr lang="it-IT" smtClean="0"/>
-              <a:t>12/06/2019</a:t>
+              <a:t>14/06/2019</a:t>
             </a:fld>
             <a:endParaRPr lang="it-IT"/>
           </a:p>
@@ -2917,7 +2919,7 @@
           <a:p>
             <a:fld id="{CCE3BD62-2273-467C-9F39-ACC154E35B4E}" type="datetimeFigureOut">
               <a:rPr lang="it-IT" smtClean="0"/>
-              <a:t>12/06/2019</a:t>
+              <a:t>14/06/2019</a:t>
             </a:fld>
             <a:endParaRPr lang="it-IT"/>
           </a:p>
@@ -4196,6 +4198,1542 @@
     <p:extLst>
       <p:ext uri="{BB962C8B-B14F-4D97-AF65-F5344CB8AC3E}">
         <p14:creationId xmlns:p14="http://schemas.microsoft.com/office/powerpoint/2010/main" val="1181397026"/>
+      </p:ext>
+    </p:extLst>
+  </p:cSld>
+  <p:clrMapOvr>
+    <a:masterClrMapping/>
+  </p:clrMapOvr>
+</p:sld>
+</file>
+
+<file path=ppt/slides/slide10.xml><?xml version="1.0" encoding="utf-8"?>
+<p:sld xmlns:a="http://schemas.openxmlformats.org/drawingml/2006/main" xmlns:r="http://schemas.openxmlformats.org/officeDocument/2006/relationships" xmlns:p="http://schemas.openxmlformats.org/presentationml/2006/main">
+  <p:cSld>
+    <p:spTree>
+      <p:nvGrpSpPr>
+        <p:cNvPr id="1" name=""/>
+        <p:cNvGrpSpPr/>
+        <p:nvPr/>
+      </p:nvGrpSpPr>
+      <p:grpSpPr>
+        <a:xfrm>
+          <a:off x="0" y="0"/>
+          <a:ext cx="0" cy="0"/>
+          <a:chOff x="0" y="0"/>
+          <a:chExt cx="0" cy="0"/>
+        </a:xfrm>
+      </p:grpSpPr>
+      <p:cxnSp>
+        <p:nvCxnSpPr>
+          <p:cNvPr id="16" name="Connettore diritto 15">
+            <a:extLst>
+              <a:ext uri="{FF2B5EF4-FFF2-40B4-BE49-F238E27FC236}">
+                <a16:creationId xmlns:a16="http://schemas.microsoft.com/office/drawing/2014/main" id="{8268FD8E-4824-404F-A1F5-D6DA2BBBD26C}"/>
+              </a:ext>
+            </a:extLst>
+          </p:cNvPr>
+          <p:cNvCxnSpPr>
+            <a:cxnSpLocks/>
+          </p:cNvCxnSpPr>
+          <p:nvPr/>
+        </p:nvCxnSpPr>
+        <p:spPr>
+          <a:xfrm flipV="1">
+            <a:off x="5044261" y="3333601"/>
+            <a:ext cx="2069629" cy="14558"/>
+          </a:xfrm>
+          <a:prstGeom prst="line">
+            <a:avLst/>
+          </a:prstGeom>
+          <a:ln>
+            <a:headEnd type="none" w="med" len="med"/>
+            <a:tailEnd type="none" w="med" len="med"/>
+          </a:ln>
+        </p:spPr>
+        <p:style>
+          <a:lnRef idx="3">
+            <a:schemeClr val="dk1"/>
+          </a:lnRef>
+          <a:fillRef idx="0">
+            <a:schemeClr val="dk1"/>
+          </a:fillRef>
+          <a:effectRef idx="2">
+            <a:schemeClr val="dk1"/>
+          </a:effectRef>
+          <a:fontRef idx="minor">
+            <a:schemeClr val="tx1"/>
+          </a:fontRef>
+        </p:style>
+      </p:cxnSp>
+      <p:cxnSp>
+        <p:nvCxnSpPr>
+          <p:cNvPr id="28" name="Connettore diritto 27">
+            <a:extLst>
+              <a:ext uri="{FF2B5EF4-FFF2-40B4-BE49-F238E27FC236}">
+                <a16:creationId xmlns:a16="http://schemas.microsoft.com/office/drawing/2014/main" id="{A1376592-4F22-421E-90D4-70499545155C}"/>
+              </a:ext>
+            </a:extLst>
+          </p:cNvPr>
+          <p:cNvCxnSpPr>
+            <a:cxnSpLocks/>
+          </p:cNvCxnSpPr>
+          <p:nvPr/>
+        </p:nvCxnSpPr>
+        <p:spPr>
+          <a:xfrm>
+            <a:off x="3379048" y="1966273"/>
+            <a:ext cx="1697205" cy="1351764"/>
+          </a:xfrm>
+          <a:prstGeom prst="line">
+            <a:avLst/>
+          </a:prstGeom>
+          <a:ln>
+            <a:headEnd type="none" w="med" len="med"/>
+            <a:tailEnd type="none" w="med" len="med"/>
+          </a:ln>
+        </p:spPr>
+        <p:style>
+          <a:lnRef idx="3">
+            <a:schemeClr val="dk1"/>
+          </a:lnRef>
+          <a:fillRef idx="0">
+            <a:schemeClr val="dk1"/>
+          </a:fillRef>
+          <a:effectRef idx="2">
+            <a:schemeClr val="dk1"/>
+          </a:effectRef>
+          <a:fontRef idx="minor">
+            <a:schemeClr val="tx1"/>
+          </a:fontRef>
+        </p:style>
+      </p:cxnSp>
+      <p:cxnSp>
+        <p:nvCxnSpPr>
+          <p:cNvPr id="26" name="Connettore diritto 25">
+            <a:extLst>
+              <a:ext uri="{FF2B5EF4-FFF2-40B4-BE49-F238E27FC236}">
+                <a16:creationId xmlns:a16="http://schemas.microsoft.com/office/drawing/2014/main" id="{E37A84F6-B55A-4468-B75F-679898CB2FC0}"/>
+              </a:ext>
+            </a:extLst>
+          </p:cNvPr>
+          <p:cNvCxnSpPr>
+            <a:cxnSpLocks/>
+          </p:cNvCxnSpPr>
+          <p:nvPr/>
+        </p:nvCxnSpPr>
+        <p:spPr>
+          <a:xfrm flipV="1">
+            <a:off x="3379048" y="3348158"/>
+            <a:ext cx="1652431" cy="1344655"/>
+          </a:xfrm>
+          <a:prstGeom prst="line">
+            <a:avLst/>
+          </a:prstGeom>
+          <a:ln>
+            <a:headEnd type="none" w="med" len="med"/>
+            <a:tailEnd type="none" w="med" len="med"/>
+          </a:ln>
+        </p:spPr>
+        <p:style>
+          <a:lnRef idx="3">
+            <a:schemeClr val="dk1"/>
+          </a:lnRef>
+          <a:fillRef idx="0">
+            <a:schemeClr val="dk1"/>
+          </a:fillRef>
+          <a:effectRef idx="2">
+            <a:schemeClr val="dk1"/>
+          </a:effectRef>
+          <a:fontRef idx="minor">
+            <a:schemeClr val="tx1"/>
+          </a:fontRef>
+        </p:style>
+      </p:cxnSp>
+      <p:cxnSp>
+        <p:nvCxnSpPr>
+          <p:cNvPr id="25" name="Connettore diritto 24">
+            <a:extLst>
+              <a:ext uri="{FF2B5EF4-FFF2-40B4-BE49-F238E27FC236}">
+                <a16:creationId xmlns:a16="http://schemas.microsoft.com/office/drawing/2014/main" id="{77F49E93-79D8-476D-B5F7-01377E381AA1}"/>
+              </a:ext>
+            </a:extLst>
+          </p:cNvPr>
+          <p:cNvCxnSpPr>
+            <a:cxnSpLocks/>
+          </p:cNvCxnSpPr>
+          <p:nvPr/>
+        </p:nvCxnSpPr>
+        <p:spPr>
+          <a:xfrm>
+            <a:off x="7069116" y="3320572"/>
+            <a:ext cx="1700170" cy="1381886"/>
+          </a:xfrm>
+          <a:prstGeom prst="line">
+            <a:avLst/>
+          </a:prstGeom>
+          <a:ln/>
+        </p:spPr>
+        <p:style>
+          <a:lnRef idx="3">
+            <a:schemeClr val="dk1"/>
+          </a:lnRef>
+          <a:fillRef idx="0">
+            <a:schemeClr val="dk1"/>
+          </a:fillRef>
+          <a:effectRef idx="2">
+            <a:schemeClr val="dk1"/>
+          </a:effectRef>
+          <a:fontRef idx="minor">
+            <a:schemeClr val="tx1"/>
+          </a:fontRef>
+        </p:style>
+      </p:cxnSp>
+      <p:cxnSp>
+        <p:nvCxnSpPr>
+          <p:cNvPr id="23" name="Connettore diritto 22">
+            <a:extLst>
+              <a:ext uri="{FF2B5EF4-FFF2-40B4-BE49-F238E27FC236}">
+                <a16:creationId xmlns:a16="http://schemas.microsoft.com/office/drawing/2014/main" id="{FDA6CBB9-9AF0-4020-9652-FBEA53DB49A8}"/>
+              </a:ext>
+            </a:extLst>
+          </p:cNvPr>
+          <p:cNvCxnSpPr>
+            <a:cxnSpLocks/>
+          </p:cNvCxnSpPr>
+          <p:nvPr/>
+        </p:nvCxnSpPr>
+        <p:spPr>
+          <a:xfrm flipH="1">
+            <a:off x="7066155" y="1938687"/>
+            <a:ext cx="1703134" cy="1381885"/>
+          </a:xfrm>
+          <a:prstGeom prst="line">
+            <a:avLst/>
+          </a:prstGeom>
+          <a:ln/>
+        </p:spPr>
+        <p:style>
+          <a:lnRef idx="3">
+            <a:schemeClr val="dk1"/>
+          </a:lnRef>
+          <a:fillRef idx="0">
+            <a:schemeClr val="dk1"/>
+          </a:fillRef>
+          <a:effectRef idx="2">
+            <a:schemeClr val="dk1"/>
+          </a:effectRef>
+          <a:fontRef idx="minor">
+            <a:schemeClr val="tx1"/>
+          </a:fontRef>
+        </p:style>
+      </p:cxnSp>
+      <p:sp>
+        <p:nvSpPr>
+          <p:cNvPr id="9" name="Ovale 8">
+            <a:extLst>
+              <a:ext uri="{FF2B5EF4-FFF2-40B4-BE49-F238E27FC236}">
+                <a16:creationId xmlns:a16="http://schemas.microsoft.com/office/drawing/2014/main" id="{E1CD858E-A9AC-498F-B0ED-9337B0DBAC7D}"/>
+              </a:ext>
+            </a:extLst>
+          </p:cNvPr>
+          <p:cNvSpPr/>
+          <p:nvPr/>
+        </p:nvSpPr>
+        <p:spPr>
+          <a:xfrm>
+            <a:off x="6796477" y="3064708"/>
+            <a:ext cx="545285" cy="511729"/>
+          </a:xfrm>
+          <a:prstGeom prst="ellipse">
+            <a:avLst/>
+          </a:prstGeom>
+          <a:solidFill>
+            <a:schemeClr val="bg2">
+              <a:lumMod val="50000"/>
+            </a:schemeClr>
+          </a:solidFill>
+          <a:ln>
+            <a:solidFill>
+              <a:schemeClr val="tx1">
+                <a:lumMod val="85000"/>
+                <a:lumOff val="15000"/>
+              </a:schemeClr>
+            </a:solidFill>
+          </a:ln>
+        </p:spPr>
+        <p:style>
+          <a:lnRef idx="2">
+            <a:schemeClr val="accent1">
+              <a:shade val="50000"/>
+            </a:schemeClr>
+          </a:lnRef>
+          <a:fillRef idx="1">
+            <a:schemeClr val="accent1"/>
+          </a:fillRef>
+          <a:effectRef idx="0">
+            <a:schemeClr val="accent1"/>
+          </a:effectRef>
+          <a:fontRef idx="minor">
+            <a:schemeClr val="lt1"/>
+          </a:fontRef>
+        </p:style>
+        <p:txBody>
+          <a:bodyPr rtlCol="0" anchor="ctr"/>
+          <a:lstStyle/>
+          <a:p>
+            <a:pPr algn="ctr"/>
+            <a:r>
+              <a:rPr lang="it-IT" sz="2400" i="1" dirty="0"/>
+              <a:t>k</a:t>
+            </a:r>
+          </a:p>
+        </p:txBody>
+      </p:sp>
+      <p:sp>
+        <p:nvSpPr>
+          <p:cNvPr id="10" name="Ovale 9">
+            <a:extLst>
+              <a:ext uri="{FF2B5EF4-FFF2-40B4-BE49-F238E27FC236}">
+                <a16:creationId xmlns:a16="http://schemas.microsoft.com/office/drawing/2014/main" id="{87F835B7-821B-4C37-9ABF-E05F9D123497}"/>
+              </a:ext>
+            </a:extLst>
+          </p:cNvPr>
+          <p:cNvSpPr/>
+          <p:nvPr/>
+        </p:nvSpPr>
+        <p:spPr>
+          <a:xfrm>
+            <a:off x="8496647" y="4407584"/>
+            <a:ext cx="545285" cy="511729"/>
+          </a:xfrm>
+          <a:prstGeom prst="ellipse">
+            <a:avLst/>
+          </a:prstGeom>
+          <a:solidFill>
+            <a:schemeClr val="bg2">
+              <a:lumMod val="50000"/>
+            </a:schemeClr>
+          </a:solidFill>
+          <a:ln>
+            <a:solidFill>
+              <a:schemeClr val="tx1">
+                <a:lumMod val="85000"/>
+                <a:lumOff val="15000"/>
+              </a:schemeClr>
+            </a:solidFill>
+          </a:ln>
+        </p:spPr>
+        <p:style>
+          <a:lnRef idx="2">
+            <a:schemeClr val="accent1">
+              <a:shade val="50000"/>
+            </a:schemeClr>
+          </a:lnRef>
+          <a:fillRef idx="1">
+            <a:schemeClr val="accent1"/>
+          </a:fillRef>
+          <a:effectRef idx="0">
+            <a:schemeClr val="accent1"/>
+          </a:effectRef>
+          <a:fontRef idx="minor">
+            <a:schemeClr val="lt1"/>
+          </a:fontRef>
+        </p:style>
+        <p:txBody>
+          <a:bodyPr rtlCol="0" anchor="ctr"/>
+          <a:lstStyle/>
+          <a:p>
+            <a:pPr algn="ctr"/>
+            <a:r>
+              <a:rPr lang="it-IT" sz="2400" dirty="0"/>
+              <a:t>s</a:t>
+            </a:r>
+          </a:p>
+        </p:txBody>
+      </p:sp>
+      <p:sp>
+        <p:nvSpPr>
+          <p:cNvPr id="11" name="Ovale 10">
+            <a:extLst>
+              <a:ext uri="{FF2B5EF4-FFF2-40B4-BE49-F238E27FC236}">
+                <a16:creationId xmlns:a16="http://schemas.microsoft.com/office/drawing/2014/main" id="{D5EFBF8E-3097-4D14-871D-D0818153B3B1}"/>
+              </a:ext>
+            </a:extLst>
+          </p:cNvPr>
+          <p:cNvSpPr/>
+          <p:nvPr/>
+        </p:nvSpPr>
+        <p:spPr>
+          <a:xfrm>
+            <a:off x="8496647" y="1682823"/>
+            <a:ext cx="545285" cy="511729"/>
+          </a:xfrm>
+          <a:prstGeom prst="ellipse">
+            <a:avLst/>
+          </a:prstGeom>
+          <a:solidFill>
+            <a:schemeClr val="bg2">
+              <a:lumMod val="50000"/>
+            </a:schemeClr>
+          </a:solidFill>
+          <a:ln>
+            <a:solidFill>
+              <a:schemeClr val="tx1">
+                <a:lumMod val="85000"/>
+                <a:lumOff val="15000"/>
+              </a:schemeClr>
+            </a:solidFill>
+          </a:ln>
+        </p:spPr>
+        <p:style>
+          <a:lnRef idx="2">
+            <a:schemeClr val="accent1">
+              <a:shade val="50000"/>
+            </a:schemeClr>
+          </a:lnRef>
+          <a:fillRef idx="1">
+            <a:schemeClr val="accent1"/>
+          </a:fillRef>
+          <a:effectRef idx="0">
+            <a:schemeClr val="accent1"/>
+          </a:effectRef>
+          <a:fontRef idx="minor">
+            <a:schemeClr val="lt1"/>
+          </a:fontRef>
+        </p:style>
+        <p:txBody>
+          <a:bodyPr rtlCol="0" anchor="ctr"/>
+          <a:lstStyle/>
+          <a:p>
+            <a:pPr algn="ctr"/>
+            <a:r>
+              <a:rPr lang="it-IT" sz="2400" dirty="0"/>
+              <a:t>u</a:t>
+            </a:r>
+          </a:p>
+        </p:txBody>
+      </p:sp>
+      <mc:AlternateContent xmlns:mc="http://schemas.openxmlformats.org/markup-compatibility/2006" xmlns:a14="http://schemas.microsoft.com/office/drawing/2010/main">
+        <mc:Choice Requires="a14">
+          <p:sp>
+            <p:nvSpPr>
+              <p:cNvPr id="34" name="CasellaDiTesto 33">
+                <a:extLst>
+                  <a:ext uri="{FF2B5EF4-FFF2-40B4-BE49-F238E27FC236}">
+                    <a16:creationId xmlns:a16="http://schemas.microsoft.com/office/drawing/2014/main" id="{3043EDF5-0856-4F39-8192-5232679663C3}"/>
+                  </a:ext>
+                </a:extLst>
+              </p:cNvPr>
+              <p:cNvSpPr txBox="1"/>
+              <p:nvPr/>
+            </p:nvSpPr>
+            <p:spPr>
+              <a:xfrm rot="19256206">
+                <a:off x="7382285" y="2207932"/>
+                <a:ext cx="1008724" cy="369332"/>
+              </a:xfrm>
+              <a:prstGeom prst="rect">
+                <a:avLst/>
+              </a:prstGeom>
+              <a:noFill/>
+            </p:spPr>
+            <p:txBody>
+              <a:bodyPr wrap="square" rtlCol="0">
+                <a:spAutoFit/>
+              </a:bodyPr>
+              <a:lstStyle/>
+              <a:p>
+                <a:pPr/>
+                <a14:m>
+                  <m:oMathPara xmlns:m="http://schemas.openxmlformats.org/officeDocument/2006/math">
+                    <m:oMathParaPr>
+                      <m:jc m:val="centerGroup"/>
+                    </m:oMathParaPr>
+                    <m:oMath xmlns:m="http://schemas.openxmlformats.org/officeDocument/2006/math">
+                      <m:r>
+                        <a:rPr lang="it-IT" i="1" smtClean="0">
+                          <a:latin typeface="Cambria Math" panose="02040503050406030204" pitchFamily="18" charset="0"/>
+                        </a:rPr>
+                        <m:t>6</m:t>
+                      </m:r>
+                    </m:oMath>
+                  </m:oMathPara>
+                </a14:m>
+                <a:endParaRPr lang="it-IT" dirty="0"/>
+              </a:p>
+            </p:txBody>
+          </p:sp>
+        </mc:Choice>
+        <mc:Fallback xmlns="">
+          <p:sp>
+            <p:nvSpPr>
+              <p:cNvPr id="34" name="CasellaDiTesto 33">
+                <a:extLst>
+                  <a:ext uri="{FF2B5EF4-FFF2-40B4-BE49-F238E27FC236}">
+                    <a16:creationId xmlns:a16="http://schemas.microsoft.com/office/drawing/2014/main" id="{3043EDF5-0856-4F39-8192-5232679663C3}"/>
+                  </a:ext>
+                </a:extLst>
+              </p:cNvPr>
+              <p:cNvSpPr txBox="1">
+                <a:spLocks noRot="1" noChangeAspect="1" noMove="1" noResize="1" noEditPoints="1" noAdjustHandles="1" noChangeArrowheads="1" noChangeShapeType="1" noTextEdit="1"/>
+              </p:cNvSpPr>
+              <p:nvPr/>
+            </p:nvSpPr>
+            <p:spPr>
+              <a:xfrm rot="19256206">
+                <a:off x="7382285" y="2207932"/>
+                <a:ext cx="1008724" cy="369332"/>
+              </a:xfrm>
+              <a:prstGeom prst="rect">
+                <a:avLst/>
+              </a:prstGeom>
+              <a:blipFill>
+                <a:blip r:embed="rId2"/>
+                <a:stretch>
+                  <a:fillRect/>
+                </a:stretch>
+              </a:blipFill>
+            </p:spPr>
+            <p:txBody>
+              <a:bodyPr/>
+              <a:lstStyle/>
+              <a:p>
+                <a:r>
+                  <a:rPr lang="it-IT">
+                    <a:noFill/>
+                  </a:rPr>
+                  <a:t> </a:t>
+                </a:r>
+              </a:p>
+            </p:txBody>
+          </p:sp>
+        </mc:Fallback>
+      </mc:AlternateContent>
+      <p:sp>
+        <p:nvSpPr>
+          <p:cNvPr id="21" name="Ovale 20">
+            <a:extLst>
+              <a:ext uri="{FF2B5EF4-FFF2-40B4-BE49-F238E27FC236}">
+                <a16:creationId xmlns:a16="http://schemas.microsoft.com/office/drawing/2014/main" id="{DBFB74D1-6E3E-4A26-8043-72ACF18E20E5}"/>
+              </a:ext>
+            </a:extLst>
+          </p:cNvPr>
+          <p:cNvSpPr/>
+          <p:nvPr/>
+        </p:nvSpPr>
+        <p:spPr>
+          <a:xfrm>
+            <a:off x="3061509" y="1680288"/>
+            <a:ext cx="545285" cy="511729"/>
+          </a:xfrm>
+          <a:prstGeom prst="ellipse">
+            <a:avLst/>
+          </a:prstGeom>
+          <a:solidFill>
+            <a:schemeClr val="bg2">
+              <a:lumMod val="50000"/>
+            </a:schemeClr>
+          </a:solidFill>
+          <a:ln>
+            <a:solidFill>
+              <a:schemeClr val="tx1">
+                <a:lumMod val="85000"/>
+                <a:lumOff val="15000"/>
+              </a:schemeClr>
+            </a:solidFill>
+          </a:ln>
+        </p:spPr>
+        <p:style>
+          <a:lnRef idx="2">
+            <a:schemeClr val="accent1">
+              <a:shade val="50000"/>
+            </a:schemeClr>
+          </a:lnRef>
+          <a:fillRef idx="1">
+            <a:schemeClr val="accent1"/>
+          </a:fillRef>
+          <a:effectRef idx="0">
+            <a:schemeClr val="accent1"/>
+          </a:effectRef>
+          <a:fontRef idx="minor">
+            <a:schemeClr val="lt1"/>
+          </a:fontRef>
+        </p:style>
+        <p:txBody>
+          <a:bodyPr rtlCol="0" anchor="ctr"/>
+          <a:lstStyle/>
+          <a:p>
+            <a:pPr algn="ctr"/>
+            <a:r>
+              <a:rPr lang="it-IT" sz="2400" dirty="0"/>
+              <a:t>f</a:t>
+            </a:r>
+          </a:p>
+        </p:txBody>
+      </p:sp>
+      <p:sp>
+        <p:nvSpPr>
+          <p:cNvPr id="22" name="Ovale 21">
+            <a:extLst>
+              <a:ext uri="{FF2B5EF4-FFF2-40B4-BE49-F238E27FC236}">
+                <a16:creationId xmlns:a16="http://schemas.microsoft.com/office/drawing/2014/main" id="{FC5B5791-4100-46D0-8B8B-DCCDC0EC40EC}"/>
+              </a:ext>
+            </a:extLst>
+          </p:cNvPr>
+          <p:cNvSpPr/>
+          <p:nvPr/>
+        </p:nvSpPr>
+        <p:spPr>
+          <a:xfrm>
+            <a:off x="3061510" y="4420998"/>
+            <a:ext cx="545285" cy="511729"/>
+          </a:xfrm>
+          <a:prstGeom prst="ellipse">
+            <a:avLst/>
+          </a:prstGeom>
+          <a:solidFill>
+            <a:schemeClr val="bg2">
+              <a:lumMod val="50000"/>
+            </a:schemeClr>
+          </a:solidFill>
+          <a:ln>
+            <a:solidFill>
+              <a:schemeClr val="tx1">
+                <a:lumMod val="85000"/>
+                <a:lumOff val="15000"/>
+              </a:schemeClr>
+            </a:solidFill>
+          </a:ln>
+        </p:spPr>
+        <p:style>
+          <a:lnRef idx="2">
+            <a:schemeClr val="accent1">
+              <a:shade val="50000"/>
+            </a:schemeClr>
+          </a:lnRef>
+          <a:fillRef idx="1">
+            <a:schemeClr val="accent1"/>
+          </a:fillRef>
+          <a:effectRef idx="0">
+            <a:schemeClr val="accent1"/>
+          </a:effectRef>
+          <a:fontRef idx="minor">
+            <a:schemeClr val="lt1"/>
+          </a:fontRef>
+        </p:style>
+        <p:txBody>
+          <a:bodyPr rtlCol="0" anchor="ctr"/>
+          <a:lstStyle/>
+          <a:p>
+            <a:pPr algn="ctr"/>
+            <a:r>
+              <a:rPr lang="it-IT" sz="2400" dirty="0"/>
+              <a:t>b</a:t>
+            </a:r>
+          </a:p>
+        </p:txBody>
+      </p:sp>
+      <mc:AlternateContent xmlns:mc="http://schemas.openxmlformats.org/markup-compatibility/2006" xmlns:a14="http://schemas.microsoft.com/office/drawing/2010/main">
+        <mc:Choice Requires="a14">
+          <p:sp>
+            <p:nvSpPr>
+              <p:cNvPr id="20" name="CasellaDiTesto 19">
+                <a:extLst>
+                  <a:ext uri="{FF2B5EF4-FFF2-40B4-BE49-F238E27FC236}">
+                    <a16:creationId xmlns:a16="http://schemas.microsoft.com/office/drawing/2014/main" id="{AEC37D64-B461-4739-B615-49B84BD77AC6}"/>
+                  </a:ext>
+                </a:extLst>
+              </p:cNvPr>
+              <p:cNvSpPr txBox="1"/>
+              <p:nvPr/>
+            </p:nvSpPr>
+            <p:spPr>
+              <a:xfrm rot="2308727">
+                <a:off x="7254652" y="3930045"/>
+                <a:ext cx="1008724" cy="369332"/>
+              </a:xfrm>
+              <a:prstGeom prst="rect">
+                <a:avLst/>
+              </a:prstGeom>
+              <a:noFill/>
+            </p:spPr>
+            <p:txBody>
+              <a:bodyPr wrap="square" rtlCol="0">
+                <a:spAutoFit/>
+              </a:bodyPr>
+              <a:lstStyle/>
+              <a:p>
+                <a:pPr/>
+                <a14:m>
+                  <m:oMathPara xmlns:m="http://schemas.openxmlformats.org/officeDocument/2006/math">
+                    <m:oMathParaPr>
+                      <m:jc m:val="centerGroup"/>
+                    </m:oMathParaPr>
+                    <m:oMath xmlns:m="http://schemas.openxmlformats.org/officeDocument/2006/math">
+                      <m:r>
+                        <a:rPr lang="it-IT" i="1" smtClean="0">
+                          <a:latin typeface="Cambria Math" panose="02040503050406030204" pitchFamily="18" charset="0"/>
+                        </a:rPr>
+                        <m:t>7</m:t>
+                      </m:r>
+                    </m:oMath>
+                  </m:oMathPara>
+                </a14:m>
+                <a:endParaRPr lang="it-IT" dirty="0"/>
+              </a:p>
+            </p:txBody>
+          </p:sp>
+        </mc:Choice>
+        <mc:Fallback xmlns="">
+          <p:sp>
+            <p:nvSpPr>
+              <p:cNvPr id="20" name="CasellaDiTesto 19">
+                <a:extLst>
+                  <a:ext uri="{FF2B5EF4-FFF2-40B4-BE49-F238E27FC236}">
+                    <a16:creationId xmlns:a16="http://schemas.microsoft.com/office/drawing/2014/main" id="{AEC37D64-B461-4739-B615-49B84BD77AC6}"/>
+                  </a:ext>
+                </a:extLst>
+              </p:cNvPr>
+              <p:cNvSpPr txBox="1">
+                <a:spLocks noRot="1" noChangeAspect="1" noMove="1" noResize="1" noEditPoints="1" noAdjustHandles="1" noChangeArrowheads="1" noChangeShapeType="1" noTextEdit="1"/>
+              </p:cNvSpPr>
+              <p:nvPr/>
+            </p:nvSpPr>
+            <p:spPr>
+              <a:xfrm rot="2308727">
+                <a:off x="7254652" y="3930045"/>
+                <a:ext cx="1008724" cy="369332"/>
+              </a:xfrm>
+              <a:prstGeom prst="rect">
+                <a:avLst/>
+              </a:prstGeom>
+              <a:blipFill>
+                <a:blip r:embed="rId3"/>
+                <a:stretch>
+                  <a:fillRect/>
+                </a:stretch>
+              </a:blipFill>
+            </p:spPr>
+            <p:txBody>
+              <a:bodyPr/>
+              <a:lstStyle/>
+              <a:p>
+                <a:r>
+                  <a:rPr lang="it-IT">
+                    <a:noFill/>
+                  </a:rPr>
+                  <a:t> </a:t>
+                </a:r>
+              </a:p>
+            </p:txBody>
+          </p:sp>
+        </mc:Fallback>
+      </mc:AlternateContent>
+      <mc:AlternateContent xmlns:mc="http://schemas.openxmlformats.org/markup-compatibility/2006" xmlns:a14="http://schemas.microsoft.com/office/drawing/2010/main">
+        <mc:Choice Requires="a14">
+          <p:sp>
+            <p:nvSpPr>
+              <p:cNvPr id="29" name="CasellaDiTesto 28">
+                <a:extLst>
+                  <a:ext uri="{FF2B5EF4-FFF2-40B4-BE49-F238E27FC236}">
+                    <a16:creationId xmlns:a16="http://schemas.microsoft.com/office/drawing/2014/main" id="{26FB9E63-3C7F-4DFC-89B8-1BCB92421E64}"/>
+                  </a:ext>
+                </a:extLst>
+              </p:cNvPr>
+              <p:cNvSpPr txBox="1"/>
+              <p:nvPr/>
+            </p:nvSpPr>
+            <p:spPr>
+              <a:xfrm rot="19256206">
+                <a:off x="3949240" y="3940373"/>
+                <a:ext cx="1008724" cy="369332"/>
+              </a:xfrm>
+              <a:prstGeom prst="rect">
+                <a:avLst/>
+              </a:prstGeom>
+              <a:noFill/>
+            </p:spPr>
+            <p:txBody>
+              <a:bodyPr wrap="square" rtlCol="0">
+                <a:spAutoFit/>
+              </a:bodyPr>
+              <a:lstStyle/>
+              <a:p>
+                <a:pPr/>
+                <a14:m>
+                  <m:oMathPara xmlns:m="http://schemas.openxmlformats.org/officeDocument/2006/math">
+                    <m:oMathParaPr>
+                      <m:jc m:val="centerGroup"/>
+                    </m:oMathParaPr>
+                    <m:oMath xmlns:m="http://schemas.openxmlformats.org/officeDocument/2006/math">
+                      <m:r>
+                        <a:rPr lang="it-IT" i="1" smtClean="0">
+                          <a:latin typeface="Cambria Math" panose="02040503050406030204" pitchFamily="18" charset="0"/>
+                        </a:rPr>
+                        <m:t>2</m:t>
+                      </m:r>
+                    </m:oMath>
+                  </m:oMathPara>
+                </a14:m>
+                <a:endParaRPr lang="it-IT" dirty="0"/>
+              </a:p>
+            </p:txBody>
+          </p:sp>
+        </mc:Choice>
+        <mc:Fallback xmlns="">
+          <p:sp>
+            <p:nvSpPr>
+              <p:cNvPr id="29" name="CasellaDiTesto 28">
+                <a:extLst>
+                  <a:ext uri="{FF2B5EF4-FFF2-40B4-BE49-F238E27FC236}">
+                    <a16:creationId xmlns:a16="http://schemas.microsoft.com/office/drawing/2014/main" id="{26FB9E63-3C7F-4DFC-89B8-1BCB92421E64}"/>
+                  </a:ext>
+                </a:extLst>
+              </p:cNvPr>
+              <p:cNvSpPr txBox="1">
+                <a:spLocks noRot="1" noChangeAspect="1" noMove="1" noResize="1" noEditPoints="1" noAdjustHandles="1" noChangeArrowheads="1" noChangeShapeType="1" noTextEdit="1"/>
+              </p:cNvSpPr>
+              <p:nvPr/>
+            </p:nvSpPr>
+            <p:spPr>
+              <a:xfrm rot="19256206">
+                <a:off x="3949240" y="3940373"/>
+                <a:ext cx="1008724" cy="369332"/>
+              </a:xfrm>
+              <a:prstGeom prst="rect">
+                <a:avLst/>
+              </a:prstGeom>
+              <a:blipFill>
+                <a:blip r:embed="rId4"/>
+                <a:stretch>
+                  <a:fillRect/>
+                </a:stretch>
+              </a:blipFill>
+            </p:spPr>
+            <p:txBody>
+              <a:bodyPr/>
+              <a:lstStyle/>
+              <a:p>
+                <a:r>
+                  <a:rPr lang="it-IT">
+                    <a:noFill/>
+                  </a:rPr>
+                  <a:t> </a:t>
+                </a:r>
+              </a:p>
+            </p:txBody>
+          </p:sp>
+        </mc:Fallback>
+      </mc:AlternateContent>
+      <mc:AlternateContent xmlns:mc="http://schemas.openxmlformats.org/markup-compatibility/2006" xmlns:a14="http://schemas.microsoft.com/office/drawing/2010/main">
+        <mc:Choice Requires="a14">
+          <p:sp>
+            <p:nvSpPr>
+              <p:cNvPr id="30" name="CasellaDiTesto 29">
+                <a:extLst>
+                  <a:ext uri="{FF2B5EF4-FFF2-40B4-BE49-F238E27FC236}">
+                    <a16:creationId xmlns:a16="http://schemas.microsoft.com/office/drawing/2014/main" id="{06F43F6E-0131-4A91-B0C7-9E49F1C1C82A}"/>
+                  </a:ext>
+                </a:extLst>
+              </p:cNvPr>
+              <p:cNvSpPr txBox="1"/>
+              <p:nvPr/>
+            </p:nvSpPr>
+            <p:spPr>
+              <a:xfrm rot="2308727">
+                <a:off x="3782847" y="2224434"/>
+                <a:ext cx="1008724" cy="369332"/>
+              </a:xfrm>
+              <a:prstGeom prst="rect">
+                <a:avLst/>
+              </a:prstGeom>
+              <a:noFill/>
+            </p:spPr>
+            <p:txBody>
+              <a:bodyPr wrap="square" rtlCol="0">
+                <a:spAutoFit/>
+              </a:bodyPr>
+              <a:lstStyle/>
+              <a:p>
+                <a:pPr/>
+                <a14:m>
+                  <m:oMathPara xmlns:m="http://schemas.openxmlformats.org/officeDocument/2006/math">
+                    <m:oMathParaPr>
+                      <m:jc m:val="centerGroup"/>
+                    </m:oMathParaPr>
+                    <m:oMath xmlns:m="http://schemas.openxmlformats.org/officeDocument/2006/math">
+                      <m:r>
+                        <a:rPr lang="it-IT" i="1" smtClean="0">
+                          <a:latin typeface="Cambria Math" panose="02040503050406030204" pitchFamily="18" charset="0"/>
+                        </a:rPr>
+                        <m:t>1</m:t>
+                      </m:r>
+                      <m:r>
+                        <a:rPr lang="it-IT" b="0" i="1" smtClean="0">
+                          <a:latin typeface="Cambria Math" panose="02040503050406030204" pitchFamily="18" charset="0"/>
+                        </a:rPr>
+                        <m:t>1</m:t>
+                      </m:r>
+                    </m:oMath>
+                  </m:oMathPara>
+                </a14:m>
+                <a:endParaRPr lang="it-IT" dirty="0"/>
+              </a:p>
+            </p:txBody>
+          </p:sp>
+        </mc:Choice>
+        <mc:Fallback xmlns="">
+          <p:sp>
+            <p:nvSpPr>
+              <p:cNvPr id="30" name="CasellaDiTesto 29">
+                <a:extLst>
+                  <a:ext uri="{FF2B5EF4-FFF2-40B4-BE49-F238E27FC236}">
+                    <a16:creationId xmlns:a16="http://schemas.microsoft.com/office/drawing/2014/main" id="{06F43F6E-0131-4A91-B0C7-9E49F1C1C82A}"/>
+                  </a:ext>
+                </a:extLst>
+              </p:cNvPr>
+              <p:cNvSpPr txBox="1">
+                <a:spLocks noRot="1" noChangeAspect="1" noMove="1" noResize="1" noEditPoints="1" noAdjustHandles="1" noChangeArrowheads="1" noChangeShapeType="1" noTextEdit="1"/>
+              </p:cNvSpPr>
+              <p:nvPr/>
+            </p:nvSpPr>
+            <p:spPr>
+              <a:xfrm rot="2308727">
+                <a:off x="3782847" y="2224434"/>
+                <a:ext cx="1008724" cy="369332"/>
+              </a:xfrm>
+              <a:prstGeom prst="rect">
+                <a:avLst/>
+              </a:prstGeom>
+              <a:blipFill>
+                <a:blip r:embed="rId5"/>
+                <a:stretch>
+                  <a:fillRect/>
+                </a:stretch>
+              </a:blipFill>
+            </p:spPr>
+            <p:txBody>
+              <a:bodyPr/>
+              <a:lstStyle/>
+              <a:p>
+                <a:r>
+                  <a:rPr lang="it-IT">
+                    <a:noFill/>
+                  </a:rPr>
+                  <a:t> </a:t>
+                </a:r>
+              </a:p>
+            </p:txBody>
+          </p:sp>
+        </mc:Fallback>
+      </mc:AlternateContent>
+      <p:sp>
+        <p:nvSpPr>
+          <p:cNvPr id="15" name="Ovale 14">
+            <a:extLst>
+              <a:ext uri="{FF2B5EF4-FFF2-40B4-BE49-F238E27FC236}">
+                <a16:creationId xmlns:a16="http://schemas.microsoft.com/office/drawing/2014/main" id="{8D5BD6A8-4A8D-4BFF-8C89-28AAD2DD2E07}"/>
+              </a:ext>
+            </a:extLst>
+          </p:cNvPr>
+          <p:cNvSpPr/>
+          <p:nvPr/>
+        </p:nvSpPr>
+        <p:spPr>
+          <a:xfrm>
+            <a:off x="4688944" y="3064708"/>
+            <a:ext cx="545285" cy="511729"/>
+          </a:xfrm>
+          <a:prstGeom prst="ellipse">
+            <a:avLst/>
+          </a:prstGeom>
+          <a:solidFill>
+            <a:schemeClr val="bg2">
+              <a:lumMod val="50000"/>
+            </a:schemeClr>
+          </a:solidFill>
+          <a:ln>
+            <a:solidFill>
+              <a:schemeClr val="tx1">
+                <a:lumMod val="85000"/>
+                <a:lumOff val="15000"/>
+              </a:schemeClr>
+            </a:solidFill>
+          </a:ln>
+        </p:spPr>
+        <p:style>
+          <a:lnRef idx="2">
+            <a:schemeClr val="accent1">
+              <a:shade val="50000"/>
+            </a:schemeClr>
+          </a:lnRef>
+          <a:fillRef idx="1">
+            <a:schemeClr val="accent1"/>
+          </a:fillRef>
+          <a:effectRef idx="0">
+            <a:schemeClr val="accent1"/>
+          </a:effectRef>
+          <a:fontRef idx="minor">
+            <a:schemeClr val="lt1"/>
+          </a:fontRef>
+        </p:style>
+        <p:txBody>
+          <a:bodyPr rtlCol="0" anchor="ctr"/>
+          <a:lstStyle/>
+          <a:p>
+            <a:pPr algn="ctr"/>
+            <a:r>
+              <a:rPr lang="it-IT" sz="2400" i="1" dirty="0"/>
+              <a:t>p</a:t>
+            </a:r>
+          </a:p>
+        </p:txBody>
+      </p:sp>
+      <mc:AlternateContent xmlns:mc="http://schemas.openxmlformats.org/markup-compatibility/2006" xmlns:a14="http://schemas.microsoft.com/office/drawing/2010/main">
+        <mc:Choice Requires="a14">
+          <p:sp>
+            <p:nvSpPr>
+              <p:cNvPr id="19" name="CasellaDiTesto 18">
+                <a:extLst>
+                  <a:ext uri="{FF2B5EF4-FFF2-40B4-BE49-F238E27FC236}">
+                    <a16:creationId xmlns:a16="http://schemas.microsoft.com/office/drawing/2014/main" id="{8EBC1935-0AEC-4487-AF17-F984F8DAA849}"/>
+                  </a:ext>
+                </a:extLst>
+              </p:cNvPr>
+              <p:cNvSpPr txBox="1"/>
+              <p:nvPr/>
+            </p:nvSpPr>
+            <p:spPr>
+              <a:xfrm>
+                <a:off x="5503907" y="2948705"/>
+                <a:ext cx="1008724" cy="369332"/>
+              </a:xfrm>
+              <a:prstGeom prst="rect">
+                <a:avLst/>
+              </a:prstGeom>
+              <a:noFill/>
+            </p:spPr>
+            <p:txBody>
+              <a:bodyPr wrap="square" rtlCol="0">
+                <a:spAutoFit/>
+              </a:bodyPr>
+              <a:lstStyle/>
+              <a:p>
+                <a:pPr/>
+                <a14:m>
+                  <m:oMathPara xmlns:m="http://schemas.openxmlformats.org/officeDocument/2006/math">
+                    <m:oMathParaPr>
+                      <m:jc m:val="centerGroup"/>
+                    </m:oMathParaPr>
+                    <m:oMath xmlns:m="http://schemas.openxmlformats.org/officeDocument/2006/math">
+                      <m:r>
+                        <a:rPr lang="it-IT" i="1" smtClean="0">
+                          <a:latin typeface="Cambria Math" panose="02040503050406030204" pitchFamily="18" charset="0"/>
+                        </a:rPr>
+                        <m:t>4</m:t>
+                      </m:r>
+                    </m:oMath>
+                  </m:oMathPara>
+                </a14:m>
+                <a:endParaRPr lang="it-IT" dirty="0"/>
+              </a:p>
+            </p:txBody>
+          </p:sp>
+        </mc:Choice>
+        <mc:Fallback xmlns="">
+          <p:sp>
+            <p:nvSpPr>
+              <p:cNvPr id="19" name="CasellaDiTesto 18">
+                <a:extLst>
+                  <a:ext uri="{FF2B5EF4-FFF2-40B4-BE49-F238E27FC236}">
+                    <a16:creationId xmlns:a16="http://schemas.microsoft.com/office/drawing/2014/main" id="{8EBC1935-0AEC-4487-AF17-F984F8DAA849}"/>
+                  </a:ext>
+                </a:extLst>
+              </p:cNvPr>
+              <p:cNvSpPr txBox="1">
+                <a:spLocks noRot="1" noChangeAspect="1" noMove="1" noResize="1" noEditPoints="1" noAdjustHandles="1" noChangeArrowheads="1" noChangeShapeType="1" noTextEdit="1"/>
+              </p:cNvSpPr>
+              <p:nvPr/>
+            </p:nvSpPr>
+            <p:spPr>
+              <a:xfrm>
+                <a:off x="5503907" y="2948705"/>
+                <a:ext cx="1008724" cy="369332"/>
+              </a:xfrm>
+              <a:prstGeom prst="rect">
+                <a:avLst/>
+              </a:prstGeom>
+              <a:blipFill>
+                <a:blip r:embed="rId6"/>
+                <a:stretch>
+                  <a:fillRect/>
+                </a:stretch>
+              </a:blipFill>
+            </p:spPr>
+            <p:txBody>
+              <a:bodyPr/>
+              <a:lstStyle/>
+              <a:p>
+                <a:r>
+                  <a:rPr lang="it-IT">
+                    <a:noFill/>
+                  </a:rPr>
+                  <a:t> </a:t>
+                </a:r>
+              </a:p>
+            </p:txBody>
+          </p:sp>
+        </mc:Fallback>
+      </mc:AlternateContent>
+    </p:spTree>
+    <p:extLst>
+      <p:ext uri="{BB962C8B-B14F-4D97-AF65-F5344CB8AC3E}">
+        <p14:creationId xmlns:p14="http://schemas.microsoft.com/office/powerpoint/2010/main" val="3383879764"/>
+      </p:ext>
+    </p:extLst>
+  </p:cSld>
+  <p:clrMapOvr>
+    <a:masterClrMapping/>
+  </p:clrMapOvr>
+</p:sld>
+</file>
+
+<file path=ppt/slides/slide11.xml><?xml version="1.0" encoding="utf-8"?>
+<p:sld xmlns:a="http://schemas.openxmlformats.org/drawingml/2006/main" xmlns:r="http://schemas.openxmlformats.org/officeDocument/2006/relationships" xmlns:p="http://schemas.openxmlformats.org/presentationml/2006/main">
+  <p:cSld>
+    <p:spTree>
+      <p:nvGrpSpPr>
+        <p:cNvPr id="1" name=""/>
+        <p:cNvGrpSpPr/>
+        <p:nvPr/>
+      </p:nvGrpSpPr>
+      <p:grpSpPr>
+        <a:xfrm>
+          <a:off x="0" y="0"/>
+          <a:ext cx="0" cy="0"/>
+          <a:chOff x="0" y="0"/>
+          <a:chExt cx="0" cy="0"/>
+        </a:xfrm>
+      </p:grpSpPr>
+      <p:cxnSp>
+        <p:nvCxnSpPr>
+          <p:cNvPr id="16" name="Connettore diritto 15">
+            <a:extLst>
+              <a:ext uri="{FF2B5EF4-FFF2-40B4-BE49-F238E27FC236}">
+                <a16:creationId xmlns:a16="http://schemas.microsoft.com/office/drawing/2014/main" id="{8268FD8E-4824-404F-A1F5-D6DA2BBBD26C}"/>
+              </a:ext>
+            </a:extLst>
+          </p:cNvPr>
+          <p:cNvCxnSpPr>
+            <a:cxnSpLocks/>
+          </p:cNvCxnSpPr>
+          <p:nvPr/>
+        </p:nvCxnSpPr>
+        <p:spPr>
+          <a:xfrm>
+            <a:off x="4657725" y="3333601"/>
+            <a:ext cx="2456165" cy="0"/>
+          </a:xfrm>
+          <a:prstGeom prst="line">
+            <a:avLst/>
+          </a:prstGeom>
+          <a:ln>
+            <a:headEnd type="none" w="med" len="med"/>
+            <a:tailEnd type="none" w="med" len="med"/>
+          </a:ln>
+        </p:spPr>
+        <p:style>
+          <a:lnRef idx="3">
+            <a:schemeClr val="dk1"/>
+          </a:lnRef>
+          <a:fillRef idx="0">
+            <a:schemeClr val="dk1"/>
+          </a:fillRef>
+          <a:effectRef idx="2">
+            <a:schemeClr val="dk1"/>
+          </a:effectRef>
+          <a:fontRef idx="minor">
+            <a:schemeClr val="tx1"/>
+          </a:fontRef>
+        </p:style>
+      </p:cxnSp>
+      <p:sp>
+        <p:nvSpPr>
+          <p:cNvPr id="10" name="Ovale 9">
+            <a:extLst>
+              <a:ext uri="{FF2B5EF4-FFF2-40B4-BE49-F238E27FC236}">
+                <a16:creationId xmlns:a16="http://schemas.microsoft.com/office/drawing/2014/main" id="{87F835B7-821B-4C37-9ABF-E05F9D123497}"/>
+              </a:ext>
+            </a:extLst>
+          </p:cNvPr>
+          <p:cNvSpPr/>
+          <p:nvPr/>
+        </p:nvSpPr>
+        <p:spPr>
+          <a:xfrm>
+            <a:off x="4456514" y="3092294"/>
+            <a:ext cx="545285" cy="511729"/>
+          </a:xfrm>
+          <a:prstGeom prst="ellipse">
+            <a:avLst/>
+          </a:prstGeom>
+          <a:solidFill>
+            <a:schemeClr val="bg2">
+              <a:lumMod val="50000"/>
+            </a:schemeClr>
+          </a:solidFill>
+          <a:ln>
+            <a:solidFill>
+              <a:schemeClr val="tx1">
+                <a:lumMod val="85000"/>
+                <a:lumOff val="15000"/>
+              </a:schemeClr>
+            </a:solidFill>
+          </a:ln>
+        </p:spPr>
+        <p:style>
+          <a:lnRef idx="2">
+            <a:schemeClr val="accent1">
+              <a:shade val="50000"/>
+            </a:schemeClr>
+          </a:lnRef>
+          <a:fillRef idx="1">
+            <a:schemeClr val="accent1"/>
+          </a:fillRef>
+          <a:effectRef idx="0">
+            <a:schemeClr val="accent1"/>
+          </a:effectRef>
+          <a:fontRef idx="minor">
+            <a:schemeClr val="lt1"/>
+          </a:fontRef>
+        </p:style>
+        <p:txBody>
+          <a:bodyPr rtlCol="0" anchor="ctr"/>
+          <a:lstStyle/>
+          <a:p>
+            <a:pPr algn="ctr"/>
+            <a:r>
+              <a:rPr lang="it-IT" sz="2400" dirty="0"/>
+              <a:t>f</a:t>
+            </a:r>
+          </a:p>
+        </p:txBody>
+      </p:sp>
+      <p:sp>
+        <p:nvSpPr>
+          <p:cNvPr id="11" name="Ovale 10">
+            <a:extLst>
+              <a:ext uri="{FF2B5EF4-FFF2-40B4-BE49-F238E27FC236}">
+                <a16:creationId xmlns:a16="http://schemas.microsoft.com/office/drawing/2014/main" id="{D5EFBF8E-3097-4D14-871D-D0818153B3B1}"/>
+              </a:ext>
+            </a:extLst>
+          </p:cNvPr>
+          <p:cNvSpPr/>
+          <p:nvPr/>
+        </p:nvSpPr>
+        <p:spPr>
+          <a:xfrm>
+            <a:off x="6883709" y="3092294"/>
+            <a:ext cx="545285" cy="511729"/>
+          </a:xfrm>
+          <a:prstGeom prst="ellipse">
+            <a:avLst/>
+          </a:prstGeom>
+          <a:solidFill>
+            <a:schemeClr val="bg2">
+              <a:lumMod val="50000"/>
+            </a:schemeClr>
+          </a:solidFill>
+          <a:ln>
+            <a:solidFill>
+              <a:schemeClr val="tx1">
+                <a:lumMod val="85000"/>
+                <a:lumOff val="15000"/>
+              </a:schemeClr>
+            </a:solidFill>
+          </a:ln>
+        </p:spPr>
+        <p:style>
+          <a:lnRef idx="2">
+            <a:schemeClr val="accent1">
+              <a:shade val="50000"/>
+            </a:schemeClr>
+          </a:lnRef>
+          <a:fillRef idx="1">
+            <a:schemeClr val="accent1"/>
+          </a:fillRef>
+          <a:effectRef idx="0">
+            <a:schemeClr val="accent1"/>
+          </a:effectRef>
+          <a:fontRef idx="minor">
+            <a:schemeClr val="lt1"/>
+          </a:fontRef>
+        </p:style>
+        <p:txBody>
+          <a:bodyPr rtlCol="0" anchor="ctr"/>
+          <a:lstStyle/>
+          <a:p>
+            <a:pPr algn="ctr"/>
+            <a:r>
+              <a:rPr lang="it-IT" sz="2400" dirty="0"/>
+              <a:t>u</a:t>
+            </a:r>
+          </a:p>
+        </p:txBody>
+      </p:sp>
+      <mc:AlternateContent xmlns:mc="http://schemas.openxmlformats.org/markup-compatibility/2006">
+        <mc:Choice xmlns:a14="http://schemas.microsoft.com/office/drawing/2010/main" Requires="a14">
+          <p:sp>
+            <p:nvSpPr>
+              <p:cNvPr id="34" name="CasellaDiTesto 33">
+                <a:extLst>
+                  <a:ext uri="{FF2B5EF4-FFF2-40B4-BE49-F238E27FC236}">
+                    <a16:creationId xmlns:a16="http://schemas.microsoft.com/office/drawing/2014/main" id="{3043EDF5-0856-4F39-8192-5232679663C3}"/>
+                  </a:ext>
+                </a:extLst>
+              </p:cNvPr>
+              <p:cNvSpPr txBox="1"/>
+              <p:nvPr/>
+            </p:nvSpPr>
+            <p:spPr>
+              <a:xfrm>
+                <a:off x="5438392" y="2964269"/>
+                <a:ext cx="1008724" cy="369332"/>
+              </a:xfrm>
+              <a:prstGeom prst="rect">
+                <a:avLst/>
+              </a:prstGeom>
+              <a:noFill/>
+            </p:spPr>
+            <p:txBody>
+              <a:bodyPr wrap="square" rtlCol="0">
+                <a:spAutoFit/>
+              </a:bodyPr>
+              <a:lstStyle/>
+              <a:p>
+                <a:pPr/>
+                <a14:m>
+                  <m:oMathPara xmlns:m="http://schemas.openxmlformats.org/officeDocument/2006/math">
+                    <m:oMathParaPr>
+                      <m:jc m:val="centerGroup"/>
+                    </m:oMathParaPr>
+                    <m:oMath xmlns:m="http://schemas.openxmlformats.org/officeDocument/2006/math">
+                      <m:r>
+                        <a:rPr lang="it-IT" b="0" i="1" smtClean="0">
+                          <a:latin typeface="Cambria Math" panose="02040503050406030204" pitchFamily="18" charset="0"/>
+                        </a:rPr>
+                        <m:t>21</m:t>
+                      </m:r>
+                    </m:oMath>
+                  </m:oMathPara>
+                </a14:m>
+                <a:endParaRPr lang="it-IT" dirty="0"/>
+              </a:p>
+            </p:txBody>
+          </p:sp>
+        </mc:Choice>
+        <mc:Fallback>
+          <p:sp>
+            <p:nvSpPr>
+              <p:cNvPr id="34" name="CasellaDiTesto 33">
+                <a:extLst>
+                  <a:ext uri="{FF2B5EF4-FFF2-40B4-BE49-F238E27FC236}">
+                    <a16:creationId xmlns:a16="http://schemas.microsoft.com/office/drawing/2014/main" id="{3043EDF5-0856-4F39-8192-5232679663C3}"/>
+                  </a:ext>
+                </a:extLst>
+              </p:cNvPr>
+              <p:cNvSpPr txBox="1">
+                <a:spLocks noRot="1" noChangeAspect="1" noMove="1" noResize="1" noEditPoints="1" noAdjustHandles="1" noChangeArrowheads="1" noChangeShapeType="1" noTextEdit="1"/>
+              </p:cNvSpPr>
+              <p:nvPr/>
+            </p:nvSpPr>
+            <p:spPr>
+              <a:xfrm>
+                <a:off x="5438392" y="2964269"/>
+                <a:ext cx="1008724" cy="369332"/>
+              </a:xfrm>
+              <a:prstGeom prst="rect">
+                <a:avLst/>
+              </a:prstGeom>
+              <a:blipFill>
+                <a:blip r:embed="rId2"/>
+                <a:stretch>
+                  <a:fillRect/>
+                </a:stretch>
+              </a:blipFill>
+            </p:spPr>
+            <p:txBody>
+              <a:bodyPr/>
+              <a:lstStyle/>
+              <a:p>
+                <a:r>
+                  <a:rPr lang="it-IT">
+                    <a:noFill/>
+                  </a:rPr>
+                  <a:t> </a:t>
+                </a:r>
+              </a:p>
+            </p:txBody>
+          </p:sp>
+        </mc:Fallback>
+      </mc:AlternateContent>
+      <mc:AlternateContent xmlns:mc="http://schemas.openxmlformats.org/markup-compatibility/2006">
+        <mc:Choice xmlns:a14="http://schemas.microsoft.com/office/drawing/2010/main" Requires="a14">
+          <p:sp>
+            <p:nvSpPr>
+              <p:cNvPr id="24" name="CasellaDiTesto 23">
+                <a:extLst>
+                  <a:ext uri="{FF2B5EF4-FFF2-40B4-BE49-F238E27FC236}">
+                    <a16:creationId xmlns:a16="http://schemas.microsoft.com/office/drawing/2014/main" id="{C702CB0B-569E-4809-8EC4-C27FCB35D279}"/>
+                  </a:ext>
+                </a:extLst>
+              </p:cNvPr>
+              <p:cNvSpPr txBox="1"/>
+              <p:nvPr/>
+            </p:nvSpPr>
+            <p:spPr>
+              <a:xfrm>
+                <a:off x="2726898" y="3141271"/>
+                <a:ext cx="1615723" cy="384660"/>
+              </a:xfrm>
+              <a:prstGeom prst="rect">
+                <a:avLst/>
+              </a:prstGeom>
+              <a:noFill/>
+            </p:spPr>
+            <p:txBody>
+              <a:bodyPr wrap="square" rtlCol="0">
+                <a:spAutoFit/>
+              </a:bodyPr>
+              <a:lstStyle/>
+              <a:p>
+                <a:pPr/>
+                <a14:m>
+                  <m:oMathPara xmlns:m="http://schemas.openxmlformats.org/officeDocument/2006/math">
+                    <m:oMathParaPr>
+                      <m:jc m:val="centerGroup"/>
+                    </m:oMathParaPr>
+                    <m:oMath xmlns:m="http://schemas.openxmlformats.org/officeDocument/2006/math">
+                      <m:r>
+                        <a:rPr lang="it-IT" b="0" i="1" smtClean="0">
+                          <a:latin typeface="Cambria Math" panose="02040503050406030204" pitchFamily="18" charset="0"/>
+                        </a:rPr>
+                        <m:t>𝑇</m:t>
+                      </m:r>
+                      <m:r>
+                        <a:rPr lang="it-IT" b="0" i="1" smtClean="0">
+                          <a:latin typeface="Cambria Math" panose="02040503050406030204" pitchFamily="18" charset="0"/>
+                        </a:rPr>
+                        <m:t>(</m:t>
+                      </m:r>
+                      <m:sSup>
+                        <m:sSupPr>
+                          <m:ctrlPr>
+                            <a:rPr lang="it-IT" b="0" i="1" smtClean="0">
+                              <a:latin typeface="Cambria Math" panose="02040503050406030204" pitchFamily="18" charset="0"/>
+                            </a:rPr>
+                          </m:ctrlPr>
+                        </m:sSupPr>
+                        <m:e>
+                          <m:r>
+                            <a:rPr lang="it-IT" b="0" i="1" smtClean="0">
+                              <a:latin typeface="Cambria Math" panose="02040503050406030204" pitchFamily="18" charset="0"/>
+                            </a:rPr>
+                            <m:t>𝐷</m:t>
+                          </m:r>
+                        </m:e>
+                        <m:sup>
+                          <m:sSub>
+                            <m:sSubPr>
+                              <m:ctrlPr>
+                                <a:rPr lang="it-IT" b="0" i="1" smtClean="0">
+                                  <a:latin typeface="Cambria Math" panose="02040503050406030204" pitchFamily="18" charset="0"/>
+                                </a:rPr>
+                              </m:ctrlPr>
+                            </m:sSubPr>
+                            <m:e>
+                              <m:r>
+                                <a:rPr lang="it-IT" b="0" i="1" smtClean="0">
+                                  <a:latin typeface="Cambria Math" panose="02040503050406030204" pitchFamily="18" charset="0"/>
+                                </a:rPr>
+                                <m:t>𝑡𝑎𝑔𝑙𝑖𝑎𝑡𝑎</m:t>
+                              </m:r>
+                            </m:e>
+                            <m:sub>
+                              <m:r>
+                                <a:rPr lang="it-IT" b="0" i="1" smtClean="0">
+                                  <a:latin typeface="Cambria Math" panose="02040503050406030204" pitchFamily="18" charset="0"/>
+                                </a:rPr>
+                                <m:t>𝑠</m:t>
+                              </m:r>
+                            </m:sub>
+                          </m:sSub>
+                        </m:sup>
+                      </m:sSup>
+                      <m:r>
+                        <a:rPr lang="it-IT" b="0" i="1" smtClean="0">
+                          <a:latin typeface="Cambria Math" panose="02040503050406030204" pitchFamily="18" charset="0"/>
+                        </a:rPr>
+                        <m:t>)</m:t>
+                      </m:r>
+                    </m:oMath>
+                  </m:oMathPara>
+                </a14:m>
+                <a:endParaRPr lang="it-IT" dirty="0"/>
+              </a:p>
+            </p:txBody>
+          </p:sp>
+        </mc:Choice>
+        <mc:Fallback>
+          <p:sp>
+            <p:nvSpPr>
+              <p:cNvPr id="24" name="CasellaDiTesto 23">
+                <a:extLst>
+                  <a:ext uri="{FF2B5EF4-FFF2-40B4-BE49-F238E27FC236}">
+                    <a16:creationId xmlns:a16="http://schemas.microsoft.com/office/drawing/2014/main" id="{C702CB0B-569E-4809-8EC4-C27FCB35D279}"/>
+                  </a:ext>
+                </a:extLst>
+              </p:cNvPr>
+              <p:cNvSpPr txBox="1">
+                <a:spLocks noRot="1" noChangeAspect="1" noMove="1" noResize="1" noEditPoints="1" noAdjustHandles="1" noChangeArrowheads="1" noChangeShapeType="1" noTextEdit="1"/>
+              </p:cNvSpPr>
+              <p:nvPr/>
+            </p:nvSpPr>
+            <p:spPr>
+              <a:xfrm>
+                <a:off x="2726898" y="3141271"/>
+                <a:ext cx="1615723" cy="384660"/>
+              </a:xfrm>
+              <a:prstGeom prst="rect">
+                <a:avLst/>
+              </a:prstGeom>
+              <a:blipFill>
+                <a:blip r:embed="rId3"/>
+                <a:stretch>
+                  <a:fillRect b="-12698"/>
+                </a:stretch>
+              </a:blipFill>
+            </p:spPr>
+            <p:txBody>
+              <a:bodyPr/>
+              <a:lstStyle/>
+              <a:p>
+                <a:r>
+                  <a:rPr lang="it-IT">
+                    <a:noFill/>
+                  </a:rPr>
+                  <a:t> </a:t>
+                </a:r>
+              </a:p>
+            </p:txBody>
+          </p:sp>
+        </mc:Fallback>
+      </mc:AlternateContent>
+    </p:spTree>
+    <p:extLst>
+      <p:ext uri="{BB962C8B-B14F-4D97-AF65-F5344CB8AC3E}">
+        <p14:creationId xmlns:p14="http://schemas.microsoft.com/office/powerpoint/2010/main" val="125983716"/>
       </p:ext>
     </p:extLst>
   </p:cSld>
@@ -8344,8 +9882,8 @@
           </p:sp>
         </mc:Fallback>
       </mc:AlternateContent>
-      <mc:AlternateContent xmlns:mc="http://schemas.openxmlformats.org/markup-compatibility/2006">
-        <mc:Choice xmlns:a14="http://schemas.microsoft.com/office/drawing/2010/main" Requires="a14">
+      <mc:AlternateContent xmlns:mc="http://schemas.openxmlformats.org/markup-compatibility/2006" xmlns:a14="http://schemas.microsoft.com/office/drawing/2010/main">
+        <mc:Choice Requires="a14">
           <p:sp>
             <p:nvSpPr>
               <p:cNvPr id="29" name="CasellaDiTesto 28">
@@ -8416,13 +9954,7 @@
                         <a:rPr lang="it-IT" b="0" i="0" smtClean="0">
                           <a:latin typeface="Cambria Math" panose="02040503050406030204" pitchFamily="18" charset="0"/>
                         </a:rPr>
-                        <m:t>=</m:t>
-                      </m:r>
-                      <m:r>
-                        <a:rPr lang="it-IT" b="0" i="0" smtClean="0">
-                          <a:latin typeface="Cambria Math" panose="02040503050406030204" pitchFamily="18" charset="0"/>
-                        </a:rPr>
-                        <m:t>4</m:t>
+                        <m:t>=4</m:t>
                       </m:r>
                     </m:oMath>
                   </m:oMathPara>
@@ -8432,7 +9964,7 @@
             </p:txBody>
           </p:sp>
         </mc:Choice>
-        <mc:Fallback>
+        <mc:Fallback xmlns="">
           <p:sp>
             <p:nvSpPr>
               <p:cNvPr id="29" name="CasellaDiTesto 28">
@@ -8477,8 +10009,8 @@
           </p:sp>
         </mc:Fallback>
       </mc:AlternateContent>
-      <mc:AlternateContent xmlns:mc="http://schemas.openxmlformats.org/markup-compatibility/2006">
-        <mc:Choice xmlns:a14="http://schemas.microsoft.com/office/drawing/2010/main" Requires="a14">
+      <mc:AlternateContent xmlns:mc="http://schemas.openxmlformats.org/markup-compatibility/2006" xmlns:a14="http://schemas.microsoft.com/office/drawing/2010/main">
+        <mc:Choice Requires="a14">
           <p:sp>
             <p:nvSpPr>
               <p:cNvPr id="30" name="CasellaDiTesto 29">
@@ -8549,13 +10081,7 @@
                         <a:rPr lang="it-IT" b="0" i="0" smtClean="0">
                           <a:latin typeface="Cambria Math" panose="02040503050406030204" pitchFamily="18" charset="0"/>
                         </a:rPr>
-                        <m:t>=</m:t>
-                      </m:r>
-                      <m:r>
-                        <a:rPr lang="it-IT" b="0" i="0" smtClean="0">
-                          <a:latin typeface="Cambria Math" panose="02040503050406030204" pitchFamily="18" charset="0"/>
-                        </a:rPr>
-                        <m:t>5</m:t>
+                        <m:t>=5</m:t>
                       </m:r>
                     </m:oMath>
                   </m:oMathPara>
@@ -8565,7 +10091,7 @@
             </p:txBody>
           </p:sp>
         </mc:Choice>
-        <mc:Fallback>
+        <mc:Fallback xmlns="">
           <p:sp>
             <p:nvSpPr>
               <p:cNvPr id="30" name="CasellaDiTesto 29">
@@ -9413,8 +10939,8 @@
           </p:sp>
         </mc:Fallback>
       </mc:AlternateContent>
-      <mc:AlternateContent xmlns:mc="http://schemas.openxmlformats.org/markup-compatibility/2006">
-        <mc:Choice xmlns:a14="http://schemas.microsoft.com/office/drawing/2010/main" Requires="a14">
+      <mc:AlternateContent xmlns:mc="http://schemas.openxmlformats.org/markup-compatibility/2006" xmlns:a14="http://schemas.microsoft.com/office/drawing/2010/main">
+        <mc:Choice Requires="a14">
           <p:sp>
             <p:nvSpPr>
               <p:cNvPr id="29" name="CasellaDiTesto 28">
@@ -9485,13 +11011,7 @@
                         <a:rPr lang="it-IT" b="0" i="0" smtClean="0">
                           <a:latin typeface="Cambria Math" panose="02040503050406030204" pitchFamily="18" charset="0"/>
                         </a:rPr>
-                        <m:t>=</m:t>
-                      </m:r>
-                      <m:r>
-                        <a:rPr lang="it-IT" b="0" i="0" smtClean="0">
-                          <a:latin typeface="Cambria Math" panose="02040503050406030204" pitchFamily="18" charset="0"/>
-                        </a:rPr>
-                        <m:t>?</m:t>
+                        <m:t>=?</m:t>
                       </m:r>
                     </m:oMath>
                   </m:oMathPara>
@@ -9501,7 +11021,7 @@
             </p:txBody>
           </p:sp>
         </mc:Choice>
-        <mc:Fallback>
+        <mc:Fallback xmlns="">
           <p:sp>
             <p:nvSpPr>
               <p:cNvPr id="29" name="CasellaDiTesto 28">
@@ -9546,8 +11066,8 @@
           </p:sp>
         </mc:Fallback>
       </mc:AlternateContent>
-      <mc:AlternateContent xmlns:mc="http://schemas.openxmlformats.org/markup-compatibility/2006">
-        <mc:Choice xmlns:a14="http://schemas.microsoft.com/office/drawing/2010/main" Requires="a14">
+      <mc:AlternateContent xmlns:mc="http://schemas.openxmlformats.org/markup-compatibility/2006" xmlns:a14="http://schemas.microsoft.com/office/drawing/2010/main">
+        <mc:Choice Requires="a14">
           <p:sp>
             <p:nvSpPr>
               <p:cNvPr id="30" name="CasellaDiTesto 29">
@@ -9618,13 +11138,7 @@
                         <a:rPr lang="it-IT" b="0" i="0" smtClean="0">
                           <a:latin typeface="Cambria Math" panose="02040503050406030204" pitchFamily="18" charset="0"/>
                         </a:rPr>
-                        <m:t>=</m:t>
-                      </m:r>
-                      <m:r>
-                        <a:rPr lang="it-IT" b="0" i="0" smtClean="0">
-                          <a:latin typeface="Cambria Math" panose="02040503050406030204" pitchFamily="18" charset="0"/>
-                        </a:rPr>
-                        <m:t>?</m:t>
+                        <m:t>=?</m:t>
                       </m:r>
                     </m:oMath>
                   </m:oMathPara>
@@ -9634,7 +11148,7 @@
             </p:txBody>
           </p:sp>
         </mc:Choice>
-        <mc:Fallback>
+        <mc:Fallback xmlns="">
           <p:sp>
             <p:nvSpPr>
               <p:cNvPr id="30" name="CasellaDiTesto 29">
@@ -9741,8 +11255,8 @@
           </a:p>
         </p:txBody>
       </p:sp>
-      <mc:AlternateContent xmlns:mc="http://schemas.openxmlformats.org/markup-compatibility/2006">
-        <mc:Choice xmlns:a14="http://schemas.microsoft.com/office/drawing/2010/main" Requires="a14">
+      <mc:AlternateContent xmlns:mc="http://schemas.openxmlformats.org/markup-compatibility/2006" xmlns:a14="http://schemas.microsoft.com/office/drawing/2010/main">
+        <mc:Choice Requires="a14">
           <p:sp>
             <p:nvSpPr>
               <p:cNvPr id="19" name="CasellaDiTesto 18">
@@ -9813,13 +11327,7 @@
                         <a:rPr lang="it-IT" b="0" i="0" smtClean="0">
                           <a:latin typeface="Cambria Math" panose="02040503050406030204" pitchFamily="18" charset="0"/>
                         </a:rPr>
-                        <m:t>=</m:t>
-                      </m:r>
-                      <m:r>
-                        <a:rPr lang="it-IT" b="0" i="0" smtClean="0">
-                          <a:latin typeface="Cambria Math" panose="02040503050406030204" pitchFamily="18" charset="0"/>
-                        </a:rPr>
-                        <m:t>?</m:t>
+                        <m:t>=?</m:t>
                       </m:r>
                     </m:oMath>
                   </m:oMathPara>
@@ -9829,7 +11337,7 @@
             </p:txBody>
           </p:sp>
         </mc:Choice>
-        <mc:Fallback>
+        <mc:Fallback xmlns="">
           <p:sp>
             <p:nvSpPr>
               <p:cNvPr id="19" name="CasellaDiTesto 18">
@@ -10677,8 +12185,8 @@
           </p:sp>
         </mc:Fallback>
       </mc:AlternateContent>
-      <mc:AlternateContent xmlns:mc="http://schemas.openxmlformats.org/markup-compatibility/2006">
-        <mc:Choice xmlns:a14="http://schemas.microsoft.com/office/drawing/2010/main" Requires="a14">
+      <mc:AlternateContent xmlns:mc="http://schemas.openxmlformats.org/markup-compatibility/2006" xmlns:a14="http://schemas.microsoft.com/office/drawing/2010/main">
+        <mc:Choice Requires="a14">
           <p:sp>
             <p:nvSpPr>
               <p:cNvPr id="29" name="CasellaDiTesto 28">
@@ -10749,13 +12257,7 @@
                         <a:rPr lang="it-IT" b="0" i="0" smtClean="0">
                           <a:latin typeface="Cambria Math" panose="02040503050406030204" pitchFamily="18" charset="0"/>
                         </a:rPr>
-                        <m:t>=</m:t>
-                      </m:r>
-                      <m:r>
-                        <a:rPr lang="it-IT" b="0" i="0" smtClean="0">
-                          <a:latin typeface="Cambria Math" panose="02040503050406030204" pitchFamily="18" charset="0"/>
-                        </a:rPr>
-                        <m:t>1</m:t>
+                        <m:t>=1</m:t>
                       </m:r>
                     </m:oMath>
                   </m:oMathPara>
@@ -10765,7 +12267,7 @@
             </p:txBody>
           </p:sp>
         </mc:Choice>
-        <mc:Fallback>
+        <mc:Fallback xmlns="">
           <p:sp>
             <p:nvSpPr>
               <p:cNvPr id="29" name="CasellaDiTesto 28">
@@ -10810,8 +12312,8 @@
           </p:sp>
         </mc:Fallback>
       </mc:AlternateContent>
-      <mc:AlternateContent xmlns:mc="http://schemas.openxmlformats.org/markup-compatibility/2006">
-        <mc:Choice xmlns:a14="http://schemas.microsoft.com/office/drawing/2010/main" Requires="a14">
+      <mc:AlternateContent xmlns:mc="http://schemas.openxmlformats.org/markup-compatibility/2006" xmlns:a14="http://schemas.microsoft.com/office/drawing/2010/main">
+        <mc:Choice Requires="a14">
           <p:sp>
             <p:nvSpPr>
               <p:cNvPr id="30" name="CasellaDiTesto 29">
@@ -10892,7 +12394,7 @@
             </p:txBody>
           </p:sp>
         </mc:Choice>
-        <mc:Fallback>
+        <mc:Fallback xmlns="">
           <p:sp>
             <p:nvSpPr>
               <p:cNvPr id="30" name="CasellaDiTesto 29">
@@ -10999,8 +12501,8 @@
           </a:p>
         </p:txBody>
       </p:sp>
-      <mc:AlternateContent xmlns:mc="http://schemas.openxmlformats.org/markup-compatibility/2006">
-        <mc:Choice xmlns:a14="http://schemas.microsoft.com/office/drawing/2010/main" Requires="a14">
+      <mc:AlternateContent xmlns:mc="http://schemas.openxmlformats.org/markup-compatibility/2006" xmlns:a14="http://schemas.microsoft.com/office/drawing/2010/main">
+        <mc:Choice Requires="a14">
           <p:sp>
             <p:nvSpPr>
               <p:cNvPr id="19" name="CasellaDiTesto 18">
@@ -11071,13 +12573,7 @@
                         <a:rPr lang="it-IT" b="0" i="0" smtClean="0">
                           <a:latin typeface="Cambria Math" panose="02040503050406030204" pitchFamily="18" charset="0"/>
                         </a:rPr>
-                        <m:t>=</m:t>
-                      </m:r>
-                      <m:r>
-                        <a:rPr lang="it-IT" b="0" i="0" smtClean="0">
-                          <a:latin typeface="Cambria Math" panose="02040503050406030204" pitchFamily="18" charset="0"/>
-                        </a:rPr>
-                        <m:t>?</m:t>
+                        <m:t>=?</m:t>
                       </m:r>
                     </m:oMath>
                   </m:oMathPara>
@@ -11087,7 +12583,7 @@
             </p:txBody>
           </p:sp>
         </mc:Choice>
-        <mc:Fallback>
+        <mc:Fallback xmlns="">
           <p:sp>
             <p:nvSpPr>
               <p:cNvPr id="19" name="CasellaDiTesto 18">
@@ -11930,8 +13426,8 @@
           </p:sp>
         </mc:Fallback>
       </mc:AlternateContent>
-      <mc:AlternateContent xmlns:mc="http://schemas.openxmlformats.org/markup-compatibility/2006">
-        <mc:Choice xmlns:a14="http://schemas.microsoft.com/office/drawing/2010/main" Requires="a14">
+      <mc:AlternateContent xmlns:mc="http://schemas.openxmlformats.org/markup-compatibility/2006" xmlns:a14="http://schemas.microsoft.com/office/drawing/2010/main">
+        <mc:Choice Requires="a14">
           <p:sp>
             <p:nvSpPr>
               <p:cNvPr id="29" name="CasellaDiTesto 28">
@@ -12002,13 +13498,7 @@
                         <a:rPr lang="it-IT" b="0" i="0" smtClean="0">
                           <a:latin typeface="Cambria Math" panose="02040503050406030204" pitchFamily="18" charset="0"/>
                         </a:rPr>
-                        <m:t>=</m:t>
-                      </m:r>
-                      <m:r>
-                        <a:rPr lang="it-IT" b="0" i="0" smtClean="0">
-                          <a:latin typeface="Cambria Math" panose="02040503050406030204" pitchFamily="18" charset="0"/>
-                        </a:rPr>
-                        <m:t>1</m:t>
+                        <m:t>=1</m:t>
                       </m:r>
                     </m:oMath>
                   </m:oMathPara>
@@ -12018,7 +13508,7 @@
             </p:txBody>
           </p:sp>
         </mc:Choice>
-        <mc:Fallback>
+        <mc:Fallback xmlns="">
           <p:sp>
             <p:nvSpPr>
               <p:cNvPr id="29" name="CasellaDiTesto 28">
@@ -12063,8 +13553,8 @@
           </p:sp>
         </mc:Fallback>
       </mc:AlternateContent>
-      <mc:AlternateContent xmlns:mc="http://schemas.openxmlformats.org/markup-compatibility/2006">
-        <mc:Choice xmlns:a14="http://schemas.microsoft.com/office/drawing/2010/main" Requires="a14">
+      <mc:AlternateContent xmlns:mc="http://schemas.openxmlformats.org/markup-compatibility/2006" xmlns:a14="http://schemas.microsoft.com/office/drawing/2010/main">
+        <mc:Choice Requires="a14">
           <p:sp>
             <p:nvSpPr>
               <p:cNvPr id="30" name="CasellaDiTesto 29">
@@ -12145,7 +13635,7 @@
             </p:txBody>
           </p:sp>
         </mc:Choice>
-        <mc:Fallback>
+        <mc:Fallback xmlns="">
           <p:sp>
             <p:nvSpPr>
               <p:cNvPr id="30" name="CasellaDiTesto 29">
@@ -12252,8 +13742,8 @@
           </a:p>
         </p:txBody>
       </p:sp>
-      <mc:AlternateContent xmlns:mc="http://schemas.openxmlformats.org/markup-compatibility/2006">
-        <mc:Choice xmlns:a14="http://schemas.microsoft.com/office/drawing/2010/main" Requires="a14">
+      <mc:AlternateContent xmlns:mc="http://schemas.openxmlformats.org/markup-compatibility/2006" xmlns:a14="http://schemas.microsoft.com/office/drawing/2010/main">
+        <mc:Choice Requires="a14">
           <p:sp>
             <p:nvSpPr>
               <p:cNvPr id="19" name="CasellaDiTesto 18">
@@ -12324,13 +13814,7 @@
                         <a:rPr lang="it-IT" b="0" i="0" smtClean="0">
                           <a:latin typeface="Cambria Math" panose="02040503050406030204" pitchFamily="18" charset="0"/>
                         </a:rPr>
-                        <m:t>=</m:t>
-                      </m:r>
-                      <m:r>
-                        <a:rPr lang="it-IT" b="0" i="0" smtClean="0">
-                          <a:latin typeface="Cambria Math" panose="02040503050406030204" pitchFamily="18" charset="0"/>
-                        </a:rPr>
-                        <m:t>3</m:t>
+                        <m:t>=3</m:t>
                       </m:r>
                     </m:oMath>
                   </m:oMathPara>
@@ -12340,7 +13824,7 @@
             </p:txBody>
           </p:sp>
         </mc:Choice>
-        <mc:Fallback>
+        <mc:Fallback xmlns="">
           <p:sp>
             <p:nvSpPr>
               <p:cNvPr id="19" name="CasellaDiTesto 18">

--- a/unroteed_tree_created_by_figure_5.pptx
+++ b/unroteed_tree_created_by_figure_5.pptx
@@ -16,6 +16,8 @@
     <p:sldId id="265" r:id="rId10"/>
     <p:sldId id="266" r:id="rId11"/>
     <p:sldId id="267" r:id="rId12"/>
+    <p:sldId id="268" r:id="rId13"/>
+    <p:sldId id="269" r:id="rId14"/>
   </p:sldIdLst>
   <p:sldSz cx="12192000" cy="6858000"/>
   <p:notesSz cx="7102475" cy="10233025"/>
@@ -5482,8 +5484,8 @@
           </a:p>
         </p:txBody>
       </p:sp>
-      <mc:AlternateContent xmlns:mc="http://schemas.openxmlformats.org/markup-compatibility/2006">
-        <mc:Choice xmlns:a14="http://schemas.microsoft.com/office/drawing/2010/main" Requires="a14">
+      <mc:AlternateContent xmlns:mc="http://schemas.openxmlformats.org/markup-compatibility/2006" xmlns:a14="http://schemas.microsoft.com/office/drawing/2010/main">
+        <mc:Choice Requires="a14">
           <p:sp>
             <p:nvSpPr>
               <p:cNvPr id="34" name="CasellaDiTesto 33">
@@ -5533,7 +5535,7 @@
             </p:txBody>
           </p:sp>
         </mc:Choice>
-        <mc:Fallback>
+        <mc:Fallback xmlns="">
           <p:sp>
             <p:nvSpPr>
               <p:cNvPr id="34" name="CasellaDiTesto 33">
@@ -5578,8 +5580,8 @@
           </p:sp>
         </mc:Fallback>
       </mc:AlternateContent>
-      <mc:AlternateContent xmlns:mc="http://schemas.openxmlformats.org/markup-compatibility/2006">
-        <mc:Choice xmlns:a14="http://schemas.microsoft.com/office/drawing/2010/main" Requires="a14">
+      <mc:AlternateContent xmlns:mc="http://schemas.openxmlformats.org/markup-compatibility/2006" xmlns:a14="http://schemas.microsoft.com/office/drawing/2010/main">
+        <mc:Choice Requires="a14">
           <p:sp>
             <p:nvSpPr>
               <p:cNvPr id="24" name="CasellaDiTesto 23">
@@ -5685,7 +5687,7 @@
             </p:txBody>
           </p:sp>
         </mc:Choice>
-        <mc:Fallback>
+        <mc:Fallback xmlns="">
           <p:sp>
             <p:nvSpPr>
               <p:cNvPr id="24" name="CasellaDiTesto 23">
@@ -5734,6 +5736,1784 @@
     <p:extLst>
       <p:ext uri="{BB962C8B-B14F-4D97-AF65-F5344CB8AC3E}">
         <p14:creationId xmlns:p14="http://schemas.microsoft.com/office/powerpoint/2010/main" val="125983716"/>
+      </p:ext>
+    </p:extLst>
+  </p:cSld>
+  <p:clrMapOvr>
+    <a:masterClrMapping/>
+  </p:clrMapOvr>
+</p:sld>
+</file>
+
+<file path=ppt/slides/slide12.xml><?xml version="1.0" encoding="utf-8"?>
+<p:sld xmlns:a="http://schemas.openxmlformats.org/drawingml/2006/main" xmlns:r="http://schemas.openxmlformats.org/officeDocument/2006/relationships" xmlns:p="http://schemas.openxmlformats.org/presentationml/2006/main">
+  <p:cSld>
+    <p:spTree>
+      <p:nvGrpSpPr>
+        <p:cNvPr id="1" name=""/>
+        <p:cNvGrpSpPr/>
+        <p:nvPr/>
+      </p:nvGrpSpPr>
+      <p:grpSpPr>
+        <a:xfrm>
+          <a:off x="0" y="0"/>
+          <a:ext cx="0" cy="0"/>
+          <a:chOff x="0" y="0"/>
+          <a:chExt cx="0" cy="0"/>
+        </a:xfrm>
+      </p:grpSpPr>
+      <p:cxnSp>
+        <p:nvCxnSpPr>
+          <p:cNvPr id="16" name="Connettore diritto 15">
+            <a:extLst>
+              <a:ext uri="{FF2B5EF4-FFF2-40B4-BE49-F238E27FC236}">
+                <a16:creationId xmlns:a16="http://schemas.microsoft.com/office/drawing/2014/main" id="{8268FD8E-4824-404F-A1F5-D6DA2BBBD26C}"/>
+              </a:ext>
+            </a:extLst>
+          </p:cNvPr>
+          <p:cNvCxnSpPr>
+            <a:cxnSpLocks/>
+          </p:cNvCxnSpPr>
+          <p:nvPr/>
+        </p:nvCxnSpPr>
+        <p:spPr>
+          <a:xfrm flipV="1">
+            <a:off x="4247307" y="3308434"/>
+            <a:ext cx="2069629" cy="14558"/>
+          </a:xfrm>
+          <a:prstGeom prst="line">
+            <a:avLst/>
+          </a:prstGeom>
+          <a:ln>
+            <a:headEnd type="none" w="med" len="med"/>
+            <a:tailEnd type="none" w="med" len="med"/>
+          </a:ln>
+        </p:spPr>
+        <p:style>
+          <a:lnRef idx="3">
+            <a:schemeClr val="dk1"/>
+          </a:lnRef>
+          <a:fillRef idx="0">
+            <a:schemeClr val="dk1"/>
+          </a:fillRef>
+          <a:effectRef idx="2">
+            <a:schemeClr val="dk1"/>
+          </a:effectRef>
+          <a:fontRef idx="minor">
+            <a:schemeClr val="tx1"/>
+          </a:fontRef>
+        </p:style>
+      </p:cxnSp>
+      <p:cxnSp>
+        <p:nvCxnSpPr>
+          <p:cNvPr id="25" name="Connettore diritto 24">
+            <a:extLst>
+              <a:ext uri="{FF2B5EF4-FFF2-40B4-BE49-F238E27FC236}">
+                <a16:creationId xmlns:a16="http://schemas.microsoft.com/office/drawing/2014/main" id="{77F49E93-79D8-476D-B5F7-01377E381AA1}"/>
+              </a:ext>
+            </a:extLst>
+          </p:cNvPr>
+          <p:cNvCxnSpPr>
+            <a:cxnSpLocks/>
+          </p:cNvCxnSpPr>
+          <p:nvPr/>
+        </p:nvCxnSpPr>
+        <p:spPr>
+          <a:xfrm>
+            <a:off x="6272162" y="3295405"/>
+            <a:ext cx="1700170" cy="1381886"/>
+          </a:xfrm>
+          <a:prstGeom prst="line">
+            <a:avLst/>
+          </a:prstGeom>
+          <a:ln/>
+        </p:spPr>
+        <p:style>
+          <a:lnRef idx="3">
+            <a:schemeClr val="dk1"/>
+          </a:lnRef>
+          <a:fillRef idx="0">
+            <a:schemeClr val="dk1"/>
+          </a:fillRef>
+          <a:effectRef idx="2">
+            <a:schemeClr val="dk1"/>
+          </a:effectRef>
+          <a:fontRef idx="minor">
+            <a:schemeClr val="tx1"/>
+          </a:fontRef>
+        </p:style>
+      </p:cxnSp>
+      <p:cxnSp>
+        <p:nvCxnSpPr>
+          <p:cNvPr id="23" name="Connettore diritto 22">
+            <a:extLst>
+              <a:ext uri="{FF2B5EF4-FFF2-40B4-BE49-F238E27FC236}">
+                <a16:creationId xmlns:a16="http://schemas.microsoft.com/office/drawing/2014/main" id="{FDA6CBB9-9AF0-4020-9652-FBEA53DB49A8}"/>
+              </a:ext>
+            </a:extLst>
+          </p:cNvPr>
+          <p:cNvCxnSpPr>
+            <a:cxnSpLocks/>
+          </p:cNvCxnSpPr>
+          <p:nvPr/>
+        </p:nvCxnSpPr>
+        <p:spPr>
+          <a:xfrm flipH="1">
+            <a:off x="6269201" y="1913520"/>
+            <a:ext cx="1703134" cy="1381885"/>
+          </a:xfrm>
+          <a:prstGeom prst="line">
+            <a:avLst/>
+          </a:prstGeom>
+          <a:ln/>
+        </p:spPr>
+        <p:style>
+          <a:lnRef idx="3">
+            <a:schemeClr val="dk1"/>
+          </a:lnRef>
+          <a:fillRef idx="0">
+            <a:schemeClr val="dk1"/>
+          </a:fillRef>
+          <a:effectRef idx="2">
+            <a:schemeClr val="dk1"/>
+          </a:effectRef>
+          <a:fontRef idx="minor">
+            <a:schemeClr val="tx1"/>
+          </a:fontRef>
+        </p:style>
+      </p:cxnSp>
+      <p:sp>
+        <p:nvSpPr>
+          <p:cNvPr id="9" name="Ovale 8">
+            <a:extLst>
+              <a:ext uri="{FF2B5EF4-FFF2-40B4-BE49-F238E27FC236}">
+                <a16:creationId xmlns:a16="http://schemas.microsoft.com/office/drawing/2014/main" id="{E1CD858E-A9AC-498F-B0ED-9337B0DBAC7D}"/>
+              </a:ext>
+            </a:extLst>
+          </p:cNvPr>
+          <p:cNvSpPr/>
+          <p:nvPr/>
+        </p:nvSpPr>
+        <p:spPr>
+          <a:xfrm>
+            <a:off x="5999523" y="3039541"/>
+            <a:ext cx="545285" cy="511729"/>
+          </a:xfrm>
+          <a:prstGeom prst="ellipse">
+            <a:avLst/>
+          </a:prstGeom>
+          <a:solidFill>
+            <a:schemeClr val="bg2">
+              <a:lumMod val="50000"/>
+            </a:schemeClr>
+          </a:solidFill>
+          <a:ln>
+            <a:solidFill>
+              <a:schemeClr val="tx1">
+                <a:lumMod val="85000"/>
+                <a:lumOff val="15000"/>
+              </a:schemeClr>
+            </a:solidFill>
+          </a:ln>
+        </p:spPr>
+        <p:style>
+          <a:lnRef idx="2">
+            <a:schemeClr val="accent1">
+              <a:shade val="50000"/>
+            </a:schemeClr>
+          </a:lnRef>
+          <a:fillRef idx="1">
+            <a:schemeClr val="accent1"/>
+          </a:fillRef>
+          <a:effectRef idx="0">
+            <a:schemeClr val="accent1"/>
+          </a:effectRef>
+          <a:fontRef idx="minor">
+            <a:schemeClr val="lt1"/>
+          </a:fontRef>
+        </p:style>
+        <p:txBody>
+          <a:bodyPr rtlCol="0" anchor="ctr"/>
+          <a:lstStyle/>
+          <a:p>
+            <a:pPr algn="ctr"/>
+            <a:r>
+              <a:rPr lang="it-IT" sz="2400" i="1" dirty="0"/>
+              <a:t>k</a:t>
+            </a:r>
+          </a:p>
+        </p:txBody>
+      </p:sp>
+      <p:sp>
+        <p:nvSpPr>
+          <p:cNvPr id="10" name="Ovale 9">
+            <a:extLst>
+              <a:ext uri="{FF2B5EF4-FFF2-40B4-BE49-F238E27FC236}">
+                <a16:creationId xmlns:a16="http://schemas.microsoft.com/office/drawing/2014/main" id="{87F835B7-821B-4C37-9ABF-E05F9D123497}"/>
+              </a:ext>
+            </a:extLst>
+          </p:cNvPr>
+          <p:cNvSpPr/>
+          <p:nvPr/>
+        </p:nvSpPr>
+        <p:spPr>
+          <a:xfrm>
+            <a:off x="7699693" y="4382417"/>
+            <a:ext cx="545285" cy="511729"/>
+          </a:xfrm>
+          <a:prstGeom prst="ellipse">
+            <a:avLst/>
+          </a:prstGeom>
+          <a:solidFill>
+            <a:schemeClr val="bg2">
+              <a:lumMod val="50000"/>
+            </a:schemeClr>
+          </a:solidFill>
+          <a:ln>
+            <a:solidFill>
+              <a:schemeClr val="tx1">
+                <a:lumMod val="85000"/>
+                <a:lumOff val="15000"/>
+              </a:schemeClr>
+            </a:solidFill>
+          </a:ln>
+        </p:spPr>
+        <p:style>
+          <a:lnRef idx="2">
+            <a:schemeClr val="accent1">
+              <a:shade val="50000"/>
+            </a:schemeClr>
+          </a:lnRef>
+          <a:fillRef idx="1">
+            <a:schemeClr val="accent1"/>
+          </a:fillRef>
+          <a:effectRef idx="0">
+            <a:schemeClr val="accent1"/>
+          </a:effectRef>
+          <a:fontRef idx="minor">
+            <a:schemeClr val="lt1"/>
+          </a:fontRef>
+        </p:style>
+        <p:txBody>
+          <a:bodyPr rtlCol="0" anchor="ctr"/>
+          <a:lstStyle/>
+          <a:p>
+            <a:pPr algn="ctr"/>
+            <a:r>
+              <a:rPr lang="it-IT" sz="2400" dirty="0"/>
+              <a:t>s</a:t>
+            </a:r>
+          </a:p>
+        </p:txBody>
+      </p:sp>
+      <p:sp>
+        <p:nvSpPr>
+          <p:cNvPr id="11" name="Ovale 10">
+            <a:extLst>
+              <a:ext uri="{FF2B5EF4-FFF2-40B4-BE49-F238E27FC236}">
+                <a16:creationId xmlns:a16="http://schemas.microsoft.com/office/drawing/2014/main" id="{D5EFBF8E-3097-4D14-871D-D0818153B3B1}"/>
+              </a:ext>
+            </a:extLst>
+          </p:cNvPr>
+          <p:cNvSpPr/>
+          <p:nvPr/>
+        </p:nvSpPr>
+        <p:spPr>
+          <a:xfrm>
+            <a:off x="7699693" y="1657656"/>
+            <a:ext cx="545285" cy="511729"/>
+          </a:xfrm>
+          <a:prstGeom prst="ellipse">
+            <a:avLst/>
+          </a:prstGeom>
+          <a:solidFill>
+            <a:schemeClr val="bg2">
+              <a:lumMod val="50000"/>
+            </a:schemeClr>
+          </a:solidFill>
+          <a:ln>
+            <a:solidFill>
+              <a:schemeClr val="tx1">
+                <a:lumMod val="85000"/>
+                <a:lumOff val="15000"/>
+              </a:schemeClr>
+            </a:solidFill>
+          </a:ln>
+        </p:spPr>
+        <p:style>
+          <a:lnRef idx="2">
+            <a:schemeClr val="accent1">
+              <a:shade val="50000"/>
+            </a:schemeClr>
+          </a:lnRef>
+          <a:fillRef idx="1">
+            <a:schemeClr val="accent1"/>
+          </a:fillRef>
+          <a:effectRef idx="0">
+            <a:schemeClr val="accent1"/>
+          </a:effectRef>
+          <a:fontRef idx="minor">
+            <a:schemeClr val="lt1"/>
+          </a:fontRef>
+        </p:style>
+        <p:txBody>
+          <a:bodyPr rtlCol="0" anchor="ctr"/>
+          <a:lstStyle/>
+          <a:p>
+            <a:pPr algn="ctr"/>
+            <a:r>
+              <a:rPr lang="it-IT" sz="2400" dirty="0"/>
+              <a:t>u</a:t>
+            </a:r>
+          </a:p>
+        </p:txBody>
+      </p:sp>
+      <mc:AlternateContent xmlns:mc="http://schemas.openxmlformats.org/markup-compatibility/2006">
+        <mc:Choice xmlns:a14="http://schemas.microsoft.com/office/drawing/2010/main" Requires="a14">
+          <p:sp>
+            <p:nvSpPr>
+              <p:cNvPr id="34" name="CasellaDiTesto 33">
+                <a:extLst>
+                  <a:ext uri="{FF2B5EF4-FFF2-40B4-BE49-F238E27FC236}">
+                    <a16:creationId xmlns:a16="http://schemas.microsoft.com/office/drawing/2014/main" id="{3043EDF5-0856-4F39-8192-5232679663C3}"/>
+                  </a:ext>
+                </a:extLst>
+              </p:cNvPr>
+              <p:cNvSpPr txBox="1"/>
+              <p:nvPr/>
+            </p:nvSpPr>
+            <p:spPr>
+              <a:xfrm rot="19256206">
+                <a:off x="6585331" y="2182765"/>
+                <a:ext cx="1008724" cy="369332"/>
+              </a:xfrm>
+              <a:prstGeom prst="rect">
+                <a:avLst/>
+              </a:prstGeom>
+              <a:noFill/>
+            </p:spPr>
+            <p:txBody>
+              <a:bodyPr wrap="square" rtlCol="0">
+                <a:spAutoFit/>
+              </a:bodyPr>
+              <a:lstStyle/>
+              <a:p>
+                <a:pPr/>
+                <a14:m>
+                  <m:oMathPara xmlns:m="http://schemas.openxmlformats.org/officeDocument/2006/math">
+                    <m:oMathParaPr>
+                      <m:jc m:val="centerGroup"/>
+                    </m:oMathParaPr>
+                    <m:oMath xmlns:m="http://schemas.openxmlformats.org/officeDocument/2006/math">
+                      <m:r>
+                        <a:rPr lang="it-IT" i="1" smtClean="0">
+                          <a:latin typeface="Cambria Math" panose="02040503050406030204" pitchFamily="18" charset="0"/>
+                        </a:rPr>
+                        <m:t>6</m:t>
+                      </m:r>
+                    </m:oMath>
+                  </m:oMathPara>
+                </a14:m>
+                <a:endParaRPr lang="it-IT" dirty="0"/>
+              </a:p>
+            </p:txBody>
+          </p:sp>
+        </mc:Choice>
+        <mc:Fallback>
+          <p:sp>
+            <p:nvSpPr>
+              <p:cNvPr id="34" name="CasellaDiTesto 33">
+                <a:extLst>
+                  <a:ext uri="{FF2B5EF4-FFF2-40B4-BE49-F238E27FC236}">
+                    <a16:creationId xmlns:a16="http://schemas.microsoft.com/office/drawing/2014/main" id="{3043EDF5-0856-4F39-8192-5232679663C3}"/>
+                  </a:ext>
+                </a:extLst>
+              </p:cNvPr>
+              <p:cNvSpPr txBox="1">
+                <a:spLocks noRot="1" noChangeAspect="1" noMove="1" noResize="1" noEditPoints="1" noAdjustHandles="1" noChangeArrowheads="1" noChangeShapeType="1" noTextEdit="1"/>
+              </p:cNvSpPr>
+              <p:nvPr/>
+            </p:nvSpPr>
+            <p:spPr>
+              <a:xfrm rot="19256206">
+                <a:off x="6585331" y="2182765"/>
+                <a:ext cx="1008724" cy="369332"/>
+              </a:xfrm>
+              <a:prstGeom prst="rect">
+                <a:avLst/>
+              </a:prstGeom>
+              <a:blipFill>
+                <a:blip r:embed="rId2"/>
+                <a:stretch>
+                  <a:fillRect/>
+                </a:stretch>
+              </a:blipFill>
+            </p:spPr>
+            <p:txBody>
+              <a:bodyPr/>
+              <a:lstStyle/>
+              <a:p>
+                <a:r>
+                  <a:rPr lang="it-IT">
+                    <a:noFill/>
+                  </a:rPr>
+                  <a:t> </a:t>
+                </a:r>
+              </a:p>
+            </p:txBody>
+          </p:sp>
+        </mc:Fallback>
+      </mc:AlternateContent>
+      <mc:AlternateContent xmlns:mc="http://schemas.openxmlformats.org/markup-compatibility/2006">
+        <mc:Choice xmlns:a14="http://schemas.microsoft.com/office/drawing/2010/main" Requires="a14">
+          <p:sp>
+            <p:nvSpPr>
+              <p:cNvPr id="20" name="CasellaDiTesto 19">
+                <a:extLst>
+                  <a:ext uri="{FF2B5EF4-FFF2-40B4-BE49-F238E27FC236}">
+                    <a16:creationId xmlns:a16="http://schemas.microsoft.com/office/drawing/2014/main" id="{AEC37D64-B461-4739-B615-49B84BD77AC6}"/>
+                  </a:ext>
+                </a:extLst>
+              </p:cNvPr>
+              <p:cNvSpPr txBox="1"/>
+              <p:nvPr/>
+            </p:nvSpPr>
+            <p:spPr>
+              <a:xfrm rot="2308727">
+                <a:off x="6457698" y="3904878"/>
+                <a:ext cx="1008724" cy="369332"/>
+              </a:xfrm>
+              <a:prstGeom prst="rect">
+                <a:avLst/>
+              </a:prstGeom>
+              <a:noFill/>
+            </p:spPr>
+            <p:txBody>
+              <a:bodyPr wrap="square" rtlCol="0">
+                <a:spAutoFit/>
+              </a:bodyPr>
+              <a:lstStyle/>
+              <a:p>
+                <a:pPr/>
+                <a14:m>
+                  <m:oMathPara xmlns:m="http://schemas.openxmlformats.org/officeDocument/2006/math">
+                    <m:oMathParaPr>
+                      <m:jc m:val="centerGroup"/>
+                    </m:oMathParaPr>
+                    <m:oMath xmlns:m="http://schemas.openxmlformats.org/officeDocument/2006/math">
+                      <m:r>
+                        <a:rPr lang="it-IT" i="1" smtClean="0">
+                          <a:latin typeface="Cambria Math" panose="02040503050406030204" pitchFamily="18" charset="0"/>
+                        </a:rPr>
+                        <m:t>7</m:t>
+                      </m:r>
+                    </m:oMath>
+                  </m:oMathPara>
+                </a14:m>
+                <a:endParaRPr lang="it-IT" dirty="0"/>
+              </a:p>
+            </p:txBody>
+          </p:sp>
+        </mc:Choice>
+        <mc:Fallback>
+          <p:sp>
+            <p:nvSpPr>
+              <p:cNvPr id="20" name="CasellaDiTesto 19">
+                <a:extLst>
+                  <a:ext uri="{FF2B5EF4-FFF2-40B4-BE49-F238E27FC236}">
+                    <a16:creationId xmlns:a16="http://schemas.microsoft.com/office/drawing/2014/main" id="{AEC37D64-B461-4739-B615-49B84BD77AC6}"/>
+                  </a:ext>
+                </a:extLst>
+              </p:cNvPr>
+              <p:cNvSpPr txBox="1">
+                <a:spLocks noRot="1" noChangeAspect="1" noMove="1" noResize="1" noEditPoints="1" noAdjustHandles="1" noChangeArrowheads="1" noChangeShapeType="1" noTextEdit="1"/>
+              </p:cNvSpPr>
+              <p:nvPr/>
+            </p:nvSpPr>
+            <p:spPr>
+              <a:xfrm rot="2308727">
+                <a:off x="6457698" y="3904878"/>
+                <a:ext cx="1008724" cy="369332"/>
+              </a:xfrm>
+              <a:prstGeom prst="rect">
+                <a:avLst/>
+              </a:prstGeom>
+              <a:blipFill>
+                <a:blip r:embed="rId3"/>
+                <a:stretch>
+                  <a:fillRect/>
+                </a:stretch>
+              </a:blipFill>
+            </p:spPr>
+            <p:txBody>
+              <a:bodyPr/>
+              <a:lstStyle/>
+              <a:p>
+                <a:r>
+                  <a:rPr lang="it-IT">
+                    <a:noFill/>
+                  </a:rPr>
+                  <a:t> </a:t>
+                </a:r>
+              </a:p>
+            </p:txBody>
+          </p:sp>
+        </mc:Fallback>
+      </mc:AlternateContent>
+      <p:sp>
+        <p:nvSpPr>
+          <p:cNvPr id="15" name="Ovale 14">
+            <a:extLst>
+              <a:ext uri="{FF2B5EF4-FFF2-40B4-BE49-F238E27FC236}">
+                <a16:creationId xmlns:a16="http://schemas.microsoft.com/office/drawing/2014/main" id="{8D5BD6A8-4A8D-4BFF-8C89-28AAD2DD2E07}"/>
+              </a:ext>
+            </a:extLst>
+          </p:cNvPr>
+          <p:cNvSpPr/>
+          <p:nvPr/>
+        </p:nvSpPr>
+        <p:spPr>
+          <a:xfrm>
+            <a:off x="3891990" y="3039541"/>
+            <a:ext cx="545285" cy="511729"/>
+          </a:xfrm>
+          <a:prstGeom prst="ellipse">
+            <a:avLst/>
+          </a:prstGeom>
+          <a:solidFill>
+            <a:schemeClr val="bg2">
+              <a:lumMod val="50000"/>
+            </a:schemeClr>
+          </a:solidFill>
+          <a:ln>
+            <a:solidFill>
+              <a:schemeClr val="tx1">
+                <a:lumMod val="85000"/>
+                <a:lumOff val="15000"/>
+              </a:schemeClr>
+            </a:solidFill>
+          </a:ln>
+        </p:spPr>
+        <p:style>
+          <a:lnRef idx="2">
+            <a:schemeClr val="accent1">
+              <a:shade val="50000"/>
+            </a:schemeClr>
+          </a:lnRef>
+          <a:fillRef idx="1">
+            <a:schemeClr val="accent1"/>
+          </a:fillRef>
+          <a:effectRef idx="0">
+            <a:schemeClr val="accent1"/>
+          </a:effectRef>
+          <a:fontRef idx="minor">
+            <a:schemeClr val="lt1"/>
+          </a:fontRef>
+        </p:style>
+        <p:txBody>
+          <a:bodyPr rtlCol="0" anchor="ctr"/>
+          <a:lstStyle/>
+          <a:p>
+            <a:pPr algn="ctr"/>
+            <a:r>
+              <a:rPr lang="it-IT" sz="2400" dirty="0"/>
+              <a:t>f</a:t>
+            </a:r>
+          </a:p>
+        </p:txBody>
+      </p:sp>
+      <mc:AlternateContent xmlns:mc="http://schemas.openxmlformats.org/markup-compatibility/2006">
+        <mc:Choice xmlns:a14="http://schemas.microsoft.com/office/drawing/2010/main" Requires="a14">
+          <p:sp>
+            <p:nvSpPr>
+              <p:cNvPr id="19" name="CasellaDiTesto 18">
+                <a:extLst>
+                  <a:ext uri="{FF2B5EF4-FFF2-40B4-BE49-F238E27FC236}">
+                    <a16:creationId xmlns:a16="http://schemas.microsoft.com/office/drawing/2014/main" id="{8EBC1935-0AEC-4487-AF17-F984F8DAA849}"/>
+                  </a:ext>
+                </a:extLst>
+              </p:cNvPr>
+              <p:cNvSpPr txBox="1"/>
+              <p:nvPr/>
+            </p:nvSpPr>
+            <p:spPr>
+              <a:xfrm>
+                <a:off x="4706953" y="2923538"/>
+                <a:ext cx="1008724" cy="369332"/>
+              </a:xfrm>
+              <a:prstGeom prst="rect">
+                <a:avLst/>
+              </a:prstGeom>
+              <a:noFill/>
+            </p:spPr>
+            <p:txBody>
+              <a:bodyPr wrap="square" rtlCol="0">
+                <a:spAutoFit/>
+              </a:bodyPr>
+              <a:lstStyle/>
+              <a:p>
+                <a:pPr/>
+                <a14:m>
+                  <m:oMathPara xmlns:m="http://schemas.openxmlformats.org/officeDocument/2006/math">
+                    <m:oMathParaPr>
+                      <m:jc m:val="centerGroup"/>
+                    </m:oMathParaPr>
+                    <m:oMath xmlns:m="http://schemas.openxmlformats.org/officeDocument/2006/math">
+                      <m:r>
+                        <a:rPr lang="it-IT" b="0" i="1" smtClean="0">
+                          <a:latin typeface="Cambria Math" panose="02040503050406030204" pitchFamily="18" charset="0"/>
+                        </a:rPr>
+                        <m:t>15</m:t>
+                      </m:r>
+                    </m:oMath>
+                  </m:oMathPara>
+                </a14:m>
+                <a:endParaRPr lang="it-IT" dirty="0"/>
+              </a:p>
+            </p:txBody>
+          </p:sp>
+        </mc:Choice>
+        <mc:Fallback>
+          <p:sp>
+            <p:nvSpPr>
+              <p:cNvPr id="19" name="CasellaDiTesto 18">
+                <a:extLst>
+                  <a:ext uri="{FF2B5EF4-FFF2-40B4-BE49-F238E27FC236}">
+                    <a16:creationId xmlns:a16="http://schemas.microsoft.com/office/drawing/2014/main" id="{8EBC1935-0AEC-4487-AF17-F984F8DAA849}"/>
+                  </a:ext>
+                </a:extLst>
+              </p:cNvPr>
+              <p:cNvSpPr txBox="1">
+                <a:spLocks noRot="1" noChangeAspect="1" noMove="1" noResize="1" noEditPoints="1" noAdjustHandles="1" noChangeArrowheads="1" noChangeShapeType="1" noTextEdit="1"/>
+              </p:cNvSpPr>
+              <p:nvPr/>
+            </p:nvSpPr>
+            <p:spPr>
+              <a:xfrm>
+                <a:off x="4706953" y="2923538"/>
+                <a:ext cx="1008724" cy="369332"/>
+              </a:xfrm>
+              <a:prstGeom prst="rect">
+                <a:avLst/>
+              </a:prstGeom>
+              <a:blipFill>
+                <a:blip r:embed="rId4"/>
+                <a:stretch>
+                  <a:fillRect/>
+                </a:stretch>
+              </a:blipFill>
+            </p:spPr>
+            <p:txBody>
+              <a:bodyPr/>
+              <a:lstStyle/>
+              <a:p>
+                <a:r>
+                  <a:rPr lang="it-IT">
+                    <a:noFill/>
+                  </a:rPr>
+                  <a:t> </a:t>
+                </a:r>
+              </a:p>
+            </p:txBody>
+          </p:sp>
+        </mc:Fallback>
+      </mc:AlternateContent>
+    </p:spTree>
+    <p:extLst>
+      <p:ext uri="{BB962C8B-B14F-4D97-AF65-F5344CB8AC3E}">
+        <p14:creationId xmlns:p14="http://schemas.microsoft.com/office/powerpoint/2010/main" val="1174757561"/>
+      </p:ext>
+    </p:extLst>
+  </p:cSld>
+  <p:clrMapOvr>
+    <a:masterClrMapping/>
+  </p:clrMapOvr>
+</p:sld>
+</file>
+
+<file path=ppt/slides/slide13.xml><?xml version="1.0" encoding="utf-8"?>
+<p:sld xmlns:a="http://schemas.openxmlformats.org/drawingml/2006/main" xmlns:r="http://schemas.openxmlformats.org/officeDocument/2006/relationships" xmlns:p="http://schemas.openxmlformats.org/presentationml/2006/main">
+  <p:cSld>
+    <p:spTree>
+      <p:nvGrpSpPr>
+        <p:cNvPr id="1" name=""/>
+        <p:cNvGrpSpPr/>
+        <p:nvPr/>
+      </p:nvGrpSpPr>
+      <p:grpSpPr>
+        <a:xfrm>
+          <a:off x="0" y="0"/>
+          <a:ext cx="0" cy="0"/>
+          <a:chOff x="0" y="0"/>
+          <a:chExt cx="0" cy="0"/>
+        </a:xfrm>
+      </p:grpSpPr>
+      <p:cxnSp>
+        <p:nvCxnSpPr>
+          <p:cNvPr id="16" name="Connettore diritto 15">
+            <a:extLst>
+              <a:ext uri="{FF2B5EF4-FFF2-40B4-BE49-F238E27FC236}">
+                <a16:creationId xmlns:a16="http://schemas.microsoft.com/office/drawing/2014/main" id="{8268FD8E-4824-404F-A1F5-D6DA2BBBD26C}"/>
+              </a:ext>
+            </a:extLst>
+          </p:cNvPr>
+          <p:cNvCxnSpPr>
+            <a:cxnSpLocks/>
+          </p:cNvCxnSpPr>
+          <p:nvPr/>
+        </p:nvCxnSpPr>
+        <p:spPr>
+          <a:xfrm flipV="1">
+            <a:off x="5044261" y="3333601"/>
+            <a:ext cx="2069629" cy="14558"/>
+          </a:xfrm>
+          <a:prstGeom prst="line">
+            <a:avLst/>
+          </a:prstGeom>
+          <a:ln>
+            <a:headEnd type="none" w="med" len="med"/>
+            <a:tailEnd type="none" w="med" len="med"/>
+          </a:ln>
+        </p:spPr>
+        <p:style>
+          <a:lnRef idx="3">
+            <a:schemeClr val="dk1"/>
+          </a:lnRef>
+          <a:fillRef idx="0">
+            <a:schemeClr val="dk1"/>
+          </a:fillRef>
+          <a:effectRef idx="2">
+            <a:schemeClr val="dk1"/>
+          </a:effectRef>
+          <a:fontRef idx="minor">
+            <a:schemeClr val="tx1"/>
+          </a:fontRef>
+        </p:style>
+      </p:cxnSp>
+      <p:cxnSp>
+        <p:nvCxnSpPr>
+          <p:cNvPr id="28" name="Connettore diritto 27">
+            <a:extLst>
+              <a:ext uri="{FF2B5EF4-FFF2-40B4-BE49-F238E27FC236}">
+                <a16:creationId xmlns:a16="http://schemas.microsoft.com/office/drawing/2014/main" id="{A1376592-4F22-421E-90D4-70499545155C}"/>
+              </a:ext>
+            </a:extLst>
+          </p:cNvPr>
+          <p:cNvCxnSpPr>
+            <a:cxnSpLocks/>
+          </p:cNvCxnSpPr>
+          <p:nvPr/>
+        </p:nvCxnSpPr>
+        <p:spPr>
+          <a:xfrm>
+            <a:off x="3379048" y="1966273"/>
+            <a:ext cx="1697205" cy="1351764"/>
+          </a:xfrm>
+          <a:prstGeom prst="line">
+            <a:avLst/>
+          </a:prstGeom>
+          <a:ln>
+            <a:headEnd type="none" w="med" len="med"/>
+            <a:tailEnd type="none" w="med" len="med"/>
+          </a:ln>
+        </p:spPr>
+        <p:style>
+          <a:lnRef idx="3">
+            <a:schemeClr val="dk1"/>
+          </a:lnRef>
+          <a:fillRef idx="0">
+            <a:schemeClr val="dk1"/>
+          </a:fillRef>
+          <a:effectRef idx="2">
+            <a:schemeClr val="dk1"/>
+          </a:effectRef>
+          <a:fontRef idx="minor">
+            <a:schemeClr val="tx1"/>
+          </a:fontRef>
+        </p:style>
+      </p:cxnSp>
+      <p:cxnSp>
+        <p:nvCxnSpPr>
+          <p:cNvPr id="26" name="Connettore diritto 25">
+            <a:extLst>
+              <a:ext uri="{FF2B5EF4-FFF2-40B4-BE49-F238E27FC236}">
+                <a16:creationId xmlns:a16="http://schemas.microsoft.com/office/drawing/2014/main" id="{E37A84F6-B55A-4468-B75F-679898CB2FC0}"/>
+              </a:ext>
+            </a:extLst>
+          </p:cNvPr>
+          <p:cNvCxnSpPr>
+            <a:cxnSpLocks/>
+          </p:cNvCxnSpPr>
+          <p:nvPr/>
+        </p:nvCxnSpPr>
+        <p:spPr>
+          <a:xfrm flipV="1">
+            <a:off x="3379048" y="3348158"/>
+            <a:ext cx="1652431" cy="1344655"/>
+          </a:xfrm>
+          <a:prstGeom prst="line">
+            <a:avLst/>
+          </a:prstGeom>
+          <a:ln>
+            <a:headEnd type="none" w="med" len="med"/>
+            <a:tailEnd type="none" w="med" len="med"/>
+          </a:ln>
+        </p:spPr>
+        <p:style>
+          <a:lnRef idx="3">
+            <a:schemeClr val="dk1"/>
+          </a:lnRef>
+          <a:fillRef idx="0">
+            <a:schemeClr val="dk1"/>
+          </a:fillRef>
+          <a:effectRef idx="2">
+            <a:schemeClr val="dk1"/>
+          </a:effectRef>
+          <a:fontRef idx="minor">
+            <a:schemeClr val="tx1"/>
+          </a:fontRef>
+        </p:style>
+      </p:cxnSp>
+      <p:cxnSp>
+        <p:nvCxnSpPr>
+          <p:cNvPr id="25" name="Connettore diritto 24">
+            <a:extLst>
+              <a:ext uri="{FF2B5EF4-FFF2-40B4-BE49-F238E27FC236}">
+                <a16:creationId xmlns:a16="http://schemas.microsoft.com/office/drawing/2014/main" id="{77F49E93-79D8-476D-B5F7-01377E381AA1}"/>
+              </a:ext>
+            </a:extLst>
+          </p:cNvPr>
+          <p:cNvCxnSpPr>
+            <a:cxnSpLocks/>
+          </p:cNvCxnSpPr>
+          <p:nvPr/>
+        </p:nvCxnSpPr>
+        <p:spPr>
+          <a:xfrm>
+            <a:off x="7069116" y="3320572"/>
+            <a:ext cx="1700170" cy="1381886"/>
+          </a:xfrm>
+          <a:prstGeom prst="line">
+            <a:avLst/>
+          </a:prstGeom>
+          <a:ln/>
+        </p:spPr>
+        <p:style>
+          <a:lnRef idx="3">
+            <a:schemeClr val="dk1"/>
+          </a:lnRef>
+          <a:fillRef idx="0">
+            <a:schemeClr val="dk1"/>
+          </a:fillRef>
+          <a:effectRef idx="2">
+            <a:schemeClr val="dk1"/>
+          </a:effectRef>
+          <a:fontRef idx="minor">
+            <a:schemeClr val="tx1"/>
+          </a:fontRef>
+        </p:style>
+      </p:cxnSp>
+      <p:cxnSp>
+        <p:nvCxnSpPr>
+          <p:cNvPr id="23" name="Connettore diritto 22">
+            <a:extLst>
+              <a:ext uri="{FF2B5EF4-FFF2-40B4-BE49-F238E27FC236}">
+                <a16:creationId xmlns:a16="http://schemas.microsoft.com/office/drawing/2014/main" id="{FDA6CBB9-9AF0-4020-9652-FBEA53DB49A8}"/>
+              </a:ext>
+            </a:extLst>
+          </p:cNvPr>
+          <p:cNvCxnSpPr>
+            <a:cxnSpLocks/>
+          </p:cNvCxnSpPr>
+          <p:nvPr/>
+        </p:nvCxnSpPr>
+        <p:spPr>
+          <a:xfrm flipH="1">
+            <a:off x="7066155" y="1938687"/>
+            <a:ext cx="1703134" cy="1381885"/>
+          </a:xfrm>
+          <a:prstGeom prst="line">
+            <a:avLst/>
+          </a:prstGeom>
+          <a:ln/>
+        </p:spPr>
+        <p:style>
+          <a:lnRef idx="3">
+            <a:schemeClr val="dk1"/>
+          </a:lnRef>
+          <a:fillRef idx="0">
+            <a:schemeClr val="dk1"/>
+          </a:fillRef>
+          <a:effectRef idx="2">
+            <a:schemeClr val="dk1"/>
+          </a:effectRef>
+          <a:fontRef idx="minor">
+            <a:schemeClr val="tx1"/>
+          </a:fontRef>
+        </p:style>
+      </p:cxnSp>
+      <p:sp>
+        <p:nvSpPr>
+          <p:cNvPr id="9" name="Ovale 8">
+            <a:extLst>
+              <a:ext uri="{FF2B5EF4-FFF2-40B4-BE49-F238E27FC236}">
+                <a16:creationId xmlns:a16="http://schemas.microsoft.com/office/drawing/2014/main" id="{E1CD858E-A9AC-498F-B0ED-9337B0DBAC7D}"/>
+              </a:ext>
+            </a:extLst>
+          </p:cNvPr>
+          <p:cNvSpPr/>
+          <p:nvPr/>
+        </p:nvSpPr>
+        <p:spPr>
+          <a:xfrm>
+            <a:off x="6796477" y="3064708"/>
+            <a:ext cx="545285" cy="511729"/>
+          </a:xfrm>
+          <a:prstGeom prst="ellipse">
+            <a:avLst/>
+          </a:prstGeom>
+          <a:solidFill>
+            <a:schemeClr val="bg2">
+              <a:lumMod val="50000"/>
+            </a:schemeClr>
+          </a:solidFill>
+          <a:ln>
+            <a:solidFill>
+              <a:schemeClr val="tx1">
+                <a:lumMod val="85000"/>
+                <a:lumOff val="15000"/>
+              </a:schemeClr>
+            </a:solidFill>
+          </a:ln>
+        </p:spPr>
+        <p:style>
+          <a:lnRef idx="2">
+            <a:schemeClr val="accent1">
+              <a:shade val="50000"/>
+            </a:schemeClr>
+          </a:lnRef>
+          <a:fillRef idx="1">
+            <a:schemeClr val="accent1"/>
+          </a:fillRef>
+          <a:effectRef idx="0">
+            <a:schemeClr val="accent1"/>
+          </a:effectRef>
+          <a:fontRef idx="minor">
+            <a:schemeClr val="lt1"/>
+          </a:fontRef>
+        </p:style>
+        <p:txBody>
+          <a:bodyPr rtlCol="0" anchor="ctr"/>
+          <a:lstStyle/>
+          <a:p>
+            <a:pPr algn="ctr"/>
+            <a:r>
+              <a:rPr lang="it-IT" sz="2400" i="1" dirty="0"/>
+              <a:t>k</a:t>
+            </a:r>
+          </a:p>
+        </p:txBody>
+      </p:sp>
+      <p:sp>
+        <p:nvSpPr>
+          <p:cNvPr id="10" name="Ovale 9">
+            <a:extLst>
+              <a:ext uri="{FF2B5EF4-FFF2-40B4-BE49-F238E27FC236}">
+                <a16:creationId xmlns:a16="http://schemas.microsoft.com/office/drawing/2014/main" id="{87F835B7-821B-4C37-9ABF-E05F9D123497}"/>
+              </a:ext>
+            </a:extLst>
+          </p:cNvPr>
+          <p:cNvSpPr/>
+          <p:nvPr/>
+        </p:nvSpPr>
+        <p:spPr>
+          <a:xfrm>
+            <a:off x="8496647" y="4407584"/>
+            <a:ext cx="545285" cy="511729"/>
+          </a:xfrm>
+          <a:prstGeom prst="ellipse">
+            <a:avLst/>
+          </a:prstGeom>
+          <a:solidFill>
+            <a:schemeClr val="bg2">
+              <a:lumMod val="50000"/>
+            </a:schemeClr>
+          </a:solidFill>
+          <a:ln>
+            <a:solidFill>
+              <a:schemeClr val="tx1">
+                <a:lumMod val="85000"/>
+                <a:lumOff val="15000"/>
+              </a:schemeClr>
+            </a:solidFill>
+          </a:ln>
+        </p:spPr>
+        <p:style>
+          <a:lnRef idx="2">
+            <a:schemeClr val="accent1">
+              <a:shade val="50000"/>
+            </a:schemeClr>
+          </a:lnRef>
+          <a:fillRef idx="1">
+            <a:schemeClr val="accent1"/>
+          </a:fillRef>
+          <a:effectRef idx="0">
+            <a:schemeClr val="accent1"/>
+          </a:effectRef>
+          <a:fontRef idx="minor">
+            <a:schemeClr val="lt1"/>
+          </a:fontRef>
+        </p:style>
+        <p:txBody>
+          <a:bodyPr rtlCol="0" anchor="ctr"/>
+          <a:lstStyle/>
+          <a:p>
+            <a:pPr algn="ctr"/>
+            <a:r>
+              <a:rPr lang="it-IT" sz="2400" dirty="0"/>
+              <a:t>s</a:t>
+            </a:r>
+          </a:p>
+        </p:txBody>
+      </p:sp>
+      <p:sp>
+        <p:nvSpPr>
+          <p:cNvPr id="11" name="Ovale 10">
+            <a:extLst>
+              <a:ext uri="{FF2B5EF4-FFF2-40B4-BE49-F238E27FC236}">
+                <a16:creationId xmlns:a16="http://schemas.microsoft.com/office/drawing/2014/main" id="{D5EFBF8E-3097-4D14-871D-D0818153B3B1}"/>
+              </a:ext>
+            </a:extLst>
+          </p:cNvPr>
+          <p:cNvSpPr/>
+          <p:nvPr/>
+        </p:nvSpPr>
+        <p:spPr>
+          <a:xfrm>
+            <a:off x="8496647" y="1682823"/>
+            <a:ext cx="545285" cy="511729"/>
+          </a:xfrm>
+          <a:prstGeom prst="ellipse">
+            <a:avLst/>
+          </a:prstGeom>
+          <a:solidFill>
+            <a:schemeClr val="bg2">
+              <a:lumMod val="50000"/>
+            </a:schemeClr>
+          </a:solidFill>
+          <a:ln>
+            <a:solidFill>
+              <a:schemeClr val="tx1">
+                <a:lumMod val="85000"/>
+                <a:lumOff val="15000"/>
+              </a:schemeClr>
+            </a:solidFill>
+          </a:ln>
+        </p:spPr>
+        <p:style>
+          <a:lnRef idx="2">
+            <a:schemeClr val="accent1">
+              <a:shade val="50000"/>
+            </a:schemeClr>
+          </a:lnRef>
+          <a:fillRef idx="1">
+            <a:schemeClr val="accent1"/>
+          </a:fillRef>
+          <a:effectRef idx="0">
+            <a:schemeClr val="accent1"/>
+          </a:effectRef>
+          <a:fontRef idx="minor">
+            <a:schemeClr val="lt1"/>
+          </a:fontRef>
+        </p:style>
+        <p:txBody>
+          <a:bodyPr rtlCol="0" anchor="ctr"/>
+          <a:lstStyle/>
+          <a:p>
+            <a:pPr algn="ctr"/>
+            <a:r>
+              <a:rPr lang="it-IT" sz="2400" dirty="0"/>
+              <a:t>u</a:t>
+            </a:r>
+          </a:p>
+        </p:txBody>
+      </p:sp>
+      <mc:AlternateContent xmlns:mc="http://schemas.openxmlformats.org/markup-compatibility/2006">
+        <mc:Choice xmlns:a14="http://schemas.microsoft.com/office/drawing/2010/main" Requires="a14">
+          <p:sp>
+            <p:nvSpPr>
+              <p:cNvPr id="34" name="CasellaDiTesto 33">
+                <a:extLst>
+                  <a:ext uri="{FF2B5EF4-FFF2-40B4-BE49-F238E27FC236}">
+                    <a16:creationId xmlns:a16="http://schemas.microsoft.com/office/drawing/2014/main" id="{3043EDF5-0856-4F39-8192-5232679663C3}"/>
+                  </a:ext>
+                </a:extLst>
+              </p:cNvPr>
+              <p:cNvSpPr txBox="1"/>
+              <p:nvPr/>
+            </p:nvSpPr>
+            <p:spPr>
+              <a:xfrm rot="19256206">
+                <a:off x="7382285" y="2207932"/>
+                <a:ext cx="1008724" cy="369332"/>
+              </a:xfrm>
+              <a:prstGeom prst="rect">
+                <a:avLst/>
+              </a:prstGeom>
+              <a:noFill/>
+            </p:spPr>
+            <p:txBody>
+              <a:bodyPr wrap="square" rtlCol="0">
+                <a:spAutoFit/>
+              </a:bodyPr>
+              <a:lstStyle/>
+              <a:p>
+                <a:pPr/>
+                <a14:m>
+                  <m:oMathPara xmlns:m="http://schemas.openxmlformats.org/officeDocument/2006/math">
+                    <m:oMathParaPr>
+                      <m:jc m:val="centerGroup"/>
+                    </m:oMathParaPr>
+                    <m:oMath xmlns:m="http://schemas.openxmlformats.org/officeDocument/2006/math">
+                      <m:r>
+                        <a:rPr lang="it-IT" i="1" smtClean="0">
+                          <a:latin typeface="Cambria Math" panose="02040503050406030204" pitchFamily="18" charset="0"/>
+                        </a:rPr>
+                        <m:t>6</m:t>
+                      </m:r>
+                    </m:oMath>
+                  </m:oMathPara>
+                </a14:m>
+                <a:endParaRPr lang="it-IT" dirty="0"/>
+              </a:p>
+            </p:txBody>
+          </p:sp>
+        </mc:Choice>
+        <mc:Fallback>
+          <p:sp>
+            <p:nvSpPr>
+              <p:cNvPr id="34" name="CasellaDiTesto 33">
+                <a:extLst>
+                  <a:ext uri="{FF2B5EF4-FFF2-40B4-BE49-F238E27FC236}">
+                    <a16:creationId xmlns:a16="http://schemas.microsoft.com/office/drawing/2014/main" id="{3043EDF5-0856-4F39-8192-5232679663C3}"/>
+                  </a:ext>
+                </a:extLst>
+              </p:cNvPr>
+              <p:cNvSpPr txBox="1">
+                <a:spLocks noRot="1" noChangeAspect="1" noMove="1" noResize="1" noEditPoints="1" noAdjustHandles="1" noChangeArrowheads="1" noChangeShapeType="1" noTextEdit="1"/>
+              </p:cNvSpPr>
+              <p:nvPr/>
+            </p:nvSpPr>
+            <p:spPr>
+              <a:xfrm rot="19256206">
+                <a:off x="7382285" y="2207932"/>
+                <a:ext cx="1008724" cy="369332"/>
+              </a:xfrm>
+              <a:prstGeom prst="rect">
+                <a:avLst/>
+              </a:prstGeom>
+              <a:blipFill>
+                <a:blip r:embed="rId2"/>
+                <a:stretch>
+                  <a:fillRect/>
+                </a:stretch>
+              </a:blipFill>
+            </p:spPr>
+            <p:txBody>
+              <a:bodyPr/>
+              <a:lstStyle/>
+              <a:p>
+                <a:r>
+                  <a:rPr lang="it-IT">
+                    <a:noFill/>
+                  </a:rPr>
+                  <a:t> </a:t>
+                </a:r>
+              </a:p>
+            </p:txBody>
+          </p:sp>
+        </mc:Fallback>
+      </mc:AlternateContent>
+      <p:sp>
+        <p:nvSpPr>
+          <p:cNvPr id="21" name="Ovale 20">
+            <a:extLst>
+              <a:ext uri="{FF2B5EF4-FFF2-40B4-BE49-F238E27FC236}">
+                <a16:creationId xmlns:a16="http://schemas.microsoft.com/office/drawing/2014/main" id="{DBFB74D1-6E3E-4A26-8043-72ACF18E20E5}"/>
+              </a:ext>
+            </a:extLst>
+          </p:cNvPr>
+          <p:cNvSpPr/>
+          <p:nvPr/>
+        </p:nvSpPr>
+        <p:spPr>
+          <a:xfrm>
+            <a:off x="3061509" y="1680288"/>
+            <a:ext cx="545285" cy="511729"/>
+          </a:xfrm>
+          <a:prstGeom prst="ellipse">
+            <a:avLst/>
+          </a:prstGeom>
+          <a:solidFill>
+            <a:schemeClr val="bg2">
+              <a:lumMod val="50000"/>
+            </a:schemeClr>
+          </a:solidFill>
+          <a:ln>
+            <a:solidFill>
+              <a:schemeClr val="tx1">
+                <a:lumMod val="85000"/>
+                <a:lumOff val="15000"/>
+              </a:schemeClr>
+            </a:solidFill>
+          </a:ln>
+        </p:spPr>
+        <p:style>
+          <a:lnRef idx="2">
+            <a:schemeClr val="accent1">
+              <a:shade val="50000"/>
+            </a:schemeClr>
+          </a:lnRef>
+          <a:fillRef idx="1">
+            <a:schemeClr val="accent1"/>
+          </a:fillRef>
+          <a:effectRef idx="0">
+            <a:schemeClr val="accent1"/>
+          </a:effectRef>
+          <a:fontRef idx="minor">
+            <a:schemeClr val="lt1"/>
+          </a:fontRef>
+        </p:style>
+        <p:txBody>
+          <a:bodyPr rtlCol="0" anchor="ctr"/>
+          <a:lstStyle/>
+          <a:p>
+            <a:pPr algn="ctr"/>
+            <a:r>
+              <a:rPr lang="it-IT" sz="2400" dirty="0"/>
+              <a:t>f</a:t>
+            </a:r>
+          </a:p>
+        </p:txBody>
+      </p:sp>
+      <p:sp>
+        <p:nvSpPr>
+          <p:cNvPr id="22" name="Ovale 21">
+            <a:extLst>
+              <a:ext uri="{FF2B5EF4-FFF2-40B4-BE49-F238E27FC236}">
+                <a16:creationId xmlns:a16="http://schemas.microsoft.com/office/drawing/2014/main" id="{FC5B5791-4100-46D0-8B8B-DCCDC0EC40EC}"/>
+              </a:ext>
+            </a:extLst>
+          </p:cNvPr>
+          <p:cNvSpPr/>
+          <p:nvPr/>
+        </p:nvSpPr>
+        <p:spPr>
+          <a:xfrm>
+            <a:off x="3061510" y="4420998"/>
+            <a:ext cx="545285" cy="511729"/>
+          </a:xfrm>
+          <a:prstGeom prst="ellipse">
+            <a:avLst/>
+          </a:prstGeom>
+          <a:solidFill>
+            <a:schemeClr val="bg2">
+              <a:lumMod val="50000"/>
+            </a:schemeClr>
+          </a:solidFill>
+          <a:ln>
+            <a:solidFill>
+              <a:schemeClr val="tx1">
+                <a:lumMod val="85000"/>
+                <a:lumOff val="15000"/>
+              </a:schemeClr>
+            </a:solidFill>
+          </a:ln>
+        </p:spPr>
+        <p:style>
+          <a:lnRef idx="2">
+            <a:schemeClr val="accent1">
+              <a:shade val="50000"/>
+            </a:schemeClr>
+          </a:lnRef>
+          <a:fillRef idx="1">
+            <a:schemeClr val="accent1"/>
+          </a:fillRef>
+          <a:effectRef idx="0">
+            <a:schemeClr val="accent1"/>
+          </a:effectRef>
+          <a:fontRef idx="minor">
+            <a:schemeClr val="lt1"/>
+          </a:fontRef>
+        </p:style>
+        <p:txBody>
+          <a:bodyPr rtlCol="0" anchor="ctr"/>
+          <a:lstStyle/>
+          <a:p>
+            <a:pPr algn="ctr"/>
+            <a:r>
+              <a:rPr lang="it-IT" sz="2400" dirty="0"/>
+              <a:t>b</a:t>
+            </a:r>
+          </a:p>
+        </p:txBody>
+      </p:sp>
+      <mc:AlternateContent xmlns:mc="http://schemas.openxmlformats.org/markup-compatibility/2006">
+        <mc:Choice xmlns:a14="http://schemas.microsoft.com/office/drawing/2010/main" Requires="a14">
+          <p:sp>
+            <p:nvSpPr>
+              <p:cNvPr id="20" name="CasellaDiTesto 19">
+                <a:extLst>
+                  <a:ext uri="{FF2B5EF4-FFF2-40B4-BE49-F238E27FC236}">
+                    <a16:creationId xmlns:a16="http://schemas.microsoft.com/office/drawing/2014/main" id="{AEC37D64-B461-4739-B615-49B84BD77AC6}"/>
+                  </a:ext>
+                </a:extLst>
+              </p:cNvPr>
+              <p:cNvSpPr txBox="1"/>
+              <p:nvPr/>
+            </p:nvSpPr>
+            <p:spPr>
+              <a:xfrm rot="2308727">
+                <a:off x="7254652" y="3930045"/>
+                <a:ext cx="1008724" cy="369332"/>
+              </a:xfrm>
+              <a:prstGeom prst="rect">
+                <a:avLst/>
+              </a:prstGeom>
+              <a:noFill/>
+            </p:spPr>
+            <p:txBody>
+              <a:bodyPr wrap="square" rtlCol="0">
+                <a:spAutoFit/>
+              </a:bodyPr>
+              <a:lstStyle/>
+              <a:p>
+                <a:pPr/>
+                <a14:m>
+                  <m:oMathPara xmlns:m="http://schemas.openxmlformats.org/officeDocument/2006/math">
+                    <m:oMathParaPr>
+                      <m:jc m:val="centerGroup"/>
+                    </m:oMathParaPr>
+                    <m:oMath xmlns:m="http://schemas.openxmlformats.org/officeDocument/2006/math">
+                      <m:r>
+                        <a:rPr lang="it-IT" i="1" smtClean="0">
+                          <a:latin typeface="Cambria Math" panose="02040503050406030204" pitchFamily="18" charset="0"/>
+                        </a:rPr>
+                        <m:t>7</m:t>
+                      </m:r>
+                    </m:oMath>
+                  </m:oMathPara>
+                </a14:m>
+                <a:endParaRPr lang="it-IT" dirty="0"/>
+              </a:p>
+            </p:txBody>
+          </p:sp>
+        </mc:Choice>
+        <mc:Fallback>
+          <p:sp>
+            <p:nvSpPr>
+              <p:cNvPr id="20" name="CasellaDiTesto 19">
+                <a:extLst>
+                  <a:ext uri="{FF2B5EF4-FFF2-40B4-BE49-F238E27FC236}">
+                    <a16:creationId xmlns:a16="http://schemas.microsoft.com/office/drawing/2014/main" id="{AEC37D64-B461-4739-B615-49B84BD77AC6}"/>
+                  </a:ext>
+                </a:extLst>
+              </p:cNvPr>
+              <p:cNvSpPr txBox="1">
+                <a:spLocks noRot="1" noChangeAspect="1" noMove="1" noResize="1" noEditPoints="1" noAdjustHandles="1" noChangeArrowheads="1" noChangeShapeType="1" noTextEdit="1"/>
+              </p:cNvSpPr>
+              <p:nvPr/>
+            </p:nvSpPr>
+            <p:spPr>
+              <a:xfrm rot="2308727">
+                <a:off x="7254652" y="3930045"/>
+                <a:ext cx="1008724" cy="369332"/>
+              </a:xfrm>
+              <a:prstGeom prst="rect">
+                <a:avLst/>
+              </a:prstGeom>
+              <a:blipFill>
+                <a:blip r:embed="rId3"/>
+                <a:stretch>
+                  <a:fillRect/>
+                </a:stretch>
+              </a:blipFill>
+            </p:spPr>
+            <p:txBody>
+              <a:bodyPr/>
+              <a:lstStyle/>
+              <a:p>
+                <a:r>
+                  <a:rPr lang="it-IT">
+                    <a:noFill/>
+                  </a:rPr>
+                  <a:t> </a:t>
+                </a:r>
+              </a:p>
+            </p:txBody>
+          </p:sp>
+        </mc:Fallback>
+      </mc:AlternateContent>
+      <mc:AlternateContent xmlns:mc="http://schemas.openxmlformats.org/markup-compatibility/2006">
+        <mc:Choice xmlns:a14="http://schemas.microsoft.com/office/drawing/2010/main" Requires="a14">
+          <p:sp>
+            <p:nvSpPr>
+              <p:cNvPr id="29" name="CasellaDiTesto 28">
+                <a:extLst>
+                  <a:ext uri="{FF2B5EF4-FFF2-40B4-BE49-F238E27FC236}">
+                    <a16:creationId xmlns:a16="http://schemas.microsoft.com/office/drawing/2014/main" id="{26FB9E63-3C7F-4DFC-89B8-1BCB92421E64}"/>
+                  </a:ext>
+                </a:extLst>
+              </p:cNvPr>
+              <p:cNvSpPr txBox="1"/>
+              <p:nvPr/>
+            </p:nvSpPr>
+            <p:spPr>
+              <a:xfrm rot="19256206">
+                <a:off x="3949240" y="3940373"/>
+                <a:ext cx="1008724" cy="369332"/>
+              </a:xfrm>
+              <a:prstGeom prst="rect">
+                <a:avLst/>
+              </a:prstGeom>
+              <a:noFill/>
+            </p:spPr>
+            <p:txBody>
+              <a:bodyPr wrap="square" rtlCol="0">
+                <a:spAutoFit/>
+              </a:bodyPr>
+              <a:lstStyle/>
+              <a:p>
+                <a:pPr/>
+                <a14:m>
+                  <m:oMathPara xmlns:m="http://schemas.openxmlformats.org/officeDocument/2006/math">
+                    <m:oMathParaPr>
+                      <m:jc m:val="centerGroup"/>
+                    </m:oMathParaPr>
+                    <m:oMath xmlns:m="http://schemas.openxmlformats.org/officeDocument/2006/math">
+                      <m:r>
+                        <a:rPr lang="it-IT" i="1" smtClean="0">
+                          <a:latin typeface="Cambria Math" panose="02040503050406030204" pitchFamily="18" charset="0"/>
+                        </a:rPr>
+                        <m:t>2</m:t>
+                      </m:r>
+                    </m:oMath>
+                  </m:oMathPara>
+                </a14:m>
+                <a:endParaRPr lang="it-IT" dirty="0"/>
+              </a:p>
+            </p:txBody>
+          </p:sp>
+        </mc:Choice>
+        <mc:Fallback>
+          <p:sp>
+            <p:nvSpPr>
+              <p:cNvPr id="29" name="CasellaDiTesto 28">
+                <a:extLst>
+                  <a:ext uri="{FF2B5EF4-FFF2-40B4-BE49-F238E27FC236}">
+                    <a16:creationId xmlns:a16="http://schemas.microsoft.com/office/drawing/2014/main" id="{26FB9E63-3C7F-4DFC-89B8-1BCB92421E64}"/>
+                  </a:ext>
+                </a:extLst>
+              </p:cNvPr>
+              <p:cNvSpPr txBox="1">
+                <a:spLocks noRot="1" noChangeAspect="1" noMove="1" noResize="1" noEditPoints="1" noAdjustHandles="1" noChangeArrowheads="1" noChangeShapeType="1" noTextEdit="1"/>
+              </p:cNvSpPr>
+              <p:nvPr/>
+            </p:nvSpPr>
+            <p:spPr>
+              <a:xfrm rot="19256206">
+                <a:off x="3949240" y="3940373"/>
+                <a:ext cx="1008724" cy="369332"/>
+              </a:xfrm>
+              <a:prstGeom prst="rect">
+                <a:avLst/>
+              </a:prstGeom>
+              <a:blipFill>
+                <a:blip r:embed="rId4"/>
+                <a:stretch>
+                  <a:fillRect/>
+                </a:stretch>
+              </a:blipFill>
+            </p:spPr>
+            <p:txBody>
+              <a:bodyPr/>
+              <a:lstStyle/>
+              <a:p>
+                <a:r>
+                  <a:rPr lang="it-IT">
+                    <a:noFill/>
+                  </a:rPr>
+                  <a:t> </a:t>
+                </a:r>
+              </a:p>
+            </p:txBody>
+          </p:sp>
+        </mc:Fallback>
+      </mc:AlternateContent>
+      <mc:AlternateContent xmlns:mc="http://schemas.openxmlformats.org/markup-compatibility/2006">
+        <mc:Choice xmlns:a14="http://schemas.microsoft.com/office/drawing/2010/main" Requires="a14">
+          <p:sp>
+            <p:nvSpPr>
+              <p:cNvPr id="30" name="CasellaDiTesto 29">
+                <a:extLst>
+                  <a:ext uri="{FF2B5EF4-FFF2-40B4-BE49-F238E27FC236}">
+                    <a16:creationId xmlns:a16="http://schemas.microsoft.com/office/drawing/2014/main" id="{06F43F6E-0131-4A91-B0C7-9E49F1C1C82A}"/>
+                  </a:ext>
+                </a:extLst>
+              </p:cNvPr>
+              <p:cNvSpPr txBox="1"/>
+              <p:nvPr/>
+            </p:nvSpPr>
+            <p:spPr>
+              <a:xfrm rot="2308727">
+                <a:off x="3782847" y="2224434"/>
+                <a:ext cx="1008724" cy="369332"/>
+              </a:xfrm>
+              <a:prstGeom prst="rect">
+                <a:avLst/>
+              </a:prstGeom>
+              <a:noFill/>
+            </p:spPr>
+            <p:txBody>
+              <a:bodyPr wrap="square" rtlCol="0">
+                <a:spAutoFit/>
+              </a:bodyPr>
+              <a:lstStyle/>
+              <a:p>
+                <a:pPr/>
+                <a14:m>
+                  <m:oMathPara xmlns:m="http://schemas.openxmlformats.org/officeDocument/2006/math">
+                    <m:oMathParaPr>
+                      <m:jc m:val="centerGroup"/>
+                    </m:oMathParaPr>
+                    <m:oMath xmlns:m="http://schemas.openxmlformats.org/officeDocument/2006/math">
+                      <m:r>
+                        <a:rPr lang="it-IT" i="1" smtClean="0">
+                          <a:latin typeface="Cambria Math" panose="02040503050406030204" pitchFamily="18" charset="0"/>
+                        </a:rPr>
+                        <m:t>1</m:t>
+                      </m:r>
+                      <m:r>
+                        <a:rPr lang="it-IT" b="0" i="1" smtClean="0">
+                          <a:latin typeface="Cambria Math" panose="02040503050406030204" pitchFamily="18" charset="0"/>
+                        </a:rPr>
+                        <m:t>1</m:t>
+                      </m:r>
+                    </m:oMath>
+                  </m:oMathPara>
+                </a14:m>
+                <a:endParaRPr lang="it-IT" dirty="0"/>
+              </a:p>
+            </p:txBody>
+          </p:sp>
+        </mc:Choice>
+        <mc:Fallback>
+          <p:sp>
+            <p:nvSpPr>
+              <p:cNvPr id="30" name="CasellaDiTesto 29">
+                <a:extLst>
+                  <a:ext uri="{FF2B5EF4-FFF2-40B4-BE49-F238E27FC236}">
+                    <a16:creationId xmlns:a16="http://schemas.microsoft.com/office/drawing/2014/main" id="{06F43F6E-0131-4A91-B0C7-9E49F1C1C82A}"/>
+                  </a:ext>
+                </a:extLst>
+              </p:cNvPr>
+              <p:cNvSpPr txBox="1">
+                <a:spLocks noRot="1" noChangeAspect="1" noMove="1" noResize="1" noEditPoints="1" noAdjustHandles="1" noChangeArrowheads="1" noChangeShapeType="1" noTextEdit="1"/>
+              </p:cNvSpPr>
+              <p:nvPr/>
+            </p:nvSpPr>
+            <p:spPr>
+              <a:xfrm rot="2308727">
+                <a:off x="3782847" y="2224434"/>
+                <a:ext cx="1008724" cy="369332"/>
+              </a:xfrm>
+              <a:prstGeom prst="rect">
+                <a:avLst/>
+              </a:prstGeom>
+              <a:blipFill>
+                <a:blip r:embed="rId5"/>
+                <a:stretch>
+                  <a:fillRect/>
+                </a:stretch>
+              </a:blipFill>
+            </p:spPr>
+            <p:txBody>
+              <a:bodyPr/>
+              <a:lstStyle/>
+              <a:p>
+                <a:r>
+                  <a:rPr lang="it-IT">
+                    <a:noFill/>
+                  </a:rPr>
+                  <a:t> </a:t>
+                </a:r>
+              </a:p>
+            </p:txBody>
+          </p:sp>
+        </mc:Fallback>
+      </mc:AlternateContent>
+      <p:sp>
+        <p:nvSpPr>
+          <p:cNvPr id="15" name="Ovale 14">
+            <a:extLst>
+              <a:ext uri="{FF2B5EF4-FFF2-40B4-BE49-F238E27FC236}">
+                <a16:creationId xmlns:a16="http://schemas.microsoft.com/office/drawing/2014/main" id="{8D5BD6A8-4A8D-4BFF-8C89-28AAD2DD2E07}"/>
+              </a:ext>
+            </a:extLst>
+          </p:cNvPr>
+          <p:cNvSpPr/>
+          <p:nvPr/>
+        </p:nvSpPr>
+        <p:spPr>
+          <a:xfrm>
+            <a:off x="4688944" y="3064708"/>
+            <a:ext cx="545285" cy="511729"/>
+          </a:xfrm>
+          <a:prstGeom prst="ellipse">
+            <a:avLst/>
+          </a:prstGeom>
+          <a:solidFill>
+            <a:schemeClr val="bg2">
+              <a:lumMod val="50000"/>
+            </a:schemeClr>
+          </a:solidFill>
+          <a:ln>
+            <a:solidFill>
+              <a:schemeClr val="tx1">
+                <a:lumMod val="85000"/>
+                <a:lumOff val="15000"/>
+              </a:schemeClr>
+            </a:solidFill>
+          </a:ln>
+        </p:spPr>
+        <p:style>
+          <a:lnRef idx="2">
+            <a:schemeClr val="accent1">
+              <a:shade val="50000"/>
+            </a:schemeClr>
+          </a:lnRef>
+          <a:fillRef idx="1">
+            <a:schemeClr val="accent1"/>
+          </a:fillRef>
+          <a:effectRef idx="0">
+            <a:schemeClr val="accent1"/>
+          </a:effectRef>
+          <a:fontRef idx="minor">
+            <a:schemeClr val="lt1"/>
+          </a:fontRef>
+        </p:style>
+        <p:txBody>
+          <a:bodyPr rtlCol="0" anchor="ctr"/>
+          <a:lstStyle/>
+          <a:p>
+            <a:pPr algn="ctr"/>
+            <a:r>
+              <a:rPr lang="it-IT" sz="2400" i="1" dirty="0"/>
+              <a:t>p</a:t>
+            </a:r>
+          </a:p>
+        </p:txBody>
+      </p:sp>
+      <mc:AlternateContent xmlns:mc="http://schemas.openxmlformats.org/markup-compatibility/2006">
+        <mc:Choice xmlns:a14="http://schemas.microsoft.com/office/drawing/2010/main" Requires="a14">
+          <p:sp>
+            <p:nvSpPr>
+              <p:cNvPr id="19" name="CasellaDiTesto 18">
+                <a:extLst>
+                  <a:ext uri="{FF2B5EF4-FFF2-40B4-BE49-F238E27FC236}">
+                    <a16:creationId xmlns:a16="http://schemas.microsoft.com/office/drawing/2014/main" id="{8EBC1935-0AEC-4487-AF17-F984F8DAA849}"/>
+                  </a:ext>
+                </a:extLst>
+              </p:cNvPr>
+              <p:cNvSpPr txBox="1"/>
+              <p:nvPr/>
+            </p:nvSpPr>
+            <p:spPr>
+              <a:xfrm>
+                <a:off x="5503907" y="2948705"/>
+                <a:ext cx="1008724" cy="369332"/>
+              </a:xfrm>
+              <a:prstGeom prst="rect">
+                <a:avLst/>
+              </a:prstGeom>
+              <a:noFill/>
+            </p:spPr>
+            <p:txBody>
+              <a:bodyPr wrap="square" rtlCol="0">
+                <a:spAutoFit/>
+              </a:bodyPr>
+              <a:lstStyle/>
+              <a:p>
+                <a:pPr/>
+                <a14:m>
+                  <m:oMathPara xmlns:m="http://schemas.openxmlformats.org/officeDocument/2006/math">
+                    <m:oMathParaPr>
+                      <m:jc m:val="centerGroup"/>
+                    </m:oMathParaPr>
+                    <m:oMath xmlns:m="http://schemas.openxmlformats.org/officeDocument/2006/math">
+                      <m:r>
+                        <a:rPr lang="it-IT" i="1" smtClean="0">
+                          <a:latin typeface="Cambria Math" panose="02040503050406030204" pitchFamily="18" charset="0"/>
+                        </a:rPr>
+                        <m:t>4</m:t>
+                      </m:r>
+                    </m:oMath>
+                  </m:oMathPara>
+                </a14:m>
+                <a:endParaRPr lang="it-IT" dirty="0"/>
+              </a:p>
+            </p:txBody>
+          </p:sp>
+        </mc:Choice>
+        <mc:Fallback>
+          <p:sp>
+            <p:nvSpPr>
+              <p:cNvPr id="19" name="CasellaDiTesto 18">
+                <a:extLst>
+                  <a:ext uri="{FF2B5EF4-FFF2-40B4-BE49-F238E27FC236}">
+                    <a16:creationId xmlns:a16="http://schemas.microsoft.com/office/drawing/2014/main" id="{8EBC1935-0AEC-4487-AF17-F984F8DAA849}"/>
+                  </a:ext>
+                </a:extLst>
+              </p:cNvPr>
+              <p:cNvSpPr txBox="1">
+                <a:spLocks noRot="1" noChangeAspect="1" noMove="1" noResize="1" noEditPoints="1" noAdjustHandles="1" noChangeArrowheads="1" noChangeShapeType="1" noTextEdit="1"/>
+              </p:cNvSpPr>
+              <p:nvPr/>
+            </p:nvSpPr>
+            <p:spPr>
+              <a:xfrm>
+                <a:off x="5503907" y="2948705"/>
+                <a:ext cx="1008724" cy="369332"/>
+              </a:xfrm>
+              <a:prstGeom prst="rect">
+                <a:avLst/>
+              </a:prstGeom>
+              <a:blipFill>
+                <a:blip r:embed="rId6"/>
+                <a:stretch>
+                  <a:fillRect/>
+                </a:stretch>
+              </a:blipFill>
+            </p:spPr>
+            <p:txBody>
+              <a:bodyPr/>
+              <a:lstStyle/>
+              <a:p>
+                <a:r>
+                  <a:rPr lang="it-IT">
+                    <a:noFill/>
+                  </a:rPr>
+                  <a:t> </a:t>
+                </a:r>
+              </a:p>
+            </p:txBody>
+          </p:sp>
+        </mc:Fallback>
+      </mc:AlternateContent>
+    </p:spTree>
+    <p:extLst>
+      <p:ext uri="{BB962C8B-B14F-4D97-AF65-F5344CB8AC3E}">
+        <p14:creationId xmlns:p14="http://schemas.microsoft.com/office/powerpoint/2010/main" val="2266122327"/>
       </p:ext>
     </p:extLst>
   </p:cSld>

--- a/unroteed_tree_created_by_figure_5.pptx
+++ b/unroteed_tree_created_by_figure_5.pptx
@@ -18,6 +18,8 @@
     <p:sldId id="267" r:id="rId12"/>
     <p:sldId id="268" r:id="rId13"/>
     <p:sldId id="269" r:id="rId14"/>
+    <p:sldId id="270" r:id="rId15"/>
+    <p:sldId id="271" r:id="rId16"/>
   </p:sldIdLst>
   <p:sldSz cx="12192000" cy="6858000"/>
   <p:notesSz cx="7102475" cy="10233025"/>
@@ -271,7 +273,7 @@
           <a:p>
             <a:fld id="{CCE3BD62-2273-467C-9F39-ACC154E35B4E}" type="datetimeFigureOut">
               <a:rPr lang="it-IT" smtClean="0"/>
-              <a:t>14/06/2019</a:t>
+              <a:t>17/06/2019</a:t>
             </a:fld>
             <a:endParaRPr lang="it-IT"/>
           </a:p>
@@ -469,7 +471,7 @@
           <a:p>
             <a:fld id="{CCE3BD62-2273-467C-9F39-ACC154E35B4E}" type="datetimeFigureOut">
               <a:rPr lang="it-IT" smtClean="0"/>
-              <a:t>14/06/2019</a:t>
+              <a:t>17/06/2019</a:t>
             </a:fld>
             <a:endParaRPr lang="it-IT"/>
           </a:p>
@@ -677,7 +679,7 @@
           <a:p>
             <a:fld id="{CCE3BD62-2273-467C-9F39-ACC154E35B4E}" type="datetimeFigureOut">
               <a:rPr lang="it-IT" smtClean="0"/>
-              <a:t>14/06/2019</a:t>
+              <a:t>17/06/2019</a:t>
             </a:fld>
             <a:endParaRPr lang="it-IT"/>
           </a:p>
@@ -875,7 +877,7 @@
           <a:p>
             <a:fld id="{CCE3BD62-2273-467C-9F39-ACC154E35B4E}" type="datetimeFigureOut">
               <a:rPr lang="it-IT" smtClean="0"/>
-              <a:t>14/06/2019</a:t>
+              <a:t>17/06/2019</a:t>
             </a:fld>
             <a:endParaRPr lang="it-IT"/>
           </a:p>
@@ -1150,7 +1152,7 @@
           <a:p>
             <a:fld id="{CCE3BD62-2273-467C-9F39-ACC154E35B4E}" type="datetimeFigureOut">
               <a:rPr lang="it-IT" smtClean="0"/>
-              <a:t>14/06/2019</a:t>
+              <a:t>17/06/2019</a:t>
             </a:fld>
             <a:endParaRPr lang="it-IT"/>
           </a:p>
@@ -1415,7 +1417,7 @@
           <a:p>
             <a:fld id="{CCE3BD62-2273-467C-9F39-ACC154E35B4E}" type="datetimeFigureOut">
               <a:rPr lang="it-IT" smtClean="0"/>
-              <a:t>14/06/2019</a:t>
+              <a:t>17/06/2019</a:t>
             </a:fld>
             <a:endParaRPr lang="it-IT"/>
           </a:p>
@@ -1827,7 +1829,7 @@
           <a:p>
             <a:fld id="{CCE3BD62-2273-467C-9F39-ACC154E35B4E}" type="datetimeFigureOut">
               <a:rPr lang="it-IT" smtClean="0"/>
-              <a:t>14/06/2019</a:t>
+              <a:t>17/06/2019</a:t>
             </a:fld>
             <a:endParaRPr lang="it-IT"/>
           </a:p>
@@ -1968,7 +1970,7 @@
           <a:p>
             <a:fld id="{CCE3BD62-2273-467C-9F39-ACC154E35B4E}" type="datetimeFigureOut">
               <a:rPr lang="it-IT" smtClean="0"/>
-              <a:t>14/06/2019</a:t>
+              <a:t>17/06/2019</a:t>
             </a:fld>
             <a:endParaRPr lang="it-IT"/>
           </a:p>
@@ -2081,7 +2083,7 @@
           <a:p>
             <a:fld id="{CCE3BD62-2273-467C-9F39-ACC154E35B4E}" type="datetimeFigureOut">
               <a:rPr lang="it-IT" smtClean="0"/>
-              <a:t>14/06/2019</a:t>
+              <a:t>17/06/2019</a:t>
             </a:fld>
             <a:endParaRPr lang="it-IT"/>
           </a:p>
@@ -2392,7 +2394,7 @@
           <a:p>
             <a:fld id="{CCE3BD62-2273-467C-9F39-ACC154E35B4E}" type="datetimeFigureOut">
               <a:rPr lang="it-IT" smtClean="0"/>
-              <a:t>14/06/2019</a:t>
+              <a:t>17/06/2019</a:t>
             </a:fld>
             <a:endParaRPr lang="it-IT"/>
           </a:p>
@@ -2680,7 +2682,7 @@
           <a:p>
             <a:fld id="{CCE3BD62-2273-467C-9F39-ACC154E35B4E}" type="datetimeFigureOut">
               <a:rPr lang="it-IT" smtClean="0"/>
-              <a:t>14/06/2019</a:t>
+              <a:t>17/06/2019</a:t>
             </a:fld>
             <a:endParaRPr lang="it-IT"/>
           </a:p>
@@ -2921,7 +2923,7 @@
           <a:p>
             <a:fld id="{CCE3BD62-2273-467C-9F39-ACC154E35B4E}" type="datetimeFigureOut">
               <a:rPr lang="it-IT" smtClean="0"/>
-              <a:t>14/06/2019</a:t>
+              <a:t>17/06/2019</a:t>
             </a:fld>
             <a:endParaRPr lang="it-IT"/>
           </a:p>
@@ -6068,8 +6070,8 @@
           </a:p>
         </p:txBody>
       </p:sp>
-      <mc:AlternateContent xmlns:mc="http://schemas.openxmlformats.org/markup-compatibility/2006">
-        <mc:Choice xmlns:a14="http://schemas.microsoft.com/office/drawing/2010/main" Requires="a14">
+      <mc:AlternateContent xmlns:mc="http://schemas.openxmlformats.org/markup-compatibility/2006" xmlns:a14="http://schemas.microsoft.com/office/drawing/2010/main">
+        <mc:Choice Requires="a14">
           <p:sp>
             <p:nvSpPr>
               <p:cNvPr id="34" name="CasellaDiTesto 33">
@@ -6119,7 +6121,7 @@
             </p:txBody>
           </p:sp>
         </mc:Choice>
-        <mc:Fallback>
+        <mc:Fallback xmlns="">
           <p:sp>
             <p:nvSpPr>
               <p:cNvPr id="34" name="CasellaDiTesto 33">
@@ -6164,8 +6166,8 @@
           </p:sp>
         </mc:Fallback>
       </mc:AlternateContent>
-      <mc:AlternateContent xmlns:mc="http://schemas.openxmlformats.org/markup-compatibility/2006">
-        <mc:Choice xmlns:a14="http://schemas.microsoft.com/office/drawing/2010/main" Requires="a14">
+      <mc:AlternateContent xmlns:mc="http://schemas.openxmlformats.org/markup-compatibility/2006" xmlns:a14="http://schemas.microsoft.com/office/drawing/2010/main">
+        <mc:Choice Requires="a14">
           <p:sp>
             <p:nvSpPr>
               <p:cNvPr id="20" name="CasellaDiTesto 19">
@@ -6215,7 +6217,7 @@
             </p:txBody>
           </p:sp>
         </mc:Choice>
-        <mc:Fallback>
+        <mc:Fallback xmlns="">
           <p:sp>
             <p:nvSpPr>
               <p:cNvPr id="20" name="CasellaDiTesto 19">
@@ -6322,8 +6324,8 @@
           </a:p>
         </p:txBody>
       </p:sp>
-      <mc:AlternateContent xmlns:mc="http://schemas.openxmlformats.org/markup-compatibility/2006">
-        <mc:Choice xmlns:a14="http://schemas.microsoft.com/office/drawing/2010/main" Requires="a14">
+      <mc:AlternateContent xmlns:mc="http://schemas.openxmlformats.org/markup-compatibility/2006" xmlns:a14="http://schemas.microsoft.com/office/drawing/2010/main">
+        <mc:Choice Requires="a14">
           <p:sp>
             <p:nvSpPr>
               <p:cNvPr id="19" name="CasellaDiTesto 18">
@@ -6373,7 +6375,7 @@
             </p:txBody>
           </p:sp>
         </mc:Choice>
-        <mc:Fallback>
+        <mc:Fallback xmlns="">
           <p:sp>
             <p:nvSpPr>
               <p:cNvPr id="19" name="CasellaDiTesto 18">
@@ -6838,8 +6840,8 @@
           </a:p>
         </p:txBody>
       </p:sp>
-      <mc:AlternateContent xmlns:mc="http://schemas.openxmlformats.org/markup-compatibility/2006">
-        <mc:Choice xmlns:a14="http://schemas.microsoft.com/office/drawing/2010/main" Requires="a14">
+      <mc:AlternateContent xmlns:mc="http://schemas.openxmlformats.org/markup-compatibility/2006" xmlns:a14="http://schemas.microsoft.com/office/drawing/2010/main">
+        <mc:Choice Requires="a14">
           <p:sp>
             <p:nvSpPr>
               <p:cNvPr id="34" name="CasellaDiTesto 33">
@@ -6880,6 +6882,1390 @@
                           <a:latin typeface="Cambria Math" panose="02040503050406030204" pitchFamily="18" charset="0"/>
                         </a:rPr>
                         <m:t>6</m:t>
+                      </m:r>
+                    </m:oMath>
+                  </m:oMathPara>
+                </a14:m>
+                <a:endParaRPr lang="it-IT" dirty="0"/>
+              </a:p>
+            </p:txBody>
+          </p:sp>
+        </mc:Choice>
+        <mc:Fallback xmlns="">
+          <p:sp>
+            <p:nvSpPr>
+              <p:cNvPr id="34" name="CasellaDiTesto 33">
+                <a:extLst>
+                  <a:ext uri="{FF2B5EF4-FFF2-40B4-BE49-F238E27FC236}">
+                    <a16:creationId xmlns:a16="http://schemas.microsoft.com/office/drawing/2014/main" id="{3043EDF5-0856-4F39-8192-5232679663C3}"/>
+                  </a:ext>
+                </a:extLst>
+              </p:cNvPr>
+              <p:cNvSpPr txBox="1">
+                <a:spLocks noRot="1" noChangeAspect="1" noMove="1" noResize="1" noEditPoints="1" noAdjustHandles="1" noChangeArrowheads="1" noChangeShapeType="1" noTextEdit="1"/>
+              </p:cNvSpPr>
+              <p:nvPr/>
+            </p:nvSpPr>
+            <p:spPr>
+              <a:xfrm rot="19256206">
+                <a:off x="7382285" y="2207932"/>
+                <a:ext cx="1008724" cy="369332"/>
+              </a:xfrm>
+              <a:prstGeom prst="rect">
+                <a:avLst/>
+              </a:prstGeom>
+              <a:blipFill>
+                <a:blip r:embed="rId2"/>
+                <a:stretch>
+                  <a:fillRect/>
+                </a:stretch>
+              </a:blipFill>
+            </p:spPr>
+            <p:txBody>
+              <a:bodyPr/>
+              <a:lstStyle/>
+              <a:p>
+                <a:r>
+                  <a:rPr lang="it-IT">
+                    <a:noFill/>
+                  </a:rPr>
+                  <a:t> </a:t>
+                </a:r>
+              </a:p>
+            </p:txBody>
+          </p:sp>
+        </mc:Fallback>
+      </mc:AlternateContent>
+      <p:sp>
+        <p:nvSpPr>
+          <p:cNvPr id="21" name="Ovale 20">
+            <a:extLst>
+              <a:ext uri="{FF2B5EF4-FFF2-40B4-BE49-F238E27FC236}">
+                <a16:creationId xmlns:a16="http://schemas.microsoft.com/office/drawing/2014/main" id="{DBFB74D1-6E3E-4A26-8043-72ACF18E20E5}"/>
+              </a:ext>
+            </a:extLst>
+          </p:cNvPr>
+          <p:cNvSpPr/>
+          <p:nvPr/>
+        </p:nvSpPr>
+        <p:spPr>
+          <a:xfrm>
+            <a:off x="3061509" y="1680288"/>
+            <a:ext cx="545285" cy="511729"/>
+          </a:xfrm>
+          <a:prstGeom prst="ellipse">
+            <a:avLst/>
+          </a:prstGeom>
+          <a:solidFill>
+            <a:schemeClr val="bg2">
+              <a:lumMod val="50000"/>
+            </a:schemeClr>
+          </a:solidFill>
+          <a:ln>
+            <a:solidFill>
+              <a:schemeClr val="tx1">
+                <a:lumMod val="85000"/>
+                <a:lumOff val="15000"/>
+              </a:schemeClr>
+            </a:solidFill>
+          </a:ln>
+        </p:spPr>
+        <p:style>
+          <a:lnRef idx="2">
+            <a:schemeClr val="accent1">
+              <a:shade val="50000"/>
+            </a:schemeClr>
+          </a:lnRef>
+          <a:fillRef idx="1">
+            <a:schemeClr val="accent1"/>
+          </a:fillRef>
+          <a:effectRef idx="0">
+            <a:schemeClr val="accent1"/>
+          </a:effectRef>
+          <a:fontRef idx="minor">
+            <a:schemeClr val="lt1"/>
+          </a:fontRef>
+        </p:style>
+        <p:txBody>
+          <a:bodyPr rtlCol="0" anchor="ctr"/>
+          <a:lstStyle/>
+          <a:p>
+            <a:pPr algn="ctr"/>
+            <a:r>
+              <a:rPr lang="it-IT" sz="2400" dirty="0"/>
+              <a:t>f</a:t>
+            </a:r>
+          </a:p>
+        </p:txBody>
+      </p:sp>
+      <p:sp>
+        <p:nvSpPr>
+          <p:cNvPr id="22" name="Ovale 21">
+            <a:extLst>
+              <a:ext uri="{FF2B5EF4-FFF2-40B4-BE49-F238E27FC236}">
+                <a16:creationId xmlns:a16="http://schemas.microsoft.com/office/drawing/2014/main" id="{FC5B5791-4100-46D0-8B8B-DCCDC0EC40EC}"/>
+              </a:ext>
+            </a:extLst>
+          </p:cNvPr>
+          <p:cNvSpPr/>
+          <p:nvPr/>
+        </p:nvSpPr>
+        <p:spPr>
+          <a:xfrm>
+            <a:off x="3061510" y="4420998"/>
+            <a:ext cx="545285" cy="511729"/>
+          </a:xfrm>
+          <a:prstGeom prst="ellipse">
+            <a:avLst/>
+          </a:prstGeom>
+          <a:solidFill>
+            <a:schemeClr val="bg2">
+              <a:lumMod val="50000"/>
+            </a:schemeClr>
+          </a:solidFill>
+          <a:ln>
+            <a:solidFill>
+              <a:schemeClr val="tx1">
+                <a:lumMod val="85000"/>
+                <a:lumOff val="15000"/>
+              </a:schemeClr>
+            </a:solidFill>
+          </a:ln>
+        </p:spPr>
+        <p:style>
+          <a:lnRef idx="2">
+            <a:schemeClr val="accent1">
+              <a:shade val="50000"/>
+            </a:schemeClr>
+          </a:lnRef>
+          <a:fillRef idx="1">
+            <a:schemeClr val="accent1"/>
+          </a:fillRef>
+          <a:effectRef idx="0">
+            <a:schemeClr val="accent1"/>
+          </a:effectRef>
+          <a:fontRef idx="minor">
+            <a:schemeClr val="lt1"/>
+          </a:fontRef>
+        </p:style>
+        <p:txBody>
+          <a:bodyPr rtlCol="0" anchor="ctr"/>
+          <a:lstStyle/>
+          <a:p>
+            <a:pPr algn="ctr"/>
+            <a:r>
+              <a:rPr lang="it-IT" sz="2400" dirty="0"/>
+              <a:t>b</a:t>
+            </a:r>
+          </a:p>
+        </p:txBody>
+      </p:sp>
+      <mc:AlternateContent xmlns:mc="http://schemas.openxmlformats.org/markup-compatibility/2006" xmlns:a14="http://schemas.microsoft.com/office/drawing/2010/main">
+        <mc:Choice Requires="a14">
+          <p:sp>
+            <p:nvSpPr>
+              <p:cNvPr id="20" name="CasellaDiTesto 19">
+                <a:extLst>
+                  <a:ext uri="{FF2B5EF4-FFF2-40B4-BE49-F238E27FC236}">
+                    <a16:creationId xmlns:a16="http://schemas.microsoft.com/office/drawing/2014/main" id="{AEC37D64-B461-4739-B615-49B84BD77AC6}"/>
+                  </a:ext>
+                </a:extLst>
+              </p:cNvPr>
+              <p:cNvSpPr txBox="1"/>
+              <p:nvPr/>
+            </p:nvSpPr>
+            <p:spPr>
+              <a:xfrm rot="2308727">
+                <a:off x="7254652" y="3930045"/>
+                <a:ext cx="1008724" cy="369332"/>
+              </a:xfrm>
+              <a:prstGeom prst="rect">
+                <a:avLst/>
+              </a:prstGeom>
+              <a:noFill/>
+            </p:spPr>
+            <p:txBody>
+              <a:bodyPr wrap="square" rtlCol="0">
+                <a:spAutoFit/>
+              </a:bodyPr>
+              <a:lstStyle/>
+              <a:p>
+                <a:pPr/>
+                <a14:m>
+                  <m:oMathPara xmlns:m="http://schemas.openxmlformats.org/officeDocument/2006/math">
+                    <m:oMathParaPr>
+                      <m:jc m:val="centerGroup"/>
+                    </m:oMathParaPr>
+                    <m:oMath xmlns:m="http://schemas.openxmlformats.org/officeDocument/2006/math">
+                      <m:r>
+                        <a:rPr lang="it-IT" i="1" smtClean="0">
+                          <a:latin typeface="Cambria Math" panose="02040503050406030204" pitchFamily="18" charset="0"/>
+                        </a:rPr>
+                        <m:t>7</m:t>
+                      </m:r>
+                    </m:oMath>
+                  </m:oMathPara>
+                </a14:m>
+                <a:endParaRPr lang="it-IT" dirty="0"/>
+              </a:p>
+            </p:txBody>
+          </p:sp>
+        </mc:Choice>
+        <mc:Fallback xmlns="">
+          <p:sp>
+            <p:nvSpPr>
+              <p:cNvPr id="20" name="CasellaDiTesto 19">
+                <a:extLst>
+                  <a:ext uri="{FF2B5EF4-FFF2-40B4-BE49-F238E27FC236}">
+                    <a16:creationId xmlns:a16="http://schemas.microsoft.com/office/drawing/2014/main" id="{AEC37D64-B461-4739-B615-49B84BD77AC6}"/>
+                  </a:ext>
+                </a:extLst>
+              </p:cNvPr>
+              <p:cNvSpPr txBox="1">
+                <a:spLocks noRot="1" noChangeAspect="1" noMove="1" noResize="1" noEditPoints="1" noAdjustHandles="1" noChangeArrowheads="1" noChangeShapeType="1" noTextEdit="1"/>
+              </p:cNvSpPr>
+              <p:nvPr/>
+            </p:nvSpPr>
+            <p:spPr>
+              <a:xfrm rot="2308727">
+                <a:off x="7254652" y="3930045"/>
+                <a:ext cx="1008724" cy="369332"/>
+              </a:xfrm>
+              <a:prstGeom prst="rect">
+                <a:avLst/>
+              </a:prstGeom>
+              <a:blipFill>
+                <a:blip r:embed="rId3"/>
+                <a:stretch>
+                  <a:fillRect/>
+                </a:stretch>
+              </a:blipFill>
+            </p:spPr>
+            <p:txBody>
+              <a:bodyPr/>
+              <a:lstStyle/>
+              <a:p>
+                <a:r>
+                  <a:rPr lang="it-IT">
+                    <a:noFill/>
+                  </a:rPr>
+                  <a:t> </a:t>
+                </a:r>
+              </a:p>
+            </p:txBody>
+          </p:sp>
+        </mc:Fallback>
+      </mc:AlternateContent>
+      <mc:AlternateContent xmlns:mc="http://schemas.openxmlformats.org/markup-compatibility/2006" xmlns:a14="http://schemas.microsoft.com/office/drawing/2010/main">
+        <mc:Choice Requires="a14">
+          <p:sp>
+            <p:nvSpPr>
+              <p:cNvPr id="29" name="CasellaDiTesto 28">
+                <a:extLst>
+                  <a:ext uri="{FF2B5EF4-FFF2-40B4-BE49-F238E27FC236}">
+                    <a16:creationId xmlns:a16="http://schemas.microsoft.com/office/drawing/2014/main" id="{26FB9E63-3C7F-4DFC-89B8-1BCB92421E64}"/>
+                  </a:ext>
+                </a:extLst>
+              </p:cNvPr>
+              <p:cNvSpPr txBox="1"/>
+              <p:nvPr/>
+            </p:nvSpPr>
+            <p:spPr>
+              <a:xfrm rot="19256206">
+                <a:off x="3949240" y="3940373"/>
+                <a:ext cx="1008724" cy="369332"/>
+              </a:xfrm>
+              <a:prstGeom prst="rect">
+                <a:avLst/>
+              </a:prstGeom>
+              <a:noFill/>
+            </p:spPr>
+            <p:txBody>
+              <a:bodyPr wrap="square" rtlCol="0">
+                <a:spAutoFit/>
+              </a:bodyPr>
+              <a:lstStyle/>
+              <a:p>
+                <a:pPr/>
+                <a14:m>
+                  <m:oMathPara xmlns:m="http://schemas.openxmlformats.org/officeDocument/2006/math">
+                    <m:oMathParaPr>
+                      <m:jc m:val="centerGroup"/>
+                    </m:oMathParaPr>
+                    <m:oMath xmlns:m="http://schemas.openxmlformats.org/officeDocument/2006/math">
+                      <m:r>
+                        <a:rPr lang="it-IT" i="1" smtClean="0">
+                          <a:latin typeface="Cambria Math" panose="02040503050406030204" pitchFamily="18" charset="0"/>
+                        </a:rPr>
+                        <m:t>2</m:t>
+                      </m:r>
+                    </m:oMath>
+                  </m:oMathPara>
+                </a14:m>
+                <a:endParaRPr lang="it-IT" dirty="0"/>
+              </a:p>
+            </p:txBody>
+          </p:sp>
+        </mc:Choice>
+        <mc:Fallback xmlns="">
+          <p:sp>
+            <p:nvSpPr>
+              <p:cNvPr id="29" name="CasellaDiTesto 28">
+                <a:extLst>
+                  <a:ext uri="{FF2B5EF4-FFF2-40B4-BE49-F238E27FC236}">
+                    <a16:creationId xmlns:a16="http://schemas.microsoft.com/office/drawing/2014/main" id="{26FB9E63-3C7F-4DFC-89B8-1BCB92421E64}"/>
+                  </a:ext>
+                </a:extLst>
+              </p:cNvPr>
+              <p:cNvSpPr txBox="1">
+                <a:spLocks noRot="1" noChangeAspect="1" noMove="1" noResize="1" noEditPoints="1" noAdjustHandles="1" noChangeArrowheads="1" noChangeShapeType="1" noTextEdit="1"/>
+              </p:cNvSpPr>
+              <p:nvPr/>
+            </p:nvSpPr>
+            <p:spPr>
+              <a:xfrm rot="19256206">
+                <a:off x="3949240" y="3940373"/>
+                <a:ext cx="1008724" cy="369332"/>
+              </a:xfrm>
+              <a:prstGeom prst="rect">
+                <a:avLst/>
+              </a:prstGeom>
+              <a:blipFill>
+                <a:blip r:embed="rId4"/>
+                <a:stretch>
+                  <a:fillRect/>
+                </a:stretch>
+              </a:blipFill>
+            </p:spPr>
+            <p:txBody>
+              <a:bodyPr/>
+              <a:lstStyle/>
+              <a:p>
+                <a:r>
+                  <a:rPr lang="it-IT">
+                    <a:noFill/>
+                  </a:rPr>
+                  <a:t> </a:t>
+                </a:r>
+              </a:p>
+            </p:txBody>
+          </p:sp>
+        </mc:Fallback>
+      </mc:AlternateContent>
+      <mc:AlternateContent xmlns:mc="http://schemas.openxmlformats.org/markup-compatibility/2006" xmlns:a14="http://schemas.microsoft.com/office/drawing/2010/main">
+        <mc:Choice Requires="a14">
+          <p:sp>
+            <p:nvSpPr>
+              <p:cNvPr id="30" name="CasellaDiTesto 29">
+                <a:extLst>
+                  <a:ext uri="{FF2B5EF4-FFF2-40B4-BE49-F238E27FC236}">
+                    <a16:creationId xmlns:a16="http://schemas.microsoft.com/office/drawing/2014/main" id="{06F43F6E-0131-4A91-B0C7-9E49F1C1C82A}"/>
+                  </a:ext>
+                </a:extLst>
+              </p:cNvPr>
+              <p:cNvSpPr txBox="1"/>
+              <p:nvPr/>
+            </p:nvSpPr>
+            <p:spPr>
+              <a:xfrm rot="2308727">
+                <a:off x="3782847" y="2224434"/>
+                <a:ext cx="1008724" cy="369332"/>
+              </a:xfrm>
+              <a:prstGeom prst="rect">
+                <a:avLst/>
+              </a:prstGeom>
+              <a:noFill/>
+            </p:spPr>
+            <p:txBody>
+              <a:bodyPr wrap="square" rtlCol="0">
+                <a:spAutoFit/>
+              </a:bodyPr>
+              <a:lstStyle/>
+              <a:p>
+                <a:pPr/>
+                <a14:m>
+                  <m:oMathPara xmlns:m="http://schemas.openxmlformats.org/officeDocument/2006/math">
+                    <m:oMathParaPr>
+                      <m:jc m:val="centerGroup"/>
+                    </m:oMathParaPr>
+                    <m:oMath xmlns:m="http://schemas.openxmlformats.org/officeDocument/2006/math">
+                      <m:r>
+                        <a:rPr lang="it-IT" i="1" smtClean="0">
+                          <a:latin typeface="Cambria Math" panose="02040503050406030204" pitchFamily="18" charset="0"/>
+                        </a:rPr>
+                        <m:t>1</m:t>
+                      </m:r>
+                      <m:r>
+                        <a:rPr lang="it-IT" b="0" i="1" smtClean="0">
+                          <a:latin typeface="Cambria Math" panose="02040503050406030204" pitchFamily="18" charset="0"/>
+                        </a:rPr>
+                        <m:t>1</m:t>
+                      </m:r>
+                    </m:oMath>
+                  </m:oMathPara>
+                </a14:m>
+                <a:endParaRPr lang="it-IT" dirty="0"/>
+              </a:p>
+            </p:txBody>
+          </p:sp>
+        </mc:Choice>
+        <mc:Fallback xmlns="">
+          <p:sp>
+            <p:nvSpPr>
+              <p:cNvPr id="30" name="CasellaDiTesto 29">
+                <a:extLst>
+                  <a:ext uri="{FF2B5EF4-FFF2-40B4-BE49-F238E27FC236}">
+                    <a16:creationId xmlns:a16="http://schemas.microsoft.com/office/drawing/2014/main" id="{06F43F6E-0131-4A91-B0C7-9E49F1C1C82A}"/>
+                  </a:ext>
+                </a:extLst>
+              </p:cNvPr>
+              <p:cNvSpPr txBox="1">
+                <a:spLocks noRot="1" noChangeAspect="1" noMove="1" noResize="1" noEditPoints="1" noAdjustHandles="1" noChangeArrowheads="1" noChangeShapeType="1" noTextEdit="1"/>
+              </p:cNvSpPr>
+              <p:nvPr/>
+            </p:nvSpPr>
+            <p:spPr>
+              <a:xfrm rot="2308727">
+                <a:off x="3782847" y="2224434"/>
+                <a:ext cx="1008724" cy="369332"/>
+              </a:xfrm>
+              <a:prstGeom prst="rect">
+                <a:avLst/>
+              </a:prstGeom>
+              <a:blipFill>
+                <a:blip r:embed="rId5"/>
+                <a:stretch>
+                  <a:fillRect/>
+                </a:stretch>
+              </a:blipFill>
+            </p:spPr>
+            <p:txBody>
+              <a:bodyPr/>
+              <a:lstStyle/>
+              <a:p>
+                <a:r>
+                  <a:rPr lang="it-IT">
+                    <a:noFill/>
+                  </a:rPr>
+                  <a:t> </a:t>
+                </a:r>
+              </a:p>
+            </p:txBody>
+          </p:sp>
+        </mc:Fallback>
+      </mc:AlternateContent>
+      <p:sp>
+        <p:nvSpPr>
+          <p:cNvPr id="15" name="Ovale 14">
+            <a:extLst>
+              <a:ext uri="{FF2B5EF4-FFF2-40B4-BE49-F238E27FC236}">
+                <a16:creationId xmlns:a16="http://schemas.microsoft.com/office/drawing/2014/main" id="{8D5BD6A8-4A8D-4BFF-8C89-28AAD2DD2E07}"/>
+              </a:ext>
+            </a:extLst>
+          </p:cNvPr>
+          <p:cNvSpPr/>
+          <p:nvPr/>
+        </p:nvSpPr>
+        <p:spPr>
+          <a:xfrm>
+            <a:off x="4688944" y="3064708"/>
+            <a:ext cx="545285" cy="511729"/>
+          </a:xfrm>
+          <a:prstGeom prst="ellipse">
+            <a:avLst/>
+          </a:prstGeom>
+          <a:solidFill>
+            <a:schemeClr val="bg2">
+              <a:lumMod val="50000"/>
+            </a:schemeClr>
+          </a:solidFill>
+          <a:ln>
+            <a:solidFill>
+              <a:schemeClr val="tx1">
+                <a:lumMod val="85000"/>
+                <a:lumOff val="15000"/>
+              </a:schemeClr>
+            </a:solidFill>
+          </a:ln>
+        </p:spPr>
+        <p:style>
+          <a:lnRef idx="2">
+            <a:schemeClr val="accent1">
+              <a:shade val="50000"/>
+            </a:schemeClr>
+          </a:lnRef>
+          <a:fillRef idx="1">
+            <a:schemeClr val="accent1"/>
+          </a:fillRef>
+          <a:effectRef idx="0">
+            <a:schemeClr val="accent1"/>
+          </a:effectRef>
+          <a:fontRef idx="minor">
+            <a:schemeClr val="lt1"/>
+          </a:fontRef>
+        </p:style>
+        <p:txBody>
+          <a:bodyPr rtlCol="0" anchor="ctr"/>
+          <a:lstStyle/>
+          <a:p>
+            <a:pPr algn="ctr"/>
+            <a:r>
+              <a:rPr lang="it-IT" sz="2400" i="1" dirty="0"/>
+              <a:t>p</a:t>
+            </a:r>
+          </a:p>
+        </p:txBody>
+      </p:sp>
+      <mc:AlternateContent xmlns:mc="http://schemas.openxmlformats.org/markup-compatibility/2006" xmlns:a14="http://schemas.microsoft.com/office/drawing/2010/main">
+        <mc:Choice Requires="a14">
+          <p:sp>
+            <p:nvSpPr>
+              <p:cNvPr id="19" name="CasellaDiTesto 18">
+                <a:extLst>
+                  <a:ext uri="{FF2B5EF4-FFF2-40B4-BE49-F238E27FC236}">
+                    <a16:creationId xmlns:a16="http://schemas.microsoft.com/office/drawing/2014/main" id="{8EBC1935-0AEC-4487-AF17-F984F8DAA849}"/>
+                  </a:ext>
+                </a:extLst>
+              </p:cNvPr>
+              <p:cNvSpPr txBox="1"/>
+              <p:nvPr/>
+            </p:nvSpPr>
+            <p:spPr>
+              <a:xfrm>
+                <a:off x="5503907" y="2948705"/>
+                <a:ext cx="1008724" cy="369332"/>
+              </a:xfrm>
+              <a:prstGeom prst="rect">
+                <a:avLst/>
+              </a:prstGeom>
+              <a:noFill/>
+            </p:spPr>
+            <p:txBody>
+              <a:bodyPr wrap="square" rtlCol="0">
+                <a:spAutoFit/>
+              </a:bodyPr>
+              <a:lstStyle/>
+              <a:p>
+                <a:pPr/>
+                <a14:m>
+                  <m:oMathPara xmlns:m="http://schemas.openxmlformats.org/officeDocument/2006/math">
+                    <m:oMathParaPr>
+                      <m:jc m:val="centerGroup"/>
+                    </m:oMathParaPr>
+                    <m:oMath xmlns:m="http://schemas.openxmlformats.org/officeDocument/2006/math">
+                      <m:r>
+                        <a:rPr lang="it-IT" i="1" smtClean="0">
+                          <a:latin typeface="Cambria Math" panose="02040503050406030204" pitchFamily="18" charset="0"/>
+                        </a:rPr>
+                        <m:t>4</m:t>
+                      </m:r>
+                    </m:oMath>
+                  </m:oMathPara>
+                </a14:m>
+                <a:endParaRPr lang="it-IT" dirty="0"/>
+              </a:p>
+            </p:txBody>
+          </p:sp>
+        </mc:Choice>
+        <mc:Fallback xmlns="">
+          <p:sp>
+            <p:nvSpPr>
+              <p:cNvPr id="19" name="CasellaDiTesto 18">
+                <a:extLst>
+                  <a:ext uri="{FF2B5EF4-FFF2-40B4-BE49-F238E27FC236}">
+                    <a16:creationId xmlns:a16="http://schemas.microsoft.com/office/drawing/2014/main" id="{8EBC1935-0AEC-4487-AF17-F984F8DAA849}"/>
+                  </a:ext>
+                </a:extLst>
+              </p:cNvPr>
+              <p:cNvSpPr txBox="1">
+                <a:spLocks noRot="1" noChangeAspect="1" noMove="1" noResize="1" noEditPoints="1" noAdjustHandles="1" noChangeArrowheads="1" noChangeShapeType="1" noTextEdit="1"/>
+              </p:cNvSpPr>
+              <p:nvPr/>
+            </p:nvSpPr>
+            <p:spPr>
+              <a:xfrm>
+                <a:off x="5503907" y="2948705"/>
+                <a:ext cx="1008724" cy="369332"/>
+              </a:xfrm>
+              <a:prstGeom prst="rect">
+                <a:avLst/>
+              </a:prstGeom>
+              <a:blipFill>
+                <a:blip r:embed="rId6"/>
+                <a:stretch>
+                  <a:fillRect/>
+                </a:stretch>
+              </a:blipFill>
+            </p:spPr>
+            <p:txBody>
+              <a:bodyPr/>
+              <a:lstStyle/>
+              <a:p>
+                <a:r>
+                  <a:rPr lang="it-IT">
+                    <a:noFill/>
+                  </a:rPr>
+                  <a:t> </a:t>
+                </a:r>
+              </a:p>
+            </p:txBody>
+          </p:sp>
+        </mc:Fallback>
+      </mc:AlternateContent>
+    </p:spTree>
+    <p:extLst>
+      <p:ext uri="{BB962C8B-B14F-4D97-AF65-F5344CB8AC3E}">
+        <p14:creationId xmlns:p14="http://schemas.microsoft.com/office/powerpoint/2010/main" val="2266122327"/>
+      </p:ext>
+    </p:extLst>
+  </p:cSld>
+  <p:clrMapOvr>
+    <a:masterClrMapping/>
+  </p:clrMapOvr>
+</p:sld>
+</file>
+
+<file path=ppt/slides/slide14.xml><?xml version="1.0" encoding="utf-8"?>
+<p:sld xmlns:a="http://schemas.openxmlformats.org/drawingml/2006/main" xmlns:r="http://schemas.openxmlformats.org/officeDocument/2006/relationships" xmlns:p="http://schemas.openxmlformats.org/presentationml/2006/main">
+  <p:cSld>
+    <p:spTree>
+      <p:nvGrpSpPr>
+        <p:cNvPr id="1" name=""/>
+        <p:cNvGrpSpPr/>
+        <p:nvPr/>
+      </p:nvGrpSpPr>
+      <p:grpSpPr>
+        <a:xfrm>
+          <a:off x="0" y="0"/>
+          <a:ext cx="0" cy="0"/>
+          <a:chOff x="0" y="0"/>
+          <a:chExt cx="0" cy="0"/>
+        </a:xfrm>
+      </p:grpSpPr>
+      <p:cxnSp>
+        <p:nvCxnSpPr>
+          <p:cNvPr id="16" name="Connettore diritto 15">
+            <a:extLst>
+              <a:ext uri="{FF2B5EF4-FFF2-40B4-BE49-F238E27FC236}">
+                <a16:creationId xmlns:a16="http://schemas.microsoft.com/office/drawing/2014/main" id="{8268FD8E-4824-404F-A1F5-D6DA2BBBD26C}"/>
+              </a:ext>
+            </a:extLst>
+          </p:cNvPr>
+          <p:cNvCxnSpPr>
+            <a:cxnSpLocks/>
+          </p:cNvCxnSpPr>
+          <p:nvPr/>
+        </p:nvCxnSpPr>
+        <p:spPr>
+          <a:xfrm flipV="1">
+            <a:off x="5044261" y="3333601"/>
+            <a:ext cx="2069629" cy="14558"/>
+          </a:xfrm>
+          <a:prstGeom prst="line">
+            <a:avLst/>
+          </a:prstGeom>
+          <a:ln>
+            <a:headEnd type="none" w="med" len="med"/>
+            <a:tailEnd type="none" w="med" len="med"/>
+          </a:ln>
+        </p:spPr>
+        <p:style>
+          <a:lnRef idx="3">
+            <a:schemeClr val="dk1"/>
+          </a:lnRef>
+          <a:fillRef idx="0">
+            <a:schemeClr val="dk1"/>
+          </a:fillRef>
+          <a:effectRef idx="2">
+            <a:schemeClr val="dk1"/>
+          </a:effectRef>
+          <a:fontRef idx="minor">
+            <a:schemeClr val="tx1"/>
+          </a:fontRef>
+        </p:style>
+      </p:cxnSp>
+      <p:sp>
+        <p:nvSpPr>
+          <p:cNvPr id="9" name="Ovale 8">
+            <a:extLst>
+              <a:ext uri="{FF2B5EF4-FFF2-40B4-BE49-F238E27FC236}">
+                <a16:creationId xmlns:a16="http://schemas.microsoft.com/office/drawing/2014/main" id="{E1CD858E-A9AC-498F-B0ED-9337B0DBAC7D}"/>
+              </a:ext>
+            </a:extLst>
+          </p:cNvPr>
+          <p:cNvSpPr/>
+          <p:nvPr/>
+        </p:nvSpPr>
+        <p:spPr>
+          <a:xfrm>
+            <a:off x="6796477" y="3064708"/>
+            <a:ext cx="545285" cy="511729"/>
+          </a:xfrm>
+          <a:prstGeom prst="ellipse">
+            <a:avLst/>
+          </a:prstGeom>
+          <a:solidFill>
+            <a:schemeClr val="bg2">
+              <a:lumMod val="50000"/>
+            </a:schemeClr>
+          </a:solidFill>
+          <a:ln>
+            <a:solidFill>
+              <a:schemeClr val="tx1">
+                <a:lumMod val="85000"/>
+                <a:lumOff val="15000"/>
+              </a:schemeClr>
+            </a:solidFill>
+          </a:ln>
+        </p:spPr>
+        <p:style>
+          <a:lnRef idx="2">
+            <a:schemeClr val="accent1">
+              <a:shade val="50000"/>
+            </a:schemeClr>
+          </a:lnRef>
+          <a:fillRef idx="1">
+            <a:schemeClr val="accent1"/>
+          </a:fillRef>
+          <a:effectRef idx="0">
+            <a:schemeClr val="accent1"/>
+          </a:effectRef>
+          <a:fontRef idx="minor">
+            <a:schemeClr val="lt1"/>
+          </a:fontRef>
+        </p:style>
+        <p:txBody>
+          <a:bodyPr rtlCol="0" anchor="ctr"/>
+          <a:lstStyle/>
+          <a:p>
+            <a:pPr algn="ctr"/>
+            <a:r>
+              <a:rPr lang="it-IT" sz="2400" i="1" dirty="0"/>
+              <a:t>k</a:t>
+            </a:r>
+          </a:p>
+        </p:txBody>
+      </p:sp>
+      <p:sp>
+        <p:nvSpPr>
+          <p:cNvPr id="15" name="Ovale 14">
+            <a:extLst>
+              <a:ext uri="{FF2B5EF4-FFF2-40B4-BE49-F238E27FC236}">
+                <a16:creationId xmlns:a16="http://schemas.microsoft.com/office/drawing/2014/main" id="{8D5BD6A8-4A8D-4BFF-8C89-28AAD2DD2E07}"/>
+              </a:ext>
+            </a:extLst>
+          </p:cNvPr>
+          <p:cNvSpPr/>
+          <p:nvPr/>
+        </p:nvSpPr>
+        <p:spPr>
+          <a:xfrm>
+            <a:off x="4688944" y="3064708"/>
+            <a:ext cx="545285" cy="511729"/>
+          </a:xfrm>
+          <a:prstGeom prst="ellipse">
+            <a:avLst/>
+          </a:prstGeom>
+          <a:solidFill>
+            <a:schemeClr val="bg2">
+              <a:lumMod val="50000"/>
+            </a:schemeClr>
+          </a:solidFill>
+          <a:ln>
+            <a:solidFill>
+              <a:schemeClr val="tx1">
+                <a:lumMod val="85000"/>
+                <a:lumOff val="15000"/>
+              </a:schemeClr>
+            </a:solidFill>
+          </a:ln>
+        </p:spPr>
+        <p:style>
+          <a:lnRef idx="2">
+            <a:schemeClr val="accent1">
+              <a:shade val="50000"/>
+            </a:schemeClr>
+          </a:lnRef>
+          <a:fillRef idx="1">
+            <a:schemeClr val="accent1"/>
+          </a:fillRef>
+          <a:effectRef idx="0">
+            <a:schemeClr val="accent1"/>
+          </a:effectRef>
+          <a:fontRef idx="minor">
+            <a:schemeClr val="lt1"/>
+          </a:fontRef>
+        </p:style>
+        <p:txBody>
+          <a:bodyPr rtlCol="0" anchor="ctr"/>
+          <a:lstStyle/>
+          <a:p>
+            <a:pPr algn="ctr"/>
+            <a:r>
+              <a:rPr lang="it-IT" sz="2400" i="1" dirty="0"/>
+              <a:t>p</a:t>
+            </a:r>
+          </a:p>
+        </p:txBody>
+      </p:sp>
+      <mc:AlternateContent xmlns:mc="http://schemas.openxmlformats.org/markup-compatibility/2006">
+        <mc:Choice xmlns:a14="http://schemas.microsoft.com/office/drawing/2010/main" Requires="a14">
+          <p:sp>
+            <p:nvSpPr>
+              <p:cNvPr id="19" name="CasellaDiTesto 18">
+                <a:extLst>
+                  <a:ext uri="{FF2B5EF4-FFF2-40B4-BE49-F238E27FC236}">
+                    <a16:creationId xmlns:a16="http://schemas.microsoft.com/office/drawing/2014/main" id="{8EBC1935-0AEC-4487-AF17-F984F8DAA849}"/>
+                  </a:ext>
+                </a:extLst>
+              </p:cNvPr>
+              <p:cNvSpPr txBox="1"/>
+              <p:nvPr/>
+            </p:nvSpPr>
+            <p:spPr>
+              <a:xfrm>
+                <a:off x="5503907" y="2948705"/>
+                <a:ext cx="1008724" cy="369332"/>
+              </a:xfrm>
+              <a:prstGeom prst="rect">
+                <a:avLst/>
+              </a:prstGeom>
+              <a:noFill/>
+            </p:spPr>
+            <p:txBody>
+              <a:bodyPr wrap="square" rtlCol="0">
+                <a:spAutoFit/>
+              </a:bodyPr>
+              <a:lstStyle/>
+              <a:p>
+                <a:pPr/>
+                <a14:m>
+                  <m:oMathPara xmlns:m="http://schemas.openxmlformats.org/officeDocument/2006/math">
+                    <m:oMathParaPr>
+                      <m:jc m:val="centerGroup"/>
+                    </m:oMathParaPr>
+                    <m:oMath xmlns:m="http://schemas.openxmlformats.org/officeDocument/2006/math">
+                      <m:r>
+                        <a:rPr lang="it-IT" b="0" i="1" smtClean="0">
+                          <a:latin typeface="Cambria Math" panose="02040503050406030204" pitchFamily="18" charset="0"/>
+                        </a:rPr>
+                        <m:t>1,5</m:t>
+                      </m:r>
+                    </m:oMath>
+                  </m:oMathPara>
+                </a14:m>
+                <a:endParaRPr lang="it-IT" dirty="0"/>
+              </a:p>
+            </p:txBody>
+          </p:sp>
+        </mc:Choice>
+        <mc:Fallback>
+          <p:sp>
+            <p:nvSpPr>
+              <p:cNvPr id="19" name="CasellaDiTesto 18">
+                <a:extLst>
+                  <a:ext uri="{FF2B5EF4-FFF2-40B4-BE49-F238E27FC236}">
+                    <a16:creationId xmlns:a16="http://schemas.microsoft.com/office/drawing/2014/main" id="{8EBC1935-0AEC-4487-AF17-F984F8DAA849}"/>
+                  </a:ext>
+                </a:extLst>
+              </p:cNvPr>
+              <p:cNvSpPr txBox="1">
+                <a:spLocks noRot="1" noChangeAspect="1" noMove="1" noResize="1" noEditPoints="1" noAdjustHandles="1" noChangeArrowheads="1" noChangeShapeType="1" noTextEdit="1"/>
+              </p:cNvSpPr>
+              <p:nvPr/>
+            </p:nvSpPr>
+            <p:spPr>
+              <a:xfrm>
+                <a:off x="5503907" y="2948705"/>
+                <a:ext cx="1008724" cy="369332"/>
+              </a:xfrm>
+              <a:prstGeom prst="rect">
+                <a:avLst/>
+              </a:prstGeom>
+              <a:blipFill>
+                <a:blip r:embed="rId2"/>
+                <a:stretch>
+                  <a:fillRect/>
+                </a:stretch>
+              </a:blipFill>
+            </p:spPr>
+            <p:txBody>
+              <a:bodyPr/>
+              <a:lstStyle/>
+              <a:p>
+                <a:r>
+                  <a:rPr lang="it-IT">
+                    <a:noFill/>
+                  </a:rPr>
+                  <a:t> </a:t>
+                </a:r>
+              </a:p>
+            </p:txBody>
+          </p:sp>
+        </mc:Fallback>
+      </mc:AlternateContent>
+    </p:spTree>
+    <p:extLst>
+      <p:ext uri="{BB962C8B-B14F-4D97-AF65-F5344CB8AC3E}">
+        <p14:creationId xmlns:p14="http://schemas.microsoft.com/office/powerpoint/2010/main" val="3648907622"/>
+      </p:ext>
+    </p:extLst>
+  </p:cSld>
+  <p:clrMapOvr>
+    <a:masterClrMapping/>
+  </p:clrMapOvr>
+</p:sld>
+</file>
+
+<file path=ppt/slides/slide15.xml><?xml version="1.0" encoding="utf-8"?>
+<p:sld xmlns:a="http://schemas.openxmlformats.org/drawingml/2006/main" xmlns:r="http://schemas.openxmlformats.org/officeDocument/2006/relationships" xmlns:p="http://schemas.openxmlformats.org/presentationml/2006/main">
+  <p:cSld>
+    <p:spTree>
+      <p:nvGrpSpPr>
+        <p:cNvPr id="1" name=""/>
+        <p:cNvGrpSpPr/>
+        <p:nvPr/>
+      </p:nvGrpSpPr>
+      <p:grpSpPr>
+        <a:xfrm>
+          <a:off x="0" y="0"/>
+          <a:ext cx="0" cy="0"/>
+          <a:chOff x="0" y="0"/>
+          <a:chExt cx="0" cy="0"/>
+        </a:xfrm>
+      </p:grpSpPr>
+      <p:cxnSp>
+        <p:nvCxnSpPr>
+          <p:cNvPr id="16" name="Connettore diritto 15">
+            <a:extLst>
+              <a:ext uri="{FF2B5EF4-FFF2-40B4-BE49-F238E27FC236}">
+                <a16:creationId xmlns:a16="http://schemas.microsoft.com/office/drawing/2014/main" id="{8268FD8E-4824-404F-A1F5-D6DA2BBBD26C}"/>
+              </a:ext>
+            </a:extLst>
+          </p:cNvPr>
+          <p:cNvCxnSpPr>
+            <a:cxnSpLocks/>
+          </p:cNvCxnSpPr>
+          <p:nvPr/>
+        </p:nvCxnSpPr>
+        <p:spPr>
+          <a:xfrm flipV="1">
+            <a:off x="5044261" y="3333601"/>
+            <a:ext cx="2069629" cy="14558"/>
+          </a:xfrm>
+          <a:prstGeom prst="line">
+            <a:avLst/>
+          </a:prstGeom>
+          <a:ln>
+            <a:headEnd type="none" w="med" len="med"/>
+            <a:tailEnd type="none" w="med" len="med"/>
+          </a:ln>
+        </p:spPr>
+        <p:style>
+          <a:lnRef idx="3">
+            <a:schemeClr val="dk1"/>
+          </a:lnRef>
+          <a:fillRef idx="0">
+            <a:schemeClr val="dk1"/>
+          </a:fillRef>
+          <a:effectRef idx="2">
+            <a:schemeClr val="dk1"/>
+          </a:effectRef>
+          <a:fontRef idx="minor">
+            <a:schemeClr val="tx1"/>
+          </a:fontRef>
+        </p:style>
+      </p:cxnSp>
+      <p:cxnSp>
+        <p:nvCxnSpPr>
+          <p:cNvPr id="28" name="Connettore diritto 27">
+            <a:extLst>
+              <a:ext uri="{FF2B5EF4-FFF2-40B4-BE49-F238E27FC236}">
+                <a16:creationId xmlns:a16="http://schemas.microsoft.com/office/drawing/2014/main" id="{A1376592-4F22-421E-90D4-70499545155C}"/>
+              </a:ext>
+            </a:extLst>
+          </p:cNvPr>
+          <p:cNvCxnSpPr>
+            <a:cxnSpLocks/>
+          </p:cNvCxnSpPr>
+          <p:nvPr/>
+        </p:nvCxnSpPr>
+        <p:spPr>
+          <a:xfrm>
+            <a:off x="3379048" y="1966273"/>
+            <a:ext cx="1697205" cy="1351764"/>
+          </a:xfrm>
+          <a:prstGeom prst="line">
+            <a:avLst/>
+          </a:prstGeom>
+          <a:ln>
+            <a:headEnd type="none" w="med" len="med"/>
+            <a:tailEnd type="none" w="med" len="med"/>
+          </a:ln>
+        </p:spPr>
+        <p:style>
+          <a:lnRef idx="3">
+            <a:schemeClr val="dk1"/>
+          </a:lnRef>
+          <a:fillRef idx="0">
+            <a:schemeClr val="dk1"/>
+          </a:fillRef>
+          <a:effectRef idx="2">
+            <a:schemeClr val="dk1"/>
+          </a:effectRef>
+          <a:fontRef idx="minor">
+            <a:schemeClr val="tx1"/>
+          </a:fontRef>
+        </p:style>
+      </p:cxnSp>
+      <p:cxnSp>
+        <p:nvCxnSpPr>
+          <p:cNvPr id="26" name="Connettore diritto 25">
+            <a:extLst>
+              <a:ext uri="{FF2B5EF4-FFF2-40B4-BE49-F238E27FC236}">
+                <a16:creationId xmlns:a16="http://schemas.microsoft.com/office/drawing/2014/main" id="{E37A84F6-B55A-4468-B75F-679898CB2FC0}"/>
+              </a:ext>
+            </a:extLst>
+          </p:cNvPr>
+          <p:cNvCxnSpPr>
+            <a:cxnSpLocks/>
+          </p:cNvCxnSpPr>
+          <p:nvPr/>
+        </p:nvCxnSpPr>
+        <p:spPr>
+          <a:xfrm flipV="1">
+            <a:off x="3379048" y="3348158"/>
+            <a:ext cx="1652431" cy="1344655"/>
+          </a:xfrm>
+          <a:prstGeom prst="line">
+            <a:avLst/>
+          </a:prstGeom>
+          <a:ln>
+            <a:headEnd type="none" w="med" len="med"/>
+            <a:tailEnd type="none" w="med" len="med"/>
+          </a:ln>
+        </p:spPr>
+        <p:style>
+          <a:lnRef idx="3">
+            <a:schemeClr val="dk1"/>
+          </a:lnRef>
+          <a:fillRef idx="0">
+            <a:schemeClr val="dk1"/>
+          </a:fillRef>
+          <a:effectRef idx="2">
+            <a:schemeClr val="dk1"/>
+          </a:effectRef>
+          <a:fontRef idx="minor">
+            <a:schemeClr val="tx1"/>
+          </a:fontRef>
+        </p:style>
+      </p:cxnSp>
+      <p:cxnSp>
+        <p:nvCxnSpPr>
+          <p:cNvPr id="25" name="Connettore diritto 24">
+            <a:extLst>
+              <a:ext uri="{FF2B5EF4-FFF2-40B4-BE49-F238E27FC236}">
+                <a16:creationId xmlns:a16="http://schemas.microsoft.com/office/drawing/2014/main" id="{77F49E93-79D8-476D-B5F7-01377E381AA1}"/>
+              </a:ext>
+            </a:extLst>
+          </p:cNvPr>
+          <p:cNvCxnSpPr>
+            <a:cxnSpLocks/>
+          </p:cNvCxnSpPr>
+          <p:nvPr/>
+        </p:nvCxnSpPr>
+        <p:spPr>
+          <a:xfrm>
+            <a:off x="7069116" y="3320572"/>
+            <a:ext cx="1700170" cy="1381886"/>
+          </a:xfrm>
+          <a:prstGeom prst="line">
+            <a:avLst/>
+          </a:prstGeom>
+          <a:ln/>
+        </p:spPr>
+        <p:style>
+          <a:lnRef idx="3">
+            <a:schemeClr val="dk1"/>
+          </a:lnRef>
+          <a:fillRef idx="0">
+            <a:schemeClr val="dk1"/>
+          </a:fillRef>
+          <a:effectRef idx="2">
+            <a:schemeClr val="dk1"/>
+          </a:effectRef>
+          <a:fontRef idx="minor">
+            <a:schemeClr val="tx1"/>
+          </a:fontRef>
+        </p:style>
+      </p:cxnSp>
+      <p:cxnSp>
+        <p:nvCxnSpPr>
+          <p:cNvPr id="23" name="Connettore diritto 22">
+            <a:extLst>
+              <a:ext uri="{FF2B5EF4-FFF2-40B4-BE49-F238E27FC236}">
+                <a16:creationId xmlns:a16="http://schemas.microsoft.com/office/drawing/2014/main" id="{FDA6CBB9-9AF0-4020-9652-FBEA53DB49A8}"/>
+              </a:ext>
+            </a:extLst>
+          </p:cNvPr>
+          <p:cNvCxnSpPr>
+            <a:cxnSpLocks/>
+          </p:cNvCxnSpPr>
+          <p:nvPr/>
+        </p:nvCxnSpPr>
+        <p:spPr>
+          <a:xfrm flipH="1">
+            <a:off x="7066155" y="1938687"/>
+            <a:ext cx="1703134" cy="1381885"/>
+          </a:xfrm>
+          <a:prstGeom prst="line">
+            <a:avLst/>
+          </a:prstGeom>
+          <a:ln/>
+        </p:spPr>
+        <p:style>
+          <a:lnRef idx="3">
+            <a:schemeClr val="dk1"/>
+          </a:lnRef>
+          <a:fillRef idx="0">
+            <a:schemeClr val="dk1"/>
+          </a:fillRef>
+          <a:effectRef idx="2">
+            <a:schemeClr val="dk1"/>
+          </a:effectRef>
+          <a:fontRef idx="minor">
+            <a:schemeClr val="tx1"/>
+          </a:fontRef>
+        </p:style>
+      </p:cxnSp>
+      <p:sp>
+        <p:nvSpPr>
+          <p:cNvPr id="9" name="Ovale 8">
+            <a:extLst>
+              <a:ext uri="{FF2B5EF4-FFF2-40B4-BE49-F238E27FC236}">
+                <a16:creationId xmlns:a16="http://schemas.microsoft.com/office/drawing/2014/main" id="{E1CD858E-A9AC-498F-B0ED-9337B0DBAC7D}"/>
+              </a:ext>
+            </a:extLst>
+          </p:cNvPr>
+          <p:cNvSpPr/>
+          <p:nvPr/>
+        </p:nvSpPr>
+        <p:spPr>
+          <a:xfrm>
+            <a:off x="6796477" y="3064708"/>
+            <a:ext cx="545285" cy="511729"/>
+          </a:xfrm>
+          <a:prstGeom prst="ellipse">
+            <a:avLst/>
+          </a:prstGeom>
+          <a:solidFill>
+            <a:schemeClr val="bg2">
+              <a:lumMod val="50000"/>
+            </a:schemeClr>
+          </a:solidFill>
+          <a:ln>
+            <a:solidFill>
+              <a:schemeClr val="tx1">
+                <a:lumMod val="85000"/>
+                <a:lumOff val="15000"/>
+              </a:schemeClr>
+            </a:solidFill>
+          </a:ln>
+        </p:spPr>
+        <p:style>
+          <a:lnRef idx="2">
+            <a:schemeClr val="accent1">
+              <a:shade val="50000"/>
+            </a:schemeClr>
+          </a:lnRef>
+          <a:fillRef idx="1">
+            <a:schemeClr val="accent1"/>
+          </a:fillRef>
+          <a:effectRef idx="0">
+            <a:schemeClr val="accent1"/>
+          </a:effectRef>
+          <a:fontRef idx="minor">
+            <a:schemeClr val="lt1"/>
+          </a:fontRef>
+        </p:style>
+        <p:txBody>
+          <a:bodyPr rtlCol="0" anchor="ctr"/>
+          <a:lstStyle/>
+          <a:p>
+            <a:pPr algn="ctr"/>
+            <a:r>
+              <a:rPr lang="it-IT" sz="2400" i="1" dirty="0"/>
+              <a:t>k</a:t>
+            </a:r>
+          </a:p>
+        </p:txBody>
+      </p:sp>
+      <p:sp>
+        <p:nvSpPr>
+          <p:cNvPr id="10" name="Ovale 9">
+            <a:extLst>
+              <a:ext uri="{FF2B5EF4-FFF2-40B4-BE49-F238E27FC236}">
+                <a16:creationId xmlns:a16="http://schemas.microsoft.com/office/drawing/2014/main" id="{87F835B7-821B-4C37-9ABF-E05F9D123497}"/>
+              </a:ext>
+            </a:extLst>
+          </p:cNvPr>
+          <p:cNvSpPr/>
+          <p:nvPr/>
+        </p:nvSpPr>
+        <p:spPr>
+          <a:xfrm>
+            <a:off x="8496647" y="4407584"/>
+            <a:ext cx="545285" cy="511729"/>
+          </a:xfrm>
+          <a:prstGeom prst="ellipse">
+            <a:avLst/>
+          </a:prstGeom>
+          <a:solidFill>
+            <a:schemeClr val="bg2">
+              <a:lumMod val="50000"/>
+            </a:schemeClr>
+          </a:solidFill>
+          <a:ln>
+            <a:solidFill>
+              <a:schemeClr val="tx1">
+                <a:lumMod val="85000"/>
+                <a:lumOff val="15000"/>
+              </a:schemeClr>
+            </a:solidFill>
+          </a:ln>
+        </p:spPr>
+        <p:style>
+          <a:lnRef idx="2">
+            <a:schemeClr val="accent1">
+              <a:shade val="50000"/>
+            </a:schemeClr>
+          </a:lnRef>
+          <a:fillRef idx="1">
+            <a:schemeClr val="accent1"/>
+          </a:fillRef>
+          <a:effectRef idx="0">
+            <a:schemeClr val="accent1"/>
+          </a:effectRef>
+          <a:fontRef idx="minor">
+            <a:schemeClr val="lt1"/>
+          </a:fontRef>
+        </p:style>
+        <p:txBody>
+          <a:bodyPr rtlCol="0" anchor="ctr"/>
+          <a:lstStyle/>
+          <a:p>
+            <a:pPr algn="ctr"/>
+            <a:r>
+              <a:rPr lang="it-IT" sz="2400" dirty="0"/>
+              <a:t>s</a:t>
+            </a:r>
+          </a:p>
+        </p:txBody>
+      </p:sp>
+      <p:sp>
+        <p:nvSpPr>
+          <p:cNvPr id="11" name="Ovale 10">
+            <a:extLst>
+              <a:ext uri="{FF2B5EF4-FFF2-40B4-BE49-F238E27FC236}">
+                <a16:creationId xmlns:a16="http://schemas.microsoft.com/office/drawing/2014/main" id="{D5EFBF8E-3097-4D14-871D-D0818153B3B1}"/>
+              </a:ext>
+            </a:extLst>
+          </p:cNvPr>
+          <p:cNvSpPr/>
+          <p:nvPr/>
+        </p:nvSpPr>
+        <p:spPr>
+          <a:xfrm>
+            <a:off x="8496647" y="1682823"/>
+            <a:ext cx="545285" cy="511729"/>
+          </a:xfrm>
+          <a:prstGeom prst="ellipse">
+            <a:avLst/>
+          </a:prstGeom>
+          <a:solidFill>
+            <a:schemeClr val="bg2">
+              <a:lumMod val="50000"/>
+            </a:schemeClr>
+          </a:solidFill>
+          <a:ln>
+            <a:solidFill>
+              <a:schemeClr val="tx1">
+                <a:lumMod val="85000"/>
+                <a:lumOff val="15000"/>
+              </a:schemeClr>
+            </a:solidFill>
+          </a:ln>
+        </p:spPr>
+        <p:style>
+          <a:lnRef idx="2">
+            <a:schemeClr val="accent1">
+              <a:shade val="50000"/>
+            </a:schemeClr>
+          </a:lnRef>
+          <a:fillRef idx="1">
+            <a:schemeClr val="accent1"/>
+          </a:fillRef>
+          <a:effectRef idx="0">
+            <a:schemeClr val="accent1"/>
+          </a:effectRef>
+          <a:fontRef idx="minor">
+            <a:schemeClr val="lt1"/>
+          </a:fontRef>
+        </p:style>
+        <p:txBody>
+          <a:bodyPr rtlCol="0" anchor="ctr"/>
+          <a:lstStyle/>
+          <a:p>
+            <a:pPr algn="ctr"/>
+            <a:r>
+              <a:rPr lang="it-IT" sz="2400" dirty="0"/>
+              <a:t>u</a:t>
+            </a:r>
+          </a:p>
+        </p:txBody>
+      </p:sp>
+      <mc:AlternateContent xmlns:mc="http://schemas.openxmlformats.org/markup-compatibility/2006">
+        <mc:Choice xmlns:a14="http://schemas.microsoft.com/office/drawing/2010/main" Requires="a14">
+          <p:sp>
+            <p:nvSpPr>
+              <p:cNvPr id="34" name="CasellaDiTesto 33">
+                <a:extLst>
+                  <a:ext uri="{FF2B5EF4-FFF2-40B4-BE49-F238E27FC236}">
+                    <a16:creationId xmlns:a16="http://schemas.microsoft.com/office/drawing/2014/main" id="{3043EDF5-0856-4F39-8192-5232679663C3}"/>
+                  </a:ext>
+                </a:extLst>
+              </p:cNvPr>
+              <p:cNvSpPr txBox="1"/>
+              <p:nvPr/>
+            </p:nvSpPr>
+            <p:spPr>
+              <a:xfrm rot="19256206">
+                <a:off x="7382285" y="2207932"/>
+                <a:ext cx="1008724" cy="369332"/>
+              </a:xfrm>
+              <a:prstGeom prst="rect">
+                <a:avLst/>
+              </a:prstGeom>
+              <a:noFill/>
+            </p:spPr>
+            <p:txBody>
+              <a:bodyPr wrap="square" rtlCol="0">
+                <a:spAutoFit/>
+              </a:bodyPr>
+              <a:lstStyle/>
+              <a:p>
+                <a:pPr/>
+                <a14:m>
+                  <m:oMathPara xmlns:m="http://schemas.openxmlformats.org/officeDocument/2006/math">
+                    <m:oMathParaPr>
+                      <m:jc m:val="centerGroup"/>
+                    </m:oMathParaPr>
+                    <m:oMath xmlns:m="http://schemas.openxmlformats.org/officeDocument/2006/math">
+                      <m:r>
+                        <a:rPr lang="it-IT" b="0" i="1" smtClean="0">
+                          <a:latin typeface="Cambria Math" panose="02040503050406030204" pitchFamily="18" charset="0"/>
+                        </a:rPr>
+                        <m:t>1</m:t>
                       </m:r>
                     </m:oMath>
                   </m:oMathPara>
@@ -7096,10 +8482,10 @@
                     </m:oMathParaPr>
                     <m:oMath xmlns:m="http://schemas.openxmlformats.org/officeDocument/2006/math">
                       <m:r>
-                        <a:rPr lang="it-IT" i="1" smtClean="0">
+                        <a:rPr lang="it-IT" b="0" i="1" smtClean="0">
                           <a:latin typeface="Cambria Math" panose="02040503050406030204" pitchFamily="18" charset="0"/>
                         </a:rPr>
-                        <m:t>7</m:t>
+                        <m:t>1</m:t>
                       </m:r>
                     </m:oMath>
                   </m:oMathPara>
@@ -7154,8 +8540,8 @@
           </p:sp>
         </mc:Fallback>
       </mc:AlternateContent>
-      <mc:AlternateContent xmlns:mc="http://schemas.openxmlformats.org/markup-compatibility/2006">
-        <mc:Choice xmlns:a14="http://schemas.microsoft.com/office/drawing/2010/main" Requires="a14">
+      <mc:AlternateContent xmlns:mc="http://schemas.openxmlformats.org/markup-compatibility/2006" xmlns:a14="http://schemas.microsoft.com/office/drawing/2010/main">
+        <mc:Choice Requires="a14">
           <p:sp>
             <p:nvSpPr>
               <p:cNvPr id="29" name="CasellaDiTesto 28">
@@ -7205,7 +8591,7 @@
             </p:txBody>
           </p:sp>
         </mc:Choice>
-        <mc:Fallback>
+        <mc:Fallback xmlns="">
           <p:sp>
             <p:nvSpPr>
               <p:cNvPr id="29" name="CasellaDiTesto 28">
@@ -7293,12 +8679,6 @@
                         </a:rPr>
                         <m:t>1</m:t>
                       </m:r>
-                      <m:r>
-                        <a:rPr lang="it-IT" b="0" i="1" smtClean="0">
-                          <a:latin typeface="Cambria Math" panose="02040503050406030204" pitchFamily="18" charset="0"/>
-                        </a:rPr>
-                        <m:t>1</m:t>
-                      </m:r>
                     </m:oMath>
                   </m:oMathPara>
                 </a14:m>
@@ -7444,7 +8824,6 @@
               </a:bodyPr>
               <a:lstStyle/>
               <a:p>
-                <a:pPr/>
                 <a14:m>
                   <m:oMathPara xmlns:m="http://schemas.openxmlformats.org/officeDocument/2006/math">
                     <m:oMathParaPr>
@@ -7452,10 +8831,10 @@
                     </m:oMathParaPr>
                     <m:oMath xmlns:m="http://schemas.openxmlformats.org/officeDocument/2006/math">
                       <m:r>
-                        <a:rPr lang="it-IT" i="1" smtClean="0">
+                        <a:rPr lang="it-IT" i="1">
                           <a:latin typeface="Cambria Math" panose="02040503050406030204" pitchFamily="18" charset="0"/>
                         </a:rPr>
-                        <m:t>4</m:t>
+                        <m:t>1,5</m:t>
                       </m:r>
                     </m:oMath>
                   </m:oMathPara>
@@ -7513,7 +8892,7 @@
     </p:spTree>
     <p:extLst>
       <p:ext uri="{BB962C8B-B14F-4D97-AF65-F5344CB8AC3E}">
-        <p14:creationId xmlns:p14="http://schemas.microsoft.com/office/powerpoint/2010/main" val="2266122327"/>
+        <p14:creationId xmlns:p14="http://schemas.microsoft.com/office/powerpoint/2010/main" val="1961101133"/>
       </p:ext>
     </p:extLst>
   </p:cSld>

--- a/unroteed_tree_created_by_figure_5.pptx
+++ b/unroteed_tree_created_by_figure_5.pptx
@@ -20,6 +20,10 @@
     <p:sldId id="269" r:id="rId14"/>
     <p:sldId id="270" r:id="rId15"/>
     <p:sldId id="271" r:id="rId16"/>
+    <p:sldId id="272" r:id="rId17"/>
+    <p:sldId id="273" r:id="rId18"/>
+    <p:sldId id="274" r:id="rId19"/>
+    <p:sldId id="275" r:id="rId20"/>
   </p:sldIdLst>
   <p:sldSz cx="12192000" cy="6858000"/>
   <p:notesSz cx="7102475" cy="10233025"/>
@@ -273,7 +277,7 @@
           <a:p>
             <a:fld id="{CCE3BD62-2273-467C-9F39-ACC154E35B4E}" type="datetimeFigureOut">
               <a:rPr lang="it-IT" smtClean="0"/>
-              <a:t>17/06/2019</a:t>
+              <a:t>20/06/2019</a:t>
             </a:fld>
             <a:endParaRPr lang="it-IT"/>
           </a:p>
@@ -471,7 +475,7 @@
           <a:p>
             <a:fld id="{CCE3BD62-2273-467C-9F39-ACC154E35B4E}" type="datetimeFigureOut">
               <a:rPr lang="it-IT" smtClean="0"/>
-              <a:t>17/06/2019</a:t>
+              <a:t>20/06/2019</a:t>
             </a:fld>
             <a:endParaRPr lang="it-IT"/>
           </a:p>
@@ -679,7 +683,7 @@
           <a:p>
             <a:fld id="{CCE3BD62-2273-467C-9F39-ACC154E35B4E}" type="datetimeFigureOut">
               <a:rPr lang="it-IT" smtClean="0"/>
-              <a:t>17/06/2019</a:t>
+              <a:t>20/06/2019</a:t>
             </a:fld>
             <a:endParaRPr lang="it-IT"/>
           </a:p>
@@ -877,7 +881,7 @@
           <a:p>
             <a:fld id="{CCE3BD62-2273-467C-9F39-ACC154E35B4E}" type="datetimeFigureOut">
               <a:rPr lang="it-IT" smtClean="0"/>
-              <a:t>17/06/2019</a:t>
+              <a:t>20/06/2019</a:t>
             </a:fld>
             <a:endParaRPr lang="it-IT"/>
           </a:p>
@@ -1152,7 +1156,7 @@
           <a:p>
             <a:fld id="{CCE3BD62-2273-467C-9F39-ACC154E35B4E}" type="datetimeFigureOut">
               <a:rPr lang="it-IT" smtClean="0"/>
-              <a:t>17/06/2019</a:t>
+              <a:t>20/06/2019</a:t>
             </a:fld>
             <a:endParaRPr lang="it-IT"/>
           </a:p>
@@ -1417,7 +1421,7 @@
           <a:p>
             <a:fld id="{CCE3BD62-2273-467C-9F39-ACC154E35B4E}" type="datetimeFigureOut">
               <a:rPr lang="it-IT" smtClean="0"/>
-              <a:t>17/06/2019</a:t>
+              <a:t>20/06/2019</a:t>
             </a:fld>
             <a:endParaRPr lang="it-IT"/>
           </a:p>
@@ -1829,7 +1833,7 @@
           <a:p>
             <a:fld id="{CCE3BD62-2273-467C-9F39-ACC154E35B4E}" type="datetimeFigureOut">
               <a:rPr lang="it-IT" smtClean="0"/>
-              <a:t>17/06/2019</a:t>
+              <a:t>20/06/2019</a:t>
             </a:fld>
             <a:endParaRPr lang="it-IT"/>
           </a:p>
@@ -1970,7 +1974,7 @@
           <a:p>
             <a:fld id="{CCE3BD62-2273-467C-9F39-ACC154E35B4E}" type="datetimeFigureOut">
               <a:rPr lang="it-IT" smtClean="0"/>
-              <a:t>17/06/2019</a:t>
+              <a:t>20/06/2019</a:t>
             </a:fld>
             <a:endParaRPr lang="it-IT"/>
           </a:p>
@@ -2083,7 +2087,7 @@
           <a:p>
             <a:fld id="{CCE3BD62-2273-467C-9F39-ACC154E35B4E}" type="datetimeFigureOut">
               <a:rPr lang="it-IT" smtClean="0"/>
-              <a:t>17/06/2019</a:t>
+              <a:t>20/06/2019</a:t>
             </a:fld>
             <a:endParaRPr lang="it-IT"/>
           </a:p>
@@ -2394,7 +2398,7 @@
           <a:p>
             <a:fld id="{CCE3BD62-2273-467C-9F39-ACC154E35B4E}" type="datetimeFigureOut">
               <a:rPr lang="it-IT" smtClean="0"/>
-              <a:t>17/06/2019</a:t>
+              <a:t>20/06/2019</a:t>
             </a:fld>
             <a:endParaRPr lang="it-IT"/>
           </a:p>
@@ -2682,7 +2686,7 @@
           <a:p>
             <a:fld id="{CCE3BD62-2273-467C-9F39-ACC154E35B4E}" type="datetimeFigureOut">
               <a:rPr lang="it-IT" smtClean="0"/>
-              <a:t>17/06/2019</a:t>
+              <a:t>20/06/2019</a:t>
             </a:fld>
             <a:endParaRPr lang="it-IT"/>
           </a:p>
@@ -2923,7 +2927,7 @@
           <a:p>
             <a:fld id="{CCE3BD62-2273-467C-9F39-ACC154E35B4E}" type="datetimeFigureOut">
               <a:rPr lang="it-IT" smtClean="0"/>
-              <a:t>17/06/2019</a:t>
+              <a:t>20/06/2019</a:t>
             </a:fld>
             <a:endParaRPr lang="it-IT"/>
           </a:p>
@@ -7708,8 +7712,8 @@
           </a:p>
         </p:txBody>
       </p:sp>
-      <mc:AlternateContent xmlns:mc="http://schemas.openxmlformats.org/markup-compatibility/2006">
-        <mc:Choice xmlns:a14="http://schemas.microsoft.com/office/drawing/2010/main" Requires="a14">
+      <mc:AlternateContent xmlns:mc="http://schemas.openxmlformats.org/markup-compatibility/2006" xmlns:a14="http://schemas.microsoft.com/office/drawing/2010/main">
+        <mc:Choice Requires="a14">
           <p:sp>
             <p:nvSpPr>
               <p:cNvPr id="19" name="CasellaDiTesto 18">
@@ -7759,7 +7763,7 @@
             </p:txBody>
           </p:sp>
         </mc:Choice>
-        <mc:Fallback>
+        <mc:Fallback xmlns="">
           <p:sp>
             <p:nvSpPr>
               <p:cNvPr id="19" name="CasellaDiTesto 18">
@@ -8224,8 +8228,8 @@
           </a:p>
         </p:txBody>
       </p:sp>
-      <mc:AlternateContent xmlns:mc="http://schemas.openxmlformats.org/markup-compatibility/2006">
-        <mc:Choice xmlns:a14="http://schemas.microsoft.com/office/drawing/2010/main" Requires="a14">
+      <mc:AlternateContent xmlns:mc="http://schemas.openxmlformats.org/markup-compatibility/2006" xmlns:a14="http://schemas.microsoft.com/office/drawing/2010/main">
+        <mc:Choice Requires="a14">
           <p:sp>
             <p:nvSpPr>
               <p:cNvPr id="34" name="CasellaDiTesto 33">
@@ -8275,7 +8279,7 @@
             </p:txBody>
           </p:sp>
         </mc:Choice>
-        <mc:Fallback>
+        <mc:Fallback xmlns="">
           <p:sp>
             <p:nvSpPr>
               <p:cNvPr id="34" name="CasellaDiTesto 33">
@@ -8444,8 +8448,8 @@
           </a:p>
         </p:txBody>
       </p:sp>
-      <mc:AlternateContent xmlns:mc="http://schemas.openxmlformats.org/markup-compatibility/2006">
-        <mc:Choice xmlns:a14="http://schemas.microsoft.com/office/drawing/2010/main" Requires="a14">
+      <mc:AlternateContent xmlns:mc="http://schemas.openxmlformats.org/markup-compatibility/2006" xmlns:a14="http://schemas.microsoft.com/office/drawing/2010/main">
+        <mc:Choice Requires="a14">
           <p:sp>
             <p:nvSpPr>
               <p:cNvPr id="20" name="CasellaDiTesto 19">
@@ -8495,7 +8499,7 @@
             </p:txBody>
           </p:sp>
         </mc:Choice>
-        <mc:Fallback>
+        <mc:Fallback xmlns="">
           <p:sp>
             <p:nvSpPr>
               <p:cNvPr id="20" name="CasellaDiTesto 19">
@@ -8636,8 +8640,8 @@
           </p:sp>
         </mc:Fallback>
       </mc:AlternateContent>
-      <mc:AlternateContent xmlns:mc="http://schemas.openxmlformats.org/markup-compatibility/2006">
-        <mc:Choice xmlns:a14="http://schemas.microsoft.com/office/drawing/2010/main" Requires="a14">
+      <mc:AlternateContent xmlns:mc="http://schemas.openxmlformats.org/markup-compatibility/2006" xmlns:a14="http://schemas.microsoft.com/office/drawing/2010/main">
+        <mc:Choice Requires="a14">
           <p:sp>
             <p:nvSpPr>
               <p:cNvPr id="30" name="CasellaDiTesto 29">
@@ -8687,7 +8691,7 @@
             </p:txBody>
           </p:sp>
         </mc:Choice>
-        <mc:Fallback>
+        <mc:Fallback xmlns="">
           <p:sp>
             <p:nvSpPr>
               <p:cNvPr id="30" name="CasellaDiTesto 29">
@@ -8794,8 +8798,8 @@
           </a:p>
         </p:txBody>
       </p:sp>
-      <mc:AlternateContent xmlns:mc="http://schemas.openxmlformats.org/markup-compatibility/2006">
-        <mc:Choice xmlns:a14="http://schemas.microsoft.com/office/drawing/2010/main" Requires="a14">
+      <mc:AlternateContent xmlns:mc="http://schemas.openxmlformats.org/markup-compatibility/2006" xmlns:a14="http://schemas.microsoft.com/office/drawing/2010/main">
+        <mc:Choice Requires="a14">
           <p:sp>
             <p:nvSpPr>
               <p:cNvPr id="19" name="CasellaDiTesto 18">
@@ -8824,6 +8828,7 @@
               </a:bodyPr>
               <a:lstStyle/>
               <a:p>
+                <a:pPr/>
                 <a14:m>
                   <m:oMathPara xmlns:m="http://schemas.openxmlformats.org/officeDocument/2006/math">
                     <m:oMathParaPr>
@@ -8844,7 +8849,7 @@
             </p:txBody>
           </p:sp>
         </mc:Choice>
-        <mc:Fallback>
+        <mc:Fallback xmlns="">
           <p:sp>
             <p:nvSpPr>
               <p:cNvPr id="19" name="CasellaDiTesto 18">
@@ -8893,6 +8898,4856 @@
     <p:extLst>
       <p:ext uri="{BB962C8B-B14F-4D97-AF65-F5344CB8AC3E}">
         <p14:creationId xmlns:p14="http://schemas.microsoft.com/office/powerpoint/2010/main" val="1961101133"/>
+      </p:ext>
+    </p:extLst>
+  </p:cSld>
+  <p:clrMapOvr>
+    <a:masterClrMapping/>
+  </p:clrMapOvr>
+</p:sld>
+</file>
+
+<file path=ppt/slides/slide16.xml><?xml version="1.0" encoding="utf-8"?>
+<p:sld xmlns:a="http://schemas.openxmlformats.org/drawingml/2006/main" xmlns:r="http://schemas.openxmlformats.org/officeDocument/2006/relationships" xmlns:p="http://schemas.openxmlformats.org/presentationml/2006/main">
+  <p:cSld>
+    <p:spTree>
+      <p:nvGrpSpPr>
+        <p:cNvPr id="1" name=""/>
+        <p:cNvGrpSpPr/>
+        <p:nvPr/>
+      </p:nvGrpSpPr>
+      <p:grpSpPr>
+        <a:xfrm>
+          <a:off x="0" y="0"/>
+          <a:ext cx="0" cy="0"/>
+          <a:chOff x="0" y="0"/>
+          <a:chExt cx="0" cy="0"/>
+        </a:xfrm>
+      </p:grpSpPr>
+      <p:cxnSp>
+        <p:nvCxnSpPr>
+          <p:cNvPr id="63" name="Connettore diritto 62">
+            <a:extLst>
+              <a:ext uri="{FF2B5EF4-FFF2-40B4-BE49-F238E27FC236}">
+                <a16:creationId xmlns:a16="http://schemas.microsoft.com/office/drawing/2014/main" id="{1751547C-981A-4103-9347-2A68A813413A}"/>
+              </a:ext>
+            </a:extLst>
+          </p:cNvPr>
+          <p:cNvCxnSpPr>
+            <a:cxnSpLocks/>
+          </p:cNvCxnSpPr>
+          <p:nvPr/>
+        </p:nvCxnSpPr>
+        <p:spPr>
+          <a:xfrm flipH="1" flipV="1">
+            <a:off x="8226341" y="3580449"/>
+            <a:ext cx="760463" cy="583746"/>
+          </a:xfrm>
+          <a:prstGeom prst="line">
+            <a:avLst/>
+          </a:prstGeom>
+          <a:ln/>
+        </p:spPr>
+        <p:style>
+          <a:lnRef idx="3">
+            <a:schemeClr val="dk1"/>
+          </a:lnRef>
+          <a:fillRef idx="0">
+            <a:schemeClr val="dk1"/>
+          </a:fillRef>
+          <a:effectRef idx="2">
+            <a:schemeClr val="dk1"/>
+          </a:effectRef>
+          <a:fontRef idx="minor">
+            <a:schemeClr val="tx1"/>
+          </a:fontRef>
+        </p:style>
+      </p:cxnSp>
+      <p:cxnSp>
+        <p:nvCxnSpPr>
+          <p:cNvPr id="47" name="Connettore diritto 46">
+            <a:extLst>
+              <a:ext uri="{FF2B5EF4-FFF2-40B4-BE49-F238E27FC236}">
+                <a16:creationId xmlns:a16="http://schemas.microsoft.com/office/drawing/2014/main" id="{4336ED79-E8D8-4811-910F-56AE64053ABB}"/>
+              </a:ext>
+            </a:extLst>
+          </p:cNvPr>
+          <p:cNvCxnSpPr>
+            <a:cxnSpLocks/>
+          </p:cNvCxnSpPr>
+          <p:nvPr/>
+        </p:nvCxnSpPr>
+        <p:spPr>
+          <a:xfrm flipV="1">
+            <a:off x="4538808" y="722199"/>
+            <a:ext cx="1469459" cy="1179609"/>
+          </a:xfrm>
+          <a:prstGeom prst="line">
+            <a:avLst/>
+          </a:prstGeom>
+          <a:ln/>
+        </p:spPr>
+        <p:style>
+          <a:lnRef idx="3">
+            <a:schemeClr val="dk1"/>
+          </a:lnRef>
+          <a:fillRef idx="0">
+            <a:schemeClr val="dk1"/>
+          </a:fillRef>
+          <a:effectRef idx="2">
+            <a:schemeClr val="dk1"/>
+          </a:effectRef>
+          <a:fontRef idx="minor">
+            <a:schemeClr val="tx1"/>
+          </a:fontRef>
+        </p:style>
+      </p:cxnSp>
+      <p:cxnSp>
+        <p:nvCxnSpPr>
+          <p:cNvPr id="42" name="Connettore diritto 41">
+            <a:extLst>
+              <a:ext uri="{FF2B5EF4-FFF2-40B4-BE49-F238E27FC236}">
+                <a16:creationId xmlns:a16="http://schemas.microsoft.com/office/drawing/2014/main" id="{9BCE4968-A678-4C1D-AA18-D7D9DCE5A388}"/>
+              </a:ext>
+            </a:extLst>
+          </p:cNvPr>
+          <p:cNvCxnSpPr>
+            <a:cxnSpLocks/>
+          </p:cNvCxnSpPr>
+          <p:nvPr/>
+        </p:nvCxnSpPr>
+        <p:spPr>
+          <a:xfrm flipV="1">
+            <a:off x="5854385" y="1908980"/>
+            <a:ext cx="1594586" cy="1111489"/>
+          </a:xfrm>
+          <a:prstGeom prst="line">
+            <a:avLst/>
+          </a:prstGeom>
+          <a:ln/>
+        </p:spPr>
+        <p:style>
+          <a:lnRef idx="3">
+            <a:schemeClr val="dk1"/>
+          </a:lnRef>
+          <a:fillRef idx="0">
+            <a:schemeClr val="dk1"/>
+          </a:fillRef>
+          <a:effectRef idx="2">
+            <a:schemeClr val="dk1"/>
+          </a:effectRef>
+          <a:fontRef idx="minor">
+            <a:schemeClr val="tx1"/>
+          </a:fontRef>
+        </p:style>
+      </p:cxnSp>
+      <p:cxnSp>
+        <p:nvCxnSpPr>
+          <p:cNvPr id="41" name="Connettore diritto 40">
+            <a:extLst>
+              <a:ext uri="{FF2B5EF4-FFF2-40B4-BE49-F238E27FC236}">
+                <a16:creationId xmlns:a16="http://schemas.microsoft.com/office/drawing/2014/main" id="{E0D37160-B091-4226-90D6-A323E8C4FFFE}"/>
+              </a:ext>
+            </a:extLst>
+          </p:cNvPr>
+          <p:cNvCxnSpPr>
+            <a:cxnSpLocks/>
+          </p:cNvCxnSpPr>
+          <p:nvPr/>
+        </p:nvCxnSpPr>
+        <p:spPr>
+          <a:xfrm flipV="1">
+            <a:off x="7460399" y="3020469"/>
+            <a:ext cx="1497923" cy="1102465"/>
+          </a:xfrm>
+          <a:prstGeom prst="line">
+            <a:avLst/>
+          </a:prstGeom>
+          <a:ln/>
+        </p:spPr>
+        <p:style>
+          <a:lnRef idx="3">
+            <a:schemeClr val="dk1"/>
+          </a:lnRef>
+          <a:fillRef idx="0">
+            <a:schemeClr val="dk1"/>
+          </a:fillRef>
+          <a:effectRef idx="2">
+            <a:schemeClr val="dk1"/>
+          </a:effectRef>
+          <a:fontRef idx="minor">
+            <a:schemeClr val="tx1"/>
+          </a:fontRef>
+        </p:style>
+      </p:cxnSp>
+      <p:cxnSp>
+        <p:nvCxnSpPr>
+          <p:cNvPr id="32" name="Connettore diritto 31">
+            <a:extLst>
+              <a:ext uri="{FF2B5EF4-FFF2-40B4-BE49-F238E27FC236}">
+                <a16:creationId xmlns:a16="http://schemas.microsoft.com/office/drawing/2014/main" id="{DAF2F3D6-29F5-4370-9071-BF06D3FC689B}"/>
+              </a:ext>
+            </a:extLst>
+          </p:cNvPr>
+          <p:cNvCxnSpPr>
+            <a:cxnSpLocks/>
+          </p:cNvCxnSpPr>
+          <p:nvPr/>
+        </p:nvCxnSpPr>
+        <p:spPr>
+          <a:xfrm flipH="1" flipV="1">
+            <a:off x="8958322" y="3029217"/>
+            <a:ext cx="1497923" cy="1102465"/>
+          </a:xfrm>
+          <a:prstGeom prst="line">
+            <a:avLst/>
+          </a:prstGeom>
+          <a:ln/>
+        </p:spPr>
+        <p:style>
+          <a:lnRef idx="3">
+            <a:schemeClr val="dk1"/>
+          </a:lnRef>
+          <a:fillRef idx="0">
+            <a:schemeClr val="dk1"/>
+          </a:fillRef>
+          <a:effectRef idx="2">
+            <a:schemeClr val="dk1"/>
+          </a:effectRef>
+          <a:fontRef idx="minor">
+            <a:schemeClr val="tx1"/>
+          </a:fontRef>
+        </p:style>
+      </p:cxnSp>
+      <p:cxnSp>
+        <p:nvCxnSpPr>
+          <p:cNvPr id="27" name="Connettore diritto 26">
+            <a:extLst>
+              <a:ext uri="{FF2B5EF4-FFF2-40B4-BE49-F238E27FC236}">
+                <a16:creationId xmlns:a16="http://schemas.microsoft.com/office/drawing/2014/main" id="{D4E272F3-183D-42E2-8C37-CDF5FCFA6581}"/>
+              </a:ext>
+            </a:extLst>
+          </p:cNvPr>
+          <p:cNvCxnSpPr>
+            <a:cxnSpLocks/>
+          </p:cNvCxnSpPr>
+          <p:nvPr/>
+        </p:nvCxnSpPr>
+        <p:spPr>
+          <a:xfrm flipH="1" flipV="1">
+            <a:off x="7471065" y="1918004"/>
+            <a:ext cx="1497923" cy="1102465"/>
+          </a:xfrm>
+          <a:prstGeom prst="line">
+            <a:avLst/>
+          </a:prstGeom>
+          <a:ln/>
+        </p:spPr>
+        <p:style>
+          <a:lnRef idx="3">
+            <a:schemeClr val="dk1"/>
+          </a:lnRef>
+          <a:fillRef idx="0">
+            <a:schemeClr val="dk1"/>
+          </a:fillRef>
+          <a:effectRef idx="2">
+            <a:schemeClr val="dk1"/>
+          </a:effectRef>
+          <a:fontRef idx="minor">
+            <a:schemeClr val="tx1"/>
+          </a:fontRef>
+        </p:style>
+      </p:cxnSp>
+      <p:cxnSp>
+        <p:nvCxnSpPr>
+          <p:cNvPr id="23" name="Connettore diritto 22">
+            <a:extLst>
+              <a:ext uri="{FF2B5EF4-FFF2-40B4-BE49-F238E27FC236}">
+                <a16:creationId xmlns:a16="http://schemas.microsoft.com/office/drawing/2014/main" id="{FDA6CBB9-9AF0-4020-9652-FBEA53DB49A8}"/>
+              </a:ext>
+            </a:extLst>
+          </p:cNvPr>
+          <p:cNvCxnSpPr>
+            <a:cxnSpLocks/>
+          </p:cNvCxnSpPr>
+          <p:nvPr/>
+        </p:nvCxnSpPr>
+        <p:spPr>
+          <a:xfrm flipH="1" flipV="1">
+            <a:off x="6008270" y="728376"/>
+            <a:ext cx="1469459" cy="1179609"/>
+          </a:xfrm>
+          <a:prstGeom prst="line">
+            <a:avLst/>
+          </a:prstGeom>
+          <a:ln/>
+        </p:spPr>
+        <p:style>
+          <a:lnRef idx="3">
+            <a:schemeClr val="dk1"/>
+          </a:lnRef>
+          <a:fillRef idx="0">
+            <a:schemeClr val="dk1"/>
+          </a:fillRef>
+          <a:effectRef idx="2">
+            <a:schemeClr val="dk1"/>
+          </a:effectRef>
+          <a:fontRef idx="minor">
+            <a:schemeClr val="tx1"/>
+          </a:fontRef>
+        </p:style>
+      </p:cxnSp>
+      <p:sp>
+        <p:nvSpPr>
+          <p:cNvPr id="9" name="Ovale 8">
+            <a:extLst>
+              <a:ext uri="{FF2B5EF4-FFF2-40B4-BE49-F238E27FC236}">
+                <a16:creationId xmlns:a16="http://schemas.microsoft.com/office/drawing/2014/main" id="{E1CD858E-A9AC-498F-B0ED-9337B0DBAC7D}"/>
+              </a:ext>
+            </a:extLst>
+          </p:cNvPr>
+          <p:cNvSpPr/>
+          <p:nvPr/>
+        </p:nvSpPr>
+        <p:spPr>
+          <a:xfrm>
+            <a:off x="5735626" y="472510"/>
+            <a:ext cx="545285" cy="511729"/>
+          </a:xfrm>
+          <a:prstGeom prst="ellipse">
+            <a:avLst/>
+          </a:prstGeom>
+          <a:solidFill>
+            <a:schemeClr val="accent1">
+              <a:lumMod val="60000"/>
+              <a:lumOff val="40000"/>
+            </a:schemeClr>
+          </a:solidFill>
+          <a:ln>
+            <a:solidFill>
+              <a:schemeClr val="tx1">
+                <a:lumMod val="85000"/>
+                <a:lumOff val="15000"/>
+              </a:schemeClr>
+            </a:solidFill>
+          </a:ln>
+        </p:spPr>
+        <p:style>
+          <a:lnRef idx="2">
+            <a:schemeClr val="accent1">
+              <a:shade val="50000"/>
+            </a:schemeClr>
+          </a:lnRef>
+          <a:fillRef idx="1">
+            <a:schemeClr val="accent1"/>
+          </a:fillRef>
+          <a:effectRef idx="0">
+            <a:schemeClr val="accent1"/>
+          </a:effectRef>
+          <a:fontRef idx="minor">
+            <a:schemeClr val="lt1"/>
+          </a:fontRef>
+        </p:style>
+        <p:txBody>
+          <a:bodyPr rtlCol="0" anchor="ctr"/>
+          <a:lstStyle/>
+          <a:p>
+            <a:pPr algn="ctr"/>
+            <a:r>
+              <a:rPr lang="it-IT" sz="2400" i="1" dirty="0"/>
+              <a:t>r</a:t>
+            </a:r>
+          </a:p>
+        </p:txBody>
+      </p:sp>
+      <p:sp>
+        <p:nvSpPr>
+          <p:cNvPr id="11" name="Ovale 10">
+            <a:extLst>
+              <a:ext uri="{FF2B5EF4-FFF2-40B4-BE49-F238E27FC236}">
+                <a16:creationId xmlns:a16="http://schemas.microsoft.com/office/drawing/2014/main" id="{D5EFBF8E-3097-4D14-871D-D0818153B3B1}"/>
+              </a:ext>
+            </a:extLst>
+          </p:cNvPr>
+          <p:cNvSpPr/>
+          <p:nvPr/>
+        </p:nvSpPr>
+        <p:spPr>
+          <a:xfrm>
+            <a:off x="7198423" y="1652121"/>
+            <a:ext cx="545285" cy="511729"/>
+          </a:xfrm>
+          <a:prstGeom prst="ellipse">
+            <a:avLst/>
+          </a:prstGeom>
+          <a:solidFill>
+            <a:schemeClr val="bg2">
+              <a:lumMod val="50000"/>
+            </a:schemeClr>
+          </a:solidFill>
+          <a:ln>
+            <a:solidFill>
+              <a:schemeClr val="tx1">
+                <a:lumMod val="85000"/>
+                <a:lumOff val="15000"/>
+              </a:schemeClr>
+            </a:solidFill>
+          </a:ln>
+        </p:spPr>
+        <p:style>
+          <a:lnRef idx="2">
+            <a:schemeClr val="accent1">
+              <a:shade val="50000"/>
+            </a:schemeClr>
+          </a:lnRef>
+          <a:fillRef idx="1">
+            <a:schemeClr val="accent1"/>
+          </a:fillRef>
+          <a:effectRef idx="0">
+            <a:schemeClr val="accent1"/>
+          </a:effectRef>
+          <a:fontRef idx="minor">
+            <a:schemeClr val="lt1"/>
+          </a:fontRef>
+        </p:style>
+        <p:txBody>
+          <a:bodyPr rtlCol="0" anchor="ctr"/>
+          <a:lstStyle/>
+          <a:p>
+            <a:pPr algn="ctr"/>
+            <a:r>
+              <a:rPr lang="it-IT" sz="2400" dirty="0"/>
+              <a:t>k</a:t>
+            </a:r>
+          </a:p>
+        </p:txBody>
+      </p:sp>
+      <p:sp>
+        <p:nvSpPr>
+          <p:cNvPr id="31" name="Ovale 30">
+            <a:extLst>
+              <a:ext uri="{FF2B5EF4-FFF2-40B4-BE49-F238E27FC236}">
+                <a16:creationId xmlns:a16="http://schemas.microsoft.com/office/drawing/2014/main" id="{6494296C-FBBC-49D9-A13A-46AE878C2181}"/>
+              </a:ext>
+            </a:extLst>
+          </p:cNvPr>
+          <p:cNvSpPr/>
+          <p:nvPr/>
+        </p:nvSpPr>
+        <p:spPr>
+          <a:xfrm>
+            <a:off x="8696345" y="2774623"/>
+            <a:ext cx="545285" cy="511729"/>
+          </a:xfrm>
+          <a:prstGeom prst="ellipse">
+            <a:avLst/>
+          </a:prstGeom>
+          <a:solidFill>
+            <a:schemeClr val="bg2">
+              <a:lumMod val="50000"/>
+            </a:schemeClr>
+          </a:solidFill>
+          <a:ln>
+            <a:solidFill>
+              <a:schemeClr val="tx1">
+                <a:lumMod val="85000"/>
+                <a:lumOff val="15000"/>
+              </a:schemeClr>
+            </a:solidFill>
+          </a:ln>
+        </p:spPr>
+        <p:style>
+          <a:lnRef idx="2">
+            <a:schemeClr val="accent1">
+              <a:shade val="50000"/>
+            </a:schemeClr>
+          </a:lnRef>
+          <a:fillRef idx="1">
+            <a:schemeClr val="accent1"/>
+          </a:fillRef>
+          <a:effectRef idx="0">
+            <a:schemeClr val="accent1"/>
+          </a:effectRef>
+          <a:fontRef idx="minor">
+            <a:schemeClr val="lt1"/>
+          </a:fontRef>
+        </p:style>
+        <p:txBody>
+          <a:bodyPr rtlCol="0" anchor="ctr"/>
+          <a:lstStyle/>
+          <a:p>
+            <a:pPr algn="ctr"/>
+            <a:r>
+              <a:rPr lang="it-IT" sz="2400" dirty="0"/>
+              <a:t>p</a:t>
+            </a:r>
+          </a:p>
+        </p:txBody>
+      </p:sp>
+      <p:sp>
+        <p:nvSpPr>
+          <p:cNvPr id="33" name="Ovale 32">
+            <a:extLst>
+              <a:ext uri="{FF2B5EF4-FFF2-40B4-BE49-F238E27FC236}">
+                <a16:creationId xmlns:a16="http://schemas.microsoft.com/office/drawing/2014/main" id="{D4CEE418-4A67-498C-B9B8-636150B761ED}"/>
+              </a:ext>
+            </a:extLst>
+          </p:cNvPr>
+          <p:cNvSpPr/>
+          <p:nvPr/>
+        </p:nvSpPr>
+        <p:spPr>
+          <a:xfrm>
+            <a:off x="10183602" y="3885836"/>
+            <a:ext cx="545285" cy="511729"/>
+          </a:xfrm>
+          <a:prstGeom prst="ellipse">
+            <a:avLst/>
+          </a:prstGeom>
+          <a:solidFill>
+            <a:schemeClr val="bg2">
+              <a:lumMod val="50000"/>
+            </a:schemeClr>
+          </a:solidFill>
+          <a:ln>
+            <a:solidFill>
+              <a:schemeClr val="tx1">
+                <a:lumMod val="85000"/>
+                <a:lumOff val="15000"/>
+              </a:schemeClr>
+            </a:solidFill>
+          </a:ln>
+        </p:spPr>
+        <p:style>
+          <a:lnRef idx="2">
+            <a:schemeClr val="accent1">
+              <a:shade val="50000"/>
+            </a:schemeClr>
+          </a:lnRef>
+          <a:fillRef idx="1">
+            <a:schemeClr val="accent1"/>
+          </a:fillRef>
+          <a:effectRef idx="0">
+            <a:schemeClr val="accent1"/>
+          </a:effectRef>
+          <a:fontRef idx="minor">
+            <a:schemeClr val="lt1"/>
+          </a:fontRef>
+        </p:style>
+        <p:txBody>
+          <a:bodyPr rtlCol="0" anchor="ctr"/>
+          <a:lstStyle/>
+          <a:p>
+            <a:pPr algn="ctr"/>
+            <a:endParaRPr lang="it-IT" sz="2400" dirty="0"/>
+          </a:p>
+        </p:txBody>
+      </p:sp>
+      <p:cxnSp>
+        <p:nvCxnSpPr>
+          <p:cNvPr id="44" name="Connettore diritto 43">
+            <a:extLst>
+              <a:ext uri="{FF2B5EF4-FFF2-40B4-BE49-F238E27FC236}">
+                <a16:creationId xmlns:a16="http://schemas.microsoft.com/office/drawing/2014/main" id="{71EFCD67-F44F-4EA1-A1DB-3673740EA558}"/>
+              </a:ext>
+            </a:extLst>
+          </p:cNvPr>
+          <p:cNvCxnSpPr>
+            <a:cxnSpLocks/>
+          </p:cNvCxnSpPr>
+          <p:nvPr/>
+        </p:nvCxnSpPr>
+        <p:spPr>
+          <a:xfrm flipV="1">
+            <a:off x="4276363" y="3007696"/>
+            <a:ext cx="1594586" cy="1111489"/>
+          </a:xfrm>
+          <a:prstGeom prst="line">
+            <a:avLst/>
+          </a:prstGeom>
+          <a:ln/>
+        </p:spPr>
+        <p:style>
+          <a:lnRef idx="3">
+            <a:schemeClr val="dk1"/>
+          </a:lnRef>
+          <a:fillRef idx="0">
+            <a:schemeClr val="dk1"/>
+          </a:fillRef>
+          <a:effectRef idx="2">
+            <a:schemeClr val="dk1"/>
+          </a:effectRef>
+          <a:fontRef idx="minor">
+            <a:schemeClr val="tx1"/>
+          </a:fontRef>
+        </p:style>
+      </p:cxnSp>
+      <p:sp>
+        <p:nvSpPr>
+          <p:cNvPr id="45" name="Ovale 44">
+            <a:extLst>
+              <a:ext uri="{FF2B5EF4-FFF2-40B4-BE49-F238E27FC236}">
+                <a16:creationId xmlns:a16="http://schemas.microsoft.com/office/drawing/2014/main" id="{75B5F8F9-A789-48DA-BB1C-762C3B951B39}"/>
+              </a:ext>
+            </a:extLst>
+          </p:cNvPr>
+          <p:cNvSpPr/>
+          <p:nvPr/>
+        </p:nvSpPr>
+        <p:spPr>
+          <a:xfrm>
+            <a:off x="7205086" y="3875817"/>
+            <a:ext cx="545285" cy="511729"/>
+          </a:xfrm>
+          <a:prstGeom prst="ellipse">
+            <a:avLst/>
+          </a:prstGeom>
+          <a:solidFill>
+            <a:schemeClr val="bg2">
+              <a:lumMod val="50000"/>
+            </a:schemeClr>
+          </a:solidFill>
+          <a:ln>
+            <a:solidFill>
+              <a:schemeClr val="tx1">
+                <a:lumMod val="85000"/>
+                <a:lumOff val="15000"/>
+              </a:schemeClr>
+            </a:solidFill>
+          </a:ln>
+        </p:spPr>
+        <p:style>
+          <a:lnRef idx="2">
+            <a:schemeClr val="accent1">
+              <a:shade val="50000"/>
+            </a:schemeClr>
+          </a:lnRef>
+          <a:fillRef idx="1">
+            <a:schemeClr val="accent1"/>
+          </a:fillRef>
+          <a:effectRef idx="0">
+            <a:schemeClr val="accent1"/>
+          </a:effectRef>
+          <a:fontRef idx="minor">
+            <a:schemeClr val="lt1"/>
+          </a:fontRef>
+        </p:style>
+        <p:txBody>
+          <a:bodyPr rtlCol="0" anchor="ctr"/>
+          <a:lstStyle/>
+          <a:p>
+            <a:pPr algn="ctr"/>
+            <a:endParaRPr lang="it-IT" sz="2400" dirty="0"/>
+          </a:p>
+        </p:txBody>
+      </p:sp>
+      <p:sp>
+        <p:nvSpPr>
+          <p:cNvPr id="46" name="Ovale 45">
+            <a:extLst>
+              <a:ext uri="{FF2B5EF4-FFF2-40B4-BE49-F238E27FC236}">
+                <a16:creationId xmlns:a16="http://schemas.microsoft.com/office/drawing/2014/main" id="{40ED719E-7AEC-4619-AB7D-025394071C27}"/>
+              </a:ext>
+            </a:extLst>
+          </p:cNvPr>
+          <p:cNvSpPr/>
+          <p:nvPr/>
+        </p:nvSpPr>
+        <p:spPr>
+          <a:xfrm>
+            <a:off x="4046335" y="3877447"/>
+            <a:ext cx="545285" cy="511729"/>
+          </a:xfrm>
+          <a:prstGeom prst="ellipse">
+            <a:avLst/>
+          </a:prstGeom>
+          <a:solidFill>
+            <a:schemeClr val="bg2">
+              <a:lumMod val="50000"/>
+            </a:schemeClr>
+          </a:solidFill>
+          <a:ln>
+            <a:solidFill>
+              <a:schemeClr val="tx1">
+                <a:lumMod val="85000"/>
+                <a:lumOff val="15000"/>
+              </a:schemeClr>
+            </a:solidFill>
+          </a:ln>
+        </p:spPr>
+        <p:style>
+          <a:lnRef idx="2">
+            <a:schemeClr val="accent1">
+              <a:shade val="50000"/>
+            </a:schemeClr>
+          </a:lnRef>
+          <a:fillRef idx="1">
+            <a:schemeClr val="accent1"/>
+          </a:fillRef>
+          <a:effectRef idx="0">
+            <a:schemeClr val="accent1"/>
+          </a:effectRef>
+          <a:fontRef idx="minor">
+            <a:schemeClr val="lt1"/>
+          </a:fontRef>
+        </p:style>
+        <p:txBody>
+          <a:bodyPr rtlCol="0" anchor="ctr"/>
+          <a:lstStyle/>
+          <a:p>
+            <a:pPr algn="ctr"/>
+            <a:endParaRPr lang="it-IT" sz="2400" dirty="0"/>
+          </a:p>
+        </p:txBody>
+      </p:sp>
+      <p:cxnSp>
+        <p:nvCxnSpPr>
+          <p:cNvPr id="48" name="Connettore diritto 47">
+            <a:extLst>
+              <a:ext uri="{FF2B5EF4-FFF2-40B4-BE49-F238E27FC236}">
+                <a16:creationId xmlns:a16="http://schemas.microsoft.com/office/drawing/2014/main" id="{DF021DA3-F162-4822-A08A-29EBC7A1B2A0}"/>
+              </a:ext>
+            </a:extLst>
+          </p:cNvPr>
+          <p:cNvCxnSpPr>
+            <a:cxnSpLocks/>
+          </p:cNvCxnSpPr>
+          <p:nvPr/>
+        </p:nvCxnSpPr>
+        <p:spPr>
+          <a:xfrm flipV="1">
+            <a:off x="3073159" y="1901808"/>
+            <a:ext cx="1469459" cy="1179609"/>
+          </a:xfrm>
+          <a:prstGeom prst="line">
+            <a:avLst/>
+          </a:prstGeom>
+          <a:ln/>
+        </p:spPr>
+        <p:style>
+          <a:lnRef idx="3">
+            <a:schemeClr val="dk1"/>
+          </a:lnRef>
+          <a:fillRef idx="0">
+            <a:schemeClr val="dk1"/>
+          </a:fillRef>
+          <a:effectRef idx="2">
+            <a:schemeClr val="dk1"/>
+          </a:effectRef>
+          <a:fontRef idx="minor">
+            <a:schemeClr val="tx1"/>
+          </a:fontRef>
+        </p:style>
+      </p:cxnSp>
+      <p:cxnSp>
+        <p:nvCxnSpPr>
+          <p:cNvPr id="49" name="Connettore diritto 48">
+            <a:extLst>
+              <a:ext uri="{FF2B5EF4-FFF2-40B4-BE49-F238E27FC236}">
+                <a16:creationId xmlns:a16="http://schemas.microsoft.com/office/drawing/2014/main" id="{ED0FD909-8AD9-4A2A-A987-1AEA868906A9}"/>
+              </a:ext>
+            </a:extLst>
+          </p:cNvPr>
+          <p:cNvCxnSpPr>
+            <a:cxnSpLocks/>
+          </p:cNvCxnSpPr>
+          <p:nvPr/>
+        </p:nvCxnSpPr>
+        <p:spPr>
+          <a:xfrm flipV="1">
+            <a:off x="1720457" y="3073029"/>
+            <a:ext cx="1372136" cy="1068671"/>
+          </a:xfrm>
+          <a:prstGeom prst="line">
+            <a:avLst/>
+          </a:prstGeom>
+          <a:ln/>
+        </p:spPr>
+        <p:style>
+          <a:lnRef idx="3">
+            <a:schemeClr val="dk1"/>
+          </a:lnRef>
+          <a:fillRef idx="0">
+            <a:schemeClr val="dk1"/>
+          </a:fillRef>
+          <a:effectRef idx="2">
+            <a:schemeClr val="dk1"/>
+          </a:effectRef>
+          <a:fontRef idx="minor">
+            <a:schemeClr val="tx1"/>
+          </a:fontRef>
+        </p:style>
+      </p:cxnSp>
+      <p:sp>
+        <p:nvSpPr>
+          <p:cNvPr id="50" name="Ovale 49">
+            <a:extLst>
+              <a:ext uri="{FF2B5EF4-FFF2-40B4-BE49-F238E27FC236}">
+                <a16:creationId xmlns:a16="http://schemas.microsoft.com/office/drawing/2014/main" id="{3D19085E-6046-4635-967E-992D11DECE56}"/>
+              </a:ext>
+            </a:extLst>
+          </p:cNvPr>
+          <p:cNvSpPr/>
+          <p:nvPr/>
+        </p:nvSpPr>
+        <p:spPr>
+          <a:xfrm>
+            <a:off x="1463113" y="3863320"/>
+            <a:ext cx="545285" cy="511729"/>
+          </a:xfrm>
+          <a:prstGeom prst="ellipse">
+            <a:avLst/>
+          </a:prstGeom>
+          <a:solidFill>
+            <a:schemeClr val="bg2">
+              <a:lumMod val="50000"/>
+            </a:schemeClr>
+          </a:solidFill>
+          <a:ln>
+            <a:solidFill>
+              <a:schemeClr val="tx1">
+                <a:lumMod val="85000"/>
+                <a:lumOff val="15000"/>
+              </a:schemeClr>
+            </a:solidFill>
+          </a:ln>
+        </p:spPr>
+        <p:style>
+          <a:lnRef idx="2">
+            <a:schemeClr val="accent1">
+              <a:shade val="50000"/>
+            </a:schemeClr>
+          </a:lnRef>
+          <a:fillRef idx="1">
+            <a:schemeClr val="accent1"/>
+          </a:fillRef>
+          <a:effectRef idx="0">
+            <a:schemeClr val="accent1"/>
+          </a:effectRef>
+          <a:fontRef idx="minor">
+            <a:schemeClr val="lt1"/>
+          </a:fontRef>
+        </p:style>
+        <p:txBody>
+          <a:bodyPr rtlCol="0" anchor="ctr"/>
+          <a:lstStyle/>
+          <a:p>
+            <a:pPr algn="ctr"/>
+            <a:endParaRPr lang="it-IT" sz="2400" dirty="0"/>
+          </a:p>
+        </p:txBody>
+      </p:sp>
+      <p:sp>
+        <p:nvSpPr>
+          <p:cNvPr id="52" name="CasellaDiTesto 51">
+            <a:extLst>
+              <a:ext uri="{FF2B5EF4-FFF2-40B4-BE49-F238E27FC236}">
+                <a16:creationId xmlns:a16="http://schemas.microsoft.com/office/drawing/2014/main" id="{4177F012-876D-4198-ACB9-A24370B0AB0C}"/>
+              </a:ext>
+            </a:extLst>
+          </p:cNvPr>
+          <p:cNvSpPr txBox="1"/>
+          <p:nvPr/>
+        </p:nvSpPr>
+        <p:spPr>
+          <a:xfrm>
+            <a:off x="10020868" y="4397565"/>
+            <a:ext cx="870751" cy="369332"/>
+          </a:xfrm>
+          <a:prstGeom prst="rect">
+            <a:avLst/>
+          </a:prstGeom>
+          <a:noFill/>
+        </p:spPr>
+        <p:txBody>
+          <a:bodyPr wrap="none" rtlCol="0">
+            <a:spAutoFit/>
+          </a:bodyPr>
+          <a:lstStyle/>
+          <a:p>
+            <a:r>
+              <a:rPr lang="it-IT" dirty="0"/>
+              <a:t>Umano</a:t>
+            </a:r>
+          </a:p>
+        </p:txBody>
+      </p:sp>
+      <p:sp>
+        <p:nvSpPr>
+          <p:cNvPr id="53" name="CasellaDiTesto 52">
+            <a:extLst>
+              <a:ext uri="{FF2B5EF4-FFF2-40B4-BE49-F238E27FC236}">
+                <a16:creationId xmlns:a16="http://schemas.microsoft.com/office/drawing/2014/main" id="{6E7D5B1D-3C4D-4B43-BE7D-0756DC5DEAD2}"/>
+              </a:ext>
+            </a:extLst>
+          </p:cNvPr>
+          <p:cNvSpPr txBox="1"/>
+          <p:nvPr/>
+        </p:nvSpPr>
+        <p:spPr>
+          <a:xfrm>
+            <a:off x="6887053" y="4397565"/>
+            <a:ext cx="1181349" cy="369332"/>
+          </a:xfrm>
+          <a:prstGeom prst="rect">
+            <a:avLst/>
+          </a:prstGeom>
+          <a:noFill/>
+        </p:spPr>
+        <p:txBody>
+          <a:bodyPr wrap="none" rtlCol="0">
+            <a:spAutoFit/>
+          </a:bodyPr>
+          <a:lstStyle/>
+          <a:p>
+            <a:r>
+              <a:rPr lang="it-IT" dirty="0"/>
+              <a:t>Scimpanzé</a:t>
+            </a:r>
+          </a:p>
+        </p:txBody>
+      </p:sp>
+      <p:sp>
+        <p:nvSpPr>
+          <p:cNvPr id="54" name="CasellaDiTesto 53">
+            <a:extLst>
+              <a:ext uri="{FF2B5EF4-FFF2-40B4-BE49-F238E27FC236}">
+                <a16:creationId xmlns:a16="http://schemas.microsoft.com/office/drawing/2014/main" id="{7D3C2167-D226-459A-BC57-0F1E42C4C8A0}"/>
+              </a:ext>
+            </a:extLst>
+          </p:cNvPr>
+          <p:cNvSpPr txBox="1"/>
+          <p:nvPr/>
+        </p:nvSpPr>
+        <p:spPr>
+          <a:xfrm>
+            <a:off x="3918065" y="4397565"/>
+            <a:ext cx="801823" cy="369332"/>
+          </a:xfrm>
+          <a:prstGeom prst="rect">
+            <a:avLst/>
+          </a:prstGeom>
+          <a:noFill/>
+        </p:spPr>
+        <p:txBody>
+          <a:bodyPr wrap="none" rtlCol="0">
+            <a:spAutoFit/>
+          </a:bodyPr>
+          <a:lstStyle/>
+          <a:p>
+            <a:r>
+              <a:rPr lang="it-IT" dirty="0"/>
+              <a:t>Gorilla</a:t>
+            </a:r>
+          </a:p>
+        </p:txBody>
+      </p:sp>
+      <p:sp>
+        <p:nvSpPr>
+          <p:cNvPr id="55" name="CasellaDiTesto 54">
+            <a:extLst>
+              <a:ext uri="{FF2B5EF4-FFF2-40B4-BE49-F238E27FC236}">
+                <a16:creationId xmlns:a16="http://schemas.microsoft.com/office/drawing/2014/main" id="{4D78E21D-A89D-40C8-8BC5-196FE79324B5}"/>
+              </a:ext>
+            </a:extLst>
+          </p:cNvPr>
+          <p:cNvSpPr txBox="1"/>
+          <p:nvPr/>
+        </p:nvSpPr>
+        <p:spPr>
+          <a:xfrm>
+            <a:off x="1015552" y="4380891"/>
+            <a:ext cx="1409810" cy="369332"/>
+          </a:xfrm>
+          <a:prstGeom prst="rect">
+            <a:avLst/>
+          </a:prstGeom>
+          <a:noFill/>
+        </p:spPr>
+        <p:txBody>
+          <a:bodyPr wrap="none" rtlCol="0">
+            <a:spAutoFit/>
+          </a:bodyPr>
+          <a:lstStyle/>
+          <a:p>
+            <a:r>
+              <a:rPr lang="it-IT" dirty="0"/>
+              <a:t>Orangotango</a:t>
+            </a:r>
+          </a:p>
+        </p:txBody>
+      </p:sp>
+      <mc:AlternateContent xmlns:mc="http://schemas.openxmlformats.org/markup-compatibility/2006">
+        <mc:Choice xmlns:a14="http://schemas.microsoft.com/office/drawing/2010/main" Requires="a14">
+          <p:sp>
+            <p:nvSpPr>
+              <p:cNvPr id="56" name="CasellaDiTesto 55">
+                <a:extLst>
+                  <a:ext uri="{FF2B5EF4-FFF2-40B4-BE49-F238E27FC236}">
+                    <a16:creationId xmlns:a16="http://schemas.microsoft.com/office/drawing/2014/main" id="{27219919-C14D-429B-B9B0-35E1BF2DF2FA}"/>
+                  </a:ext>
+                </a:extLst>
+              </p:cNvPr>
+              <p:cNvSpPr txBox="1"/>
+              <p:nvPr/>
+            </p:nvSpPr>
+            <p:spPr>
+              <a:xfrm>
+                <a:off x="9326425" y="3281978"/>
+                <a:ext cx="1008724" cy="369332"/>
+              </a:xfrm>
+              <a:prstGeom prst="rect">
+                <a:avLst/>
+              </a:prstGeom>
+              <a:noFill/>
+            </p:spPr>
+            <p:txBody>
+              <a:bodyPr wrap="square" rtlCol="0">
+                <a:spAutoFit/>
+              </a:bodyPr>
+              <a:lstStyle/>
+              <a:p>
+                <a:pPr/>
+                <a14:m>
+                  <m:oMathPara xmlns:m="http://schemas.openxmlformats.org/officeDocument/2006/math">
+                    <m:oMathParaPr>
+                      <m:jc m:val="centerGroup"/>
+                    </m:oMathParaPr>
+                    <m:oMath xmlns:m="http://schemas.openxmlformats.org/officeDocument/2006/math">
+                      <m:r>
+                        <a:rPr lang="it-IT" b="0" i="1" smtClean="0">
+                          <a:latin typeface="Cambria Math" panose="02040503050406030204" pitchFamily="18" charset="0"/>
+                        </a:rPr>
+                        <m:t>6</m:t>
+                      </m:r>
+                    </m:oMath>
+                  </m:oMathPara>
+                </a14:m>
+                <a:endParaRPr lang="it-IT" dirty="0"/>
+              </a:p>
+            </p:txBody>
+          </p:sp>
+        </mc:Choice>
+        <mc:Fallback>
+          <p:sp>
+            <p:nvSpPr>
+              <p:cNvPr id="56" name="CasellaDiTesto 55">
+                <a:extLst>
+                  <a:ext uri="{FF2B5EF4-FFF2-40B4-BE49-F238E27FC236}">
+                    <a16:creationId xmlns:a16="http://schemas.microsoft.com/office/drawing/2014/main" id="{27219919-C14D-429B-B9B0-35E1BF2DF2FA}"/>
+                  </a:ext>
+                </a:extLst>
+              </p:cNvPr>
+              <p:cNvSpPr txBox="1">
+                <a:spLocks noRot="1" noChangeAspect="1" noMove="1" noResize="1" noEditPoints="1" noAdjustHandles="1" noChangeArrowheads="1" noChangeShapeType="1" noTextEdit="1"/>
+              </p:cNvSpPr>
+              <p:nvPr/>
+            </p:nvSpPr>
+            <p:spPr>
+              <a:xfrm>
+                <a:off x="9326425" y="3281978"/>
+                <a:ext cx="1008724" cy="369332"/>
+              </a:xfrm>
+              <a:prstGeom prst="rect">
+                <a:avLst/>
+              </a:prstGeom>
+              <a:blipFill>
+                <a:blip r:embed="rId2"/>
+                <a:stretch>
+                  <a:fillRect/>
+                </a:stretch>
+              </a:blipFill>
+            </p:spPr>
+            <p:txBody>
+              <a:bodyPr/>
+              <a:lstStyle/>
+              <a:p>
+                <a:r>
+                  <a:rPr lang="it-IT">
+                    <a:noFill/>
+                  </a:rPr>
+                  <a:t> </a:t>
+                </a:r>
+              </a:p>
+            </p:txBody>
+          </p:sp>
+        </mc:Fallback>
+      </mc:AlternateContent>
+      <mc:AlternateContent xmlns:mc="http://schemas.openxmlformats.org/markup-compatibility/2006">
+        <mc:Choice xmlns:a14="http://schemas.microsoft.com/office/drawing/2010/main" Requires="a14">
+          <p:sp>
+            <p:nvSpPr>
+              <p:cNvPr id="57" name="CasellaDiTesto 56">
+                <a:extLst>
+                  <a:ext uri="{FF2B5EF4-FFF2-40B4-BE49-F238E27FC236}">
+                    <a16:creationId xmlns:a16="http://schemas.microsoft.com/office/drawing/2014/main" id="{B589ECA2-571F-4E88-9B9D-08FCDCE952A4}"/>
+                  </a:ext>
+                </a:extLst>
+              </p:cNvPr>
+              <p:cNvSpPr txBox="1"/>
+              <p:nvPr/>
+            </p:nvSpPr>
+            <p:spPr>
+              <a:xfrm>
+                <a:off x="7364989" y="1715279"/>
+                <a:ext cx="1008724" cy="369332"/>
+              </a:xfrm>
+              <a:prstGeom prst="rect">
+                <a:avLst/>
+              </a:prstGeom>
+              <a:noFill/>
+            </p:spPr>
+            <p:txBody>
+              <a:bodyPr wrap="square" rtlCol="0">
+                <a:spAutoFit/>
+              </a:bodyPr>
+              <a:lstStyle/>
+              <a:p>
+                <a:pPr/>
+                <a14:m>
+                  <m:oMathPara xmlns:m="http://schemas.openxmlformats.org/officeDocument/2006/math">
+                    <m:oMathParaPr>
+                      <m:jc m:val="centerGroup"/>
+                    </m:oMathParaPr>
+                    <m:oMath xmlns:m="http://schemas.openxmlformats.org/officeDocument/2006/math">
+                      <m:r>
+                        <a:rPr lang="it-IT" b="0" i="1" smtClean="0">
+                          <a:solidFill>
+                            <a:srgbClr val="00B050"/>
+                          </a:solidFill>
+                          <a:latin typeface="Cambria Math" panose="02040503050406030204" pitchFamily="18" charset="0"/>
+                        </a:rPr>
+                        <m:t>7</m:t>
+                      </m:r>
+                    </m:oMath>
+                  </m:oMathPara>
+                </a14:m>
+                <a:endParaRPr lang="it-IT" dirty="0">
+                  <a:solidFill>
+                    <a:srgbClr val="00B050"/>
+                  </a:solidFill>
+                </a:endParaRPr>
+              </a:p>
+            </p:txBody>
+          </p:sp>
+        </mc:Choice>
+        <mc:Fallback>
+          <p:sp>
+            <p:nvSpPr>
+              <p:cNvPr id="57" name="CasellaDiTesto 56">
+                <a:extLst>
+                  <a:ext uri="{FF2B5EF4-FFF2-40B4-BE49-F238E27FC236}">
+                    <a16:creationId xmlns:a16="http://schemas.microsoft.com/office/drawing/2014/main" id="{B589ECA2-571F-4E88-9B9D-08FCDCE952A4}"/>
+                  </a:ext>
+                </a:extLst>
+              </p:cNvPr>
+              <p:cNvSpPr txBox="1">
+                <a:spLocks noRot="1" noChangeAspect="1" noMove="1" noResize="1" noEditPoints="1" noAdjustHandles="1" noChangeArrowheads="1" noChangeShapeType="1" noTextEdit="1"/>
+              </p:cNvSpPr>
+              <p:nvPr/>
+            </p:nvSpPr>
+            <p:spPr>
+              <a:xfrm>
+                <a:off x="7364989" y="1715279"/>
+                <a:ext cx="1008724" cy="369332"/>
+              </a:xfrm>
+              <a:prstGeom prst="rect">
+                <a:avLst/>
+              </a:prstGeom>
+              <a:blipFill>
+                <a:blip r:embed="rId3"/>
+                <a:stretch>
+                  <a:fillRect/>
+                </a:stretch>
+              </a:blipFill>
+            </p:spPr>
+            <p:txBody>
+              <a:bodyPr/>
+              <a:lstStyle/>
+              <a:p>
+                <a:r>
+                  <a:rPr lang="it-IT">
+                    <a:noFill/>
+                  </a:rPr>
+                  <a:t> </a:t>
+                </a:r>
+              </a:p>
+            </p:txBody>
+          </p:sp>
+        </mc:Fallback>
+      </mc:AlternateContent>
+      <p:sp>
+        <p:nvSpPr>
+          <p:cNvPr id="59" name="Ovale 58">
+            <a:extLst>
+              <a:ext uri="{FF2B5EF4-FFF2-40B4-BE49-F238E27FC236}">
+                <a16:creationId xmlns:a16="http://schemas.microsoft.com/office/drawing/2014/main" id="{AA7F4EC6-E547-46B9-AD06-8D337C8A019B}"/>
+              </a:ext>
+            </a:extLst>
+          </p:cNvPr>
+          <p:cNvSpPr/>
+          <p:nvPr/>
+        </p:nvSpPr>
+        <p:spPr>
+          <a:xfrm>
+            <a:off x="7947383" y="3307575"/>
+            <a:ext cx="545285" cy="511729"/>
+          </a:xfrm>
+          <a:prstGeom prst="ellipse">
+            <a:avLst/>
+          </a:prstGeom>
+          <a:solidFill>
+            <a:schemeClr val="bg2">
+              <a:lumMod val="50000"/>
+            </a:schemeClr>
+          </a:solidFill>
+          <a:ln>
+            <a:solidFill>
+              <a:schemeClr val="tx1">
+                <a:lumMod val="85000"/>
+                <a:lumOff val="15000"/>
+              </a:schemeClr>
+            </a:solidFill>
+          </a:ln>
+        </p:spPr>
+        <p:style>
+          <a:lnRef idx="2">
+            <a:schemeClr val="accent1">
+              <a:shade val="50000"/>
+            </a:schemeClr>
+          </a:lnRef>
+          <a:fillRef idx="1">
+            <a:schemeClr val="accent1"/>
+          </a:fillRef>
+          <a:effectRef idx="0">
+            <a:schemeClr val="accent1"/>
+          </a:effectRef>
+          <a:fontRef idx="minor">
+            <a:schemeClr val="lt1"/>
+          </a:fontRef>
+        </p:style>
+        <p:txBody>
+          <a:bodyPr rtlCol="0" anchor="ctr"/>
+          <a:lstStyle/>
+          <a:p>
+            <a:pPr algn="ctr"/>
+            <a:r>
+              <a:rPr lang="it-IT" sz="2400" dirty="0"/>
+              <a:t>m</a:t>
+            </a:r>
+          </a:p>
+        </p:txBody>
+      </p:sp>
+      <p:sp>
+        <p:nvSpPr>
+          <p:cNvPr id="60" name="Ovale 59">
+            <a:extLst>
+              <a:ext uri="{FF2B5EF4-FFF2-40B4-BE49-F238E27FC236}">
+                <a16:creationId xmlns:a16="http://schemas.microsoft.com/office/drawing/2014/main" id="{C6E9C4F0-30F6-46E1-881C-8730012D037D}"/>
+              </a:ext>
+            </a:extLst>
+          </p:cNvPr>
+          <p:cNvSpPr/>
+          <p:nvPr/>
+        </p:nvSpPr>
+        <p:spPr>
+          <a:xfrm>
+            <a:off x="8694668" y="3903429"/>
+            <a:ext cx="545285" cy="511729"/>
+          </a:xfrm>
+          <a:prstGeom prst="ellipse">
+            <a:avLst/>
+          </a:prstGeom>
+          <a:solidFill>
+            <a:schemeClr val="bg2">
+              <a:lumMod val="50000"/>
+            </a:schemeClr>
+          </a:solidFill>
+          <a:ln>
+            <a:solidFill>
+              <a:schemeClr val="tx1">
+                <a:lumMod val="85000"/>
+                <a:lumOff val="15000"/>
+              </a:schemeClr>
+            </a:solidFill>
+          </a:ln>
+        </p:spPr>
+        <p:style>
+          <a:lnRef idx="2">
+            <a:schemeClr val="accent1">
+              <a:shade val="50000"/>
+            </a:schemeClr>
+          </a:lnRef>
+          <a:fillRef idx="1">
+            <a:schemeClr val="accent1"/>
+          </a:fillRef>
+          <a:effectRef idx="0">
+            <a:schemeClr val="accent1"/>
+          </a:effectRef>
+          <a:fontRef idx="minor">
+            <a:schemeClr val="lt1"/>
+          </a:fontRef>
+        </p:style>
+        <p:txBody>
+          <a:bodyPr rtlCol="0" anchor="ctr"/>
+          <a:lstStyle/>
+          <a:p>
+            <a:pPr algn="ctr"/>
+            <a:endParaRPr lang="it-IT" sz="2400" dirty="0"/>
+          </a:p>
+        </p:txBody>
+      </p:sp>
+      <mc:AlternateContent xmlns:mc="http://schemas.openxmlformats.org/markup-compatibility/2006">
+        <mc:Choice xmlns:a14="http://schemas.microsoft.com/office/drawing/2010/main" Requires="a14">
+          <p:sp>
+            <p:nvSpPr>
+              <p:cNvPr id="62" name="CasellaDiTesto 61">
+                <a:extLst>
+                  <a:ext uri="{FF2B5EF4-FFF2-40B4-BE49-F238E27FC236}">
+                    <a16:creationId xmlns:a16="http://schemas.microsoft.com/office/drawing/2014/main" id="{A798D102-0DE1-4D39-A020-0987D60D9A4B}"/>
+                  </a:ext>
+                </a:extLst>
+              </p:cNvPr>
+              <p:cNvSpPr txBox="1"/>
+              <p:nvPr/>
+            </p:nvSpPr>
+            <p:spPr>
+              <a:xfrm>
+                <a:off x="7704284" y="2989059"/>
+                <a:ext cx="1008724" cy="369332"/>
+              </a:xfrm>
+              <a:prstGeom prst="rect">
+                <a:avLst/>
+              </a:prstGeom>
+              <a:noFill/>
+            </p:spPr>
+            <p:txBody>
+              <a:bodyPr wrap="square" rtlCol="0">
+                <a:spAutoFit/>
+              </a:bodyPr>
+              <a:lstStyle/>
+              <a:p>
+                <a:pPr/>
+                <a14:m>
+                  <m:oMathPara xmlns:m="http://schemas.openxmlformats.org/officeDocument/2006/math">
+                    <m:oMathParaPr>
+                      <m:jc m:val="centerGroup"/>
+                    </m:oMathParaPr>
+                    <m:oMath xmlns:m="http://schemas.openxmlformats.org/officeDocument/2006/math">
+                      <m:r>
+                        <a:rPr lang="it-IT" b="0" i="1" smtClean="0">
+                          <a:solidFill>
+                            <a:srgbClr val="00B050"/>
+                          </a:solidFill>
+                          <a:latin typeface="Cambria Math" panose="02040503050406030204" pitchFamily="18" charset="0"/>
+                        </a:rPr>
+                        <m:t>2</m:t>
+                      </m:r>
+                    </m:oMath>
+                  </m:oMathPara>
+                </a14:m>
+                <a:endParaRPr lang="it-IT" dirty="0">
+                  <a:solidFill>
+                    <a:srgbClr val="00B050"/>
+                  </a:solidFill>
+                </a:endParaRPr>
+              </a:p>
+            </p:txBody>
+          </p:sp>
+        </mc:Choice>
+        <mc:Fallback>
+          <p:sp>
+            <p:nvSpPr>
+              <p:cNvPr id="62" name="CasellaDiTesto 61">
+                <a:extLst>
+                  <a:ext uri="{FF2B5EF4-FFF2-40B4-BE49-F238E27FC236}">
+                    <a16:creationId xmlns:a16="http://schemas.microsoft.com/office/drawing/2014/main" id="{A798D102-0DE1-4D39-A020-0987D60D9A4B}"/>
+                  </a:ext>
+                </a:extLst>
+              </p:cNvPr>
+              <p:cNvSpPr txBox="1">
+                <a:spLocks noRot="1" noChangeAspect="1" noMove="1" noResize="1" noEditPoints="1" noAdjustHandles="1" noChangeArrowheads="1" noChangeShapeType="1" noTextEdit="1"/>
+              </p:cNvSpPr>
+              <p:nvPr/>
+            </p:nvSpPr>
+            <p:spPr>
+              <a:xfrm>
+                <a:off x="7704284" y="2989059"/>
+                <a:ext cx="1008724" cy="369332"/>
+              </a:xfrm>
+              <a:prstGeom prst="rect">
+                <a:avLst/>
+              </a:prstGeom>
+              <a:blipFill>
+                <a:blip r:embed="rId4"/>
+                <a:stretch>
+                  <a:fillRect/>
+                </a:stretch>
+              </a:blipFill>
+            </p:spPr>
+            <p:txBody>
+              <a:bodyPr/>
+              <a:lstStyle/>
+              <a:p>
+                <a:r>
+                  <a:rPr lang="it-IT">
+                    <a:noFill/>
+                  </a:rPr>
+                  <a:t> </a:t>
+                </a:r>
+              </a:p>
+            </p:txBody>
+          </p:sp>
+        </mc:Fallback>
+      </mc:AlternateContent>
+      <p:sp>
+        <p:nvSpPr>
+          <p:cNvPr id="65" name="CasellaDiTesto 64">
+            <a:extLst>
+              <a:ext uri="{FF2B5EF4-FFF2-40B4-BE49-F238E27FC236}">
+                <a16:creationId xmlns:a16="http://schemas.microsoft.com/office/drawing/2014/main" id="{96A17B8F-1F8C-40C7-A09E-582BBFD82675}"/>
+              </a:ext>
+            </a:extLst>
+          </p:cNvPr>
+          <p:cNvSpPr txBox="1"/>
+          <p:nvPr/>
+        </p:nvSpPr>
+        <p:spPr>
+          <a:xfrm>
+            <a:off x="8500504" y="4375049"/>
+            <a:ext cx="915635" cy="369332"/>
+          </a:xfrm>
+          <a:prstGeom prst="rect">
+            <a:avLst/>
+          </a:prstGeom>
+          <a:noFill/>
+        </p:spPr>
+        <p:txBody>
+          <a:bodyPr wrap="none" rtlCol="0">
+            <a:spAutoFit/>
+          </a:bodyPr>
+          <a:lstStyle/>
+          <a:p>
+            <a:r>
+              <a:rPr lang="it-IT" dirty="0"/>
+              <a:t>Bonobo</a:t>
+            </a:r>
+          </a:p>
+        </p:txBody>
+      </p:sp>
+      <mc:AlternateContent xmlns:mc="http://schemas.openxmlformats.org/markup-compatibility/2006">
+        <mc:Choice xmlns:a14="http://schemas.microsoft.com/office/drawing/2010/main" Requires="a14">
+          <p:sp>
+            <p:nvSpPr>
+              <p:cNvPr id="68" name="CasellaDiTesto 67">
+                <a:extLst>
+                  <a:ext uri="{FF2B5EF4-FFF2-40B4-BE49-F238E27FC236}">
+                    <a16:creationId xmlns:a16="http://schemas.microsoft.com/office/drawing/2014/main" id="{62633186-5FA3-489B-8CA0-15ABFEB50FE2}"/>
+                  </a:ext>
+                </a:extLst>
+              </p:cNvPr>
+              <p:cNvSpPr txBox="1"/>
+              <p:nvPr/>
+            </p:nvSpPr>
+            <p:spPr>
+              <a:xfrm>
+                <a:off x="8155132" y="3576627"/>
+                <a:ext cx="1008724" cy="369332"/>
+              </a:xfrm>
+              <a:prstGeom prst="rect">
+                <a:avLst/>
+              </a:prstGeom>
+              <a:noFill/>
+            </p:spPr>
+            <p:txBody>
+              <a:bodyPr wrap="square" rtlCol="0">
+                <a:spAutoFit/>
+              </a:bodyPr>
+              <a:lstStyle/>
+              <a:p>
+                <a:pPr/>
+                <a14:m>
+                  <m:oMathPara xmlns:m="http://schemas.openxmlformats.org/officeDocument/2006/math">
+                    <m:oMathParaPr>
+                      <m:jc m:val="centerGroup"/>
+                    </m:oMathParaPr>
+                    <m:oMath xmlns:m="http://schemas.openxmlformats.org/officeDocument/2006/math">
+                      <m:r>
+                        <a:rPr lang="it-IT" b="0" i="1" smtClean="0">
+                          <a:latin typeface="Cambria Math" panose="02040503050406030204" pitchFamily="18" charset="0"/>
+                        </a:rPr>
+                        <m:t>2</m:t>
+                      </m:r>
+                    </m:oMath>
+                  </m:oMathPara>
+                </a14:m>
+                <a:endParaRPr lang="it-IT" dirty="0"/>
+              </a:p>
+            </p:txBody>
+          </p:sp>
+        </mc:Choice>
+        <mc:Fallback>
+          <p:sp>
+            <p:nvSpPr>
+              <p:cNvPr id="68" name="CasellaDiTesto 67">
+                <a:extLst>
+                  <a:ext uri="{FF2B5EF4-FFF2-40B4-BE49-F238E27FC236}">
+                    <a16:creationId xmlns:a16="http://schemas.microsoft.com/office/drawing/2014/main" id="{62633186-5FA3-489B-8CA0-15ABFEB50FE2}"/>
+                  </a:ext>
+                </a:extLst>
+              </p:cNvPr>
+              <p:cNvSpPr txBox="1">
+                <a:spLocks noRot="1" noChangeAspect="1" noMove="1" noResize="1" noEditPoints="1" noAdjustHandles="1" noChangeArrowheads="1" noChangeShapeType="1" noTextEdit="1"/>
+              </p:cNvSpPr>
+              <p:nvPr/>
+            </p:nvSpPr>
+            <p:spPr>
+              <a:xfrm>
+                <a:off x="8155132" y="3576627"/>
+                <a:ext cx="1008724" cy="369332"/>
+              </a:xfrm>
+              <a:prstGeom prst="rect">
+                <a:avLst/>
+              </a:prstGeom>
+              <a:blipFill>
+                <a:blip r:embed="rId5"/>
+                <a:stretch>
+                  <a:fillRect/>
+                </a:stretch>
+              </a:blipFill>
+            </p:spPr>
+            <p:txBody>
+              <a:bodyPr/>
+              <a:lstStyle/>
+              <a:p>
+                <a:r>
+                  <a:rPr lang="it-IT">
+                    <a:noFill/>
+                  </a:rPr>
+                  <a:t> </a:t>
+                </a:r>
+              </a:p>
+            </p:txBody>
+          </p:sp>
+        </mc:Fallback>
+      </mc:AlternateContent>
+      <mc:AlternateContent xmlns:mc="http://schemas.openxmlformats.org/markup-compatibility/2006">
+        <mc:Choice xmlns:a14="http://schemas.microsoft.com/office/drawing/2010/main" Requires="a14">
+          <p:sp>
+            <p:nvSpPr>
+              <p:cNvPr id="69" name="CasellaDiTesto 68">
+                <a:extLst>
+                  <a:ext uri="{FF2B5EF4-FFF2-40B4-BE49-F238E27FC236}">
+                    <a16:creationId xmlns:a16="http://schemas.microsoft.com/office/drawing/2014/main" id="{6AAAD01D-04F2-42DA-9115-D4AD5DAFEAC7}"/>
+                  </a:ext>
+                </a:extLst>
+              </p:cNvPr>
+              <p:cNvSpPr txBox="1"/>
+              <p:nvPr/>
+            </p:nvSpPr>
+            <p:spPr>
+              <a:xfrm>
+                <a:off x="7267039" y="3535366"/>
+                <a:ext cx="1008724" cy="369332"/>
+              </a:xfrm>
+              <a:prstGeom prst="rect">
+                <a:avLst/>
+              </a:prstGeom>
+              <a:noFill/>
+            </p:spPr>
+            <p:txBody>
+              <a:bodyPr wrap="square" rtlCol="0">
+                <a:spAutoFit/>
+              </a:bodyPr>
+              <a:lstStyle/>
+              <a:p>
+                <a:pPr/>
+                <a14:m>
+                  <m:oMathPara xmlns:m="http://schemas.openxmlformats.org/officeDocument/2006/math">
+                    <m:oMathParaPr>
+                      <m:jc m:val="centerGroup"/>
+                    </m:oMathParaPr>
+                    <m:oMath xmlns:m="http://schemas.openxmlformats.org/officeDocument/2006/math">
+                      <m:r>
+                        <a:rPr lang="it-IT" b="0" i="1" smtClean="0">
+                          <a:latin typeface="Cambria Math" panose="02040503050406030204" pitchFamily="18" charset="0"/>
+                        </a:rPr>
+                        <m:t>2</m:t>
+                      </m:r>
+                    </m:oMath>
+                  </m:oMathPara>
+                </a14:m>
+                <a:endParaRPr lang="it-IT" dirty="0"/>
+              </a:p>
+            </p:txBody>
+          </p:sp>
+        </mc:Choice>
+        <mc:Fallback>
+          <p:sp>
+            <p:nvSpPr>
+              <p:cNvPr id="69" name="CasellaDiTesto 68">
+                <a:extLst>
+                  <a:ext uri="{FF2B5EF4-FFF2-40B4-BE49-F238E27FC236}">
+                    <a16:creationId xmlns:a16="http://schemas.microsoft.com/office/drawing/2014/main" id="{6AAAD01D-04F2-42DA-9115-D4AD5DAFEAC7}"/>
+                  </a:ext>
+                </a:extLst>
+              </p:cNvPr>
+              <p:cNvSpPr txBox="1">
+                <a:spLocks noRot="1" noChangeAspect="1" noMove="1" noResize="1" noEditPoints="1" noAdjustHandles="1" noChangeArrowheads="1" noChangeShapeType="1" noTextEdit="1"/>
+              </p:cNvSpPr>
+              <p:nvPr/>
+            </p:nvSpPr>
+            <p:spPr>
+              <a:xfrm>
+                <a:off x="7267039" y="3535366"/>
+                <a:ext cx="1008724" cy="369332"/>
+              </a:xfrm>
+              <a:prstGeom prst="rect">
+                <a:avLst/>
+              </a:prstGeom>
+              <a:blipFill>
+                <a:blip r:embed="rId6"/>
+                <a:stretch>
+                  <a:fillRect/>
+                </a:stretch>
+              </a:blipFill>
+            </p:spPr>
+            <p:txBody>
+              <a:bodyPr/>
+              <a:lstStyle/>
+              <a:p>
+                <a:r>
+                  <a:rPr lang="it-IT">
+                    <a:noFill/>
+                  </a:rPr>
+                  <a:t> </a:t>
+                </a:r>
+              </a:p>
+            </p:txBody>
+          </p:sp>
+        </mc:Fallback>
+      </mc:AlternateContent>
+      <mc:AlternateContent xmlns:mc="http://schemas.openxmlformats.org/markup-compatibility/2006">
+        <mc:Choice xmlns:a14="http://schemas.microsoft.com/office/drawing/2010/main" Requires="a14">
+          <p:sp>
+            <p:nvSpPr>
+              <p:cNvPr id="70" name="CasellaDiTesto 69">
+                <a:extLst>
+                  <a:ext uri="{FF2B5EF4-FFF2-40B4-BE49-F238E27FC236}">
+                    <a16:creationId xmlns:a16="http://schemas.microsoft.com/office/drawing/2014/main" id="{4EE036F1-304E-45A9-8DCE-DFE60F6FBF6E}"/>
+                  </a:ext>
+                </a:extLst>
+              </p:cNvPr>
+              <p:cNvSpPr txBox="1"/>
+              <p:nvPr/>
+            </p:nvSpPr>
+            <p:spPr>
+              <a:xfrm>
+                <a:off x="7811683" y="2162034"/>
+                <a:ext cx="1008724" cy="369332"/>
+              </a:xfrm>
+              <a:prstGeom prst="rect">
+                <a:avLst/>
+              </a:prstGeom>
+              <a:noFill/>
+            </p:spPr>
+            <p:txBody>
+              <a:bodyPr wrap="square" rtlCol="0">
+                <a:spAutoFit/>
+              </a:bodyPr>
+              <a:lstStyle/>
+              <a:p>
+                <a:pPr/>
+                <a14:m>
+                  <m:oMathPara xmlns:m="http://schemas.openxmlformats.org/officeDocument/2006/math">
+                    <m:oMathParaPr>
+                      <m:jc m:val="centerGroup"/>
+                    </m:oMathParaPr>
+                    <m:oMath xmlns:m="http://schemas.openxmlformats.org/officeDocument/2006/math">
+                      <m:r>
+                        <a:rPr lang="it-IT" b="0" i="1" smtClean="0">
+                          <a:latin typeface="Cambria Math" panose="02040503050406030204" pitchFamily="18" charset="0"/>
+                        </a:rPr>
+                        <m:t>1</m:t>
+                      </m:r>
+                    </m:oMath>
+                  </m:oMathPara>
+                </a14:m>
+                <a:endParaRPr lang="it-IT" dirty="0"/>
+              </a:p>
+            </p:txBody>
+          </p:sp>
+        </mc:Choice>
+        <mc:Fallback>
+          <p:sp>
+            <p:nvSpPr>
+              <p:cNvPr id="70" name="CasellaDiTesto 69">
+                <a:extLst>
+                  <a:ext uri="{FF2B5EF4-FFF2-40B4-BE49-F238E27FC236}">
+                    <a16:creationId xmlns:a16="http://schemas.microsoft.com/office/drawing/2014/main" id="{4EE036F1-304E-45A9-8DCE-DFE60F6FBF6E}"/>
+                  </a:ext>
+                </a:extLst>
+              </p:cNvPr>
+              <p:cNvSpPr txBox="1">
+                <a:spLocks noRot="1" noChangeAspect="1" noMove="1" noResize="1" noEditPoints="1" noAdjustHandles="1" noChangeArrowheads="1" noChangeShapeType="1" noTextEdit="1"/>
+              </p:cNvSpPr>
+              <p:nvPr/>
+            </p:nvSpPr>
+            <p:spPr>
+              <a:xfrm>
+                <a:off x="7811683" y="2162034"/>
+                <a:ext cx="1008724" cy="369332"/>
+              </a:xfrm>
+              <a:prstGeom prst="rect">
+                <a:avLst/>
+              </a:prstGeom>
+              <a:blipFill>
+                <a:blip r:embed="rId7"/>
+                <a:stretch>
+                  <a:fillRect/>
+                </a:stretch>
+              </a:blipFill>
+            </p:spPr>
+            <p:txBody>
+              <a:bodyPr/>
+              <a:lstStyle/>
+              <a:p>
+                <a:r>
+                  <a:rPr lang="it-IT">
+                    <a:noFill/>
+                  </a:rPr>
+                  <a:t> </a:t>
+                </a:r>
+              </a:p>
+            </p:txBody>
+          </p:sp>
+        </mc:Fallback>
+      </mc:AlternateContent>
+      <mc:AlternateContent xmlns:mc="http://schemas.openxmlformats.org/markup-compatibility/2006">
+        <mc:Choice xmlns:a14="http://schemas.microsoft.com/office/drawing/2010/main" Requires="a14">
+          <p:sp>
+            <p:nvSpPr>
+              <p:cNvPr id="71" name="CasellaDiTesto 70">
+                <a:extLst>
+                  <a:ext uri="{FF2B5EF4-FFF2-40B4-BE49-F238E27FC236}">
+                    <a16:creationId xmlns:a16="http://schemas.microsoft.com/office/drawing/2014/main" id="{DB8575DE-D3DF-4C06-9322-792FC9643E35}"/>
+                  </a:ext>
+                </a:extLst>
+              </p:cNvPr>
+              <p:cNvSpPr txBox="1"/>
+              <p:nvPr/>
+            </p:nvSpPr>
+            <p:spPr>
+              <a:xfrm>
+                <a:off x="8027266" y="2959675"/>
+                <a:ext cx="1008724" cy="369332"/>
+              </a:xfrm>
+              <a:prstGeom prst="rect">
+                <a:avLst/>
+              </a:prstGeom>
+              <a:noFill/>
+            </p:spPr>
+            <p:txBody>
+              <a:bodyPr wrap="square" rtlCol="0">
+                <a:spAutoFit/>
+              </a:bodyPr>
+              <a:lstStyle/>
+              <a:p>
+                <a:pPr/>
+                <a14:m>
+                  <m:oMathPara xmlns:m="http://schemas.openxmlformats.org/officeDocument/2006/math">
+                    <m:oMathParaPr>
+                      <m:jc m:val="centerGroup"/>
+                    </m:oMathParaPr>
+                    <m:oMath xmlns:m="http://schemas.openxmlformats.org/officeDocument/2006/math">
+                      <m:r>
+                        <a:rPr lang="it-IT" b="0" i="1" smtClean="0">
+                          <a:latin typeface="Cambria Math" panose="02040503050406030204" pitchFamily="18" charset="0"/>
+                        </a:rPr>
+                        <m:t>4</m:t>
+                      </m:r>
+                    </m:oMath>
+                  </m:oMathPara>
+                </a14:m>
+                <a:endParaRPr lang="it-IT" dirty="0"/>
+              </a:p>
+            </p:txBody>
+          </p:sp>
+        </mc:Choice>
+        <mc:Fallback>
+          <p:sp>
+            <p:nvSpPr>
+              <p:cNvPr id="71" name="CasellaDiTesto 70">
+                <a:extLst>
+                  <a:ext uri="{FF2B5EF4-FFF2-40B4-BE49-F238E27FC236}">
+                    <a16:creationId xmlns:a16="http://schemas.microsoft.com/office/drawing/2014/main" id="{DB8575DE-D3DF-4C06-9322-792FC9643E35}"/>
+                  </a:ext>
+                </a:extLst>
+              </p:cNvPr>
+              <p:cNvSpPr txBox="1">
+                <a:spLocks noRot="1" noChangeAspect="1" noMove="1" noResize="1" noEditPoints="1" noAdjustHandles="1" noChangeArrowheads="1" noChangeShapeType="1" noTextEdit="1"/>
+              </p:cNvSpPr>
+              <p:nvPr/>
+            </p:nvSpPr>
+            <p:spPr>
+              <a:xfrm>
+                <a:off x="8027266" y="2959675"/>
+                <a:ext cx="1008724" cy="369332"/>
+              </a:xfrm>
+              <a:prstGeom prst="rect">
+                <a:avLst/>
+              </a:prstGeom>
+              <a:blipFill>
+                <a:blip r:embed="rId8"/>
+                <a:stretch>
+                  <a:fillRect/>
+                </a:stretch>
+              </a:blipFill>
+            </p:spPr>
+            <p:txBody>
+              <a:bodyPr/>
+              <a:lstStyle/>
+              <a:p>
+                <a:r>
+                  <a:rPr lang="it-IT">
+                    <a:noFill/>
+                  </a:rPr>
+                  <a:t> </a:t>
+                </a:r>
+              </a:p>
+            </p:txBody>
+          </p:sp>
+        </mc:Fallback>
+      </mc:AlternateContent>
+      <mc:AlternateContent xmlns:mc="http://schemas.openxmlformats.org/markup-compatibility/2006">
+        <mc:Choice xmlns:a14="http://schemas.microsoft.com/office/drawing/2010/main" Requires="a14">
+          <p:sp>
+            <p:nvSpPr>
+              <p:cNvPr id="72" name="CasellaDiTesto 71">
+                <a:extLst>
+                  <a:ext uri="{FF2B5EF4-FFF2-40B4-BE49-F238E27FC236}">
+                    <a16:creationId xmlns:a16="http://schemas.microsoft.com/office/drawing/2014/main" id="{3262995C-CE59-4D1A-A780-37FBDDEFC8C9}"/>
+                  </a:ext>
+                </a:extLst>
+              </p:cNvPr>
+              <p:cNvSpPr txBox="1"/>
+              <p:nvPr/>
+            </p:nvSpPr>
+            <p:spPr>
+              <a:xfrm>
+                <a:off x="8886511" y="2831429"/>
+                <a:ext cx="1008724" cy="369332"/>
+              </a:xfrm>
+              <a:prstGeom prst="rect">
+                <a:avLst/>
+              </a:prstGeom>
+              <a:noFill/>
+            </p:spPr>
+            <p:txBody>
+              <a:bodyPr wrap="square" rtlCol="0">
+                <a:spAutoFit/>
+              </a:bodyPr>
+              <a:lstStyle/>
+              <a:p>
+                <a:pPr/>
+                <a14:m>
+                  <m:oMathPara xmlns:m="http://schemas.openxmlformats.org/officeDocument/2006/math">
+                    <m:oMathParaPr>
+                      <m:jc m:val="centerGroup"/>
+                    </m:oMathParaPr>
+                    <m:oMath xmlns:m="http://schemas.openxmlformats.org/officeDocument/2006/math">
+                      <m:r>
+                        <a:rPr lang="it-IT" b="0" i="1" smtClean="0">
+                          <a:solidFill>
+                            <a:srgbClr val="00B050"/>
+                          </a:solidFill>
+                          <a:latin typeface="Cambria Math" panose="02040503050406030204" pitchFamily="18" charset="0"/>
+                        </a:rPr>
+                        <m:t>6</m:t>
+                      </m:r>
+                    </m:oMath>
+                  </m:oMathPara>
+                </a14:m>
+                <a:endParaRPr lang="it-IT" dirty="0">
+                  <a:solidFill>
+                    <a:srgbClr val="00B050"/>
+                  </a:solidFill>
+                </a:endParaRPr>
+              </a:p>
+            </p:txBody>
+          </p:sp>
+        </mc:Choice>
+        <mc:Fallback>
+          <p:sp>
+            <p:nvSpPr>
+              <p:cNvPr id="72" name="CasellaDiTesto 71">
+                <a:extLst>
+                  <a:ext uri="{FF2B5EF4-FFF2-40B4-BE49-F238E27FC236}">
+                    <a16:creationId xmlns:a16="http://schemas.microsoft.com/office/drawing/2014/main" id="{3262995C-CE59-4D1A-A780-37FBDDEFC8C9}"/>
+                  </a:ext>
+                </a:extLst>
+              </p:cNvPr>
+              <p:cNvSpPr txBox="1">
+                <a:spLocks noRot="1" noChangeAspect="1" noMove="1" noResize="1" noEditPoints="1" noAdjustHandles="1" noChangeArrowheads="1" noChangeShapeType="1" noTextEdit="1"/>
+              </p:cNvSpPr>
+              <p:nvPr/>
+            </p:nvSpPr>
+            <p:spPr>
+              <a:xfrm>
+                <a:off x="8886511" y="2831429"/>
+                <a:ext cx="1008724" cy="369332"/>
+              </a:xfrm>
+              <a:prstGeom prst="rect">
+                <a:avLst/>
+              </a:prstGeom>
+              <a:blipFill>
+                <a:blip r:embed="rId9"/>
+                <a:stretch>
+                  <a:fillRect/>
+                </a:stretch>
+              </a:blipFill>
+            </p:spPr>
+            <p:txBody>
+              <a:bodyPr/>
+              <a:lstStyle/>
+              <a:p>
+                <a:r>
+                  <a:rPr lang="it-IT">
+                    <a:noFill/>
+                  </a:rPr>
+                  <a:t> </a:t>
+                </a:r>
+              </a:p>
+            </p:txBody>
+          </p:sp>
+        </mc:Fallback>
+      </mc:AlternateContent>
+      <mc:AlternateContent xmlns:mc="http://schemas.openxmlformats.org/markup-compatibility/2006">
+        <mc:Choice xmlns:a14="http://schemas.microsoft.com/office/drawing/2010/main" Requires="a14">
+          <p:sp>
+            <p:nvSpPr>
+              <p:cNvPr id="73" name="CasellaDiTesto 72">
+                <a:extLst>
+                  <a:ext uri="{FF2B5EF4-FFF2-40B4-BE49-F238E27FC236}">
+                    <a16:creationId xmlns:a16="http://schemas.microsoft.com/office/drawing/2014/main" id="{12FA55CC-3D43-4CC8-B5C1-CA2488CB6A6F}"/>
+                  </a:ext>
+                </a:extLst>
+              </p:cNvPr>
+              <p:cNvSpPr txBox="1"/>
+              <p:nvPr/>
+            </p:nvSpPr>
+            <p:spPr>
+              <a:xfrm>
+                <a:off x="5945465" y="535640"/>
+                <a:ext cx="1008724" cy="369332"/>
+              </a:xfrm>
+              <a:prstGeom prst="rect">
+                <a:avLst/>
+              </a:prstGeom>
+              <a:noFill/>
+            </p:spPr>
+            <p:txBody>
+              <a:bodyPr wrap="square" rtlCol="0">
+                <a:spAutoFit/>
+              </a:bodyPr>
+              <a:lstStyle/>
+              <a:p>
+                <a:pPr/>
+                <a14:m>
+                  <m:oMathPara xmlns:m="http://schemas.openxmlformats.org/officeDocument/2006/math">
+                    <m:oMathParaPr>
+                      <m:jc m:val="centerGroup"/>
+                    </m:oMathParaPr>
+                    <m:oMath xmlns:m="http://schemas.openxmlformats.org/officeDocument/2006/math">
+                      <m:r>
+                        <a:rPr lang="it-IT" b="0" i="1" smtClean="0">
+                          <a:solidFill>
+                            <a:srgbClr val="00B050"/>
+                          </a:solidFill>
+                          <a:latin typeface="Cambria Math" panose="02040503050406030204" pitchFamily="18" charset="0"/>
+                        </a:rPr>
+                        <m:t>13</m:t>
+                      </m:r>
+                    </m:oMath>
+                  </m:oMathPara>
+                </a14:m>
+                <a:endParaRPr lang="it-IT" dirty="0">
+                  <a:solidFill>
+                    <a:srgbClr val="00B050"/>
+                  </a:solidFill>
+                </a:endParaRPr>
+              </a:p>
+            </p:txBody>
+          </p:sp>
+        </mc:Choice>
+        <mc:Fallback>
+          <p:sp>
+            <p:nvSpPr>
+              <p:cNvPr id="73" name="CasellaDiTesto 72">
+                <a:extLst>
+                  <a:ext uri="{FF2B5EF4-FFF2-40B4-BE49-F238E27FC236}">
+                    <a16:creationId xmlns:a16="http://schemas.microsoft.com/office/drawing/2014/main" id="{12FA55CC-3D43-4CC8-B5C1-CA2488CB6A6F}"/>
+                  </a:ext>
+                </a:extLst>
+              </p:cNvPr>
+              <p:cNvSpPr txBox="1">
+                <a:spLocks noRot="1" noChangeAspect="1" noMove="1" noResize="1" noEditPoints="1" noAdjustHandles="1" noChangeArrowheads="1" noChangeShapeType="1" noTextEdit="1"/>
+              </p:cNvSpPr>
+              <p:nvPr/>
+            </p:nvSpPr>
+            <p:spPr>
+              <a:xfrm>
+                <a:off x="5945465" y="535640"/>
+                <a:ext cx="1008724" cy="369332"/>
+              </a:xfrm>
+              <a:prstGeom prst="rect">
+                <a:avLst/>
+              </a:prstGeom>
+              <a:blipFill>
+                <a:blip r:embed="rId10"/>
+                <a:stretch>
+                  <a:fillRect/>
+                </a:stretch>
+              </a:blipFill>
+            </p:spPr>
+            <p:txBody>
+              <a:bodyPr/>
+              <a:lstStyle/>
+              <a:p>
+                <a:r>
+                  <a:rPr lang="it-IT">
+                    <a:noFill/>
+                  </a:rPr>
+                  <a:t> </a:t>
+                </a:r>
+              </a:p>
+            </p:txBody>
+          </p:sp>
+        </mc:Fallback>
+      </mc:AlternateContent>
+      <mc:AlternateContent xmlns:mc="http://schemas.openxmlformats.org/markup-compatibility/2006">
+        <mc:Choice xmlns:a14="http://schemas.microsoft.com/office/drawing/2010/main" Requires="a14">
+          <p:sp>
+            <p:nvSpPr>
+              <p:cNvPr id="74" name="CasellaDiTesto 73">
+                <a:extLst>
+                  <a:ext uri="{FF2B5EF4-FFF2-40B4-BE49-F238E27FC236}">
+                    <a16:creationId xmlns:a16="http://schemas.microsoft.com/office/drawing/2014/main" id="{D0BBB8A4-E443-4C4A-A1C0-5AB869EAAFAA}"/>
+                  </a:ext>
+                </a:extLst>
+              </p:cNvPr>
+              <p:cNvSpPr txBox="1"/>
+              <p:nvPr/>
+            </p:nvSpPr>
+            <p:spPr>
+              <a:xfrm>
+                <a:off x="6280911" y="1012363"/>
+                <a:ext cx="1008724" cy="369332"/>
+              </a:xfrm>
+              <a:prstGeom prst="rect">
+                <a:avLst/>
+              </a:prstGeom>
+              <a:noFill/>
+            </p:spPr>
+            <p:txBody>
+              <a:bodyPr wrap="square" rtlCol="0">
+                <a:spAutoFit/>
+              </a:bodyPr>
+              <a:lstStyle/>
+              <a:p>
+                <a:pPr/>
+                <a14:m>
+                  <m:oMathPara xmlns:m="http://schemas.openxmlformats.org/officeDocument/2006/math">
+                    <m:oMathParaPr>
+                      <m:jc m:val="centerGroup"/>
+                    </m:oMathParaPr>
+                    <m:oMath xmlns:m="http://schemas.openxmlformats.org/officeDocument/2006/math">
+                      <m:r>
+                        <a:rPr lang="it-IT" b="0" i="1" smtClean="0">
+                          <a:latin typeface="Cambria Math" panose="02040503050406030204" pitchFamily="18" charset="0"/>
+                        </a:rPr>
+                        <m:t>6</m:t>
+                      </m:r>
+                    </m:oMath>
+                  </m:oMathPara>
+                </a14:m>
+                <a:endParaRPr lang="it-IT" dirty="0"/>
+              </a:p>
+            </p:txBody>
+          </p:sp>
+        </mc:Choice>
+        <mc:Fallback>
+          <p:sp>
+            <p:nvSpPr>
+              <p:cNvPr id="74" name="CasellaDiTesto 73">
+                <a:extLst>
+                  <a:ext uri="{FF2B5EF4-FFF2-40B4-BE49-F238E27FC236}">
+                    <a16:creationId xmlns:a16="http://schemas.microsoft.com/office/drawing/2014/main" id="{D0BBB8A4-E443-4C4A-A1C0-5AB869EAAFAA}"/>
+                  </a:ext>
+                </a:extLst>
+              </p:cNvPr>
+              <p:cNvSpPr txBox="1">
+                <a:spLocks noRot="1" noChangeAspect="1" noMove="1" noResize="1" noEditPoints="1" noAdjustHandles="1" noChangeArrowheads="1" noChangeShapeType="1" noTextEdit="1"/>
+              </p:cNvSpPr>
+              <p:nvPr/>
+            </p:nvSpPr>
+            <p:spPr>
+              <a:xfrm>
+                <a:off x="6280911" y="1012363"/>
+                <a:ext cx="1008724" cy="369332"/>
+              </a:xfrm>
+              <a:prstGeom prst="rect">
+                <a:avLst/>
+              </a:prstGeom>
+              <a:blipFill>
+                <a:blip r:embed="rId11"/>
+                <a:stretch>
+                  <a:fillRect/>
+                </a:stretch>
+              </a:blipFill>
+            </p:spPr>
+            <p:txBody>
+              <a:bodyPr/>
+              <a:lstStyle/>
+              <a:p>
+                <a:r>
+                  <a:rPr lang="it-IT">
+                    <a:noFill/>
+                  </a:rPr>
+                  <a:t> </a:t>
+                </a:r>
+              </a:p>
+            </p:txBody>
+          </p:sp>
+        </mc:Fallback>
+      </mc:AlternateContent>
+      <mc:AlternateContent xmlns:mc="http://schemas.openxmlformats.org/markup-compatibility/2006">
+        <mc:Choice xmlns:a14="http://schemas.microsoft.com/office/drawing/2010/main" Requires="a14">
+          <p:sp>
+            <p:nvSpPr>
+              <p:cNvPr id="75" name="CasellaDiTesto 74">
+                <a:extLst>
+                  <a:ext uri="{FF2B5EF4-FFF2-40B4-BE49-F238E27FC236}">
+                    <a16:creationId xmlns:a16="http://schemas.microsoft.com/office/drawing/2014/main" id="{DF5FE94D-AEA4-4667-9E81-D4FCDCEF3CC2}"/>
+                  </a:ext>
+                </a:extLst>
+              </p:cNvPr>
+              <p:cNvSpPr txBox="1"/>
+              <p:nvPr/>
+            </p:nvSpPr>
+            <p:spPr>
+              <a:xfrm>
+                <a:off x="5503905" y="2531366"/>
+                <a:ext cx="1008724" cy="369332"/>
+              </a:xfrm>
+              <a:prstGeom prst="rect">
+                <a:avLst/>
+              </a:prstGeom>
+              <a:noFill/>
+            </p:spPr>
+            <p:txBody>
+              <a:bodyPr wrap="square" rtlCol="0">
+                <a:spAutoFit/>
+              </a:bodyPr>
+              <a:lstStyle/>
+              <a:p>
+                <a:pPr/>
+                <a14:m>
+                  <m:oMathPara xmlns:m="http://schemas.openxmlformats.org/officeDocument/2006/math">
+                    <m:oMathParaPr>
+                      <m:jc m:val="centerGroup"/>
+                    </m:oMathParaPr>
+                    <m:oMath xmlns:m="http://schemas.openxmlformats.org/officeDocument/2006/math">
+                      <m:r>
+                        <a:rPr lang="it-IT" b="0" i="1" smtClean="0">
+                          <a:latin typeface="Cambria Math" panose="02040503050406030204" pitchFamily="18" charset="0"/>
+                        </a:rPr>
+                        <m:t>7</m:t>
+                      </m:r>
+                    </m:oMath>
+                  </m:oMathPara>
+                </a14:m>
+                <a:endParaRPr lang="it-IT" dirty="0"/>
+              </a:p>
+            </p:txBody>
+          </p:sp>
+        </mc:Choice>
+        <mc:Fallback>
+          <p:sp>
+            <p:nvSpPr>
+              <p:cNvPr id="75" name="CasellaDiTesto 74">
+                <a:extLst>
+                  <a:ext uri="{FF2B5EF4-FFF2-40B4-BE49-F238E27FC236}">
+                    <a16:creationId xmlns:a16="http://schemas.microsoft.com/office/drawing/2014/main" id="{DF5FE94D-AEA4-4667-9E81-D4FCDCEF3CC2}"/>
+                  </a:ext>
+                </a:extLst>
+              </p:cNvPr>
+              <p:cNvSpPr txBox="1">
+                <a:spLocks noRot="1" noChangeAspect="1" noMove="1" noResize="1" noEditPoints="1" noAdjustHandles="1" noChangeArrowheads="1" noChangeShapeType="1" noTextEdit="1"/>
+              </p:cNvSpPr>
+              <p:nvPr/>
+            </p:nvSpPr>
+            <p:spPr>
+              <a:xfrm>
+                <a:off x="5503905" y="2531366"/>
+                <a:ext cx="1008724" cy="369332"/>
+              </a:xfrm>
+              <a:prstGeom prst="rect">
+                <a:avLst/>
+              </a:prstGeom>
+              <a:blipFill>
+                <a:blip r:embed="rId12"/>
+                <a:stretch>
+                  <a:fillRect/>
+                </a:stretch>
+              </a:blipFill>
+            </p:spPr>
+            <p:txBody>
+              <a:bodyPr/>
+              <a:lstStyle/>
+              <a:p>
+                <a:r>
+                  <a:rPr lang="it-IT">
+                    <a:noFill/>
+                  </a:rPr>
+                  <a:t> </a:t>
+                </a:r>
+              </a:p>
+            </p:txBody>
+          </p:sp>
+        </mc:Fallback>
+      </mc:AlternateContent>
+      <mc:AlternateContent xmlns:mc="http://schemas.openxmlformats.org/markup-compatibility/2006">
+        <mc:Choice xmlns:a14="http://schemas.microsoft.com/office/drawing/2010/main" Requires="a14">
+          <p:sp>
+            <p:nvSpPr>
+              <p:cNvPr id="76" name="CasellaDiTesto 75">
+                <a:extLst>
+                  <a:ext uri="{FF2B5EF4-FFF2-40B4-BE49-F238E27FC236}">
+                    <a16:creationId xmlns:a16="http://schemas.microsoft.com/office/drawing/2014/main" id="{126B2C38-D627-4920-90AA-45543AF372F2}"/>
+                  </a:ext>
+                </a:extLst>
+              </p:cNvPr>
+              <p:cNvSpPr txBox="1"/>
+              <p:nvPr/>
+            </p:nvSpPr>
+            <p:spPr>
+              <a:xfrm>
+                <a:off x="3142135" y="2165837"/>
+                <a:ext cx="1008724" cy="369332"/>
+              </a:xfrm>
+              <a:prstGeom prst="rect">
+                <a:avLst/>
+              </a:prstGeom>
+              <a:noFill/>
+            </p:spPr>
+            <p:txBody>
+              <a:bodyPr wrap="square" rtlCol="0">
+                <a:spAutoFit/>
+              </a:bodyPr>
+              <a:lstStyle/>
+              <a:p>
+                <a:pPr/>
+                <a14:m>
+                  <m:oMathPara xmlns:m="http://schemas.openxmlformats.org/officeDocument/2006/math">
+                    <m:oMathParaPr>
+                      <m:jc m:val="centerGroup"/>
+                    </m:oMathParaPr>
+                    <m:oMath xmlns:m="http://schemas.openxmlformats.org/officeDocument/2006/math">
+                      <m:r>
+                        <a:rPr lang="it-IT" b="0" i="1" smtClean="0">
+                          <a:latin typeface="Cambria Math" panose="02040503050406030204" pitchFamily="18" charset="0"/>
+                        </a:rPr>
+                        <m:t>13</m:t>
+                      </m:r>
+                    </m:oMath>
+                  </m:oMathPara>
+                </a14:m>
+                <a:endParaRPr lang="it-IT" dirty="0"/>
+              </a:p>
+            </p:txBody>
+          </p:sp>
+        </mc:Choice>
+        <mc:Fallback>
+          <p:sp>
+            <p:nvSpPr>
+              <p:cNvPr id="76" name="CasellaDiTesto 75">
+                <a:extLst>
+                  <a:ext uri="{FF2B5EF4-FFF2-40B4-BE49-F238E27FC236}">
+                    <a16:creationId xmlns:a16="http://schemas.microsoft.com/office/drawing/2014/main" id="{126B2C38-D627-4920-90AA-45543AF372F2}"/>
+                  </a:ext>
+                </a:extLst>
+              </p:cNvPr>
+              <p:cNvSpPr txBox="1">
+                <a:spLocks noRot="1" noChangeAspect="1" noMove="1" noResize="1" noEditPoints="1" noAdjustHandles="1" noChangeArrowheads="1" noChangeShapeType="1" noTextEdit="1"/>
+              </p:cNvSpPr>
+              <p:nvPr/>
+            </p:nvSpPr>
+            <p:spPr>
+              <a:xfrm>
+                <a:off x="3142135" y="2165837"/>
+                <a:ext cx="1008724" cy="369332"/>
+              </a:xfrm>
+              <a:prstGeom prst="rect">
+                <a:avLst/>
+              </a:prstGeom>
+              <a:blipFill>
+                <a:blip r:embed="rId13"/>
+                <a:stretch>
+                  <a:fillRect/>
+                </a:stretch>
+              </a:blipFill>
+            </p:spPr>
+            <p:txBody>
+              <a:bodyPr/>
+              <a:lstStyle/>
+              <a:p>
+                <a:r>
+                  <a:rPr lang="it-IT">
+                    <a:noFill/>
+                  </a:rPr>
+                  <a:t> </a:t>
+                </a:r>
+              </a:p>
+            </p:txBody>
+          </p:sp>
+        </mc:Fallback>
+      </mc:AlternateContent>
+    </p:spTree>
+    <p:extLst>
+      <p:ext uri="{BB962C8B-B14F-4D97-AF65-F5344CB8AC3E}">
+        <p14:creationId xmlns:p14="http://schemas.microsoft.com/office/powerpoint/2010/main" val="365160158"/>
+      </p:ext>
+    </p:extLst>
+  </p:cSld>
+  <p:clrMapOvr>
+    <a:masterClrMapping/>
+  </p:clrMapOvr>
+</p:sld>
+</file>
+
+<file path=ppt/slides/slide17.xml><?xml version="1.0" encoding="utf-8"?>
+<p:sld xmlns:a="http://schemas.openxmlformats.org/drawingml/2006/main" xmlns:r="http://schemas.openxmlformats.org/officeDocument/2006/relationships" xmlns:p="http://schemas.openxmlformats.org/presentationml/2006/main">
+  <p:cSld>
+    <p:spTree>
+      <p:nvGrpSpPr>
+        <p:cNvPr id="1" name=""/>
+        <p:cNvGrpSpPr/>
+        <p:nvPr/>
+      </p:nvGrpSpPr>
+      <p:grpSpPr>
+        <a:xfrm>
+          <a:off x="0" y="0"/>
+          <a:ext cx="0" cy="0"/>
+          <a:chOff x="0" y="0"/>
+          <a:chExt cx="0" cy="0"/>
+        </a:xfrm>
+      </p:grpSpPr>
+      <p:sp>
+        <p:nvSpPr>
+          <p:cNvPr id="9" name="Ovale 8">
+            <a:extLst>
+              <a:ext uri="{FF2B5EF4-FFF2-40B4-BE49-F238E27FC236}">
+                <a16:creationId xmlns:a16="http://schemas.microsoft.com/office/drawing/2014/main" id="{E1CD858E-A9AC-498F-B0ED-9337B0DBAC7D}"/>
+              </a:ext>
+            </a:extLst>
+          </p:cNvPr>
+          <p:cNvSpPr/>
+          <p:nvPr/>
+        </p:nvSpPr>
+        <p:spPr>
+          <a:xfrm>
+            <a:off x="4605582" y="5086455"/>
+            <a:ext cx="545285" cy="511729"/>
+          </a:xfrm>
+          <a:prstGeom prst="ellipse">
+            <a:avLst/>
+          </a:prstGeom>
+          <a:solidFill>
+            <a:schemeClr val="bg2">
+              <a:lumMod val="50000"/>
+            </a:schemeClr>
+          </a:solidFill>
+          <a:ln>
+            <a:solidFill>
+              <a:schemeClr val="tx1">
+                <a:lumMod val="85000"/>
+                <a:lumOff val="15000"/>
+              </a:schemeClr>
+            </a:solidFill>
+          </a:ln>
+        </p:spPr>
+        <p:style>
+          <a:lnRef idx="2">
+            <a:schemeClr val="accent1">
+              <a:shade val="50000"/>
+            </a:schemeClr>
+          </a:lnRef>
+          <a:fillRef idx="1">
+            <a:schemeClr val="accent1"/>
+          </a:fillRef>
+          <a:effectRef idx="0">
+            <a:schemeClr val="accent1"/>
+          </a:effectRef>
+          <a:fontRef idx="minor">
+            <a:schemeClr val="lt1"/>
+          </a:fontRef>
+        </p:style>
+        <p:txBody>
+          <a:bodyPr rtlCol="0" anchor="ctr"/>
+          <a:lstStyle/>
+          <a:p>
+            <a:pPr algn="ctr"/>
+            <a:r>
+              <a:rPr lang="it-IT" sz="2400" dirty="0"/>
+              <a:t>b</a:t>
+            </a:r>
+          </a:p>
+        </p:txBody>
+      </p:sp>
+      <p:sp>
+        <p:nvSpPr>
+          <p:cNvPr id="15" name="Ovale 14">
+            <a:extLst>
+              <a:ext uri="{FF2B5EF4-FFF2-40B4-BE49-F238E27FC236}">
+                <a16:creationId xmlns:a16="http://schemas.microsoft.com/office/drawing/2014/main" id="{8D5BD6A8-4A8D-4BFF-8C89-28AAD2DD2E07}"/>
+              </a:ext>
+            </a:extLst>
+          </p:cNvPr>
+          <p:cNvSpPr/>
+          <p:nvPr/>
+        </p:nvSpPr>
+        <p:spPr>
+          <a:xfrm>
+            <a:off x="2180636" y="5086455"/>
+            <a:ext cx="545285" cy="511729"/>
+          </a:xfrm>
+          <a:prstGeom prst="ellipse">
+            <a:avLst/>
+          </a:prstGeom>
+          <a:solidFill>
+            <a:schemeClr val="bg2">
+              <a:lumMod val="50000"/>
+            </a:schemeClr>
+          </a:solidFill>
+          <a:ln>
+            <a:solidFill>
+              <a:schemeClr val="tx1">
+                <a:lumMod val="85000"/>
+                <a:lumOff val="15000"/>
+              </a:schemeClr>
+            </a:solidFill>
+          </a:ln>
+        </p:spPr>
+        <p:style>
+          <a:lnRef idx="2">
+            <a:schemeClr val="accent1">
+              <a:shade val="50000"/>
+            </a:schemeClr>
+          </a:lnRef>
+          <a:fillRef idx="1">
+            <a:schemeClr val="accent1"/>
+          </a:fillRef>
+          <a:effectRef idx="0">
+            <a:schemeClr val="accent1"/>
+          </a:effectRef>
+          <a:fontRef idx="minor">
+            <a:schemeClr val="lt1"/>
+          </a:fontRef>
+        </p:style>
+        <p:txBody>
+          <a:bodyPr rtlCol="0" anchor="ctr"/>
+          <a:lstStyle/>
+          <a:p>
+            <a:pPr algn="ctr"/>
+            <a:r>
+              <a:rPr lang="it-IT" sz="2400" dirty="0"/>
+              <a:t>f</a:t>
+            </a:r>
+          </a:p>
+        </p:txBody>
+      </p:sp>
+      <p:sp>
+        <p:nvSpPr>
+          <p:cNvPr id="10" name="Ovale 9">
+            <a:extLst>
+              <a:ext uri="{FF2B5EF4-FFF2-40B4-BE49-F238E27FC236}">
+                <a16:creationId xmlns:a16="http://schemas.microsoft.com/office/drawing/2014/main" id="{A09DB043-4477-48E2-A81E-6C2A0E626B20}"/>
+              </a:ext>
+            </a:extLst>
+          </p:cNvPr>
+          <p:cNvSpPr/>
+          <p:nvPr/>
+        </p:nvSpPr>
+        <p:spPr>
+          <a:xfrm>
+            <a:off x="9088049" y="5084925"/>
+            <a:ext cx="545285" cy="511729"/>
+          </a:xfrm>
+          <a:prstGeom prst="ellipse">
+            <a:avLst/>
+          </a:prstGeom>
+          <a:solidFill>
+            <a:schemeClr val="bg2">
+              <a:lumMod val="50000"/>
+            </a:schemeClr>
+          </a:solidFill>
+          <a:ln>
+            <a:solidFill>
+              <a:schemeClr val="tx1">
+                <a:lumMod val="85000"/>
+                <a:lumOff val="15000"/>
+              </a:schemeClr>
+            </a:solidFill>
+          </a:ln>
+        </p:spPr>
+        <p:style>
+          <a:lnRef idx="2">
+            <a:schemeClr val="accent1">
+              <a:shade val="50000"/>
+            </a:schemeClr>
+          </a:lnRef>
+          <a:fillRef idx="1">
+            <a:schemeClr val="accent1"/>
+          </a:fillRef>
+          <a:effectRef idx="0">
+            <a:schemeClr val="accent1"/>
+          </a:effectRef>
+          <a:fontRef idx="minor">
+            <a:schemeClr val="lt1"/>
+          </a:fontRef>
+        </p:style>
+        <p:txBody>
+          <a:bodyPr rtlCol="0" anchor="ctr"/>
+          <a:lstStyle/>
+          <a:p>
+            <a:pPr algn="ctr"/>
+            <a:r>
+              <a:rPr lang="it-IT" sz="2400" dirty="0"/>
+              <a:t>s</a:t>
+            </a:r>
+          </a:p>
+        </p:txBody>
+      </p:sp>
+      <p:sp>
+        <p:nvSpPr>
+          <p:cNvPr id="11" name="Ovale 10">
+            <a:extLst>
+              <a:ext uri="{FF2B5EF4-FFF2-40B4-BE49-F238E27FC236}">
+                <a16:creationId xmlns:a16="http://schemas.microsoft.com/office/drawing/2014/main" id="{CD1992B4-80DE-412C-AD6B-87B70283054B}"/>
+              </a:ext>
+            </a:extLst>
+          </p:cNvPr>
+          <p:cNvSpPr/>
+          <p:nvPr/>
+        </p:nvSpPr>
+        <p:spPr>
+          <a:xfrm>
+            <a:off x="6663103" y="5084925"/>
+            <a:ext cx="545285" cy="511729"/>
+          </a:xfrm>
+          <a:prstGeom prst="ellipse">
+            <a:avLst/>
+          </a:prstGeom>
+          <a:solidFill>
+            <a:schemeClr val="bg2">
+              <a:lumMod val="50000"/>
+            </a:schemeClr>
+          </a:solidFill>
+          <a:ln>
+            <a:solidFill>
+              <a:schemeClr val="tx1">
+                <a:lumMod val="85000"/>
+                <a:lumOff val="15000"/>
+              </a:schemeClr>
+            </a:solidFill>
+          </a:ln>
+        </p:spPr>
+        <p:style>
+          <a:lnRef idx="2">
+            <a:schemeClr val="accent1">
+              <a:shade val="50000"/>
+            </a:schemeClr>
+          </a:lnRef>
+          <a:fillRef idx="1">
+            <a:schemeClr val="accent1"/>
+          </a:fillRef>
+          <a:effectRef idx="0">
+            <a:schemeClr val="accent1"/>
+          </a:effectRef>
+          <a:fontRef idx="minor">
+            <a:schemeClr val="lt1"/>
+          </a:fontRef>
+        </p:style>
+        <p:txBody>
+          <a:bodyPr rtlCol="0" anchor="ctr"/>
+          <a:lstStyle/>
+          <a:p>
+            <a:pPr algn="ctr"/>
+            <a:r>
+              <a:rPr lang="it-IT" sz="2400" dirty="0"/>
+              <a:t>u</a:t>
+            </a:r>
+          </a:p>
+        </p:txBody>
+      </p:sp>
+      <p:sp>
+        <p:nvSpPr>
+          <p:cNvPr id="14" name="CasellaDiTesto 13">
+            <a:extLst>
+              <a:ext uri="{FF2B5EF4-FFF2-40B4-BE49-F238E27FC236}">
+                <a16:creationId xmlns:a16="http://schemas.microsoft.com/office/drawing/2014/main" id="{5934B312-5A7F-4E43-AF0D-08072289EDC7}"/>
+              </a:ext>
+            </a:extLst>
+          </p:cNvPr>
+          <p:cNvSpPr txBox="1"/>
+          <p:nvPr/>
+        </p:nvSpPr>
+        <p:spPr>
+          <a:xfrm>
+            <a:off x="7752381" y="3541348"/>
+            <a:ext cx="774895" cy="400110"/>
+          </a:xfrm>
+          <a:prstGeom prst="rect">
+            <a:avLst/>
+          </a:prstGeom>
+          <a:noFill/>
+        </p:spPr>
+        <p:txBody>
+          <a:bodyPr wrap="square" rtlCol="0">
+            <a:spAutoFit/>
+          </a:bodyPr>
+          <a:lstStyle/>
+          <a:p>
+            <a:pPr algn="ctr"/>
+            <a:r>
+              <a:rPr lang="it-IT" sz="2000" dirty="0">
+                <a:latin typeface="Calibri (Corpo)"/>
+              </a:rPr>
+              <a:t>{u,s}</a:t>
+            </a:r>
+          </a:p>
+        </p:txBody>
+      </p:sp>
+    </p:spTree>
+    <p:extLst>
+      <p:ext uri="{BB962C8B-B14F-4D97-AF65-F5344CB8AC3E}">
+        <p14:creationId xmlns:p14="http://schemas.microsoft.com/office/powerpoint/2010/main" val="1906751309"/>
+      </p:ext>
+    </p:extLst>
+  </p:cSld>
+  <p:clrMapOvr>
+    <a:masterClrMapping/>
+  </p:clrMapOvr>
+</p:sld>
+</file>
+
+<file path=ppt/slides/slide18.xml><?xml version="1.0" encoding="utf-8"?>
+<p:sld xmlns:a="http://schemas.openxmlformats.org/drawingml/2006/main" xmlns:r="http://schemas.openxmlformats.org/officeDocument/2006/relationships" xmlns:p="http://schemas.openxmlformats.org/presentationml/2006/main">
+  <p:cSld>
+    <p:spTree>
+      <p:nvGrpSpPr>
+        <p:cNvPr id="1" name=""/>
+        <p:cNvGrpSpPr/>
+        <p:nvPr/>
+      </p:nvGrpSpPr>
+      <p:grpSpPr>
+        <a:xfrm>
+          <a:off x="0" y="0"/>
+          <a:ext cx="0" cy="0"/>
+          <a:chOff x="0" y="0"/>
+          <a:chExt cx="0" cy="0"/>
+        </a:xfrm>
+      </p:grpSpPr>
+      <p:cxnSp>
+        <p:nvCxnSpPr>
+          <p:cNvPr id="17" name="Connettore diritto 16">
+            <a:extLst>
+              <a:ext uri="{FF2B5EF4-FFF2-40B4-BE49-F238E27FC236}">
+                <a16:creationId xmlns:a16="http://schemas.microsoft.com/office/drawing/2014/main" id="{D031FFC4-87CE-47D2-94D0-989BA811C9D3}"/>
+              </a:ext>
+            </a:extLst>
+          </p:cNvPr>
+          <p:cNvCxnSpPr>
+            <a:cxnSpLocks/>
+            <a:endCxn id="8" idx="1"/>
+          </p:cNvCxnSpPr>
+          <p:nvPr/>
+        </p:nvCxnSpPr>
+        <p:spPr>
+          <a:xfrm flipV="1">
+            <a:off x="6935745" y="3763656"/>
+            <a:ext cx="1162670" cy="1577134"/>
+          </a:xfrm>
+          <a:prstGeom prst="line">
+            <a:avLst/>
+          </a:prstGeom>
+          <a:ln/>
+        </p:spPr>
+        <p:style>
+          <a:lnRef idx="3">
+            <a:schemeClr val="dk1"/>
+          </a:lnRef>
+          <a:fillRef idx="0">
+            <a:schemeClr val="dk1"/>
+          </a:fillRef>
+          <a:effectRef idx="2">
+            <a:schemeClr val="dk1"/>
+          </a:effectRef>
+          <a:fontRef idx="minor">
+            <a:schemeClr val="tx1"/>
+          </a:fontRef>
+        </p:style>
+      </p:cxnSp>
+      <p:cxnSp>
+        <p:nvCxnSpPr>
+          <p:cNvPr id="12" name="Connettore diritto 11">
+            <a:extLst>
+              <a:ext uri="{FF2B5EF4-FFF2-40B4-BE49-F238E27FC236}">
+                <a16:creationId xmlns:a16="http://schemas.microsoft.com/office/drawing/2014/main" id="{D4F329D9-90A3-4109-AE0F-A0E3C1D9CBF1}"/>
+              </a:ext>
+            </a:extLst>
+          </p:cNvPr>
+          <p:cNvCxnSpPr>
+            <a:cxnSpLocks/>
+          </p:cNvCxnSpPr>
+          <p:nvPr/>
+        </p:nvCxnSpPr>
+        <p:spPr>
+          <a:xfrm flipH="1" flipV="1">
+            <a:off x="8135412" y="3792616"/>
+            <a:ext cx="1194566" cy="1567949"/>
+          </a:xfrm>
+          <a:prstGeom prst="line">
+            <a:avLst/>
+          </a:prstGeom>
+          <a:ln/>
+        </p:spPr>
+        <p:style>
+          <a:lnRef idx="3">
+            <a:schemeClr val="dk1"/>
+          </a:lnRef>
+          <a:fillRef idx="0">
+            <a:schemeClr val="dk1"/>
+          </a:fillRef>
+          <a:effectRef idx="2">
+            <a:schemeClr val="dk1"/>
+          </a:effectRef>
+          <a:fontRef idx="minor">
+            <a:schemeClr val="tx1"/>
+          </a:fontRef>
+        </p:style>
+      </p:cxnSp>
+      <p:sp>
+        <p:nvSpPr>
+          <p:cNvPr id="9" name="Ovale 8">
+            <a:extLst>
+              <a:ext uri="{FF2B5EF4-FFF2-40B4-BE49-F238E27FC236}">
+                <a16:creationId xmlns:a16="http://schemas.microsoft.com/office/drawing/2014/main" id="{E1CD858E-A9AC-498F-B0ED-9337B0DBAC7D}"/>
+              </a:ext>
+            </a:extLst>
+          </p:cNvPr>
+          <p:cNvSpPr/>
+          <p:nvPr/>
+        </p:nvSpPr>
+        <p:spPr>
+          <a:xfrm>
+            <a:off x="4605582" y="5086455"/>
+            <a:ext cx="545285" cy="511729"/>
+          </a:xfrm>
+          <a:prstGeom prst="ellipse">
+            <a:avLst/>
+          </a:prstGeom>
+          <a:solidFill>
+            <a:schemeClr val="bg2">
+              <a:lumMod val="50000"/>
+            </a:schemeClr>
+          </a:solidFill>
+          <a:ln>
+            <a:solidFill>
+              <a:schemeClr val="tx1">
+                <a:lumMod val="85000"/>
+                <a:lumOff val="15000"/>
+              </a:schemeClr>
+            </a:solidFill>
+          </a:ln>
+        </p:spPr>
+        <p:style>
+          <a:lnRef idx="2">
+            <a:schemeClr val="accent1">
+              <a:shade val="50000"/>
+            </a:schemeClr>
+          </a:lnRef>
+          <a:fillRef idx="1">
+            <a:schemeClr val="accent1"/>
+          </a:fillRef>
+          <a:effectRef idx="0">
+            <a:schemeClr val="accent1"/>
+          </a:effectRef>
+          <a:fontRef idx="minor">
+            <a:schemeClr val="lt1"/>
+          </a:fontRef>
+        </p:style>
+        <p:txBody>
+          <a:bodyPr rtlCol="0" anchor="ctr"/>
+          <a:lstStyle/>
+          <a:p>
+            <a:pPr algn="ctr"/>
+            <a:r>
+              <a:rPr lang="it-IT" sz="2400" dirty="0"/>
+              <a:t>b</a:t>
+            </a:r>
+          </a:p>
+        </p:txBody>
+      </p:sp>
+      <p:sp>
+        <p:nvSpPr>
+          <p:cNvPr id="15" name="Ovale 14">
+            <a:extLst>
+              <a:ext uri="{FF2B5EF4-FFF2-40B4-BE49-F238E27FC236}">
+                <a16:creationId xmlns:a16="http://schemas.microsoft.com/office/drawing/2014/main" id="{8D5BD6A8-4A8D-4BFF-8C89-28AAD2DD2E07}"/>
+              </a:ext>
+            </a:extLst>
+          </p:cNvPr>
+          <p:cNvSpPr/>
+          <p:nvPr/>
+        </p:nvSpPr>
+        <p:spPr>
+          <a:xfrm>
+            <a:off x="2180636" y="5086455"/>
+            <a:ext cx="545285" cy="511729"/>
+          </a:xfrm>
+          <a:prstGeom prst="ellipse">
+            <a:avLst/>
+          </a:prstGeom>
+          <a:solidFill>
+            <a:schemeClr val="bg2">
+              <a:lumMod val="50000"/>
+            </a:schemeClr>
+          </a:solidFill>
+          <a:ln>
+            <a:solidFill>
+              <a:schemeClr val="tx1">
+                <a:lumMod val="85000"/>
+                <a:lumOff val="15000"/>
+              </a:schemeClr>
+            </a:solidFill>
+          </a:ln>
+        </p:spPr>
+        <p:style>
+          <a:lnRef idx="2">
+            <a:schemeClr val="accent1">
+              <a:shade val="50000"/>
+            </a:schemeClr>
+          </a:lnRef>
+          <a:fillRef idx="1">
+            <a:schemeClr val="accent1"/>
+          </a:fillRef>
+          <a:effectRef idx="0">
+            <a:schemeClr val="accent1"/>
+          </a:effectRef>
+          <a:fontRef idx="minor">
+            <a:schemeClr val="lt1"/>
+          </a:fontRef>
+        </p:style>
+        <p:txBody>
+          <a:bodyPr rtlCol="0" anchor="ctr"/>
+          <a:lstStyle/>
+          <a:p>
+            <a:pPr algn="ctr"/>
+            <a:r>
+              <a:rPr lang="it-IT" sz="2400" dirty="0"/>
+              <a:t>f</a:t>
+            </a:r>
+          </a:p>
+        </p:txBody>
+      </p:sp>
+      <p:sp>
+        <p:nvSpPr>
+          <p:cNvPr id="10" name="Ovale 9">
+            <a:extLst>
+              <a:ext uri="{FF2B5EF4-FFF2-40B4-BE49-F238E27FC236}">
+                <a16:creationId xmlns:a16="http://schemas.microsoft.com/office/drawing/2014/main" id="{A09DB043-4477-48E2-A81E-6C2A0E626B20}"/>
+              </a:ext>
+            </a:extLst>
+          </p:cNvPr>
+          <p:cNvSpPr/>
+          <p:nvPr/>
+        </p:nvSpPr>
+        <p:spPr>
+          <a:xfrm>
+            <a:off x="9088049" y="5084925"/>
+            <a:ext cx="545285" cy="511729"/>
+          </a:xfrm>
+          <a:prstGeom prst="ellipse">
+            <a:avLst/>
+          </a:prstGeom>
+          <a:solidFill>
+            <a:schemeClr val="bg2">
+              <a:lumMod val="50000"/>
+            </a:schemeClr>
+          </a:solidFill>
+          <a:ln>
+            <a:solidFill>
+              <a:schemeClr val="tx1">
+                <a:lumMod val="85000"/>
+                <a:lumOff val="15000"/>
+              </a:schemeClr>
+            </a:solidFill>
+          </a:ln>
+        </p:spPr>
+        <p:style>
+          <a:lnRef idx="2">
+            <a:schemeClr val="accent1">
+              <a:shade val="50000"/>
+            </a:schemeClr>
+          </a:lnRef>
+          <a:fillRef idx="1">
+            <a:schemeClr val="accent1"/>
+          </a:fillRef>
+          <a:effectRef idx="0">
+            <a:schemeClr val="accent1"/>
+          </a:effectRef>
+          <a:fontRef idx="minor">
+            <a:schemeClr val="lt1"/>
+          </a:fontRef>
+        </p:style>
+        <p:txBody>
+          <a:bodyPr rtlCol="0" anchor="ctr"/>
+          <a:lstStyle/>
+          <a:p>
+            <a:pPr algn="ctr"/>
+            <a:r>
+              <a:rPr lang="it-IT" sz="2400" dirty="0"/>
+              <a:t>s</a:t>
+            </a:r>
+          </a:p>
+        </p:txBody>
+      </p:sp>
+      <p:sp>
+        <p:nvSpPr>
+          <p:cNvPr id="11" name="Ovale 10">
+            <a:extLst>
+              <a:ext uri="{FF2B5EF4-FFF2-40B4-BE49-F238E27FC236}">
+                <a16:creationId xmlns:a16="http://schemas.microsoft.com/office/drawing/2014/main" id="{CD1992B4-80DE-412C-AD6B-87B70283054B}"/>
+              </a:ext>
+            </a:extLst>
+          </p:cNvPr>
+          <p:cNvSpPr/>
+          <p:nvPr/>
+        </p:nvSpPr>
+        <p:spPr>
+          <a:xfrm>
+            <a:off x="6663103" y="5084925"/>
+            <a:ext cx="545285" cy="511729"/>
+          </a:xfrm>
+          <a:prstGeom prst="ellipse">
+            <a:avLst/>
+          </a:prstGeom>
+          <a:solidFill>
+            <a:schemeClr val="bg2">
+              <a:lumMod val="50000"/>
+            </a:schemeClr>
+          </a:solidFill>
+          <a:ln>
+            <a:solidFill>
+              <a:schemeClr val="tx1">
+                <a:lumMod val="85000"/>
+                <a:lumOff val="15000"/>
+              </a:schemeClr>
+            </a:solidFill>
+          </a:ln>
+        </p:spPr>
+        <p:style>
+          <a:lnRef idx="2">
+            <a:schemeClr val="accent1">
+              <a:shade val="50000"/>
+            </a:schemeClr>
+          </a:lnRef>
+          <a:fillRef idx="1">
+            <a:schemeClr val="accent1"/>
+          </a:fillRef>
+          <a:effectRef idx="0">
+            <a:schemeClr val="accent1"/>
+          </a:effectRef>
+          <a:fontRef idx="minor">
+            <a:schemeClr val="lt1"/>
+          </a:fontRef>
+        </p:style>
+        <p:txBody>
+          <a:bodyPr rtlCol="0" anchor="ctr"/>
+          <a:lstStyle/>
+          <a:p>
+            <a:pPr algn="ctr"/>
+            <a:r>
+              <a:rPr lang="it-IT" sz="2400" dirty="0"/>
+              <a:t>u</a:t>
+            </a:r>
+          </a:p>
+        </p:txBody>
+      </p:sp>
+      <p:sp>
+        <p:nvSpPr>
+          <p:cNvPr id="13" name="Ovale 12">
+            <a:extLst>
+              <a:ext uri="{FF2B5EF4-FFF2-40B4-BE49-F238E27FC236}">
+                <a16:creationId xmlns:a16="http://schemas.microsoft.com/office/drawing/2014/main" id="{DF9F36D8-F6C0-4DE8-8687-021BAB4F5B92}"/>
+              </a:ext>
+            </a:extLst>
+          </p:cNvPr>
+          <p:cNvSpPr/>
+          <p:nvPr/>
+        </p:nvSpPr>
+        <p:spPr>
+          <a:xfrm>
+            <a:off x="7875576" y="3507792"/>
+            <a:ext cx="545285" cy="511729"/>
+          </a:xfrm>
+          <a:prstGeom prst="ellipse">
+            <a:avLst/>
+          </a:prstGeom>
+          <a:solidFill>
+            <a:schemeClr val="bg2">
+              <a:lumMod val="50000"/>
+            </a:schemeClr>
+          </a:solidFill>
+          <a:ln>
+            <a:solidFill>
+              <a:schemeClr val="tx1">
+                <a:lumMod val="85000"/>
+                <a:lumOff val="15000"/>
+              </a:schemeClr>
+            </a:solidFill>
+          </a:ln>
+        </p:spPr>
+        <p:style>
+          <a:lnRef idx="2">
+            <a:schemeClr val="accent1">
+              <a:shade val="50000"/>
+            </a:schemeClr>
+          </a:lnRef>
+          <a:fillRef idx="1">
+            <a:schemeClr val="accent1"/>
+          </a:fillRef>
+          <a:effectRef idx="0">
+            <a:schemeClr val="accent1"/>
+          </a:effectRef>
+          <a:fontRef idx="minor">
+            <a:schemeClr val="lt1"/>
+          </a:fontRef>
+        </p:style>
+        <p:txBody>
+          <a:bodyPr rtlCol="0" anchor="ctr"/>
+          <a:lstStyle/>
+          <a:p>
+            <a:pPr algn="ctr"/>
+            <a:endParaRPr lang="it-IT" sz="1600" dirty="0"/>
+          </a:p>
+        </p:txBody>
+      </p:sp>
+      <p:sp>
+        <p:nvSpPr>
+          <p:cNvPr id="14" name="CasellaDiTesto 13">
+            <a:extLst>
+              <a:ext uri="{FF2B5EF4-FFF2-40B4-BE49-F238E27FC236}">
+                <a16:creationId xmlns:a16="http://schemas.microsoft.com/office/drawing/2014/main" id="{5934B312-5A7F-4E43-AF0D-08072289EDC7}"/>
+              </a:ext>
+            </a:extLst>
+          </p:cNvPr>
+          <p:cNvSpPr txBox="1"/>
+          <p:nvPr/>
+        </p:nvSpPr>
+        <p:spPr>
+          <a:xfrm>
+            <a:off x="7752381" y="3541348"/>
+            <a:ext cx="774895" cy="400110"/>
+          </a:xfrm>
+          <a:prstGeom prst="rect">
+            <a:avLst/>
+          </a:prstGeom>
+          <a:noFill/>
+        </p:spPr>
+        <p:txBody>
+          <a:bodyPr wrap="square" rtlCol="0">
+            <a:spAutoFit/>
+          </a:bodyPr>
+          <a:lstStyle/>
+          <a:p>
+            <a:pPr algn="ctr"/>
+            <a:r>
+              <a:rPr lang="it-IT" sz="2000" dirty="0">
+                <a:solidFill>
+                  <a:schemeClr val="bg1"/>
+                </a:solidFill>
+                <a:latin typeface="Calibri (Corpo)"/>
+              </a:rPr>
+              <a:t>{u,s}</a:t>
+            </a:r>
+          </a:p>
+        </p:txBody>
+      </p:sp>
+      <mc:AlternateContent xmlns:mc="http://schemas.openxmlformats.org/markup-compatibility/2006">
+        <mc:Choice xmlns:a14="http://schemas.microsoft.com/office/drawing/2010/main" Requires="a14">
+          <p:sp>
+            <p:nvSpPr>
+              <p:cNvPr id="8" name="CasellaDiTesto 7">
+                <a:extLst>
+                  <a:ext uri="{FF2B5EF4-FFF2-40B4-BE49-F238E27FC236}">
+                    <a16:creationId xmlns:a16="http://schemas.microsoft.com/office/drawing/2014/main" id="{81056739-EC4E-429F-A481-6BE59B816182}"/>
+                  </a:ext>
+                </a:extLst>
+              </p:cNvPr>
+              <p:cNvSpPr txBox="1"/>
+              <p:nvPr/>
+            </p:nvSpPr>
+            <p:spPr>
+              <a:xfrm>
+                <a:off x="8098415" y="3578990"/>
+                <a:ext cx="1008724" cy="369332"/>
+              </a:xfrm>
+              <a:prstGeom prst="rect">
+                <a:avLst/>
+              </a:prstGeom>
+              <a:noFill/>
+            </p:spPr>
+            <p:txBody>
+              <a:bodyPr wrap="square" rtlCol="0">
+                <a:spAutoFit/>
+              </a:bodyPr>
+              <a:lstStyle/>
+              <a:p>
+                <a:pPr/>
+                <a14:m>
+                  <m:oMathPara xmlns:m="http://schemas.openxmlformats.org/officeDocument/2006/math">
+                    <m:oMathParaPr>
+                      <m:jc m:val="centerGroup"/>
+                    </m:oMathParaPr>
+                    <m:oMath xmlns:m="http://schemas.openxmlformats.org/officeDocument/2006/math">
+                      <m:r>
+                        <a:rPr lang="it-IT" b="0" i="1" smtClean="0">
+                          <a:solidFill>
+                            <a:srgbClr val="00B050"/>
+                          </a:solidFill>
+                          <a:latin typeface="Cambria Math" panose="02040503050406030204" pitchFamily="18" charset="0"/>
+                        </a:rPr>
+                        <m:t>1</m:t>
+                      </m:r>
+                    </m:oMath>
+                  </m:oMathPara>
+                </a14:m>
+                <a:endParaRPr lang="it-IT" dirty="0">
+                  <a:solidFill>
+                    <a:srgbClr val="00B050"/>
+                  </a:solidFill>
+                </a:endParaRPr>
+              </a:p>
+            </p:txBody>
+          </p:sp>
+        </mc:Choice>
+        <mc:Fallback>
+          <p:sp>
+            <p:nvSpPr>
+              <p:cNvPr id="8" name="CasellaDiTesto 7">
+                <a:extLst>
+                  <a:ext uri="{FF2B5EF4-FFF2-40B4-BE49-F238E27FC236}">
+                    <a16:creationId xmlns:a16="http://schemas.microsoft.com/office/drawing/2014/main" id="{81056739-EC4E-429F-A481-6BE59B816182}"/>
+                  </a:ext>
+                </a:extLst>
+              </p:cNvPr>
+              <p:cNvSpPr txBox="1">
+                <a:spLocks noRot="1" noChangeAspect="1" noMove="1" noResize="1" noEditPoints="1" noAdjustHandles="1" noChangeArrowheads="1" noChangeShapeType="1" noTextEdit="1"/>
+              </p:cNvSpPr>
+              <p:nvPr/>
+            </p:nvSpPr>
+            <p:spPr>
+              <a:xfrm>
+                <a:off x="8098415" y="3578990"/>
+                <a:ext cx="1008724" cy="369332"/>
+              </a:xfrm>
+              <a:prstGeom prst="rect">
+                <a:avLst/>
+              </a:prstGeom>
+              <a:blipFill>
+                <a:blip r:embed="rId2"/>
+                <a:stretch>
+                  <a:fillRect/>
+                </a:stretch>
+              </a:blipFill>
+            </p:spPr>
+            <p:txBody>
+              <a:bodyPr/>
+              <a:lstStyle/>
+              <a:p>
+                <a:r>
+                  <a:rPr lang="it-IT">
+                    <a:noFill/>
+                  </a:rPr>
+                  <a:t> </a:t>
+                </a:r>
+              </a:p>
+            </p:txBody>
+          </p:sp>
+        </mc:Fallback>
+      </mc:AlternateContent>
+      <mc:AlternateContent xmlns:mc="http://schemas.openxmlformats.org/markup-compatibility/2006">
+        <mc:Choice xmlns:a14="http://schemas.microsoft.com/office/drawing/2010/main" Requires="a14">
+          <p:sp>
+            <p:nvSpPr>
+              <p:cNvPr id="16" name="CasellaDiTesto 15">
+                <a:extLst>
+                  <a:ext uri="{FF2B5EF4-FFF2-40B4-BE49-F238E27FC236}">
+                    <a16:creationId xmlns:a16="http://schemas.microsoft.com/office/drawing/2014/main" id="{171B3DAE-2961-4D18-903B-004CC8F005FF}"/>
+                  </a:ext>
+                </a:extLst>
+              </p:cNvPr>
+              <p:cNvSpPr txBox="1"/>
+              <p:nvPr/>
+            </p:nvSpPr>
+            <p:spPr>
+              <a:xfrm>
+                <a:off x="8321254" y="4254105"/>
+                <a:ext cx="1008724" cy="369332"/>
+              </a:xfrm>
+              <a:prstGeom prst="rect">
+                <a:avLst/>
+              </a:prstGeom>
+              <a:noFill/>
+            </p:spPr>
+            <p:txBody>
+              <a:bodyPr wrap="square" rtlCol="0">
+                <a:spAutoFit/>
+              </a:bodyPr>
+              <a:lstStyle/>
+              <a:p>
+                <a:pPr/>
+                <a14:m>
+                  <m:oMathPara xmlns:m="http://schemas.openxmlformats.org/officeDocument/2006/math">
+                    <m:oMathParaPr>
+                      <m:jc m:val="centerGroup"/>
+                    </m:oMathParaPr>
+                    <m:oMath xmlns:m="http://schemas.openxmlformats.org/officeDocument/2006/math">
+                      <m:r>
+                        <a:rPr lang="it-IT" b="0" i="1" smtClean="0">
+                          <a:latin typeface="Cambria Math" panose="02040503050406030204" pitchFamily="18" charset="0"/>
+                        </a:rPr>
+                        <m:t>1</m:t>
+                      </m:r>
+                    </m:oMath>
+                  </m:oMathPara>
+                </a14:m>
+                <a:endParaRPr lang="it-IT" dirty="0"/>
+              </a:p>
+            </p:txBody>
+          </p:sp>
+        </mc:Choice>
+        <mc:Fallback>
+          <p:sp>
+            <p:nvSpPr>
+              <p:cNvPr id="16" name="CasellaDiTesto 15">
+                <a:extLst>
+                  <a:ext uri="{FF2B5EF4-FFF2-40B4-BE49-F238E27FC236}">
+                    <a16:creationId xmlns:a16="http://schemas.microsoft.com/office/drawing/2014/main" id="{171B3DAE-2961-4D18-903B-004CC8F005FF}"/>
+                  </a:ext>
+                </a:extLst>
+              </p:cNvPr>
+              <p:cNvSpPr txBox="1">
+                <a:spLocks noRot="1" noChangeAspect="1" noMove="1" noResize="1" noEditPoints="1" noAdjustHandles="1" noChangeArrowheads="1" noChangeShapeType="1" noTextEdit="1"/>
+              </p:cNvSpPr>
+              <p:nvPr/>
+            </p:nvSpPr>
+            <p:spPr>
+              <a:xfrm>
+                <a:off x="8321254" y="4254105"/>
+                <a:ext cx="1008724" cy="369332"/>
+              </a:xfrm>
+              <a:prstGeom prst="rect">
+                <a:avLst/>
+              </a:prstGeom>
+              <a:blipFill>
+                <a:blip r:embed="rId3"/>
+                <a:stretch>
+                  <a:fillRect/>
+                </a:stretch>
+              </a:blipFill>
+            </p:spPr>
+            <p:txBody>
+              <a:bodyPr/>
+              <a:lstStyle/>
+              <a:p>
+                <a:r>
+                  <a:rPr lang="it-IT">
+                    <a:noFill/>
+                  </a:rPr>
+                  <a:t> </a:t>
+                </a:r>
+              </a:p>
+            </p:txBody>
+          </p:sp>
+        </mc:Fallback>
+      </mc:AlternateContent>
+      <p:sp>
+        <p:nvSpPr>
+          <p:cNvPr id="18" name="CasellaDiTesto 17">
+            <a:extLst>
+              <a:ext uri="{FF2B5EF4-FFF2-40B4-BE49-F238E27FC236}">
+                <a16:creationId xmlns:a16="http://schemas.microsoft.com/office/drawing/2014/main" id="{1AFA9C27-6784-4325-8E76-326B422F483C}"/>
+              </a:ext>
+            </a:extLst>
+          </p:cNvPr>
+          <p:cNvSpPr txBox="1"/>
+          <p:nvPr/>
+        </p:nvSpPr>
+        <p:spPr>
+          <a:xfrm>
+            <a:off x="6866852" y="4254105"/>
+            <a:ext cx="1008724" cy="369332"/>
+          </a:xfrm>
+          <a:prstGeom prst="rect">
+            <a:avLst/>
+          </a:prstGeom>
+          <a:noFill/>
+        </p:spPr>
+        <p:txBody>
+          <a:bodyPr wrap="square" rtlCol="0">
+            <a:spAutoFit/>
+          </a:bodyPr>
+          <a:lstStyle/>
+          <a:p>
+            <a:pPr algn="ctr"/>
+            <a:r>
+              <a:rPr lang="it-IT" b="0" dirty="0"/>
+              <a:t>1</a:t>
+            </a:r>
+            <a:endParaRPr lang="it-IT" dirty="0"/>
+          </a:p>
+        </p:txBody>
+      </p:sp>
+    </p:spTree>
+    <p:extLst>
+      <p:ext uri="{BB962C8B-B14F-4D97-AF65-F5344CB8AC3E}">
+        <p14:creationId xmlns:p14="http://schemas.microsoft.com/office/powerpoint/2010/main" val="1262501081"/>
+      </p:ext>
+    </p:extLst>
+  </p:cSld>
+  <p:clrMapOvr>
+    <a:masterClrMapping/>
+  </p:clrMapOvr>
+</p:sld>
+</file>
+
+<file path=ppt/slides/slide19.xml><?xml version="1.0" encoding="utf-8"?>
+<p:sld xmlns:a="http://schemas.openxmlformats.org/drawingml/2006/main" xmlns:r="http://schemas.openxmlformats.org/officeDocument/2006/relationships" xmlns:p="http://schemas.openxmlformats.org/presentationml/2006/main">
+  <p:cSld>
+    <p:spTree>
+      <p:nvGrpSpPr>
+        <p:cNvPr id="1" name=""/>
+        <p:cNvGrpSpPr/>
+        <p:nvPr/>
+      </p:nvGrpSpPr>
+      <p:grpSpPr>
+        <a:xfrm>
+          <a:off x="0" y="0"/>
+          <a:ext cx="0" cy="0"/>
+          <a:chOff x="0" y="0"/>
+          <a:chExt cx="0" cy="0"/>
+        </a:xfrm>
+      </p:grpSpPr>
+      <p:cxnSp>
+        <p:nvCxnSpPr>
+          <p:cNvPr id="37" name="Connettore diritto 36">
+            <a:extLst>
+              <a:ext uri="{FF2B5EF4-FFF2-40B4-BE49-F238E27FC236}">
+                <a16:creationId xmlns:a16="http://schemas.microsoft.com/office/drawing/2014/main" id="{E6F31004-C263-46F7-A1B8-06CEE534FEBD}"/>
+              </a:ext>
+            </a:extLst>
+          </p:cNvPr>
+          <p:cNvCxnSpPr>
+            <a:cxnSpLocks/>
+            <a:endCxn id="8" idx="1"/>
+          </p:cNvCxnSpPr>
+          <p:nvPr/>
+        </p:nvCxnSpPr>
+        <p:spPr>
+          <a:xfrm>
+            <a:off x="5983689" y="2013132"/>
+            <a:ext cx="2114726" cy="1750524"/>
+          </a:xfrm>
+          <a:prstGeom prst="line">
+            <a:avLst/>
+          </a:prstGeom>
+          <a:ln/>
+        </p:spPr>
+        <p:style>
+          <a:lnRef idx="3">
+            <a:schemeClr val="dk1"/>
+          </a:lnRef>
+          <a:fillRef idx="0">
+            <a:schemeClr val="dk1"/>
+          </a:fillRef>
+          <a:effectRef idx="2">
+            <a:schemeClr val="dk1"/>
+          </a:effectRef>
+          <a:fontRef idx="minor">
+            <a:schemeClr val="tx1"/>
+          </a:fontRef>
+        </p:style>
+      </p:cxnSp>
+      <p:cxnSp>
+        <p:nvCxnSpPr>
+          <p:cNvPr id="36" name="Connettore diritto 35">
+            <a:extLst>
+              <a:ext uri="{FF2B5EF4-FFF2-40B4-BE49-F238E27FC236}">
+                <a16:creationId xmlns:a16="http://schemas.microsoft.com/office/drawing/2014/main" id="{6D471B8F-3399-430A-9681-0B5929AC1C0A}"/>
+              </a:ext>
+            </a:extLst>
+          </p:cNvPr>
+          <p:cNvCxnSpPr>
+            <a:cxnSpLocks/>
+          </p:cNvCxnSpPr>
+          <p:nvPr/>
+        </p:nvCxnSpPr>
+        <p:spPr>
+          <a:xfrm flipV="1">
+            <a:off x="3709836" y="2013132"/>
+            <a:ext cx="2239393" cy="1751580"/>
+          </a:xfrm>
+          <a:prstGeom prst="line">
+            <a:avLst/>
+          </a:prstGeom>
+          <a:ln/>
+        </p:spPr>
+        <p:style>
+          <a:lnRef idx="3">
+            <a:schemeClr val="dk1"/>
+          </a:lnRef>
+          <a:fillRef idx="0">
+            <a:schemeClr val="dk1"/>
+          </a:fillRef>
+          <a:effectRef idx="2">
+            <a:schemeClr val="dk1"/>
+          </a:effectRef>
+          <a:fontRef idx="minor">
+            <a:schemeClr val="tx1"/>
+          </a:fontRef>
+        </p:style>
+      </p:cxnSp>
+      <p:cxnSp>
+        <p:nvCxnSpPr>
+          <p:cNvPr id="26" name="Connettore diritto 25">
+            <a:extLst>
+              <a:ext uri="{FF2B5EF4-FFF2-40B4-BE49-F238E27FC236}">
+                <a16:creationId xmlns:a16="http://schemas.microsoft.com/office/drawing/2014/main" id="{E6FEF4ED-2565-4FF5-97C9-0195D1F33B89}"/>
+              </a:ext>
+            </a:extLst>
+          </p:cNvPr>
+          <p:cNvCxnSpPr>
+            <a:cxnSpLocks/>
+          </p:cNvCxnSpPr>
+          <p:nvPr/>
+        </p:nvCxnSpPr>
+        <p:spPr>
+          <a:xfrm flipV="1">
+            <a:off x="2475038" y="3763656"/>
+            <a:ext cx="1162670" cy="1577134"/>
+          </a:xfrm>
+          <a:prstGeom prst="line">
+            <a:avLst/>
+          </a:prstGeom>
+          <a:ln/>
+        </p:spPr>
+        <p:style>
+          <a:lnRef idx="3">
+            <a:schemeClr val="dk1"/>
+          </a:lnRef>
+          <a:fillRef idx="0">
+            <a:schemeClr val="dk1"/>
+          </a:fillRef>
+          <a:effectRef idx="2">
+            <a:schemeClr val="dk1"/>
+          </a:effectRef>
+          <a:fontRef idx="minor">
+            <a:schemeClr val="tx1"/>
+          </a:fontRef>
+        </p:style>
+      </p:cxnSp>
+      <p:cxnSp>
+        <p:nvCxnSpPr>
+          <p:cNvPr id="27" name="Connettore diritto 26">
+            <a:extLst>
+              <a:ext uri="{FF2B5EF4-FFF2-40B4-BE49-F238E27FC236}">
+                <a16:creationId xmlns:a16="http://schemas.microsoft.com/office/drawing/2014/main" id="{24D46D31-D1FA-43CD-87D4-A5BFD9DB5913}"/>
+              </a:ext>
+            </a:extLst>
+          </p:cNvPr>
+          <p:cNvCxnSpPr>
+            <a:cxnSpLocks/>
+          </p:cNvCxnSpPr>
+          <p:nvPr/>
+        </p:nvCxnSpPr>
+        <p:spPr>
+          <a:xfrm flipH="1" flipV="1">
+            <a:off x="3674705" y="3792616"/>
+            <a:ext cx="1194566" cy="1567949"/>
+          </a:xfrm>
+          <a:prstGeom prst="line">
+            <a:avLst/>
+          </a:prstGeom>
+          <a:ln/>
+        </p:spPr>
+        <p:style>
+          <a:lnRef idx="3">
+            <a:schemeClr val="dk1"/>
+          </a:lnRef>
+          <a:fillRef idx="0">
+            <a:schemeClr val="dk1"/>
+          </a:fillRef>
+          <a:effectRef idx="2">
+            <a:schemeClr val="dk1"/>
+          </a:effectRef>
+          <a:fontRef idx="minor">
+            <a:schemeClr val="tx1"/>
+          </a:fontRef>
+        </p:style>
+      </p:cxnSp>
+      <p:sp>
+        <p:nvSpPr>
+          <p:cNvPr id="28" name="Ovale 27">
+            <a:extLst>
+              <a:ext uri="{FF2B5EF4-FFF2-40B4-BE49-F238E27FC236}">
+                <a16:creationId xmlns:a16="http://schemas.microsoft.com/office/drawing/2014/main" id="{EA9327DD-ADEA-40BB-AE24-CD497BADB878}"/>
+              </a:ext>
+            </a:extLst>
+          </p:cNvPr>
+          <p:cNvSpPr/>
+          <p:nvPr/>
+        </p:nvSpPr>
+        <p:spPr>
+          <a:xfrm>
+            <a:off x="3414869" y="3507792"/>
+            <a:ext cx="545285" cy="511729"/>
+          </a:xfrm>
+          <a:prstGeom prst="ellipse">
+            <a:avLst/>
+          </a:prstGeom>
+          <a:solidFill>
+            <a:schemeClr val="bg2">
+              <a:lumMod val="50000"/>
+            </a:schemeClr>
+          </a:solidFill>
+          <a:ln>
+            <a:solidFill>
+              <a:schemeClr val="tx1">
+                <a:lumMod val="85000"/>
+                <a:lumOff val="15000"/>
+              </a:schemeClr>
+            </a:solidFill>
+          </a:ln>
+        </p:spPr>
+        <p:style>
+          <a:lnRef idx="2">
+            <a:schemeClr val="accent1">
+              <a:shade val="50000"/>
+            </a:schemeClr>
+          </a:lnRef>
+          <a:fillRef idx="1">
+            <a:schemeClr val="accent1"/>
+          </a:fillRef>
+          <a:effectRef idx="0">
+            <a:schemeClr val="accent1"/>
+          </a:effectRef>
+          <a:fontRef idx="minor">
+            <a:schemeClr val="lt1"/>
+          </a:fontRef>
+        </p:style>
+        <p:txBody>
+          <a:bodyPr rtlCol="0" anchor="ctr"/>
+          <a:lstStyle/>
+          <a:p>
+            <a:pPr algn="ctr"/>
+            <a:endParaRPr lang="it-IT" sz="1600" dirty="0"/>
+          </a:p>
+        </p:txBody>
+      </p:sp>
+      <p:cxnSp>
+        <p:nvCxnSpPr>
+          <p:cNvPr id="17" name="Connettore diritto 16">
+            <a:extLst>
+              <a:ext uri="{FF2B5EF4-FFF2-40B4-BE49-F238E27FC236}">
+                <a16:creationId xmlns:a16="http://schemas.microsoft.com/office/drawing/2014/main" id="{D031FFC4-87CE-47D2-94D0-989BA811C9D3}"/>
+              </a:ext>
+            </a:extLst>
+          </p:cNvPr>
+          <p:cNvCxnSpPr>
+            <a:cxnSpLocks/>
+            <a:endCxn id="8" idx="1"/>
+          </p:cNvCxnSpPr>
+          <p:nvPr/>
+        </p:nvCxnSpPr>
+        <p:spPr>
+          <a:xfrm flipV="1">
+            <a:off x="6935745" y="3763656"/>
+            <a:ext cx="1162670" cy="1577134"/>
+          </a:xfrm>
+          <a:prstGeom prst="line">
+            <a:avLst/>
+          </a:prstGeom>
+          <a:ln/>
+        </p:spPr>
+        <p:style>
+          <a:lnRef idx="3">
+            <a:schemeClr val="dk1"/>
+          </a:lnRef>
+          <a:fillRef idx="0">
+            <a:schemeClr val="dk1"/>
+          </a:fillRef>
+          <a:effectRef idx="2">
+            <a:schemeClr val="dk1"/>
+          </a:effectRef>
+          <a:fontRef idx="minor">
+            <a:schemeClr val="tx1"/>
+          </a:fontRef>
+        </p:style>
+      </p:cxnSp>
+      <p:cxnSp>
+        <p:nvCxnSpPr>
+          <p:cNvPr id="12" name="Connettore diritto 11">
+            <a:extLst>
+              <a:ext uri="{FF2B5EF4-FFF2-40B4-BE49-F238E27FC236}">
+                <a16:creationId xmlns:a16="http://schemas.microsoft.com/office/drawing/2014/main" id="{D4F329D9-90A3-4109-AE0F-A0E3C1D9CBF1}"/>
+              </a:ext>
+            </a:extLst>
+          </p:cNvPr>
+          <p:cNvCxnSpPr>
+            <a:cxnSpLocks/>
+          </p:cNvCxnSpPr>
+          <p:nvPr/>
+        </p:nvCxnSpPr>
+        <p:spPr>
+          <a:xfrm flipH="1" flipV="1">
+            <a:off x="8135412" y="3792616"/>
+            <a:ext cx="1194566" cy="1567949"/>
+          </a:xfrm>
+          <a:prstGeom prst="line">
+            <a:avLst/>
+          </a:prstGeom>
+          <a:ln/>
+        </p:spPr>
+        <p:style>
+          <a:lnRef idx="3">
+            <a:schemeClr val="dk1"/>
+          </a:lnRef>
+          <a:fillRef idx="0">
+            <a:schemeClr val="dk1"/>
+          </a:fillRef>
+          <a:effectRef idx="2">
+            <a:schemeClr val="dk1"/>
+          </a:effectRef>
+          <a:fontRef idx="minor">
+            <a:schemeClr val="tx1"/>
+          </a:fontRef>
+        </p:style>
+      </p:cxnSp>
+      <p:sp>
+        <p:nvSpPr>
+          <p:cNvPr id="9" name="Ovale 8">
+            <a:extLst>
+              <a:ext uri="{FF2B5EF4-FFF2-40B4-BE49-F238E27FC236}">
+                <a16:creationId xmlns:a16="http://schemas.microsoft.com/office/drawing/2014/main" id="{E1CD858E-A9AC-498F-B0ED-9337B0DBAC7D}"/>
+              </a:ext>
+            </a:extLst>
+          </p:cNvPr>
+          <p:cNvSpPr/>
+          <p:nvPr/>
+        </p:nvSpPr>
+        <p:spPr>
+          <a:xfrm>
+            <a:off x="4605582" y="5086455"/>
+            <a:ext cx="545285" cy="511729"/>
+          </a:xfrm>
+          <a:prstGeom prst="ellipse">
+            <a:avLst/>
+          </a:prstGeom>
+          <a:solidFill>
+            <a:schemeClr val="bg2">
+              <a:lumMod val="50000"/>
+            </a:schemeClr>
+          </a:solidFill>
+          <a:ln>
+            <a:solidFill>
+              <a:schemeClr val="tx1">
+                <a:lumMod val="85000"/>
+                <a:lumOff val="15000"/>
+              </a:schemeClr>
+            </a:solidFill>
+          </a:ln>
+        </p:spPr>
+        <p:style>
+          <a:lnRef idx="2">
+            <a:schemeClr val="accent1">
+              <a:shade val="50000"/>
+            </a:schemeClr>
+          </a:lnRef>
+          <a:fillRef idx="1">
+            <a:schemeClr val="accent1"/>
+          </a:fillRef>
+          <a:effectRef idx="0">
+            <a:schemeClr val="accent1"/>
+          </a:effectRef>
+          <a:fontRef idx="minor">
+            <a:schemeClr val="lt1"/>
+          </a:fontRef>
+        </p:style>
+        <p:txBody>
+          <a:bodyPr rtlCol="0" anchor="ctr"/>
+          <a:lstStyle/>
+          <a:p>
+            <a:pPr algn="ctr"/>
+            <a:r>
+              <a:rPr lang="it-IT" sz="2400" dirty="0"/>
+              <a:t>b</a:t>
+            </a:r>
+          </a:p>
+        </p:txBody>
+      </p:sp>
+      <p:sp>
+        <p:nvSpPr>
+          <p:cNvPr id="15" name="Ovale 14">
+            <a:extLst>
+              <a:ext uri="{FF2B5EF4-FFF2-40B4-BE49-F238E27FC236}">
+                <a16:creationId xmlns:a16="http://schemas.microsoft.com/office/drawing/2014/main" id="{8D5BD6A8-4A8D-4BFF-8C89-28AAD2DD2E07}"/>
+              </a:ext>
+            </a:extLst>
+          </p:cNvPr>
+          <p:cNvSpPr/>
+          <p:nvPr/>
+        </p:nvSpPr>
+        <p:spPr>
+          <a:xfrm>
+            <a:off x="2180636" y="5086455"/>
+            <a:ext cx="545285" cy="511729"/>
+          </a:xfrm>
+          <a:prstGeom prst="ellipse">
+            <a:avLst/>
+          </a:prstGeom>
+          <a:solidFill>
+            <a:schemeClr val="bg2">
+              <a:lumMod val="50000"/>
+            </a:schemeClr>
+          </a:solidFill>
+          <a:ln>
+            <a:solidFill>
+              <a:schemeClr val="tx1">
+                <a:lumMod val="85000"/>
+                <a:lumOff val="15000"/>
+              </a:schemeClr>
+            </a:solidFill>
+          </a:ln>
+        </p:spPr>
+        <p:style>
+          <a:lnRef idx="2">
+            <a:schemeClr val="accent1">
+              <a:shade val="50000"/>
+            </a:schemeClr>
+          </a:lnRef>
+          <a:fillRef idx="1">
+            <a:schemeClr val="accent1"/>
+          </a:fillRef>
+          <a:effectRef idx="0">
+            <a:schemeClr val="accent1"/>
+          </a:effectRef>
+          <a:fontRef idx="minor">
+            <a:schemeClr val="lt1"/>
+          </a:fontRef>
+        </p:style>
+        <p:txBody>
+          <a:bodyPr rtlCol="0" anchor="ctr"/>
+          <a:lstStyle/>
+          <a:p>
+            <a:pPr algn="ctr"/>
+            <a:r>
+              <a:rPr lang="it-IT" sz="2400" dirty="0"/>
+              <a:t>f</a:t>
+            </a:r>
+          </a:p>
+        </p:txBody>
+      </p:sp>
+      <p:sp>
+        <p:nvSpPr>
+          <p:cNvPr id="10" name="Ovale 9">
+            <a:extLst>
+              <a:ext uri="{FF2B5EF4-FFF2-40B4-BE49-F238E27FC236}">
+                <a16:creationId xmlns:a16="http://schemas.microsoft.com/office/drawing/2014/main" id="{A09DB043-4477-48E2-A81E-6C2A0E626B20}"/>
+              </a:ext>
+            </a:extLst>
+          </p:cNvPr>
+          <p:cNvSpPr/>
+          <p:nvPr/>
+        </p:nvSpPr>
+        <p:spPr>
+          <a:xfrm>
+            <a:off x="9088049" y="5084925"/>
+            <a:ext cx="545285" cy="511729"/>
+          </a:xfrm>
+          <a:prstGeom prst="ellipse">
+            <a:avLst/>
+          </a:prstGeom>
+          <a:solidFill>
+            <a:schemeClr val="bg2">
+              <a:lumMod val="50000"/>
+            </a:schemeClr>
+          </a:solidFill>
+          <a:ln>
+            <a:solidFill>
+              <a:schemeClr val="tx1">
+                <a:lumMod val="85000"/>
+                <a:lumOff val="15000"/>
+              </a:schemeClr>
+            </a:solidFill>
+          </a:ln>
+        </p:spPr>
+        <p:style>
+          <a:lnRef idx="2">
+            <a:schemeClr val="accent1">
+              <a:shade val="50000"/>
+            </a:schemeClr>
+          </a:lnRef>
+          <a:fillRef idx="1">
+            <a:schemeClr val="accent1"/>
+          </a:fillRef>
+          <a:effectRef idx="0">
+            <a:schemeClr val="accent1"/>
+          </a:effectRef>
+          <a:fontRef idx="minor">
+            <a:schemeClr val="lt1"/>
+          </a:fontRef>
+        </p:style>
+        <p:txBody>
+          <a:bodyPr rtlCol="0" anchor="ctr"/>
+          <a:lstStyle/>
+          <a:p>
+            <a:pPr algn="ctr"/>
+            <a:r>
+              <a:rPr lang="it-IT" sz="2400" dirty="0"/>
+              <a:t>s</a:t>
+            </a:r>
+          </a:p>
+        </p:txBody>
+      </p:sp>
+      <p:sp>
+        <p:nvSpPr>
+          <p:cNvPr id="11" name="Ovale 10">
+            <a:extLst>
+              <a:ext uri="{FF2B5EF4-FFF2-40B4-BE49-F238E27FC236}">
+                <a16:creationId xmlns:a16="http://schemas.microsoft.com/office/drawing/2014/main" id="{CD1992B4-80DE-412C-AD6B-87B70283054B}"/>
+              </a:ext>
+            </a:extLst>
+          </p:cNvPr>
+          <p:cNvSpPr/>
+          <p:nvPr/>
+        </p:nvSpPr>
+        <p:spPr>
+          <a:xfrm>
+            <a:off x="6663103" y="5084925"/>
+            <a:ext cx="545285" cy="511729"/>
+          </a:xfrm>
+          <a:prstGeom prst="ellipse">
+            <a:avLst/>
+          </a:prstGeom>
+          <a:solidFill>
+            <a:schemeClr val="bg2">
+              <a:lumMod val="50000"/>
+            </a:schemeClr>
+          </a:solidFill>
+          <a:ln>
+            <a:solidFill>
+              <a:schemeClr val="tx1">
+                <a:lumMod val="85000"/>
+                <a:lumOff val="15000"/>
+              </a:schemeClr>
+            </a:solidFill>
+          </a:ln>
+        </p:spPr>
+        <p:style>
+          <a:lnRef idx="2">
+            <a:schemeClr val="accent1">
+              <a:shade val="50000"/>
+            </a:schemeClr>
+          </a:lnRef>
+          <a:fillRef idx="1">
+            <a:schemeClr val="accent1"/>
+          </a:fillRef>
+          <a:effectRef idx="0">
+            <a:schemeClr val="accent1"/>
+          </a:effectRef>
+          <a:fontRef idx="minor">
+            <a:schemeClr val="lt1"/>
+          </a:fontRef>
+        </p:style>
+        <p:txBody>
+          <a:bodyPr rtlCol="0" anchor="ctr"/>
+          <a:lstStyle/>
+          <a:p>
+            <a:pPr algn="ctr"/>
+            <a:r>
+              <a:rPr lang="it-IT" sz="2400" dirty="0"/>
+              <a:t>u</a:t>
+            </a:r>
+          </a:p>
+        </p:txBody>
+      </p:sp>
+      <p:sp>
+        <p:nvSpPr>
+          <p:cNvPr id="13" name="Ovale 12">
+            <a:extLst>
+              <a:ext uri="{FF2B5EF4-FFF2-40B4-BE49-F238E27FC236}">
+                <a16:creationId xmlns:a16="http://schemas.microsoft.com/office/drawing/2014/main" id="{DF9F36D8-F6C0-4DE8-8687-021BAB4F5B92}"/>
+              </a:ext>
+            </a:extLst>
+          </p:cNvPr>
+          <p:cNvSpPr/>
+          <p:nvPr/>
+        </p:nvSpPr>
+        <p:spPr>
+          <a:xfrm>
+            <a:off x="7875576" y="3507792"/>
+            <a:ext cx="545285" cy="511729"/>
+          </a:xfrm>
+          <a:prstGeom prst="ellipse">
+            <a:avLst/>
+          </a:prstGeom>
+          <a:solidFill>
+            <a:schemeClr val="bg2">
+              <a:lumMod val="50000"/>
+            </a:schemeClr>
+          </a:solidFill>
+          <a:ln>
+            <a:solidFill>
+              <a:schemeClr val="tx1">
+                <a:lumMod val="85000"/>
+                <a:lumOff val="15000"/>
+              </a:schemeClr>
+            </a:solidFill>
+          </a:ln>
+        </p:spPr>
+        <p:style>
+          <a:lnRef idx="2">
+            <a:schemeClr val="accent1">
+              <a:shade val="50000"/>
+            </a:schemeClr>
+          </a:lnRef>
+          <a:fillRef idx="1">
+            <a:schemeClr val="accent1"/>
+          </a:fillRef>
+          <a:effectRef idx="0">
+            <a:schemeClr val="accent1"/>
+          </a:effectRef>
+          <a:fontRef idx="minor">
+            <a:schemeClr val="lt1"/>
+          </a:fontRef>
+        </p:style>
+        <p:txBody>
+          <a:bodyPr rtlCol="0" anchor="ctr"/>
+          <a:lstStyle/>
+          <a:p>
+            <a:pPr algn="ctr"/>
+            <a:endParaRPr lang="it-IT" sz="1600" dirty="0"/>
+          </a:p>
+        </p:txBody>
+      </p:sp>
+      <p:sp>
+        <p:nvSpPr>
+          <p:cNvPr id="14" name="CasellaDiTesto 13">
+            <a:extLst>
+              <a:ext uri="{FF2B5EF4-FFF2-40B4-BE49-F238E27FC236}">
+                <a16:creationId xmlns:a16="http://schemas.microsoft.com/office/drawing/2014/main" id="{5934B312-5A7F-4E43-AF0D-08072289EDC7}"/>
+              </a:ext>
+            </a:extLst>
+          </p:cNvPr>
+          <p:cNvSpPr txBox="1"/>
+          <p:nvPr/>
+        </p:nvSpPr>
+        <p:spPr>
+          <a:xfrm>
+            <a:off x="7752381" y="3541348"/>
+            <a:ext cx="774895" cy="400110"/>
+          </a:xfrm>
+          <a:prstGeom prst="rect">
+            <a:avLst/>
+          </a:prstGeom>
+          <a:noFill/>
+        </p:spPr>
+        <p:txBody>
+          <a:bodyPr wrap="square" rtlCol="0">
+            <a:spAutoFit/>
+          </a:bodyPr>
+          <a:lstStyle/>
+          <a:p>
+            <a:pPr algn="ctr"/>
+            <a:r>
+              <a:rPr lang="it-IT" sz="2000" dirty="0">
+                <a:solidFill>
+                  <a:schemeClr val="bg1"/>
+                </a:solidFill>
+                <a:latin typeface="Calibri (Corpo)"/>
+              </a:rPr>
+              <a:t>{u,s}</a:t>
+            </a:r>
+          </a:p>
+        </p:txBody>
+      </p:sp>
+      <mc:AlternateContent xmlns:mc="http://schemas.openxmlformats.org/markup-compatibility/2006">
+        <mc:Choice xmlns:a14="http://schemas.microsoft.com/office/drawing/2010/main" Requires="a14">
+          <p:sp>
+            <p:nvSpPr>
+              <p:cNvPr id="8" name="CasellaDiTesto 7">
+                <a:extLst>
+                  <a:ext uri="{FF2B5EF4-FFF2-40B4-BE49-F238E27FC236}">
+                    <a16:creationId xmlns:a16="http://schemas.microsoft.com/office/drawing/2014/main" id="{81056739-EC4E-429F-A481-6BE59B816182}"/>
+                  </a:ext>
+                </a:extLst>
+              </p:cNvPr>
+              <p:cNvSpPr txBox="1"/>
+              <p:nvPr/>
+            </p:nvSpPr>
+            <p:spPr>
+              <a:xfrm>
+                <a:off x="8098415" y="3578990"/>
+                <a:ext cx="1008724" cy="369332"/>
+              </a:xfrm>
+              <a:prstGeom prst="rect">
+                <a:avLst/>
+              </a:prstGeom>
+              <a:noFill/>
+            </p:spPr>
+            <p:txBody>
+              <a:bodyPr wrap="square" rtlCol="0">
+                <a:spAutoFit/>
+              </a:bodyPr>
+              <a:lstStyle/>
+              <a:p>
+                <a:pPr/>
+                <a14:m>
+                  <m:oMathPara xmlns:m="http://schemas.openxmlformats.org/officeDocument/2006/math">
+                    <m:oMathParaPr>
+                      <m:jc m:val="centerGroup"/>
+                    </m:oMathParaPr>
+                    <m:oMath xmlns:m="http://schemas.openxmlformats.org/officeDocument/2006/math">
+                      <m:r>
+                        <a:rPr lang="it-IT" b="0" i="1" smtClean="0">
+                          <a:solidFill>
+                            <a:srgbClr val="00B050"/>
+                          </a:solidFill>
+                          <a:latin typeface="Cambria Math" panose="02040503050406030204" pitchFamily="18" charset="0"/>
+                        </a:rPr>
+                        <m:t>1</m:t>
+                      </m:r>
+                    </m:oMath>
+                  </m:oMathPara>
+                </a14:m>
+                <a:endParaRPr lang="it-IT" dirty="0">
+                  <a:solidFill>
+                    <a:srgbClr val="00B050"/>
+                  </a:solidFill>
+                </a:endParaRPr>
+              </a:p>
+            </p:txBody>
+          </p:sp>
+        </mc:Choice>
+        <mc:Fallback>
+          <p:sp>
+            <p:nvSpPr>
+              <p:cNvPr id="8" name="CasellaDiTesto 7">
+                <a:extLst>
+                  <a:ext uri="{FF2B5EF4-FFF2-40B4-BE49-F238E27FC236}">
+                    <a16:creationId xmlns:a16="http://schemas.microsoft.com/office/drawing/2014/main" id="{81056739-EC4E-429F-A481-6BE59B816182}"/>
+                  </a:ext>
+                </a:extLst>
+              </p:cNvPr>
+              <p:cNvSpPr txBox="1">
+                <a:spLocks noRot="1" noChangeAspect="1" noMove="1" noResize="1" noEditPoints="1" noAdjustHandles="1" noChangeArrowheads="1" noChangeShapeType="1" noTextEdit="1"/>
+              </p:cNvSpPr>
+              <p:nvPr/>
+            </p:nvSpPr>
+            <p:spPr>
+              <a:xfrm>
+                <a:off x="8098415" y="3578990"/>
+                <a:ext cx="1008724" cy="369332"/>
+              </a:xfrm>
+              <a:prstGeom prst="rect">
+                <a:avLst/>
+              </a:prstGeom>
+              <a:blipFill>
+                <a:blip r:embed="rId2"/>
+                <a:stretch>
+                  <a:fillRect/>
+                </a:stretch>
+              </a:blipFill>
+            </p:spPr>
+            <p:txBody>
+              <a:bodyPr/>
+              <a:lstStyle/>
+              <a:p>
+                <a:r>
+                  <a:rPr lang="it-IT">
+                    <a:noFill/>
+                  </a:rPr>
+                  <a:t> </a:t>
+                </a:r>
+              </a:p>
+            </p:txBody>
+          </p:sp>
+        </mc:Fallback>
+      </mc:AlternateContent>
+      <mc:AlternateContent xmlns:mc="http://schemas.openxmlformats.org/markup-compatibility/2006">
+        <mc:Choice xmlns:a14="http://schemas.microsoft.com/office/drawing/2010/main" Requires="a14">
+          <p:sp>
+            <p:nvSpPr>
+              <p:cNvPr id="16" name="CasellaDiTesto 15">
+                <a:extLst>
+                  <a:ext uri="{FF2B5EF4-FFF2-40B4-BE49-F238E27FC236}">
+                    <a16:creationId xmlns:a16="http://schemas.microsoft.com/office/drawing/2014/main" id="{171B3DAE-2961-4D18-903B-004CC8F005FF}"/>
+                  </a:ext>
+                </a:extLst>
+              </p:cNvPr>
+              <p:cNvSpPr txBox="1"/>
+              <p:nvPr/>
+            </p:nvSpPr>
+            <p:spPr>
+              <a:xfrm>
+                <a:off x="8321254" y="4254105"/>
+                <a:ext cx="1008724" cy="369332"/>
+              </a:xfrm>
+              <a:prstGeom prst="rect">
+                <a:avLst/>
+              </a:prstGeom>
+              <a:noFill/>
+            </p:spPr>
+            <p:txBody>
+              <a:bodyPr wrap="square" rtlCol="0">
+                <a:spAutoFit/>
+              </a:bodyPr>
+              <a:lstStyle/>
+              <a:p>
+                <a:pPr/>
+                <a14:m>
+                  <m:oMathPara xmlns:m="http://schemas.openxmlformats.org/officeDocument/2006/math">
+                    <m:oMathParaPr>
+                      <m:jc m:val="centerGroup"/>
+                    </m:oMathParaPr>
+                    <m:oMath xmlns:m="http://schemas.openxmlformats.org/officeDocument/2006/math">
+                      <m:r>
+                        <a:rPr lang="it-IT" b="0" i="1" smtClean="0">
+                          <a:latin typeface="Cambria Math" panose="02040503050406030204" pitchFamily="18" charset="0"/>
+                        </a:rPr>
+                        <m:t>1</m:t>
+                      </m:r>
+                    </m:oMath>
+                  </m:oMathPara>
+                </a14:m>
+                <a:endParaRPr lang="it-IT" dirty="0"/>
+              </a:p>
+            </p:txBody>
+          </p:sp>
+        </mc:Choice>
+        <mc:Fallback>
+          <p:sp>
+            <p:nvSpPr>
+              <p:cNvPr id="16" name="CasellaDiTesto 15">
+                <a:extLst>
+                  <a:ext uri="{FF2B5EF4-FFF2-40B4-BE49-F238E27FC236}">
+                    <a16:creationId xmlns:a16="http://schemas.microsoft.com/office/drawing/2014/main" id="{171B3DAE-2961-4D18-903B-004CC8F005FF}"/>
+                  </a:ext>
+                </a:extLst>
+              </p:cNvPr>
+              <p:cNvSpPr txBox="1">
+                <a:spLocks noRot="1" noChangeAspect="1" noMove="1" noResize="1" noEditPoints="1" noAdjustHandles="1" noChangeArrowheads="1" noChangeShapeType="1" noTextEdit="1"/>
+              </p:cNvSpPr>
+              <p:nvPr/>
+            </p:nvSpPr>
+            <p:spPr>
+              <a:xfrm>
+                <a:off x="8321254" y="4254105"/>
+                <a:ext cx="1008724" cy="369332"/>
+              </a:xfrm>
+              <a:prstGeom prst="rect">
+                <a:avLst/>
+              </a:prstGeom>
+              <a:blipFill>
+                <a:blip r:embed="rId3"/>
+                <a:stretch>
+                  <a:fillRect/>
+                </a:stretch>
+              </a:blipFill>
+            </p:spPr>
+            <p:txBody>
+              <a:bodyPr/>
+              <a:lstStyle/>
+              <a:p>
+                <a:r>
+                  <a:rPr lang="it-IT">
+                    <a:noFill/>
+                  </a:rPr>
+                  <a:t> </a:t>
+                </a:r>
+              </a:p>
+            </p:txBody>
+          </p:sp>
+        </mc:Fallback>
+      </mc:AlternateContent>
+      <p:sp>
+        <p:nvSpPr>
+          <p:cNvPr id="18" name="CasellaDiTesto 17">
+            <a:extLst>
+              <a:ext uri="{FF2B5EF4-FFF2-40B4-BE49-F238E27FC236}">
+                <a16:creationId xmlns:a16="http://schemas.microsoft.com/office/drawing/2014/main" id="{1AFA9C27-6784-4325-8E76-326B422F483C}"/>
+              </a:ext>
+            </a:extLst>
+          </p:cNvPr>
+          <p:cNvSpPr txBox="1"/>
+          <p:nvPr/>
+        </p:nvSpPr>
+        <p:spPr>
+          <a:xfrm>
+            <a:off x="6866852" y="4254105"/>
+            <a:ext cx="1008724" cy="369332"/>
+          </a:xfrm>
+          <a:prstGeom prst="rect">
+            <a:avLst/>
+          </a:prstGeom>
+          <a:noFill/>
+        </p:spPr>
+        <p:txBody>
+          <a:bodyPr wrap="square" rtlCol="0">
+            <a:spAutoFit/>
+          </a:bodyPr>
+          <a:lstStyle/>
+          <a:p>
+            <a:pPr algn="ctr"/>
+            <a:r>
+              <a:rPr lang="it-IT" b="0" dirty="0"/>
+              <a:t>1</a:t>
+            </a:r>
+            <a:endParaRPr lang="it-IT" dirty="0"/>
+          </a:p>
+        </p:txBody>
+      </p:sp>
+      <p:sp>
+        <p:nvSpPr>
+          <p:cNvPr id="20" name="CasellaDiTesto 19">
+            <a:extLst>
+              <a:ext uri="{FF2B5EF4-FFF2-40B4-BE49-F238E27FC236}">
+                <a16:creationId xmlns:a16="http://schemas.microsoft.com/office/drawing/2014/main" id="{FDDE4BA2-5427-4671-82A5-07945AD6B98A}"/>
+              </a:ext>
+            </a:extLst>
+          </p:cNvPr>
+          <p:cNvSpPr txBox="1"/>
+          <p:nvPr/>
+        </p:nvSpPr>
+        <p:spPr>
+          <a:xfrm>
+            <a:off x="3282447" y="3563601"/>
+            <a:ext cx="774895" cy="400110"/>
+          </a:xfrm>
+          <a:prstGeom prst="rect">
+            <a:avLst/>
+          </a:prstGeom>
+          <a:noFill/>
+        </p:spPr>
+        <p:txBody>
+          <a:bodyPr wrap="square" rtlCol="0">
+            <a:spAutoFit/>
+          </a:bodyPr>
+          <a:lstStyle/>
+          <a:p>
+            <a:pPr algn="ctr"/>
+            <a:r>
+              <a:rPr lang="it-IT" sz="2000" dirty="0">
+                <a:solidFill>
+                  <a:schemeClr val="bg1"/>
+                </a:solidFill>
+                <a:latin typeface="Calibri (Corpo)"/>
+              </a:rPr>
+              <a:t>{f,b}</a:t>
+            </a:r>
+          </a:p>
+        </p:txBody>
+      </p:sp>
+      <mc:AlternateContent xmlns:mc="http://schemas.openxmlformats.org/markup-compatibility/2006">
+        <mc:Choice xmlns:a14="http://schemas.microsoft.com/office/drawing/2010/main" Requires="a14">
+          <p:sp>
+            <p:nvSpPr>
+              <p:cNvPr id="30" name="CasellaDiTesto 29">
+                <a:extLst>
+                  <a:ext uri="{FF2B5EF4-FFF2-40B4-BE49-F238E27FC236}">
+                    <a16:creationId xmlns:a16="http://schemas.microsoft.com/office/drawing/2014/main" id="{4C26C04C-A6CB-450F-AF79-BEAC75DDC3AA}"/>
+                  </a:ext>
+                </a:extLst>
+              </p:cNvPr>
+              <p:cNvSpPr txBox="1"/>
+              <p:nvPr/>
+            </p:nvSpPr>
+            <p:spPr>
+              <a:xfrm>
+                <a:off x="3927659" y="4254105"/>
+                <a:ext cx="1008724" cy="369332"/>
+              </a:xfrm>
+              <a:prstGeom prst="rect">
+                <a:avLst/>
+              </a:prstGeom>
+              <a:noFill/>
+            </p:spPr>
+            <p:txBody>
+              <a:bodyPr wrap="square" rtlCol="0">
+                <a:spAutoFit/>
+              </a:bodyPr>
+              <a:lstStyle/>
+              <a:p>
+                <a:pPr/>
+                <a14:m>
+                  <m:oMathPara xmlns:m="http://schemas.openxmlformats.org/officeDocument/2006/math">
+                    <m:oMathParaPr>
+                      <m:jc m:val="centerGroup"/>
+                    </m:oMathParaPr>
+                    <m:oMath xmlns:m="http://schemas.openxmlformats.org/officeDocument/2006/math">
+                      <m:r>
+                        <a:rPr lang="it-IT" b="0" i="1" smtClean="0">
+                          <a:latin typeface="Cambria Math" panose="02040503050406030204" pitchFamily="18" charset="0"/>
+                        </a:rPr>
+                        <m:t>1,5</m:t>
+                      </m:r>
+                    </m:oMath>
+                  </m:oMathPara>
+                </a14:m>
+                <a:endParaRPr lang="it-IT" dirty="0"/>
+              </a:p>
+            </p:txBody>
+          </p:sp>
+        </mc:Choice>
+        <mc:Fallback>
+          <p:sp>
+            <p:nvSpPr>
+              <p:cNvPr id="30" name="CasellaDiTesto 29">
+                <a:extLst>
+                  <a:ext uri="{FF2B5EF4-FFF2-40B4-BE49-F238E27FC236}">
+                    <a16:creationId xmlns:a16="http://schemas.microsoft.com/office/drawing/2014/main" id="{4C26C04C-A6CB-450F-AF79-BEAC75DDC3AA}"/>
+                  </a:ext>
+                </a:extLst>
+              </p:cNvPr>
+              <p:cNvSpPr txBox="1">
+                <a:spLocks noRot="1" noChangeAspect="1" noMove="1" noResize="1" noEditPoints="1" noAdjustHandles="1" noChangeArrowheads="1" noChangeShapeType="1" noTextEdit="1"/>
+              </p:cNvSpPr>
+              <p:nvPr/>
+            </p:nvSpPr>
+            <p:spPr>
+              <a:xfrm>
+                <a:off x="3927659" y="4254105"/>
+                <a:ext cx="1008724" cy="369332"/>
+              </a:xfrm>
+              <a:prstGeom prst="rect">
+                <a:avLst/>
+              </a:prstGeom>
+              <a:blipFill>
+                <a:blip r:embed="rId4"/>
+                <a:stretch>
+                  <a:fillRect/>
+                </a:stretch>
+              </a:blipFill>
+            </p:spPr>
+            <p:txBody>
+              <a:bodyPr/>
+              <a:lstStyle/>
+              <a:p>
+                <a:r>
+                  <a:rPr lang="it-IT">
+                    <a:noFill/>
+                  </a:rPr>
+                  <a:t> </a:t>
+                </a:r>
+              </a:p>
+            </p:txBody>
+          </p:sp>
+        </mc:Fallback>
+      </mc:AlternateContent>
+      <p:sp>
+        <p:nvSpPr>
+          <p:cNvPr id="31" name="CasellaDiTesto 30">
+            <a:extLst>
+              <a:ext uri="{FF2B5EF4-FFF2-40B4-BE49-F238E27FC236}">
+                <a16:creationId xmlns:a16="http://schemas.microsoft.com/office/drawing/2014/main" id="{86800B97-6AFC-45F6-808D-DCD369B92D9E}"/>
+              </a:ext>
+            </a:extLst>
+          </p:cNvPr>
+          <p:cNvSpPr txBox="1"/>
+          <p:nvPr/>
+        </p:nvSpPr>
+        <p:spPr>
+          <a:xfrm>
+            <a:off x="2406145" y="4254105"/>
+            <a:ext cx="1008724" cy="369332"/>
+          </a:xfrm>
+          <a:prstGeom prst="rect">
+            <a:avLst/>
+          </a:prstGeom>
+          <a:noFill/>
+        </p:spPr>
+        <p:txBody>
+          <a:bodyPr wrap="square" rtlCol="0">
+            <a:spAutoFit/>
+          </a:bodyPr>
+          <a:lstStyle/>
+          <a:p>
+            <a:pPr algn="ctr"/>
+            <a:r>
+              <a:rPr lang="it-IT" b="0" dirty="0"/>
+              <a:t>1,5</a:t>
+            </a:r>
+            <a:endParaRPr lang="it-IT" dirty="0"/>
+          </a:p>
+        </p:txBody>
+      </p:sp>
+      <mc:AlternateContent xmlns:mc="http://schemas.openxmlformats.org/markup-compatibility/2006">
+        <mc:Choice xmlns:a14="http://schemas.microsoft.com/office/drawing/2010/main" Requires="a14">
+          <p:sp>
+            <p:nvSpPr>
+              <p:cNvPr id="33" name="CasellaDiTesto 32">
+                <a:extLst>
+                  <a:ext uri="{FF2B5EF4-FFF2-40B4-BE49-F238E27FC236}">
+                    <a16:creationId xmlns:a16="http://schemas.microsoft.com/office/drawing/2014/main" id="{EE652E12-7591-4DE5-9D20-E85FA01D820A}"/>
+                  </a:ext>
+                </a:extLst>
+              </p:cNvPr>
+              <p:cNvSpPr txBox="1"/>
+              <p:nvPr/>
+            </p:nvSpPr>
+            <p:spPr>
+              <a:xfrm>
+                <a:off x="2647483" y="3578990"/>
+                <a:ext cx="1008724" cy="369332"/>
+              </a:xfrm>
+              <a:prstGeom prst="rect">
+                <a:avLst/>
+              </a:prstGeom>
+              <a:noFill/>
+            </p:spPr>
+            <p:txBody>
+              <a:bodyPr wrap="square" rtlCol="0">
+                <a:spAutoFit/>
+              </a:bodyPr>
+              <a:lstStyle/>
+              <a:p>
+                <a:pPr/>
+                <a14:m>
+                  <m:oMathPara xmlns:m="http://schemas.openxmlformats.org/officeDocument/2006/math">
+                    <m:oMathParaPr>
+                      <m:jc m:val="centerGroup"/>
+                    </m:oMathParaPr>
+                    <m:oMath xmlns:m="http://schemas.openxmlformats.org/officeDocument/2006/math">
+                      <m:r>
+                        <a:rPr lang="it-IT" b="0" i="1" smtClean="0">
+                          <a:solidFill>
+                            <a:srgbClr val="00B050"/>
+                          </a:solidFill>
+                          <a:latin typeface="Cambria Math" panose="02040503050406030204" pitchFamily="18" charset="0"/>
+                        </a:rPr>
+                        <m:t>1,5</m:t>
+                      </m:r>
+                    </m:oMath>
+                  </m:oMathPara>
+                </a14:m>
+                <a:endParaRPr lang="it-IT" dirty="0">
+                  <a:solidFill>
+                    <a:srgbClr val="00B050"/>
+                  </a:solidFill>
+                </a:endParaRPr>
+              </a:p>
+            </p:txBody>
+          </p:sp>
+        </mc:Choice>
+        <mc:Fallback>
+          <p:sp>
+            <p:nvSpPr>
+              <p:cNvPr id="33" name="CasellaDiTesto 32">
+                <a:extLst>
+                  <a:ext uri="{FF2B5EF4-FFF2-40B4-BE49-F238E27FC236}">
+                    <a16:creationId xmlns:a16="http://schemas.microsoft.com/office/drawing/2014/main" id="{EE652E12-7591-4DE5-9D20-E85FA01D820A}"/>
+                  </a:ext>
+                </a:extLst>
+              </p:cNvPr>
+              <p:cNvSpPr txBox="1">
+                <a:spLocks noRot="1" noChangeAspect="1" noMove="1" noResize="1" noEditPoints="1" noAdjustHandles="1" noChangeArrowheads="1" noChangeShapeType="1" noTextEdit="1"/>
+              </p:cNvSpPr>
+              <p:nvPr/>
+            </p:nvSpPr>
+            <p:spPr>
+              <a:xfrm>
+                <a:off x="2647483" y="3578990"/>
+                <a:ext cx="1008724" cy="369332"/>
+              </a:xfrm>
+              <a:prstGeom prst="rect">
+                <a:avLst/>
+              </a:prstGeom>
+              <a:blipFill>
+                <a:blip r:embed="rId5"/>
+                <a:stretch>
+                  <a:fillRect/>
+                </a:stretch>
+              </a:blipFill>
+            </p:spPr>
+            <p:txBody>
+              <a:bodyPr/>
+              <a:lstStyle/>
+              <a:p>
+                <a:r>
+                  <a:rPr lang="it-IT">
+                    <a:noFill/>
+                  </a:rPr>
+                  <a:t> </a:t>
+                </a:r>
+              </a:p>
+            </p:txBody>
+          </p:sp>
+        </mc:Fallback>
+      </mc:AlternateContent>
+      <p:sp>
+        <p:nvSpPr>
+          <p:cNvPr id="34" name="Ovale 33">
+            <a:extLst>
+              <a:ext uri="{FF2B5EF4-FFF2-40B4-BE49-F238E27FC236}">
+                <a16:creationId xmlns:a16="http://schemas.microsoft.com/office/drawing/2014/main" id="{116019B3-6CFB-43A4-85A6-F7A1D02A725C}"/>
+              </a:ext>
+            </a:extLst>
+          </p:cNvPr>
+          <p:cNvSpPr/>
+          <p:nvPr/>
+        </p:nvSpPr>
+        <p:spPr>
+          <a:xfrm>
+            <a:off x="5592146" y="1706935"/>
+            <a:ext cx="751624" cy="612395"/>
+          </a:xfrm>
+          <a:prstGeom prst="ellipse">
+            <a:avLst/>
+          </a:prstGeom>
+          <a:solidFill>
+            <a:schemeClr val="bg2">
+              <a:lumMod val="50000"/>
+            </a:schemeClr>
+          </a:solidFill>
+          <a:ln>
+            <a:solidFill>
+              <a:schemeClr val="tx1">
+                <a:lumMod val="85000"/>
+                <a:lumOff val="15000"/>
+              </a:schemeClr>
+            </a:solidFill>
+          </a:ln>
+        </p:spPr>
+        <p:style>
+          <a:lnRef idx="2">
+            <a:schemeClr val="accent1">
+              <a:shade val="50000"/>
+            </a:schemeClr>
+          </a:lnRef>
+          <a:fillRef idx="1">
+            <a:schemeClr val="accent1"/>
+          </a:fillRef>
+          <a:effectRef idx="0">
+            <a:schemeClr val="accent1"/>
+          </a:effectRef>
+          <a:fontRef idx="minor">
+            <a:schemeClr val="lt1"/>
+          </a:fontRef>
+        </p:style>
+        <p:txBody>
+          <a:bodyPr rtlCol="0" anchor="ctr"/>
+          <a:lstStyle/>
+          <a:p>
+            <a:pPr algn="ctr"/>
+            <a:endParaRPr lang="it-IT" sz="1600" dirty="0"/>
+          </a:p>
+        </p:txBody>
+      </p:sp>
+      <p:sp>
+        <p:nvSpPr>
+          <p:cNvPr id="35" name="CasellaDiTesto 34">
+            <a:extLst>
+              <a:ext uri="{FF2B5EF4-FFF2-40B4-BE49-F238E27FC236}">
+                <a16:creationId xmlns:a16="http://schemas.microsoft.com/office/drawing/2014/main" id="{091A3697-DA31-4CDA-9537-E188360C4717}"/>
+              </a:ext>
+            </a:extLst>
+          </p:cNvPr>
+          <p:cNvSpPr txBox="1"/>
+          <p:nvPr/>
+        </p:nvSpPr>
+        <p:spPr>
+          <a:xfrm>
+            <a:off x="5445478" y="1843856"/>
+            <a:ext cx="1044961" cy="338554"/>
+          </a:xfrm>
+          <a:prstGeom prst="rect">
+            <a:avLst/>
+          </a:prstGeom>
+          <a:noFill/>
+        </p:spPr>
+        <p:txBody>
+          <a:bodyPr wrap="square" rtlCol="0">
+            <a:spAutoFit/>
+          </a:bodyPr>
+          <a:lstStyle/>
+          <a:p>
+            <a:pPr algn="ctr"/>
+            <a:r>
+              <a:rPr lang="it-IT" sz="1600" dirty="0">
+                <a:solidFill>
+                  <a:schemeClr val="bg1"/>
+                </a:solidFill>
+                <a:latin typeface="Calibri (Corpo)"/>
+              </a:rPr>
+              <a:t>{f,b,u,s}</a:t>
+            </a:r>
+          </a:p>
+        </p:txBody>
+      </p:sp>
+      <mc:AlternateContent xmlns:mc="http://schemas.openxmlformats.org/markup-compatibility/2006">
+        <mc:Choice xmlns:a14="http://schemas.microsoft.com/office/drawing/2010/main" Requires="a14">
+          <p:sp>
+            <p:nvSpPr>
+              <p:cNvPr id="38" name="CasellaDiTesto 37">
+                <a:extLst>
+                  <a:ext uri="{FF2B5EF4-FFF2-40B4-BE49-F238E27FC236}">
+                    <a16:creationId xmlns:a16="http://schemas.microsoft.com/office/drawing/2014/main" id="{2A8B67B7-C5C8-4731-8A8D-E48AB4774253}"/>
+                  </a:ext>
+                </a:extLst>
+              </p:cNvPr>
+              <p:cNvSpPr txBox="1"/>
+              <p:nvPr/>
+            </p:nvSpPr>
+            <p:spPr>
+              <a:xfrm>
+                <a:off x="5444084" y="1353320"/>
+                <a:ext cx="1008724" cy="369332"/>
+              </a:xfrm>
+              <a:prstGeom prst="rect">
+                <a:avLst/>
+              </a:prstGeom>
+              <a:noFill/>
+            </p:spPr>
+            <p:txBody>
+              <a:bodyPr wrap="square" rtlCol="0">
+                <a:spAutoFit/>
+              </a:bodyPr>
+              <a:lstStyle/>
+              <a:p>
+                <a:pPr/>
+                <a14:m>
+                  <m:oMathPara xmlns:m="http://schemas.openxmlformats.org/officeDocument/2006/math">
+                    <m:oMathParaPr>
+                      <m:jc m:val="centerGroup"/>
+                    </m:oMathParaPr>
+                    <m:oMath xmlns:m="http://schemas.openxmlformats.org/officeDocument/2006/math">
+                      <m:r>
+                        <a:rPr lang="it-IT" b="0" i="1" smtClean="0">
+                          <a:solidFill>
+                            <a:srgbClr val="00B050"/>
+                          </a:solidFill>
+                          <a:latin typeface="Cambria Math" panose="02040503050406030204" pitchFamily="18" charset="0"/>
+                        </a:rPr>
+                        <m:t>2</m:t>
+                      </m:r>
+                    </m:oMath>
+                  </m:oMathPara>
+                </a14:m>
+                <a:endParaRPr lang="it-IT" dirty="0">
+                  <a:solidFill>
+                    <a:srgbClr val="00B050"/>
+                  </a:solidFill>
+                </a:endParaRPr>
+              </a:p>
+            </p:txBody>
+          </p:sp>
+        </mc:Choice>
+        <mc:Fallback>
+          <p:sp>
+            <p:nvSpPr>
+              <p:cNvPr id="38" name="CasellaDiTesto 37">
+                <a:extLst>
+                  <a:ext uri="{FF2B5EF4-FFF2-40B4-BE49-F238E27FC236}">
+                    <a16:creationId xmlns:a16="http://schemas.microsoft.com/office/drawing/2014/main" id="{2A8B67B7-C5C8-4731-8A8D-E48AB4774253}"/>
+                  </a:ext>
+                </a:extLst>
+              </p:cNvPr>
+              <p:cNvSpPr txBox="1">
+                <a:spLocks noRot="1" noChangeAspect="1" noMove="1" noResize="1" noEditPoints="1" noAdjustHandles="1" noChangeArrowheads="1" noChangeShapeType="1" noTextEdit="1"/>
+              </p:cNvSpPr>
+              <p:nvPr/>
+            </p:nvSpPr>
+            <p:spPr>
+              <a:xfrm>
+                <a:off x="5444084" y="1353320"/>
+                <a:ext cx="1008724" cy="369332"/>
+              </a:xfrm>
+              <a:prstGeom prst="rect">
+                <a:avLst/>
+              </a:prstGeom>
+              <a:blipFill>
+                <a:blip r:embed="rId6"/>
+                <a:stretch>
+                  <a:fillRect/>
+                </a:stretch>
+              </a:blipFill>
+            </p:spPr>
+            <p:txBody>
+              <a:bodyPr/>
+              <a:lstStyle/>
+              <a:p>
+                <a:r>
+                  <a:rPr lang="it-IT">
+                    <a:noFill/>
+                  </a:rPr>
+                  <a:t> </a:t>
+                </a:r>
+              </a:p>
+            </p:txBody>
+          </p:sp>
+        </mc:Fallback>
+      </mc:AlternateContent>
+      <p:sp>
+        <p:nvSpPr>
+          <p:cNvPr id="39" name="CasellaDiTesto 38">
+            <a:extLst>
+              <a:ext uri="{FF2B5EF4-FFF2-40B4-BE49-F238E27FC236}">
+                <a16:creationId xmlns:a16="http://schemas.microsoft.com/office/drawing/2014/main" id="{3A289AB5-37D1-45BE-A22B-A2EBA8955A84}"/>
+              </a:ext>
+            </a:extLst>
+          </p:cNvPr>
+          <p:cNvSpPr txBox="1"/>
+          <p:nvPr/>
+        </p:nvSpPr>
+        <p:spPr>
+          <a:xfrm>
+            <a:off x="3960154" y="2603701"/>
+            <a:ext cx="1008724" cy="369332"/>
+          </a:xfrm>
+          <a:prstGeom prst="rect">
+            <a:avLst/>
+          </a:prstGeom>
+          <a:noFill/>
+        </p:spPr>
+        <p:txBody>
+          <a:bodyPr wrap="square" rtlCol="0">
+            <a:spAutoFit/>
+          </a:bodyPr>
+          <a:lstStyle/>
+          <a:p>
+            <a:pPr algn="ctr"/>
+            <a:r>
+              <a:rPr lang="it-IT" b="0" dirty="0"/>
+              <a:t>0,5</a:t>
+            </a:r>
+            <a:endParaRPr lang="it-IT" dirty="0"/>
+          </a:p>
+        </p:txBody>
+      </p:sp>
+      <mc:AlternateContent xmlns:mc="http://schemas.openxmlformats.org/markup-compatibility/2006">
+        <mc:Choice xmlns:a14="http://schemas.microsoft.com/office/drawing/2010/main" Requires="a14">
+          <p:sp>
+            <p:nvSpPr>
+              <p:cNvPr id="40" name="CasellaDiTesto 39">
+                <a:extLst>
+                  <a:ext uri="{FF2B5EF4-FFF2-40B4-BE49-F238E27FC236}">
+                    <a16:creationId xmlns:a16="http://schemas.microsoft.com/office/drawing/2014/main" id="{3D07FC30-ECC2-4AA6-B5E2-AE81EED5E92A}"/>
+                  </a:ext>
+                </a:extLst>
+              </p:cNvPr>
+              <p:cNvSpPr txBox="1"/>
+              <p:nvPr/>
+            </p:nvSpPr>
+            <p:spPr>
+              <a:xfrm>
+                <a:off x="6704026" y="2603701"/>
+                <a:ext cx="1008724" cy="369332"/>
+              </a:xfrm>
+              <a:prstGeom prst="rect">
+                <a:avLst/>
+              </a:prstGeom>
+              <a:noFill/>
+            </p:spPr>
+            <p:txBody>
+              <a:bodyPr wrap="square" rtlCol="0">
+                <a:spAutoFit/>
+              </a:bodyPr>
+              <a:lstStyle/>
+              <a:p>
+                <a:pPr/>
+                <a14:m>
+                  <m:oMathPara xmlns:m="http://schemas.openxmlformats.org/officeDocument/2006/math">
+                    <m:oMathParaPr>
+                      <m:jc m:val="centerGroup"/>
+                    </m:oMathParaPr>
+                    <m:oMath xmlns:m="http://schemas.openxmlformats.org/officeDocument/2006/math">
+                      <m:r>
+                        <a:rPr lang="it-IT" b="0" i="1" smtClean="0">
+                          <a:latin typeface="Cambria Math" panose="02040503050406030204" pitchFamily="18" charset="0"/>
+                        </a:rPr>
+                        <m:t>1</m:t>
+                      </m:r>
+                    </m:oMath>
+                  </m:oMathPara>
+                </a14:m>
+                <a:endParaRPr lang="it-IT" dirty="0"/>
+              </a:p>
+            </p:txBody>
+          </p:sp>
+        </mc:Choice>
+        <mc:Fallback>
+          <p:sp>
+            <p:nvSpPr>
+              <p:cNvPr id="40" name="CasellaDiTesto 39">
+                <a:extLst>
+                  <a:ext uri="{FF2B5EF4-FFF2-40B4-BE49-F238E27FC236}">
+                    <a16:creationId xmlns:a16="http://schemas.microsoft.com/office/drawing/2014/main" id="{3D07FC30-ECC2-4AA6-B5E2-AE81EED5E92A}"/>
+                  </a:ext>
+                </a:extLst>
+              </p:cNvPr>
+              <p:cNvSpPr txBox="1">
+                <a:spLocks noRot="1" noChangeAspect="1" noMove="1" noResize="1" noEditPoints="1" noAdjustHandles="1" noChangeArrowheads="1" noChangeShapeType="1" noTextEdit="1"/>
+              </p:cNvSpPr>
+              <p:nvPr/>
+            </p:nvSpPr>
+            <p:spPr>
+              <a:xfrm>
+                <a:off x="6704026" y="2603701"/>
+                <a:ext cx="1008724" cy="369332"/>
+              </a:xfrm>
+              <a:prstGeom prst="rect">
+                <a:avLst/>
+              </a:prstGeom>
+              <a:blipFill>
+                <a:blip r:embed="rId7"/>
+                <a:stretch>
+                  <a:fillRect/>
+                </a:stretch>
+              </a:blipFill>
+            </p:spPr>
+            <p:txBody>
+              <a:bodyPr/>
+              <a:lstStyle/>
+              <a:p>
+                <a:r>
+                  <a:rPr lang="it-IT">
+                    <a:noFill/>
+                  </a:rPr>
+                  <a:t> </a:t>
+                </a:r>
+              </a:p>
+            </p:txBody>
+          </p:sp>
+        </mc:Fallback>
+      </mc:AlternateContent>
+    </p:spTree>
+    <p:extLst>
+      <p:ext uri="{BB962C8B-B14F-4D97-AF65-F5344CB8AC3E}">
+        <p14:creationId xmlns:p14="http://schemas.microsoft.com/office/powerpoint/2010/main" val="317469415"/>
       </p:ext>
     </p:extLst>
   </p:cSld>
